--- a/Vorlesung/Folien/CallbackHell.pptx
+++ b/Vorlesung/Folien/CallbackHell.pptx
@@ -5,25 +5,36 @@
     <p:sldMasterId id="2147483741" r:id="rId1"/>
   </p:sldMasterIdLst>
   <p:notesMasterIdLst>
-    <p:notesMasterId r:id="rId15"/>
+    <p:notesMasterId r:id="rId26"/>
   </p:notesMasterIdLst>
   <p:handoutMasterIdLst>
-    <p:handoutMasterId r:id="rId16"/>
+    <p:handoutMasterId r:id="rId27"/>
   </p:handoutMasterIdLst>
   <p:sldIdLst>
     <p:sldId id="300" r:id="rId2"/>
     <p:sldId id="307" r:id="rId3"/>
     <p:sldId id="308" r:id="rId4"/>
     <p:sldId id="309" r:id="rId5"/>
-    <p:sldId id="301" r:id="rId6"/>
-    <p:sldId id="310" r:id="rId7"/>
-    <p:sldId id="311" r:id="rId8"/>
-    <p:sldId id="314" r:id="rId9"/>
-    <p:sldId id="315" r:id="rId10"/>
-    <p:sldId id="303" r:id="rId11"/>
-    <p:sldId id="312" r:id="rId12"/>
-    <p:sldId id="313" r:id="rId13"/>
-    <p:sldId id="316" r:id="rId14"/>
+    <p:sldId id="324" r:id="rId6"/>
+    <p:sldId id="301" r:id="rId7"/>
+    <p:sldId id="310" r:id="rId8"/>
+    <p:sldId id="311" r:id="rId9"/>
+    <p:sldId id="314" r:id="rId10"/>
+    <p:sldId id="315" r:id="rId11"/>
+    <p:sldId id="317" r:id="rId12"/>
+    <p:sldId id="318" r:id="rId13"/>
+    <p:sldId id="319" r:id="rId14"/>
+    <p:sldId id="320" r:id="rId15"/>
+    <p:sldId id="321" r:id="rId16"/>
+    <p:sldId id="322" r:id="rId17"/>
+    <p:sldId id="325" r:id="rId18"/>
+    <p:sldId id="326" r:id="rId19"/>
+    <p:sldId id="303" r:id="rId20"/>
+    <p:sldId id="312" r:id="rId21"/>
+    <p:sldId id="327" r:id="rId22"/>
+    <p:sldId id="328" r:id="rId23"/>
+    <p:sldId id="313" r:id="rId24"/>
+    <p:sldId id="316" r:id="rId25"/>
   </p:sldIdLst>
   <p:sldSz cx="9144000" cy="6858000" type="screen4x3"/>
   <p:notesSz cx="6858000" cy="9144000"/>
@@ -2955,7 +2966,26 @@
         </p:spPr>
         <p:txBody>
           <a:bodyPr/>
-          <a:lstStyle/>
+          <a:lstStyle>
+            <a:lvl1pPr>
+              <a:spcBef>
+                <a:spcPts val="1000"/>
+              </a:spcBef>
+              <a:defRPr sz="2800"/>
+            </a:lvl1pPr>
+            <a:lvl2pPr>
+              <a:defRPr sz="2400"/>
+            </a:lvl2pPr>
+            <a:lvl3pPr>
+              <a:defRPr sz="2000"/>
+            </a:lvl3pPr>
+            <a:lvl4pPr>
+              <a:defRPr sz="1800"/>
+            </a:lvl4pPr>
+            <a:lvl5pPr>
+              <a:defRPr sz="1800"/>
+            </a:lvl5pPr>
+          </a:lstStyle>
           <a:p>
             <a:pPr lvl="0"/>
             <a:r>
@@ -6553,18 +6583,18 @@
       </p:grpSpPr>
       <p:sp>
         <p:nvSpPr>
-          <p:cNvPr id="4" name="Datumsplatzhalter 3">
-            <a:extLst>
-              <a:ext uri="{FF2B5EF4-FFF2-40B4-BE49-F238E27FC236}">
-                <a16:creationId xmlns:a16="http://schemas.microsoft.com/office/drawing/2014/main" id="{27995888-D59D-C64D-B59D-C22DD6FF9548}"/>
-              </a:ext>
-            </a:extLst>
-          </p:cNvPr>
-          <p:cNvSpPr>
-            <a:spLocks noGrp="1"/>
-          </p:cNvSpPr>
-          <p:nvPr>
-            <p:ph type="dt" sz="half" idx="2"/>
+          <p:cNvPr id="2" name="Titel 1">
+            <a:extLst>
+              <a:ext uri="{FF2B5EF4-FFF2-40B4-BE49-F238E27FC236}">
+                <a16:creationId xmlns:a16="http://schemas.microsoft.com/office/drawing/2014/main" id="{A5006126-2756-904E-A8BF-32DC95AF23D3}"/>
+              </a:ext>
+            </a:extLst>
+          </p:cNvPr>
+          <p:cNvSpPr>
+            <a:spLocks noGrp="1"/>
+          </p:cNvSpPr>
+          <p:nvPr>
+            <p:ph type="title"/>
           </p:nvPr>
         </p:nvSpPr>
         <p:spPr/>
@@ -6573,6 +6603,38 @@
           <a:lstStyle/>
           <a:p>
             <a:r>
+              <a:rPr lang="de-DE" dirty="0" err="1"/>
+              <a:t>Hadouken</a:t>
+            </a:r>
+            <a:r>
+              <a:rPr lang="de-DE" dirty="0"/>
+              <a:t> Code</a:t>
+            </a:r>
+          </a:p>
+        </p:txBody>
+      </p:sp>
+      <p:sp>
+        <p:nvSpPr>
+          <p:cNvPr id="4" name="Datumsplatzhalter 3">
+            <a:extLst>
+              <a:ext uri="{FF2B5EF4-FFF2-40B4-BE49-F238E27FC236}">
+                <a16:creationId xmlns:a16="http://schemas.microsoft.com/office/drawing/2014/main" id="{5543B59C-0E8B-DB43-9254-51CCB22F2AD5}"/>
+              </a:ext>
+            </a:extLst>
+          </p:cNvPr>
+          <p:cNvSpPr>
+            <a:spLocks noGrp="1"/>
+          </p:cNvSpPr>
+          <p:nvPr>
+            <p:ph type="dt" sz="half" idx="2"/>
+          </p:nvPr>
+        </p:nvSpPr>
+        <p:spPr/>
+        <p:txBody>
+          <a:bodyPr/>
+          <a:lstStyle/>
+          <a:p>
+            <a:r>
               <a:rPr lang="de-DE"/>
               <a:t>C. Karow</a:t>
             </a:r>
@@ -6585,7 +6647,7 @@
           <p:cNvPr id="5" name="Fußzeilenplatzhalter 4">
             <a:extLst>
               <a:ext uri="{FF2B5EF4-FFF2-40B4-BE49-F238E27FC236}">
-                <a16:creationId xmlns:a16="http://schemas.microsoft.com/office/drawing/2014/main" id="{8A4F1D3D-BD50-E54A-AEEC-728AD0E3AC1D}"/>
+                <a16:creationId xmlns:a16="http://schemas.microsoft.com/office/drawing/2014/main" id="{6D3BBFED-83E0-9C42-A194-AC8E4DE7194B}"/>
               </a:ext>
             </a:extLst>
           </p:cNvPr>
@@ -6614,7 +6676,7 @@
           <p:cNvPr id="6" name="Foliennummernplatzhalter 5">
             <a:extLst>
               <a:ext uri="{FF2B5EF4-FFF2-40B4-BE49-F238E27FC236}">
-                <a16:creationId xmlns:a16="http://schemas.microsoft.com/office/drawing/2014/main" id="{44D015F9-81FA-D441-8295-4873ED49719C}"/>
+                <a16:creationId xmlns:a16="http://schemas.microsoft.com/office/drawing/2014/main" id="{046089E6-30D2-4349-AAF6-9E2E2E74C7E5}"/>
               </a:ext>
             </a:extLst>
           </p:cNvPr>
@@ -6639,136 +6701,40 @@
           </a:p>
         </p:txBody>
       </p:sp>
-      <p:sp>
-        <p:nvSpPr>
-          <p:cNvPr id="8" name="Inhaltsplatzhalter 7">
-            <a:extLst>
-              <a:ext uri="{FF2B5EF4-FFF2-40B4-BE49-F238E27FC236}">
-                <a16:creationId xmlns:a16="http://schemas.microsoft.com/office/drawing/2014/main" id="{447DE7A3-111F-3344-940A-D56A938C7367}"/>
-              </a:ext>
-            </a:extLst>
-          </p:cNvPr>
-          <p:cNvSpPr>
-            <a:spLocks noGrp="1"/>
-          </p:cNvSpPr>
-          <p:nvPr>
-            <p:ph idx="1"/>
-          </p:nvPr>
-        </p:nvSpPr>
+      <p:pic>
+        <p:nvPicPr>
+          <p:cNvPr id="7" name="Grafik 6">
+            <a:extLst>
+              <a:ext uri="{FF2B5EF4-FFF2-40B4-BE49-F238E27FC236}">
+                <a16:creationId xmlns:a16="http://schemas.microsoft.com/office/drawing/2014/main" id="{CC8B1CC7-58A1-194F-9D78-86443AAC106A}"/>
+              </a:ext>
+            </a:extLst>
+          </p:cNvPr>
+          <p:cNvPicPr>
+            <a:picLocks noChangeAspect="1"/>
+          </p:cNvPicPr>
+          <p:nvPr/>
+        </p:nvPicPr>
+        <p:blipFill>
+          <a:blip r:embed="rId2"/>
+          <a:stretch>
+            <a:fillRect/>
+          </a:stretch>
+        </p:blipFill>
         <p:spPr>
           <a:xfrm>
-            <a:off x="457200" y="1124744"/>
-            <a:ext cx="8229600" cy="4713387"/>
+            <a:off x="1475656" y="1340768"/>
+            <a:ext cx="6264696" cy="4437493"/>
           </a:xfrm>
+          <a:prstGeom prst="rect">
+            <a:avLst/>
+          </a:prstGeom>
         </p:spPr>
-        <p:txBody>
-          <a:bodyPr>
-            <a:normAutofit/>
-          </a:bodyPr>
-          <a:lstStyle/>
-          <a:p>
-            <a:r>
-              <a:rPr lang="de-DE" dirty="0" err="1"/>
-              <a:t>Javascript</a:t>
-            </a:r>
-            <a:r>
-              <a:rPr lang="de-DE" dirty="0"/>
-              <a:t> definiert das Konzept des „</a:t>
-            </a:r>
-            <a:r>
-              <a:rPr lang="de-DE" dirty="0" err="1"/>
-              <a:t>Promise</a:t>
-            </a:r>
-            <a:r>
-              <a:rPr lang="de-DE" dirty="0"/>
-              <a:t>“</a:t>
-            </a:r>
-          </a:p>
-          <a:p>
-            <a:r>
-              <a:rPr lang="de-DE" dirty="0"/>
-              <a:t>Versprechen eines Ergebnisses</a:t>
-            </a:r>
-          </a:p>
-          <a:p>
-            <a:pPr lvl="1"/>
-            <a:r>
-              <a:rPr lang="de-DE" dirty="0"/>
-              <a:t>Muss noch nicht unbedingt vorliegen (weil die Berechnung noch andauert)</a:t>
-            </a:r>
-          </a:p>
-          <a:p>
-            <a:r>
-              <a:rPr lang="de-DE" dirty="0"/>
-              <a:t>Zwei Fälle:</a:t>
-            </a:r>
-          </a:p>
-          <a:p>
-            <a:pPr lvl="1"/>
-            <a:r>
-              <a:rPr lang="de-DE" dirty="0" err="1"/>
-              <a:t>Resolve</a:t>
-            </a:r>
-            <a:r>
-              <a:rPr lang="de-DE" dirty="0"/>
-              <a:t>: Die asynchrone Operation war erfolgreich und das Ergebnis liegt vor.</a:t>
-            </a:r>
-          </a:p>
-          <a:p>
-            <a:pPr lvl="1"/>
-            <a:r>
-              <a:rPr lang="de-DE" dirty="0" err="1"/>
-              <a:t>Reject</a:t>
-            </a:r>
-            <a:r>
-              <a:rPr lang="de-DE" dirty="0"/>
-              <a:t>: Im Fehlerfall</a:t>
-            </a:r>
-          </a:p>
-        </p:txBody>
-      </p:sp>
-      <p:sp>
-        <p:nvSpPr>
-          <p:cNvPr id="10" name="Titel 9">
-            <a:extLst>
-              <a:ext uri="{FF2B5EF4-FFF2-40B4-BE49-F238E27FC236}">
-                <a16:creationId xmlns:a16="http://schemas.microsoft.com/office/drawing/2014/main" id="{8892CB34-F4F8-E840-9B4A-604EA645747F}"/>
-              </a:ext>
-            </a:extLst>
-          </p:cNvPr>
-          <p:cNvSpPr>
-            <a:spLocks noGrp="1"/>
-          </p:cNvSpPr>
-          <p:nvPr>
-            <p:ph type="title"/>
-          </p:nvPr>
-        </p:nvSpPr>
-        <p:spPr>
-          <a:xfrm>
-            <a:off x="457200" y="44624"/>
-            <a:ext cx="6059016" cy="562074"/>
-          </a:xfrm>
-        </p:spPr>
-        <p:txBody>
-          <a:bodyPr/>
-          <a:lstStyle/>
-          <a:p>
-            <a:r>
-              <a:rPr lang="de-DE" dirty="0"/>
-              <a:t>Wege aus der Callback-Hell (in JavaScript) - </a:t>
-            </a:r>
-            <a:r>
-              <a:rPr lang="de-DE" dirty="0" err="1"/>
-              <a:t>Promises</a:t>
-            </a:r>
-            <a:endParaRPr lang="de-DE" dirty="0"/>
-          </a:p>
-        </p:txBody>
-      </p:sp>
+      </p:pic>
     </p:spTree>
     <p:extLst>
       <p:ext uri="{BB962C8B-B14F-4D97-AF65-F5344CB8AC3E}">
-        <p14:creationId xmlns:p14="http://schemas.microsoft.com/office/powerpoint/2010/main" val="316752020"/>
+        <p14:creationId xmlns:p14="http://schemas.microsoft.com/office/powerpoint/2010/main" val="1417060397"/>
       </p:ext>
     </p:extLst>
   </p:cSld>
@@ -6797,10 +6763,38 @@
       </p:grpSpPr>
       <p:sp>
         <p:nvSpPr>
+          <p:cNvPr id="2" name="Titel 1">
+            <a:extLst>
+              <a:ext uri="{FF2B5EF4-FFF2-40B4-BE49-F238E27FC236}">
+                <a16:creationId xmlns:a16="http://schemas.microsoft.com/office/drawing/2014/main" id="{19753FB8-2806-8F4C-BB0E-7EEF4D58A3E6}"/>
+              </a:ext>
+            </a:extLst>
+          </p:cNvPr>
+          <p:cNvSpPr>
+            <a:spLocks noGrp="1"/>
+          </p:cNvSpPr>
+          <p:nvPr>
+            <p:ph type="title"/>
+          </p:nvPr>
+        </p:nvSpPr>
+        <p:spPr/>
+        <p:txBody>
+          <a:bodyPr/>
+          <a:lstStyle/>
+          <a:p>
+            <a:r>
+              <a:rPr lang="de-DE" dirty="0"/>
+              <a:t>Codebeispiel – Simple Webserver</a:t>
+            </a:r>
+          </a:p>
+        </p:txBody>
+      </p:sp>
+      <p:sp>
+        <p:nvSpPr>
           <p:cNvPr id="3" name="Inhaltsplatzhalter 2">
             <a:extLst>
               <a:ext uri="{FF2B5EF4-FFF2-40B4-BE49-F238E27FC236}">
-                <a16:creationId xmlns:a16="http://schemas.microsoft.com/office/drawing/2014/main" id="{D6FF4A6C-A340-0147-9036-646DE00A3AA4}"/>
+                <a16:creationId xmlns:a16="http://schemas.microsoft.com/office/drawing/2014/main" id="{A329E4C1-8A1B-7544-94B7-E08DBB20D651}"/>
               </a:ext>
             </a:extLst>
           </p:cNvPr>
@@ -6813,118 +6807,121 @@
         </p:nvSpPr>
         <p:spPr>
           <a:xfrm>
-            <a:off x="457200" y="1232842"/>
-            <a:ext cx="8507288" cy="4713387"/>
+            <a:off x="457200" y="1412776"/>
+            <a:ext cx="8229600" cy="4824536"/>
           </a:xfrm>
         </p:spPr>
         <p:txBody>
+          <a:bodyPr>
+            <a:normAutofit/>
+          </a:bodyPr>
+          <a:lstStyle/>
+          <a:p>
+            <a:r>
+              <a:rPr lang="de-DE" dirty="0"/>
+              <a:t>Implementierung eines einfachen Webservers</a:t>
+            </a:r>
+          </a:p>
+          <a:p>
+            <a:pPr lvl="1"/>
+            <a:r>
+              <a:rPr lang="de-DE" dirty="0"/>
+              <a:t>Hört auf Port 8081</a:t>
+            </a:r>
+          </a:p>
+          <a:p>
+            <a:pPr lvl="1"/>
+            <a:r>
+              <a:rPr lang="de-DE" dirty="0"/>
+              <a:t>keine weitere Absicherung</a:t>
+            </a:r>
+          </a:p>
+          <a:p>
+            <a:pPr marL="457200" lvl="1" indent="0">
+              <a:buNone/>
+            </a:pPr>
+            <a:endParaRPr lang="de-DE" dirty="0"/>
+          </a:p>
+          <a:p>
+            <a:r>
+              <a:rPr lang="de-DE" dirty="0"/>
+              <a:t>Bei Anfrage an den Server, soll dieser mehrere Dateien aus einem Ordner lesen, deren Inhalt verbinden und als Antwort ausgeben.</a:t>
+            </a:r>
+          </a:p>
+          <a:p>
+            <a:pPr lvl="1"/>
+            <a:r>
+              <a:rPr lang="de-DE" dirty="0"/>
+              <a:t>Dateien werden aus dem Ordner „</a:t>
+            </a:r>
+            <a:r>
+              <a:rPr lang="de-DE" dirty="0" err="1"/>
+              <a:t>contents</a:t>
+            </a:r>
+            <a:r>
+              <a:rPr lang="de-DE" dirty="0"/>
+              <a:t>“ gelesen.</a:t>
+            </a:r>
+          </a:p>
+          <a:p>
+            <a:pPr lvl="1"/>
+            <a:r>
+              <a:rPr lang="de-DE" dirty="0"/>
+              <a:t>Es werden immer alle Dateien aus dem Ordner gelesen.</a:t>
+            </a:r>
+          </a:p>
+          <a:p>
+            <a:pPr lvl="1"/>
+            <a:r>
+              <a:rPr lang="de-DE" dirty="0"/>
+              <a:t>Der Name der Dateien ist dabei unerheblich.</a:t>
+            </a:r>
+          </a:p>
+        </p:txBody>
+      </p:sp>
+      <p:sp>
+        <p:nvSpPr>
+          <p:cNvPr id="4" name="Datumsplatzhalter 3">
+            <a:extLst>
+              <a:ext uri="{FF2B5EF4-FFF2-40B4-BE49-F238E27FC236}">
+                <a16:creationId xmlns:a16="http://schemas.microsoft.com/office/drawing/2014/main" id="{BF396C48-53D0-DB47-8380-FC57CC790FA3}"/>
+              </a:ext>
+            </a:extLst>
+          </p:cNvPr>
+          <p:cNvSpPr>
+            <a:spLocks noGrp="1"/>
+          </p:cNvSpPr>
+          <p:nvPr>
+            <p:ph type="dt" sz="half" idx="2"/>
+          </p:nvPr>
+        </p:nvSpPr>
+        <p:spPr/>
+        <p:txBody>
           <a:bodyPr/>
           <a:lstStyle/>
           <a:p>
             <a:r>
-              <a:rPr lang="de-DE" dirty="0" err="1"/>
-              <a:t>Promises</a:t>
-            </a:r>
-            <a:r>
-              <a:rPr lang="de-DE" dirty="0"/>
-              <a:t> werden selten selber erzeugt, sondern sind meistens Rückgabewerte von asynchronen Framework-Funktionen.</a:t>
-            </a:r>
-          </a:p>
-          <a:p>
+              <a:rPr lang="de-DE"/>
+              <a:t>C. Karow</a:t>
+            </a:r>
             <a:endParaRPr lang="de-DE" dirty="0"/>
           </a:p>
-          <a:p>
-            <a:r>
-              <a:rPr lang="de-DE" dirty="0"/>
-              <a:t>Wichtigste Methoden:</a:t>
-            </a:r>
-          </a:p>
-          <a:p>
-            <a:pPr lvl="1"/>
-            <a:r>
-              <a:rPr lang="de-DE" sz="2400" dirty="0">
-                <a:latin typeface="Courier New" panose="02070309020205020404" pitchFamily="49" charset="0"/>
-                <a:cs typeface="Courier New" panose="02070309020205020404" pitchFamily="49" charset="0"/>
-              </a:rPr>
-              <a:t>.</a:t>
-            </a:r>
-            <a:r>
-              <a:rPr lang="de-DE" sz="2400" dirty="0" err="1">
-                <a:latin typeface="Courier New" panose="02070309020205020404" pitchFamily="49" charset="0"/>
-                <a:cs typeface="Courier New" panose="02070309020205020404" pitchFamily="49" charset="0"/>
-              </a:rPr>
-              <a:t>then</a:t>
-            </a:r>
-            <a:r>
-              <a:rPr lang="de-DE" sz="2400" dirty="0">
-                <a:latin typeface="Courier New" panose="02070309020205020404" pitchFamily="49" charset="0"/>
-                <a:cs typeface="Courier New" panose="02070309020205020404" pitchFamily="49" charset="0"/>
-              </a:rPr>
-              <a:t>(</a:t>
-            </a:r>
-            <a:r>
-              <a:rPr lang="de-DE" sz="2400" dirty="0" err="1">
-                <a:latin typeface="Courier New" panose="02070309020205020404" pitchFamily="49" charset="0"/>
-                <a:cs typeface="Courier New" panose="02070309020205020404" pitchFamily="49" charset="0"/>
-              </a:rPr>
-              <a:t>fn</a:t>
-            </a:r>
-            <a:r>
-              <a:rPr lang="de-DE" sz="2400" dirty="0">
-                <a:latin typeface="Courier New" panose="02070309020205020404" pitchFamily="49" charset="0"/>
-                <a:cs typeface="Courier New" panose="02070309020205020404" pitchFamily="49" charset="0"/>
-              </a:rPr>
-              <a:t>)</a:t>
-            </a:r>
-            <a:r>
-              <a:rPr lang="de-DE" dirty="0"/>
-              <a:t>: Verkettung von Verarbeitungsschritten</a:t>
-            </a:r>
-          </a:p>
-          <a:p>
-            <a:pPr lvl="1"/>
-            <a:r>
-              <a:rPr lang="de-DE" sz="2400" dirty="0">
-                <a:latin typeface="Courier New" panose="02070309020205020404" pitchFamily="49" charset="0"/>
-                <a:cs typeface="Courier New" panose="02070309020205020404" pitchFamily="49" charset="0"/>
-              </a:rPr>
-              <a:t>.catch(</a:t>
-            </a:r>
-            <a:r>
-              <a:rPr lang="de-DE" sz="2400" dirty="0" err="1">
-                <a:latin typeface="Courier New" panose="02070309020205020404" pitchFamily="49" charset="0"/>
-                <a:cs typeface="Courier New" panose="02070309020205020404" pitchFamily="49" charset="0"/>
-              </a:rPr>
-              <a:t>fn</a:t>
-            </a:r>
-            <a:r>
-              <a:rPr lang="de-DE" sz="2400" dirty="0">
-                <a:latin typeface="Courier New" panose="02070309020205020404" pitchFamily="49" charset="0"/>
-                <a:cs typeface="Courier New" panose="02070309020205020404" pitchFamily="49" charset="0"/>
-              </a:rPr>
-              <a:t>): </a:t>
-            </a:r>
-            <a:r>
-              <a:rPr lang="de-DE" dirty="0"/>
-              <a:t>Fehlerbehandlung</a:t>
-            </a:r>
-          </a:p>
-        </p:txBody>
-      </p:sp>
-      <p:sp>
-        <p:nvSpPr>
-          <p:cNvPr id="4" name="Datumsplatzhalter 3">
-            <a:extLst>
-              <a:ext uri="{FF2B5EF4-FFF2-40B4-BE49-F238E27FC236}">
-                <a16:creationId xmlns:a16="http://schemas.microsoft.com/office/drawing/2014/main" id="{46EFFBB2-8217-304F-962C-89357C25D079}"/>
-              </a:ext>
-            </a:extLst>
-          </p:cNvPr>
-          <p:cNvSpPr>
-            <a:spLocks noGrp="1"/>
-          </p:cNvSpPr>
-          <p:nvPr>
-            <p:ph type="dt" sz="half" idx="2"/>
+        </p:txBody>
+      </p:sp>
+      <p:sp>
+        <p:nvSpPr>
+          <p:cNvPr id="5" name="Fußzeilenplatzhalter 4">
+            <a:extLst>
+              <a:ext uri="{FF2B5EF4-FFF2-40B4-BE49-F238E27FC236}">
+                <a16:creationId xmlns:a16="http://schemas.microsoft.com/office/drawing/2014/main" id="{1364A266-49B0-0E44-9278-3BEDE09F456D}"/>
+              </a:ext>
+            </a:extLst>
+          </p:cNvPr>
+          <p:cNvSpPr>
+            <a:spLocks noGrp="1"/>
+          </p:cNvSpPr>
+          <p:nvPr>
+            <p:ph type="ftr" sz="quarter" idx="3"/>
           </p:nvPr>
         </p:nvSpPr>
         <p:spPr/>
@@ -6934,7 +6931,7 @@
           <a:p>
             <a:r>
               <a:rPr lang="de-DE"/>
-              <a:t>C. Karow</a:t>
+              <a:t>Callback Hell</a:t>
             </a:r>
             <a:endParaRPr lang="de-DE" dirty="0"/>
           </a:p>
@@ -6942,39 +6939,10 @@
       </p:sp>
       <p:sp>
         <p:nvSpPr>
-          <p:cNvPr id="5" name="Fußzeilenplatzhalter 4">
-            <a:extLst>
-              <a:ext uri="{FF2B5EF4-FFF2-40B4-BE49-F238E27FC236}">
-                <a16:creationId xmlns:a16="http://schemas.microsoft.com/office/drawing/2014/main" id="{99429560-B282-1C4F-8F3C-CF66C734E22E}"/>
-              </a:ext>
-            </a:extLst>
-          </p:cNvPr>
-          <p:cNvSpPr>
-            <a:spLocks noGrp="1"/>
-          </p:cNvSpPr>
-          <p:nvPr>
-            <p:ph type="ftr" sz="quarter" idx="3"/>
-          </p:nvPr>
-        </p:nvSpPr>
-        <p:spPr/>
-        <p:txBody>
-          <a:bodyPr/>
-          <a:lstStyle/>
-          <a:p>
-            <a:r>
-              <a:rPr lang="de-DE"/>
-              <a:t>Callback Hell</a:t>
-            </a:r>
-            <a:endParaRPr lang="de-DE" dirty="0"/>
-          </a:p>
-        </p:txBody>
-      </p:sp>
-      <p:sp>
-        <p:nvSpPr>
           <p:cNvPr id="6" name="Foliennummernplatzhalter 5">
             <a:extLst>
               <a:ext uri="{FF2B5EF4-FFF2-40B4-BE49-F238E27FC236}">
-                <a16:creationId xmlns:a16="http://schemas.microsoft.com/office/drawing/2014/main" id="{B96931CC-3967-394E-867F-28D40F3F70EF}"/>
+                <a16:creationId xmlns:a16="http://schemas.microsoft.com/office/drawing/2014/main" id="{4B0B9108-F222-5440-9490-4DA2E6F6AAD0}"/>
               </a:ext>
             </a:extLst>
           </p:cNvPr>
@@ -6999,48 +6967,10 @@
           </a:p>
         </p:txBody>
       </p:sp>
-      <p:sp>
-        <p:nvSpPr>
-          <p:cNvPr id="11" name="Titel 9">
-            <a:extLst>
-              <a:ext uri="{FF2B5EF4-FFF2-40B4-BE49-F238E27FC236}">
-                <a16:creationId xmlns:a16="http://schemas.microsoft.com/office/drawing/2014/main" id="{7E712515-CB29-5E4D-8386-D6D53F4DA800}"/>
-              </a:ext>
-            </a:extLst>
-          </p:cNvPr>
-          <p:cNvSpPr>
-            <a:spLocks noGrp="1"/>
-          </p:cNvSpPr>
-          <p:nvPr>
-            <p:ph type="title"/>
-          </p:nvPr>
-        </p:nvSpPr>
-        <p:spPr>
-          <a:xfrm>
-            <a:off x="457200" y="44624"/>
-            <a:ext cx="6059016" cy="562074"/>
-          </a:xfrm>
-        </p:spPr>
-        <p:txBody>
-          <a:bodyPr/>
-          <a:lstStyle/>
-          <a:p>
-            <a:r>
-              <a:rPr lang="de-DE" dirty="0"/>
-              <a:t>Wege aus der Callback-Hell (in JavaScript) - </a:t>
-            </a:r>
-            <a:r>
-              <a:rPr lang="de-DE" dirty="0" err="1"/>
-              <a:t>Promises</a:t>
-            </a:r>
-            <a:endParaRPr lang="de-DE" dirty="0"/>
-          </a:p>
-        </p:txBody>
-      </p:sp>
     </p:spTree>
     <p:extLst>
       <p:ext uri="{BB962C8B-B14F-4D97-AF65-F5344CB8AC3E}">
-        <p14:creationId xmlns:p14="http://schemas.microsoft.com/office/powerpoint/2010/main" val="2593199910"/>
+        <p14:creationId xmlns:p14="http://schemas.microsoft.com/office/powerpoint/2010/main" val="3392778606"/>
       </p:ext>
     </p:extLst>
   </p:cSld>
@@ -7067,20 +6997,398 @@
           <a:chExt cx="0" cy="0"/>
         </a:xfrm>
       </p:grpSpPr>
-      <p:sp>
-        <p:nvSpPr>
-          <p:cNvPr id="3" name="Inhaltsplatzhalter 2">
-            <a:extLst>
-              <a:ext uri="{FF2B5EF4-FFF2-40B4-BE49-F238E27FC236}">
-                <a16:creationId xmlns:a16="http://schemas.microsoft.com/office/drawing/2014/main" id="{BDEAD6F2-EF7A-4A42-A2F9-08C7844F2E54}"/>
-              </a:ext>
-            </a:extLst>
-          </p:cNvPr>
-          <p:cNvSpPr>
-            <a:spLocks noGrp="1"/>
-          </p:cNvSpPr>
-          <p:nvPr>
-            <p:ph idx="1"/>
+      <p:grpSp>
+        <p:nvGrpSpPr>
+          <p:cNvPr id="12" name="Gruppieren 11">
+            <a:extLst>
+              <a:ext uri="{FF2B5EF4-FFF2-40B4-BE49-F238E27FC236}">
+                <a16:creationId xmlns:a16="http://schemas.microsoft.com/office/drawing/2014/main" id="{C064023B-3D79-1040-B349-E758D82FF1B5}"/>
+              </a:ext>
+            </a:extLst>
+          </p:cNvPr>
+          <p:cNvGrpSpPr/>
+          <p:nvPr/>
+        </p:nvGrpSpPr>
+        <p:grpSpPr>
+          <a:xfrm>
+            <a:off x="251520" y="1228638"/>
+            <a:ext cx="3820352" cy="4749800"/>
+            <a:chOff x="692150" y="1248558"/>
+            <a:chExt cx="3820352" cy="4749800"/>
+          </a:xfrm>
+        </p:grpSpPr>
+        <p:pic>
+          <p:nvPicPr>
+            <p:cNvPr id="9" name="Grafik 8">
+              <a:extLst>
+                <a:ext uri="{FF2B5EF4-FFF2-40B4-BE49-F238E27FC236}">
+                  <a16:creationId xmlns:a16="http://schemas.microsoft.com/office/drawing/2014/main" id="{A63DE3AB-F660-414A-A467-9D02D7741A97}"/>
+                </a:ext>
+              </a:extLst>
+            </p:cNvPr>
+            <p:cNvPicPr>
+              <a:picLocks noChangeAspect="1"/>
+            </p:cNvPicPr>
+            <p:nvPr/>
+          </p:nvPicPr>
+          <p:blipFill rotWithShape="1">
+            <a:blip r:embed="rId2">
+              <a:extLst>
+                <a:ext uri="{28A0092B-C50C-407E-A947-70E740481C1C}">
+                  <a14:useLocalDpi xmlns:a14="http://schemas.microsoft.com/office/drawing/2010/main" val="0"/>
+                </a:ext>
+              </a:extLst>
+            </a:blip>
+            <a:srcRect r="61136"/>
+            <a:stretch/>
+          </p:blipFill>
+          <p:spPr>
+            <a:xfrm>
+              <a:off x="692150" y="1248558"/>
+              <a:ext cx="3015754" cy="4749800"/>
+            </a:xfrm>
+            <a:prstGeom prst="rect">
+              <a:avLst/>
+            </a:prstGeom>
+          </p:spPr>
+        </p:pic>
+        <p:sp>
+          <p:nvSpPr>
+            <p:cNvPr id="10" name="Rechteck 9">
+              <a:extLst>
+                <a:ext uri="{FF2B5EF4-FFF2-40B4-BE49-F238E27FC236}">
+                  <a16:creationId xmlns:a16="http://schemas.microsoft.com/office/drawing/2014/main" id="{0C6A3E90-67E5-7746-A437-E7C06DC0B12D}"/>
+                </a:ext>
+              </a:extLst>
+            </p:cNvPr>
+            <p:cNvSpPr/>
+            <p:nvPr/>
+          </p:nvSpPr>
+          <p:spPr>
+            <a:xfrm rot="2084188">
+              <a:off x="1389538" y="1286915"/>
+              <a:ext cx="3083788" cy="1430264"/>
+            </a:xfrm>
+            <a:custGeom>
+              <a:avLst/>
+              <a:gdLst>
+                <a:gd name="connsiteX0" fmla="*/ 0 w 3083788"/>
+                <a:gd name="connsiteY0" fmla="*/ 0 h 1391717"/>
+                <a:gd name="connsiteX1" fmla="*/ 3083788 w 3083788"/>
+                <a:gd name="connsiteY1" fmla="*/ 0 h 1391717"/>
+                <a:gd name="connsiteX2" fmla="*/ 3083788 w 3083788"/>
+                <a:gd name="connsiteY2" fmla="*/ 1391717 h 1391717"/>
+                <a:gd name="connsiteX3" fmla="*/ 0 w 3083788"/>
+                <a:gd name="connsiteY3" fmla="*/ 1391717 h 1391717"/>
+                <a:gd name="connsiteX4" fmla="*/ 0 w 3083788"/>
+                <a:gd name="connsiteY4" fmla="*/ 0 h 1391717"/>
+                <a:gd name="connsiteX0" fmla="*/ 0 w 3083788"/>
+                <a:gd name="connsiteY0" fmla="*/ 7 h 1391724"/>
+                <a:gd name="connsiteX1" fmla="*/ 567590 w 3083788"/>
+                <a:gd name="connsiteY1" fmla="*/ 132345 h 1391724"/>
+                <a:gd name="connsiteX2" fmla="*/ 3083788 w 3083788"/>
+                <a:gd name="connsiteY2" fmla="*/ 7 h 1391724"/>
+                <a:gd name="connsiteX3" fmla="*/ 3083788 w 3083788"/>
+                <a:gd name="connsiteY3" fmla="*/ 1391724 h 1391724"/>
+                <a:gd name="connsiteX4" fmla="*/ 0 w 3083788"/>
+                <a:gd name="connsiteY4" fmla="*/ 1391724 h 1391724"/>
+                <a:gd name="connsiteX5" fmla="*/ 0 w 3083788"/>
+                <a:gd name="connsiteY5" fmla="*/ 7 h 1391724"/>
+                <a:gd name="connsiteX0" fmla="*/ 1540 w 3083788"/>
+                <a:gd name="connsiteY0" fmla="*/ 704307 h 1391717"/>
+                <a:gd name="connsiteX1" fmla="*/ 567590 w 3083788"/>
+                <a:gd name="connsiteY1" fmla="*/ 132338 h 1391717"/>
+                <a:gd name="connsiteX2" fmla="*/ 3083788 w 3083788"/>
+                <a:gd name="connsiteY2" fmla="*/ 0 h 1391717"/>
+                <a:gd name="connsiteX3" fmla="*/ 3083788 w 3083788"/>
+                <a:gd name="connsiteY3" fmla="*/ 1391717 h 1391717"/>
+                <a:gd name="connsiteX4" fmla="*/ 0 w 3083788"/>
+                <a:gd name="connsiteY4" fmla="*/ 1391717 h 1391717"/>
+                <a:gd name="connsiteX5" fmla="*/ 1540 w 3083788"/>
+                <a:gd name="connsiteY5" fmla="*/ 704307 h 1391717"/>
+                <a:gd name="connsiteX0" fmla="*/ 1540 w 3083788"/>
+                <a:gd name="connsiteY0" fmla="*/ 704307 h 1391717"/>
+                <a:gd name="connsiteX1" fmla="*/ 657498 w 3083788"/>
+                <a:gd name="connsiteY1" fmla="*/ 219021 h 1391717"/>
+                <a:gd name="connsiteX2" fmla="*/ 3083788 w 3083788"/>
+                <a:gd name="connsiteY2" fmla="*/ 0 h 1391717"/>
+                <a:gd name="connsiteX3" fmla="*/ 3083788 w 3083788"/>
+                <a:gd name="connsiteY3" fmla="*/ 1391717 h 1391717"/>
+                <a:gd name="connsiteX4" fmla="*/ 0 w 3083788"/>
+                <a:gd name="connsiteY4" fmla="*/ 1391717 h 1391717"/>
+                <a:gd name="connsiteX5" fmla="*/ 1540 w 3083788"/>
+                <a:gd name="connsiteY5" fmla="*/ 704307 h 1391717"/>
+                <a:gd name="connsiteX0" fmla="*/ 1540 w 3083788"/>
+                <a:gd name="connsiteY0" fmla="*/ 704307 h 1391717"/>
+                <a:gd name="connsiteX1" fmla="*/ 657498 w 3083788"/>
+                <a:gd name="connsiteY1" fmla="*/ 219021 h 1391717"/>
+                <a:gd name="connsiteX2" fmla="*/ 3083788 w 3083788"/>
+                <a:gd name="connsiteY2" fmla="*/ 0 h 1391717"/>
+                <a:gd name="connsiteX3" fmla="*/ 3083788 w 3083788"/>
+                <a:gd name="connsiteY3" fmla="*/ 1391717 h 1391717"/>
+                <a:gd name="connsiteX4" fmla="*/ 0 w 3083788"/>
+                <a:gd name="connsiteY4" fmla="*/ 1391717 h 1391717"/>
+                <a:gd name="connsiteX5" fmla="*/ 1540 w 3083788"/>
+                <a:gd name="connsiteY5" fmla="*/ 704307 h 1391717"/>
+                <a:gd name="connsiteX0" fmla="*/ 1540 w 3083788"/>
+                <a:gd name="connsiteY0" fmla="*/ 742854 h 1430264"/>
+                <a:gd name="connsiteX1" fmla="*/ 1243892 w 3083788"/>
+                <a:gd name="connsiteY1" fmla="*/ 0 h 1430264"/>
+                <a:gd name="connsiteX2" fmla="*/ 3083788 w 3083788"/>
+                <a:gd name="connsiteY2" fmla="*/ 38547 h 1430264"/>
+                <a:gd name="connsiteX3" fmla="*/ 3083788 w 3083788"/>
+                <a:gd name="connsiteY3" fmla="*/ 1430264 h 1430264"/>
+                <a:gd name="connsiteX4" fmla="*/ 0 w 3083788"/>
+                <a:gd name="connsiteY4" fmla="*/ 1430264 h 1430264"/>
+                <a:gd name="connsiteX5" fmla="*/ 1540 w 3083788"/>
+                <a:gd name="connsiteY5" fmla="*/ 742854 h 1430264"/>
+              </a:gdLst>
+              <a:ahLst/>
+              <a:cxnLst>
+                <a:cxn ang="0">
+                  <a:pos x="connsiteX0" y="connsiteY0"/>
+                </a:cxn>
+                <a:cxn ang="0">
+                  <a:pos x="connsiteX1" y="connsiteY1"/>
+                </a:cxn>
+                <a:cxn ang="0">
+                  <a:pos x="connsiteX2" y="connsiteY2"/>
+                </a:cxn>
+                <a:cxn ang="0">
+                  <a:pos x="connsiteX3" y="connsiteY3"/>
+                </a:cxn>
+                <a:cxn ang="0">
+                  <a:pos x="connsiteX4" y="connsiteY4"/>
+                </a:cxn>
+                <a:cxn ang="0">
+                  <a:pos x="connsiteX5" y="connsiteY5"/>
+                </a:cxn>
+              </a:cxnLst>
+              <a:rect l="l" t="t" r="r" b="b"/>
+              <a:pathLst>
+                <a:path w="3083788" h="1430264">
+                  <a:moveTo>
+                    <a:pt x="1540" y="742854"/>
+                  </a:moveTo>
+                  <a:cubicBezTo>
+                    <a:pt x="7911" y="738217"/>
+                    <a:pt x="1056277" y="1153"/>
+                    <a:pt x="1243892" y="0"/>
+                  </a:cubicBezTo>
+                  <a:lnTo>
+                    <a:pt x="3083788" y="38547"/>
+                  </a:lnTo>
+                  <a:lnTo>
+                    <a:pt x="3083788" y="1430264"/>
+                  </a:lnTo>
+                  <a:lnTo>
+                    <a:pt x="0" y="1430264"/>
+                  </a:lnTo>
+                  <a:cubicBezTo>
+                    <a:pt x="513" y="1201127"/>
+                    <a:pt x="1027" y="971991"/>
+                    <a:pt x="1540" y="742854"/>
+                  </a:cubicBezTo>
+                  <a:close/>
+                </a:path>
+              </a:pathLst>
+            </a:custGeom>
+            <a:solidFill>
+              <a:schemeClr val="bg1"/>
+            </a:solidFill>
+            <a:ln>
+              <a:noFill/>
+            </a:ln>
+          </p:spPr>
+          <p:style>
+            <a:lnRef idx="2">
+              <a:schemeClr val="accent1">
+                <a:shade val="50000"/>
+              </a:schemeClr>
+            </a:lnRef>
+            <a:fillRef idx="1">
+              <a:schemeClr val="accent1"/>
+            </a:fillRef>
+            <a:effectRef idx="0">
+              <a:schemeClr val="accent1"/>
+            </a:effectRef>
+            <a:fontRef idx="minor">
+              <a:schemeClr val="lt1"/>
+            </a:fontRef>
+          </p:style>
+          <p:txBody>
+            <a:bodyPr rtlCol="0" anchor="ctr"/>
+            <a:lstStyle/>
+            <a:p>
+              <a:pPr algn="ctr"/>
+              <a:endParaRPr lang="de-DE"/>
+            </a:p>
+          </p:txBody>
+        </p:sp>
+        <p:sp>
+          <p:nvSpPr>
+            <p:cNvPr id="11" name="Rechteck 10">
+              <a:extLst>
+                <a:ext uri="{FF2B5EF4-FFF2-40B4-BE49-F238E27FC236}">
+                  <a16:creationId xmlns:a16="http://schemas.microsoft.com/office/drawing/2014/main" id="{F617A395-F623-AF4C-AEF1-0B1D7D6CEAB7}"/>
+                </a:ext>
+              </a:extLst>
+            </p:cNvPr>
+            <p:cNvSpPr/>
+            <p:nvPr/>
+          </p:nvSpPr>
+          <p:spPr>
+            <a:xfrm rot="8672669">
+              <a:off x="1422652" y="4383581"/>
+              <a:ext cx="3089850" cy="1391717"/>
+            </a:xfrm>
+            <a:custGeom>
+              <a:avLst/>
+              <a:gdLst>
+                <a:gd name="connsiteX0" fmla="*/ 0 w 3083788"/>
+                <a:gd name="connsiteY0" fmla="*/ 0 h 1391717"/>
+                <a:gd name="connsiteX1" fmla="*/ 3083788 w 3083788"/>
+                <a:gd name="connsiteY1" fmla="*/ 0 h 1391717"/>
+                <a:gd name="connsiteX2" fmla="*/ 3083788 w 3083788"/>
+                <a:gd name="connsiteY2" fmla="*/ 1391717 h 1391717"/>
+                <a:gd name="connsiteX3" fmla="*/ 0 w 3083788"/>
+                <a:gd name="connsiteY3" fmla="*/ 1391717 h 1391717"/>
+                <a:gd name="connsiteX4" fmla="*/ 0 w 3083788"/>
+                <a:gd name="connsiteY4" fmla="*/ 0 h 1391717"/>
+                <a:gd name="connsiteX0" fmla="*/ 0 w 3089850"/>
+                <a:gd name="connsiteY0" fmla="*/ 0 h 1391717"/>
+                <a:gd name="connsiteX1" fmla="*/ 3083788 w 3089850"/>
+                <a:gd name="connsiteY1" fmla="*/ 0 h 1391717"/>
+                <a:gd name="connsiteX2" fmla="*/ 3089850 w 3089850"/>
+                <a:gd name="connsiteY2" fmla="*/ 560352 h 1391717"/>
+                <a:gd name="connsiteX3" fmla="*/ 3083788 w 3089850"/>
+                <a:gd name="connsiteY3" fmla="*/ 1391717 h 1391717"/>
+                <a:gd name="connsiteX4" fmla="*/ 0 w 3089850"/>
+                <a:gd name="connsiteY4" fmla="*/ 1391717 h 1391717"/>
+                <a:gd name="connsiteX5" fmla="*/ 0 w 3089850"/>
+                <a:gd name="connsiteY5" fmla="*/ 0 h 1391717"/>
+                <a:gd name="connsiteX0" fmla="*/ 0 w 3089850"/>
+                <a:gd name="connsiteY0" fmla="*/ 0 h 1391717"/>
+                <a:gd name="connsiteX1" fmla="*/ 2531507 w 3089850"/>
+                <a:gd name="connsiteY1" fmla="*/ 57737 h 1391717"/>
+                <a:gd name="connsiteX2" fmla="*/ 3089850 w 3089850"/>
+                <a:gd name="connsiteY2" fmla="*/ 560352 h 1391717"/>
+                <a:gd name="connsiteX3" fmla="*/ 3083788 w 3089850"/>
+                <a:gd name="connsiteY3" fmla="*/ 1391717 h 1391717"/>
+                <a:gd name="connsiteX4" fmla="*/ 0 w 3089850"/>
+                <a:gd name="connsiteY4" fmla="*/ 1391717 h 1391717"/>
+                <a:gd name="connsiteX5" fmla="*/ 0 w 3089850"/>
+                <a:gd name="connsiteY5" fmla="*/ 0 h 1391717"/>
+                <a:gd name="connsiteX0" fmla="*/ 0 w 3089850"/>
+                <a:gd name="connsiteY0" fmla="*/ 0 h 1391717"/>
+                <a:gd name="connsiteX1" fmla="*/ 2531507 w 3089850"/>
+                <a:gd name="connsiteY1" fmla="*/ 57737 h 1391717"/>
+                <a:gd name="connsiteX2" fmla="*/ 3089850 w 3089850"/>
+                <a:gd name="connsiteY2" fmla="*/ 560352 h 1391717"/>
+                <a:gd name="connsiteX3" fmla="*/ 3083788 w 3089850"/>
+                <a:gd name="connsiteY3" fmla="*/ 1391717 h 1391717"/>
+                <a:gd name="connsiteX4" fmla="*/ 0 w 3089850"/>
+                <a:gd name="connsiteY4" fmla="*/ 1391717 h 1391717"/>
+                <a:gd name="connsiteX5" fmla="*/ 0 w 3089850"/>
+                <a:gd name="connsiteY5" fmla="*/ 0 h 1391717"/>
+              </a:gdLst>
+              <a:ahLst/>
+              <a:cxnLst>
+                <a:cxn ang="0">
+                  <a:pos x="connsiteX0" y="connsiteY0"/>
+                </a:cxn>
+                <a:cxn ang="0">
+                  <a:pos x="connsiteX1" y="connsiteY1"/>
+                </a:cxn>
+                <a:cxn ang="0">
+                  <a:pos x="connsiteX2" y="connsiteY2"/>
+                </a:cxn>
+                <a:cxn ang="0">
+                  <a:pos x="connsiteX3" y="connsiteY3"/>
+                </a:cxn>
+                <a:cxn ang="0">
+                  <a:pos x="connsiteX4" y="connsiteY4"/>
+                </a:cxn>
+                <a:cxn ang="0">
+                  <a:pos x="connsiteX5" y="connsiteY5"/>
+                </a:cxn>
+              </a:cxnLst>
+              <a:rect l="l" t="t" r="r" b="b"/>
+              <a:pathLst>
+                <a:path w="3089850" h="1391717">
+                  <a:moveTo>
+                    <a:pt x="0" y="0"/>
+                  </a:moveTo>
+                  <a:lnTo>
+                    <a:pt x="2531507" y="57737"/>
+                  </a:lnTo>
+                  <a:cubicBezTo>
+                    <a:pt x="2780564" y="216643"/>
+                    <a:pt x="3086553" y="365977"/>
+                    <a:pt x="3089850" y="560352"/>
+                  </a:cubicBezTo>
+                  <a:cubicBezTo>
+                    <a:pt x="3087829" y="837474"/>
+                    <a:pt x="3085809" y="1114595"/>
+                    <a:pt x="3083788" y="1391717"/>
+                  </a:cubicBezTo>
+                  <a:lnTo>
+                    <a:pt x="0" y="1391717"/>
+                  </a:lnTo>
+                  <a:lnTo>
+                    <a:pt x="0" y="0"/>
+                  </a:lnTo>
+                  <a:close/>
+                </a:path>
+              </a:pathLst>
+            </a:custGeom>
+            <a:solidFill>
+              <a:schemeClr val="bg1"/>
+            </a:solidFill>
+            <a:ln>
+              <a:noFill/>
+            </a:ln>
+          </p:spPr>
+          <p:style>
+            <a:lnRef idx="2">
+              <a:schemeClr val="accent1">
+                <a:shade val="50000"/>
+              </a:schemeClr>
+            </a:lnRef>
+            <a:fillRef idx="1">
+              <a:schemeClr val="accent1"/>
+            </a:fillRef>
+            <a:effectRef idx="0">
+              <a:schemeClr val="accent1"/>
+            </a:effectRef>
+            <a:fontRef idx="minor">
+              <a:schemeClr val="lt1"/>
+            </a:fontRef>
+          </p:style>
+          <p:txBody>
+            <a:bodyPr rtlCol="0" anchor="ctr"/>
+            <a:lstStyle/>
+            <a:p>
+              <a:pPr algn="ctr"/>
+              <a:endParaRPr lang="de-DE"/>
+            </a:p>
+          </p:txBody>
+        </p:sp>
+      </p:grpSp>
+      <p:sp>
+        <p:nvSpPr>
+          <p:cNvPr id="2" name="Titel 1">
+            <a:extLst>
+              <a:ext uri="{FF2B5EF4-FFF2-40B4-BE49-F238E27FC236}">
+                <a16:creationId xmlns:a16="http://schemas.microsoft.com/office/drawing/2014/main" id="{CDB711B0-B193-2840-8F2E-096248A6F31E}"/>
+              </a:ext>
+            </a:extLst>
+          </p:cNvPr>
+          <p:cNvSpPr>
+            <a:spLocks noGrp="1"/>
+          </p:cNvSpPr>
+          <p:nvPr>
+            <p:ph type="title"/>
           </p:nvPr>
         </p:nvSpPr>
         <p:spPr/>
@@ -7090,123 +7398,13 @@
           <a:p>
             <a:r>
               <a:rPr lang="de-DE" dirty="0"/>
-              <a:t>In JavaScript können Funktionen als </a:t>
-            </a:r>
-            <a:r>
-              <a:rPr lang="de-DE" dirty="0" err="1">
-                <a:latin typeface="Courier New" panose="02070309020205020404" pitchFamily="49" charset="0"/>
-                <a:cs typeface="Courier New" panose="02070309020205020404" pitchFamily="49" charset="0"/>
-              </a:rPr>
-              <a:t>async</a:t>
-            </a:r>
-            <a:r>
-              <a:rPr lang="de-DE" dirty="0"/>
-              <a:t> gekennzeichnet werden.</a:t>
-            </a:r>
-          </a:p>
-          <a:p>
-            <a:pPr lvl="1"/>
-            <a:r>
-              <a:rPr lang="de-DE" dirty="0"/>
-              <a:t>Gibt immer ein </a:t>
+              <a:t>Codebeispiel – </a:t>
             </a:r>
             <a:r>
               <a:rPr lang="de-DE" dirty="0" err="1"/>
-              <a:t>Promise</a:t>
-            </a:r>
-            <a:r>
-              <a:rPr lang="de-DE" dirty="0"/>
-              <a:t> zurück</a:t>
-            </a:r>
-          </a:p>
-          <a:p>
-            <a:pPr lvl="1"/>
-            <a:r>
-              <a:rPr lang="de-DE" dirty="0"/>
-              <a:t>Nicht-</a:t>
-            </a:r>
-            <a:r>
-              <a:rPr lang="de-DE" dirty="0" err="1"/>
-              <a:t>Promise</a:t>
-            </a:r>
-            <a:r>
-              <a:rPr lang="de-DE" dirty="0"/>
-              <a:t> Rückgabewerte werden automatisch in ein </a:t>
-            </a:r>
-            <a:r>
-              <a:rPr lang="de-DE" dirty="0" err="1"/>
-              <a:t>resolved</a:t>
-            </a:r>
-            <a:r>
-              <a:rPr lang="de-DE" dirty="0"/>
-              <a:t> </a:t>
-            </a:r>
-            <a:r>
-              <a:rPr lang="de-DE" dirty="0" err="1"/>
-              <a:t>Promise</a:t>
-            </a:r>
-            <a:r>
-              <a:rPr lang="de-DE" dirty="0"/>
-              <a:t> verpackt.</a:t>
-            </a:r>
-          </a:p>
-          <a:p>
-            <a:r>
-              <a:rPr lang="de-DE" dirty="0"/>
-              <a:t>Innerhalb von </a:t>
-            </a:r>
-            <a:r>
-              <a:rPr lang="de-DE" dirty="0" err="1">
-                <a:latin typeface="Courier New" panose="02070309020205020404" pitchFamily="49" charset="0"/>
-                <a:cs typeface="Courier New" panose="02070309020205020404" pitchFamily="49" charset="0"/>
-              </a:rPr>
-              <a:t>async</a:t>
-            </a:r>
-            <a:r>
-              <a:rPr lang="de-DE" dirty="0">
-                <a:latin typeface="Courier New" panose="02070309020205020404" pitchFamily="49" charset="0"/>
-                <a:cs typeface="Courier New" panose="02070309020205020404" pitchFamily="49" charset="0"/>
-              </a:rPr>
-              <a:t>-</a:t>
-            </a:r>
-            <a:r>
-              <a:rPr lang="de-DE" dirty="0"/>
-              <a:t>Funktionen kann mit </a:t>
-            </a:r>
-            <a:r>
-              <a:rPr lang="de-DE" dirty="0" err="1">
-                <a:latin typeface="Courier New" panose="02070309020205020404" pitchFamily="49" charset="0"/>
-                <a:cs typeface="Courier New" panose="02070309020205020404" pitchFamily="49" charset="0"/>
-              </a:rPr>
-              <a:t>await</a:t>
-            </a:r>
-            <a:r>
-              <a:rPr lang="de-DE" dirty="0"/>
-              <a:t> auf ein </a:t>
-            </a:r>
-            <a:r>
-              <a:rPr lang="de-DE" dirty="0" err="1"/>
-              <a:t>Promise</a:t>
-            </a:r>
-            <a:r>
-              <a:rPr lang="de-DE" dirty="0"/>
-              <a:t> gewartet werden.</a:t>
-            </a:r>
-          </a:p>
-          <a:p>
-            <a:pPr lvl="1"/>
-            <a:r>
-              <a:rPr lang="de-DE" dirty="0"/>
-              <a:t>Funktioniert nur in </a:t>
-            </a:r>
-            <a:r>
-              <a:rPr lang="de-DE" dirty="0" err="1"/>
-              <a:t>async</a:t>
-            </a:r>
-            <a:r>
-              <a:rPr lang="de-DE" dirty="0"/>
-              <a:t>-Funktionen</a:t>
-            </a:r>
+              <a:t>hell.js</a:t>
+            </a:r>
+            <a:endParaRPr lang="de-DE" dirty="0"/>
           </a:p>
         </p:txBody>
       </p:sp>
@@ -7215,7 +7413,7 @@
           <p:cNvPr id="4" name="Datumsplatzhalter 3">
             <a:extLst>
               <a:ext uri="{FF2B5EF4-FFF2-40B4-BE49-F238E27FC236}">
-                <a16:creationId xmlns:a16="http://schemas.microsoft.com/office/drawing/2014/main" id="{64DB1961-DD99-7642-A5AC-2B9DB6CF0124}"/>
+                <a16:creationId xmlns:a16="http://schemas.microsoft.com/office/drawing/2014/main" id="{61B12075-1821-7343-94A6-BF72CEEFF58C}"/>
               </a:ext>
             </a:extLst>
           </p:cNvPr>
@@ -7244,7 +7442,7 @@
           <p:cNvPr id="5" name="Fußzeilenplatzhalter 4">
             <a:extLst>
               <a:ext uri="{FF2B5EF4-FFF2-40B4-BE49-F238E27FC236}">
-                <a16:creationId xmlns:a16="http://schemas.microsoft.com/office/drawing/2014/main" id="{E2C7FB0F-4666-BC4A-B274-BBA0CB08C07F}"/>
+                <a16:creationId xmlns:a16="http://schemas.microsoft.com/office/drawing/2014/main" id="{582DB8AE-70B2-854A-8C15-94C71CB54FFD}"/>
               </a:ext>
             </a:extLst>
           </p:cNvPr>
@@ -7273,7 +7471,7 @@
           <p:cNvPr id="6" name="Foliennummernplatzhalter 5">
             <a:extLst>
               <a:ext uri="{FF2B5EF4-FFF2-40B4-BE49-F238E27FC236}">
-                <a16:creationId xmlns:a16="http://schemas.microsoft.com/office/drawing/2014/main" id="{E8C78741-68EE-564A-BE12-B2DCA9F2C5DB}"/>
+                <a16:creationId xmlns:a16="http://schemas.microsoft.com/office/drawing/2014/main" id="{B8B83131-8F4E-0A4C-B47A-FA526953454D}"/>
               </a:ext>
             </a:extLst>
           </p:cNvPr>
@@ -7300,60 +7498,1320 @@
       </p:sp>
       <p:sp>
         <p:nvSpPr>
-          <p:cNvPr id="10" name="Titel 9">
-            <a:extLst>
-              <a:ext uri="{FF2B5EF4-FFF2-40B4-BE49-F238E27FC236}">
-                <a16:creationId xmlns:a16="http://schemas.microsoft.com/office/drawing/2014/main" id="{CC31C895-9762-FF4E-B0F6-C43DAF3238AF}"/>
-              </a:ext>
-            </a:extLst>
-          </p:cNvPr>
-          <p:cNvSpPr>
-            <a:spLocks noGrp="1"/>
-          </p:cNvSpPr>
-          <p:nvPr>
-            <p:ph type="title"/>
-          </p:nvPr>
+          <p:cNvPr id="7" name="Rechteck 6">
+            <a:extLst>
+              <a:ext uri="{FF2B5EF4-FFF2-40B4-BE49-F238E27FC236}">
+                <a16:creationId xmlns:a16="http://schemas.microsoft.com/office/drawing/2014/main" id="{FF69530F-4BD7-5248-9649-81DF2E969649}"/>
+              </a:ext>
+            </a:extLst>
+          </p:cNvPr>
+          <p:cNvSpPr/>
+          <p:nvPr/>
         </p:nvSpPr>
         <p:spPr>
           <a:xfrm>
-            <a:off x="457200" y="44624"/>
-            <a:ext cx="6059016" cy="562074"/>
+            <a:off x="1625168" y="1833823"/>
+            <a:ext cx="7619917" cy="3539430"/>
           </a:xfrm>
+          <a:prstGeom prst="rect">
+            <a:avLst/>
+          </a:prstGeom>
         </p:spPr>
         <p:txBody>
-          <a:bodyPr/>
+          <a:bodyPr wrap="square">
+            <a:spAutoFit/>
+          </a:bodyPr>
           <a:lstStyle/>
           <a:p>
             <a:r>
-              <a:rPr lang="de-DE" dirty="0"/>
-              <a:t>Wege aus der Callback-Hell (in JavaScript) – </a:t>
-            </a:r>
-            <a:r>
-              <a:rPr lang="de-DE" dirty="0" err="1"/>
-              <a:t>Async</a:t>
-            </a:r>
-            <a:r>
-              <a:rPr lang="de-DE" dirty="0"/>
+              <a:rPr lang="de-DE" sz="1400" dirty="0" err="1">
+                <a:solidFill>
+                  <a:srgbClr val="830091"/>
+                </a:solidFill>
+                <a:latin typeface="Courier New" panose="02070309020205020404" pitchFamily="49" charset="0"/>
+                <a:cs typeface="Courier New" panose="02070309020205020404" pitchFamily="49" charset="0"/>
+              </a:rPr>
+              <a:t>http</a:t>
+            </a:r>
+            <a:r>
+              <a:rPr lang="de-DE" sz="1400" dirty="0" err="1">
+                <a:latin typeface="Courier New" panose="02070309020205020404" pitchFamily="49" charset="0"/>
+                <a:cs typeface="Courier New" panose="02070309020205020404" pitchFamily="49" charset="0"/>
+              </a:rPr>
+              <a:t>.</a:t>
+            </a:r>
+            <a:r>
+              <a:rPr lang="de-DE" sz="1400" i="1" dirty="0" err="1">
+                <a:latin typeface="Courier New" panose="02070309020205020404" pitchFamily="49" charset="0"/>
+                <a:cs typeface="Courier New" panose="02070309020205020404" pitchFamily="49" charset="0"/>
+              </a:rPr>
+              <a:t>createServer</a:t>
+            </a:r>
+            <a:r>
+              <a:rPr lang="de-DE" sz="1400" dirty="0">
+                <a:latin typeface="Courier New" panose="02070309020205020404" pitchFamily="49" charset="0"/>
+                <a:cs typeface="Courier New" panose="02070309020205020404" pitchFamily="49" charset="0"/>
+              </a:rPr>
+              <a:t>((</a:t>
+            </a:r>
+            <a:r>
+              <a:rPr lang="de-DE" sz="1400" dirty="0" err="1">
+                <a:latin typeface="Courier New" panose="02070309020205020404" pitchFamily="49" charset="0"/>
+                <a:cs typeface="Courier New" panose="02070309020205020404" pitchFamily="49" charset="0"/>
+              </a:rPr>
+              <a:t>request</a:t>
+            </a:r>
+            <a:r>
+              <a:rPr lang="de-DE" sz="1400" dirty="0">
+                <a:latin typeface="Courier New" panose="02070309020205020404" pitchFamily="49" charset="0"/>
+                <a:cs typeface="Courier New" panose="02070309020205020404" pitchFamily="49" charset="0"/>
+              </a:rPr>
+              <a:t>, </a:t>
+            </a:r>
+            <a:r>
+              <a:rPr lang="de-DE" sz="1400" dirty="0" err="1">
+                <a:latin typeface="Courier New" panose="02070309020205020404" pitchFamily="49" charset="0"/>
+                <a:cs typeface="Courier New" panose="02070309020205020404" pitchFamily="49" charset="0"/>
+              </a:rPr>
+              <a:t>response</a:t>
+            </a:r>
+            <a:r>
+              <a:rPr lang="de-DE" sz="1400" dirty="0">
+                <a:latin typeface="Courier New" panose="02070309020205020404" pitchFamily="49" charset="0"/>
+                <a:cs typeface="Courier New" panose="02070309020205020404" pitchFamily="49" charset="0"/>
+              </a:rPr>
+              <a:t>) =&gt; {</a:t>
+            </a:r>
+            <a:br>
+              <a:rPr lang="de-DE" sz="1400" dirty="0">
+                <a:latin typeface="Courier New" panose="02070309020205020404" pitchFamily="49" charset="0"/>
+                <a:cs typeface="Courier New" panose="02070309020205020404" pitchFamily="49" charset="0"/>
+              </a:rPr>
+            </a:br>
+            <a:r>
+              <a:rPr lang="de-DE" sz="1400" dirty="0">
+                <a:latin typeface="Courier New" panose="02070309020205020404" pitchFamily="49" charset="0"/>
+                <a:cs typeface="Courier New" panose="02070309020205020404" pitchFamily="49" charset="0"/>
+              </a:rPr>
+              <a:t>    </a:t>
+            </a:r>
+            <a:r>
+              <a:rPr lang="de-DE" sz="1400" dirty="0" err="1">
+                <a:latin typeface="Courier New" panose="02070309020205020404" pitchFamily="49" charset="0"/>
+                <a:cs typeface="Courier New" panose="02070309020205020404" pitchFamily="49" charset="0"/>
+              </a:rPr>
+              <a:t>response.</a:t>
+            </a:r>
+            <a:r>
+              <a:rPr lang="de-DE" sz="1400" dirty="0" err="1">
+                <a:solidFill>
+                  <a:srgbClr val="7A7A43"/>
+                </a:solidFill>
+                <a:latin typeface="Courier New" panose="02070309020205020404" pitchFamily="49" charset="0"/>
+                <a:cs typeface="Courier New" panose="02070309020205020404" pitchFamily="49" charset="0"/>
+              </a:rPr>
+              <a:t>writeHead</a:t>
+            </a:r>
+            <a:r>
+              <a:rPr lang="de-DE" sz="1400" dirty="0">
+                <a:latin typeface="Courier New" panose="02070309020205020404" pitchFamily="49" charset="0"/>
+                <a:cs typeface="Courier New" panose="02070309020205020404" pitchFamily="49" charset="0"/>
+              </a:rPr>
+              <a:t>(</a:t>
+            </a:r>
+            <a:r>
+              <a:rPr lang="de-DE" sz="1400" dirty="0">
+                <a:solidFill>
+                  <a:srgbClr val="1750EB"/>
+                </a:solidFill>
+                <a:latin typeface="Courier New" panose="02070309020205020404" pitchFamily="49" charset="0"/>
+                <a:cs typeface="Courier New" panose="02070309020205020404" pitchFamily="49" charset="0"/>
+              </a:rPr>
+              <a:t>200</a:t>
+            </a:r>
+            <a:r>
+              <a:rPr lang="de-DE" sz="1400" dirty="0">
+                <a:latin typeface="Courier New" panose="02070309020205020404" pitchFamily="49" charset="0"/>
+                <a:cs typeface="Courier New" panose="02070309020205020404" pitchFamily="49" charset="0"/>
+              </a:rPr>
+              <a:t>, {</a:t>
+            </a:r>
+            <a:r>
+              <a:rPr lang="de-DE" sz="1400" dirty="0">
+                <a:solidFill>
+                  <a:srgbClr val="067D17"/>
+                </a:solidFill>
+                <a:latin typeface="Courier New" panose="02070309020205020404" pitchFamily="49" charset="0"/>
+                <a:cs typeface="Courier New" panose="02070309020205020404" pitchFamily="49" charset="0"/>
+              </a:rPr>
+              <a:t>'Content-Type'</a:t>
+            </a:r>
+            <a:r>
+              <a:rPr lang="de-DE" sz="1400" dirty="0">
+                <a:latin typeface="Courier New" panose="02070309020205020404" pitchFamily="49" charset="0"/>
+                <a:cs typeface="Courier New" panose="02070309020205020404" pitchFamily="49" charset="0"/>
+              </a:rPr>
+              <a:t>: </a:t>
+            </a:r>
+            <a:r>
+              <a:rPr lang="de-DE" sz="1400" dirty="0">
+                <a:solidFill>
+                  <a:srgbClr val="067D17"/>
+                </a:solidFill>
+                <a:latin typeface="Courier New" panose="02070309020205020404" pitchFamily="49" charset="0"/>
+                <a:cs typeface="Courier New" panose="02070309020205020404" pitchFamily="49" charset="0"/>
+              </a:rPr>
+              <a:t>'</a:t>
+            </a:r>
+            <a:r>
+              <a:rPr lang="de-DE" sz="1400" dirty="0" err="1">
+                <a:solidFill>
+                  <a:srgbClr val="067D17"/>
+                </a:solidFill>
+                <a:latin typeface="Courier New" panose="02070309020205020404" pitchFamily="49" charset="0"/>
+                <a:cs typeface="Courier New" panose="02070309020205020404" pitchFamily="49" charset="0"/>
+              </a:rPr>
+              <a:t>text</a:t>
+            </a:r>
+            <a:r>
+              <a:rPr lang="de-DE" sz="1400" dirty="0">
+                <a:solidFill>
+                  <a:srgbClr val="067D17"/>
+                </a:solidFill>
+                <a:latin typeface="Courier New" panose="02070309020205020404" pitchFamily="49" charset="0"/>
+                <a:cs typeface="Courier New" panose="02070309020205020404" pitchFamily="49" charset="0"/>
+              </a:rPr>
               <a:t>/</a:t>
             </a:r>
             <a:r>
-              <a:rPr lang="de-DE" dirty="0" err="1"/>
-              <a:t>Await</a:t>
-            </a:r>
-            <a:endParaRPr lang="de-DE" dirty="0"/>
+              <a:rPr lang="de-DE" sz="1400" dirty="0" err="1">
+                <a:solidFill>
+                  <a:srgbClr val="067D17"/>
+                </a:solidFill>
+                <a:latin typeface="Courier New" panose="02070309020205020404" pitchFamily="49" charset="0"/>
+                <a:cs typeface="Courier New" panose="02070309020205020404" pitchFamily="49" charset="0"/>
+              </a:rPr>
+              <a:t>plain</a:t>
+            </a:r>
+            <a:r>
+              <a:rPr lang="de-DE" sz="1400" dirty="0">
+                <a:solidFill>
+                  <a:srgbClr val="067D17"/>
+                </a:solidFill>
+                <a:latin typeface="Courier New" panose="02070309020205020404" pitchFamily="49" charset="0"/>
+                <a:cs typeface="Courier New" panose="02070309020205020404" pitchFamily="49" charset="0"/>
+              </a:rPr>
+              <a:t>'</a:t>
+            </a:r>
+            <a:r>
+              <a:rPr lang="de-DE" sz="1400" dirty="0">
+                <a:latin typeface="Courier New" panose="02070309020205020404" pitchFamily="49" charset="0"/>
+                <a:cs typeface="Courier New" panose="02070309020205020404" pitchFamily="49" charset="0"/>
+              </a:rPr>
+              <a:t>});</a:t>
+            </a:r>
+            <a:br>
+              <a:rPr lang="de-DE" sz="1400" dirty="0">
+                <a:latin typeface="Courier New" panose="02070309020205020404" pitchFamily="49" charset="0"/>
+                <a:cs typeface="Courier New" panose="02070309020205020404" pitchFamily="49" charset="0"/>
+              </a:rPr>
+            </a:br>
+            <a:r>
+              <a:rPr lang="de-DE" sz="1400" dirty="0">
+                <a:latin typeface="Courier New" panose="02070309020205020404" pitchFamily="49" charset="0"/>
+                <a:cs typeface="Courier New" panose="02070309020205020404" pitchFamily="49" charset="0"/>
+              </a:rPr>
+              <a:t>    </a:t>
+            </a:r>
+            <a:r>
+              <a:rPr lang="de-DE" sz="1400" dirty="0" err="1">
+                <a:solidFill>
+                  <a:srgbClr val="830091"/>
+                </a:solidFill>
+                <a:latin typeface="Courier New" panose="02070309020205020404" pitchFamily="49" charset="0"/>
+                <a:cs typeface="Courier New" panose="02070309020205020404" pitchFamily="49" charset="0"/>
+              </a:rPr>
+              <a:t>fs</a:t>
+            </a:r>
+            <a:r>
+              <a:rPr lang="de-DE" sz="1400" dirty="0" err="1">
+                <a:latin typeface="Courier New" panose="02070309020205020404" pitchFamily="49" charset="0"/>
+                <a:cs typeface="Courier New" panose="02070309020205020404" pitchFamily="49" charset="0"/>
+              </a:rPr>
+              <a:t>.</a:t>
+            </a:r>
+            <a:r>
+              <a:rPr lang="de-DE" sz="1400" i="1" dirty="0" err="1">
+                <a:latin typeface="Courier New" panose="02070309020205020404" pitchFamily="49" charset="0"/>
+                <a:cs typeface="Courier New" panose="02070309020205020404" pitchFamily="49" charset="0"/>
+              </a:rPr>
+              <a:t>readdir</a:t>
+            </a:r>
+            <a:r>
+              <a:rPr lang="de-DE" sz="1400" dirty="0">
+                <a:latin typeface="Courier New" panose="02070309020205020404" pitchFamily="49" charset="0"/>
+                <a:cs typeface="Courier New" panose="02070309020205020404" pitchFamily="49" charset="0"/>
+              </a:rPr>
+              <a:t>(</a:t>
+            </a:r>
+            <a:r>
+              <a:rPr lang="de-DE" sz="1400" dirty="0" err="1">
+                <a:solidFill>
+                  <a:srgbClr val="248F8F"/>
+                </a:solidFill>
+                <a:latin typeface="Courier New" panose="02070309020205020404" pitchFamily="49" charset="0"/>
+                <a:cs typeface="Courier New" panose="02070309020205020404" pitchFamily="49" charset="0"/>
+              </a:rPr>
+              <a:t>folderName</a:t>
+            </a:r>
+            <a:r>
+              <a:rPr lang="de-DE" sz="1400" dirty="0">
+                <a:latin typeface="Courier New" panose="02070309020205020404" pitchFamily="49" charset="0"/>
+                <a:cs typeface="Courier New" panose="02070309020205020404" pitchFamily="49" charset="0"/>
+              </a:rPr>
+              <a:t>, (</a:t>
+            </a:r>
+            <a:r>
+              <a:rPr lang="de-DE" sz="1400" dirty="0" err="1">
+                <a:latin typeface="Courier New" panose="02070309020205020404" pitchFamily="49" charset="0"/>
+                <a:cs typeface="Courier New" panose="02070309020205020404" pitchFamily="49" charset="0"/>
+              </a:rPr>
+              <a:t>err</a:t>
+            </a:r>
+            <a:r>
+              <a:rPr lang="de-DE" sz="1400" dirty="0">
+                <a:latin typeface="Courier New" panose="02070309020205020404" pitchFamily="49" charset="0"/>
+                <a:cs typeface="Courier New" panose="02070309020205020404" pitchFamily="49" charset="0"/>
+              </a:rPr>
+              <a:t>, </a:t>
+            </a:r>
+            <a:r>
+              <a:rPr lang="de-DE" sz="1400" dirty="0" err="1">
+                <a:latin typeface="Courier New" panose="02070309020205020404" pitchFamily="49" charset="0"/>
+                <a:cs typeface="Courier New" panose="02070309020205020404" pitchFamily="49" charset="0"/>
+              </a:rPr>
+              <a:t>files</a:t>
+            </a:r>
+            <a:r>
+              <a:rPr lang="de-DE" sz="1400" dirty="0">
+                <a:latin typeface="Courier New" panose="02070309020205020404" pitchFamily="49" charset="0"/>
+                <a:cs typeface="Courier New" panose="02070309020205020404" pitchFamily="49" charset="0"/>
+              </a:rPr>
+              <a:t>) =&gt; {</a:t>
+            </a:r>
+            <a:br>
+              <a:rPr lang="de-DE" sz="1400" dirty="0">
+                <a:latin typeface="Courier New" panose="02070309020205020404" pitchFamily="49" charset="0"/>
+                <a:cs typeface="Courier New" panose="02070309020205020404" pitchFamily="49" charset="0"/>
+              </a:rPr>
+            </a:br>
+            <a:r>
+              <a:rPr lang="de-DE" sz="1400" dirty="0">
+                <a:latin typeface="Courier New" panose="02070309020205020404" pitchFamily="49" charset="0"/>
+                <a:cs typeface="Courier New" panose="02070309020205020404" pitchFamily="49" charset="0"/>
+              </a:rPr>
+              <a:t>        </a:t>
+            </a:r>
+            <a:r>
+              <a:rPr lang="de-DE" sz="1400" dirty="0" err="1">
+                <a:latin typeface="Courier New" panose="02070309020205020404" pitchFamily="49" charset="0"/>
+                <a:cs typeface="Courier New" panose="02070309020205020404" pitchFamily="49" charset="0"/>
+              </a:rPr>
+              <a:t>files.</a:t>
+            </a:r>
+            <a:r>
+              <a:rPr lang="de-DE" sz="1400" dirty="0" err="1">
+                <a:solidFill>
+                  <a:srgbClr val="7A7A43"/>
+                </a:solidFill>
+                <a:latin typeface="Courier New" panose="02070309020205020404" pitchFamily="49" charset="0"/>
+                <a:cs typeface="Courier New" panose="02070309020205020404" pitchFamily="49" charset="0"/>
+              </a:rPr>
+              <a:t>forEach</a:t>
+            </a:r>
+            <a:r>
+              <a:rPr lang="de-DE" sz="1400" dirty="0">
+                <a:latin typeface="Courier New" panose="02070309020205020404" pitchFamily="49" charset="0"/>
+                <a:cs typeface="Courier New" panose="02070309020205020404" pitchFamily="49" charset="0"/>
+              </a:rPr>
+              <a:t>((</a:t>
+            </a:r>
+            <a:r>
+              <a:rPr lang="de-DE" sz="1400" dirty="0" err="1">
+                <a:latin typeface="Courier New" panose="02070309020205020404" pitchFamily="49" charset="0"/>
+                <a:cs typeface="Courier New" panose="02070309020205020404" pitchFamily="49" charset="0"/>
+              </a:rPr>
+              <a:t>file</a:t>
+            </a:r>
+            <a:r>
+              <a:rPr lang="de-DE" sz="1400" dirty="0">
+                <a:latin typeface="Courier New" panose="02070309020205020404" pitchFamily="49" charset="0"/>
+                <a:cs typeface="Courier New" panose="02070309020205020404" pitchFamily="49" charset="0"/>
+              </a:rPr>
+              <a:t>, i) =&gt; {</a:t>
+            </a:r>
+            <a:br>
+              <a:rPr lang="de-DE" sz="1400" dirty="0">
+                <a:latin typeface="Courier New" panose="02070309020205020404" pitchFamily="49" charset="0"/>
+                <a:cs typeface="Courier New" panose="02070309020205020404" pitchFamily="49" charset="0"/>
+              </a:rPr>
+            </a:br>
+            <a:r>
+              <a:rPr lang="de-DE" sz="1400" dirty="0">
+                <a:latin typeface="Courier New" panose="02070309020205020404" pitchFamily="49" charset="0"/>
+                <a:cs typeface="Courier New" panose="02070309020205020404" pitchFamily="49" charset="0"/>
+              </a:rPr>
+              <a:t>            </a:t>
+            </a:r>
+            <a:r>
+              <a:rPr lang="de-DE" sz="1400" dirty="0" err="1">
+                <a:solidFill>
+                  <a:srgbClr val="830091"/>
+                </a:solidFill>
+                <a:latin typeface="Courier New" panose="02070309020205020404" pitchFamily="49" charset="0"/>
+                <a:cs typeface="Courier New" panose="02070309020205020404" pitchFamily="49" charset="0"/>
+              </a:rPr>
+              <a:t>fs</a:t>
+            </a:r>
+            <a:r>
+              <a:rPr lang="de-DE" sz="1400" dirty="0" err="1">
+                <a:latin typeface="Courier New" panose="02070309020205020404" pitchFamily="49" charset="0"/>
+                <a:cs typeface="Courier New" panose="02070309020205020404" pitchFamily="49" charset="0"/>
+              </a:rPr>
+              <a:t>.</a:t>
+            </a:r>
+            <a:r>
+              <a:rPr lang="de-DE" sz="1400" i="1" dirty="0" err="1">
+                <a:latin typeface="Courier New" panose="02070309020205020404" pitchFamily="49" charset="0"/>
+                <a:cs typeface="Courier New" panose="02070309020205020404" pitchFamily="49" charset="0"/>
+              </a:rPr>
+              <a:t>readFile</a:t>
+            </a:r>
+            <a:r>
+              <a:rPr lang="de-DE" sz="1400" dirty="0">
+                <a:latin typeface="Courier New" panose="02070309020205020404" pitchFamily="49" charset="0"/>
+                <a:cs typeface="Courier New" panose="02070309020205020404" pitchFamily="49" charset="0"/>
+              </a:rPr>
+              <a:t>(</a:t>
+            </a:r>
+            <a:r>
+              <a:rPr lang="de-DE" sz="1400" dirty="0" err="1">
+                <a:solidFill>
+                  <a:srgbClr val="248F8F"/>
+                </a:solidFill>
+                <a:latin typeface="Courier New" panose="02070309020205020404" pitchFamily="49" charset="0"/>
+                <a:cs typeface="Courier New" panose="02070309020205020404" pitchFamily="49" charset="0"/>
+              </a:rPr>
+              <a:t>folderName</a:t>
+            </a:r>
+            <a:r>
+              <a:rPr lang="de-DE" sz="1400" dirty="0">
+                <a:solidFill>
+                  <a:srgbClr val="248F8F"/>
+                </a:solidFill>
+                <a:latin typeface="Courier New" panose="02070309020205020404" pitchFamily="49" charset="0"/>
+                <a:cs typeface="Courier New" panose="02070309020205020404" pitchFamily="49" charset="0"/>
+              </a:rPr>
+              <a:t> </a:t>
+            </a:r>
+            <a:r>
+              <a:rPr lang="de-DE" sz="1400" dirty="0">
+                <a:latin typeface="Courier New" panose="02070309020205020404" pitchFamily="49" charset="0"/>
+                <a:cs typeface="Courier New" panose="02070309020205020404" pitchFamily="49" charset="0"/>
+              </a:rPr>
+              <a:t>+ </a:t>
+            </a:r>
+            <a:r>
+              <a:rPr lang="de-DE" sz="1400" dirty="0">
+                <a:solidFill>
+                  <a:srgbClr val="067D17"/>
+                </a:solidFill>
+                <a:latin typeface="Courier New" panose="02070309020205020404" pitchFamily="49" charset="0"/>
+                <a:cs typeface="Courier New" panose="02070309020205020404" pitchFamily="49" charset="0"/>
+              </a:rPr>
+              <a:t>'/' </a:t>
+            </a:r>
+            <a:r>
+              <a:rPr lang="de-DE" sz="1400" dirty="0">
+                <a:latin typeface="Courier New" panose="02070309020205020404" pitchFamily="49" charset="0"/>
+                <a:cs typeface="Courier New" panose="02070309020205020404" pitchFamily="49" charset="0"/>
+              </a:rPr>
+              <a:t>+ </a:t>
+            </a:r>
+            <a:r>
+              <a:rPr lang="de-DE" sz="1400" dirty="0" err="1">
+                <a:latin typeface="Courier New" panose="02070309020205020404" pitchFamily="49" charset="0"/>
+                <a:cs typeface="Courier New" panose="02070309020205020404" pitchFamily="49" charset="0"/>
+              </a:rPr>
+              <a:t>file</a:t>
+            </a:r>
+            <a:r>
+              <a:rPr lang="de-DE" sz="1400" dirty="0">
+                <a:latin typeface="Courier New" panose="02070309020205020404" pitchFamily="49" charset="0"/>
+                <a:cs typeface="Courier New" panose="02070309020205020404" pitchFamily="49" charset="0"/>
+              </a:rPr>
+              <a:t>, (</a:t>
+            </a:r>
+            <a:r>
+              <a:rPr lang="de-DE" sz="1400" dirty="0" err="1">
+                <a:latin typeface="Courier New" panose="02070309020205020404" pitchFamily="49" charset="0"/>
+                <a:cs typeface="Courier New" panose="02070309020205020404" pitchFamily="49" charset="0"/>
+              </a:rPr>
+              <a:t>err</a:t>
+            </a:r>
+            <a:r>
+              <a:rPr lang="de-DE" sz="1400" dirty="0">
+                <a:latin typeface="Courier New" panose="02070309020205020404" pitchFamily="49" charset="0"/>
+                <a:cs typeface="Courier New" panose="02070309020205020404" pitchFamily="49" charset="0"/>
+              </a:rPr>
+              <a:t>, </a:t>
+            </a:r>
+            <a:r>
+              <a:rPr lang="de-DE" sz="1400" dirty="0" err="1">
+                <a:latin typeface="Courier New" panose="02070309020205020404" pitchFamily="49" charset="0"/>
+                <a:cs typeface="Courier New" panose="02070309020205020404" pitchFamily="49" charset="0"/>
+              </a:rPr>
+              <a:t>data</a:t>
+            </a:r>
+            <a:r>
+              <a:rPr lang="de-DE" sz="1400" dirty="0">
+                <a:latin typeface="Courier New" panose="02070309020205020404" pitchFamily="49" charset="0"/>
+                <a:cs typeface="Courier New" panose="02070309020205020404" pitchFamily="49" charset="0"/>
+              </a:rPr>
+              <a:t>) =&gt; {</a:t>
+            </a:r>
+            <a:br>
+              <a:rPr lang="de-DE" sz="1400" dirty="0">
+                <a:latin typeface="Courier New" panose="02070309020205020404" pitchFamily="49" charset="0"/>
+                <a:cs typeface="Courier New" panose="02070309020205020404" pitchFamily="49" charset="0"/>
+              </a:rPr>
+            </a:br>
+            <a:r>
+              <a:rPr lang="de-DE" sz="1400" dirty="0">
+                <a:latin typeface="Courier New" panose="02070309020205020404" pitchFamily="49" charset="0"/>
+                <a:cs typeface="Courier New" panose="02070309020205020404" pitchFamily="49" charset="0"/>
+              </a:rPr>
+              <a:t>                </a:t>
+            </a:r>
+            <a:r>
+              <a:rPr lang="de-DE" sz="1400" dirty="0" err="1">
+                <a:latin typeface="Courier New" panose="02070309020205020404" pitchFamily="49" charset="0"/>
+                <a:cs typeface="Courier New" panose="02070309020205020404" pitchFamily="49" charset="0"/>
+              </a:rPr>
+              <a:t>response.</a:t>
+            </a:r>
+            <a:r>
+              <a:rPr lang="de-DE" sz="1400" dirty="0" err="1">
+                <a:solidFill>
+                  <a:srgbClr val="7A7A43"/>
+                </a:solidFill>
+                <a:latin typeface="Courier New" panose="02070309020205020404" pitchFamily="49" charset="0"/>
+                <a:cs typeface="Courier New" panose="02070309020205020404" pitchFamily="49" charset="0"/>
+              </a:rPr>
+              <a:t>write</a:t>
+            </a:r>
+            <a:r>
+              <a:rPr lang="de-DE" sz="1400" dirty="0">
+                <a:latin typeface="Courier New" panose="02070309020205020404" pitchFamily="49" charset="0"/>
+                <a:cs typeface="Courier New" panose="02070309020205020404" pitchFamily="49" charset="0"/>
+              </a:rPr>
+              <a:t>(</a:t>
+            </a:r>
+            <a:r>
+              <a:rPr lang="de-DE" sz="1400" dirty="0" err="1">
+                <a:latin typeface="Courier New" panose="02070309020205020404" pitchFamily="49" charset="0"/>
+                <a:cs typeface="Courier New" panose="02070309020205020404" pitchFamily="49" charset="0"/>
+              </a:rPr>
+              <a:t>data</a:t>
+            </a:r>
+            <a:r>
+              <a:rPr lang="de-DE" sz="1400" dirty="0">
+                <a:latin typeface="Courier New" panose="02070309020205020404" pitchFamily="49" charset="0"/>
+                <a:cs typeface="Courier New" panose="02070309020205020404" pitchFamily="49" charset="0"/>
+              </a:rPr>
+              <a:t>);</a:t>
+            </a:r>
+            <a:br>
+              <a:rPr lang="de-DE" sz="1400" dirty="0">
+                <a:latin typeface="Courier New" panose="02070309020205020404" pitchFamily="49" charset="0"/>
+                <a:cs typeface="Courier New" panose="02070309020205020404" pitchFamily="49" charset="0"/>
+              </a:rPr>
+            </a:br>
+            <a:r>
+              <a:rPr lang="de-DE" sz="1400" dirty="0">
+                <a:latin typeface="Courier New" panose="02070309020205020404" pitchFamily="49" charset="0"/>
+                <a:cs typeface="Courier New" panose="02070309020205020404" pitchFamily="49" charset="0"/>
+              </a:rPr>
+              <a:t>                </a:t>
+            </a:r>
+            <a:r>
+              <a:rPr lang="de-DE" sz="1400" dirty="0" err="1">
+                <a:solidFill>
+                  <a:srgbClr val="0033B3"/>
+                </a:solidFill>
+                <a:latin typeface="Courier New" panose="02070309020205020404" pitchFamily="49" charset="0"/>
+                <a:cs typeface="Courier New" panose="02070309020205020404" pitchFamily="49" charset="0"/>
+              </a:rPr>
+              <a:t>if</a:t>
+            </a:r>
+            <a:r>
+              <a:rPr lang="de-DE" sz="1400" dirty="0">
+                <a:solidFill>
+                  <a:srgbClr val="0033B3"/>
+                </a:solidFill>
+                <a:latin typeface="Courier New" panose="02070309020205020404" pitchFamily="49" charset="0"/>
+                <a:cs typeface="Courier New" panose="02070309020205020404" pitchFamily="49" charset="0"/>
+              </a:rPr>
+              <a:t> </a:t>
+            </a:r>
+            <a:r>
+              <a:rPr lang="de-DE" sz="1400" dirty="0">
+                <a:latin typeface="Courier New" panose="02070309020205020404" pitchFamily="49" charset="0"/>
+                <a:cs typeface="Courier New" panose="02070309020205020404" pitchFamily="49" charset="0"/>
+              </a:rPr>
+              <a:t>(i === files.</a:t>
+            </a:r>
+            <a:r>
+              <a:rPr lang="de-DE" sz="1400" dirty="0">
+                <a:solidFill>
+                  <a:srgbClr val="871094"/>
+                </a:solidFill>
+                <a:latin typeface="Courier New" panose="02070309020205020404" pitchFamily="49" charset="0"/>
+                <a:cs typeface="Courier New" panose="02070309020205020404" pitchFamily="49" charset="0"/>
+              </a:rPr>
+              <a:t>length</a:t>
+            </a:r>
+            <a:r>
+              <a:rPr lang="de-DE" sz="1400" dirty="0">
+                <a:latin typeface="Courier New" panose="02070309020205020404" pitchFamily="49" charset="0"/>
+                <a:cs typeface="Courier New" panose="02070309020205020404" pitchFamily="49" charset="0"/>
+              </a:rPr>
+              <a:t>-</a:t>
+            </a:r>
+            <a:r>
+              <a:rPr lang="de-DE" sz="1400" dirty="0">
+                <a:solidFill>
+                  <a:srgbClr val="1750EB"/>
+                </a:solidFill>
+                <a:latin typeface="Courier New" panose="02070309020205020404" pitchFamily="49" charset="0"/>
+                <a:cs typeface="Courier New" panose="02070309020205020404" pitchFamily="49" charset="0"/>
+              </a:rPr>
+              <a:t>1</a:t>
+            </a:r>
+            <a:r>
+              <a:rPr lang="de-DE" sz="1400" dirty="0">
+                <a:latin typeface="Courier New" panose="02070309020205020404" pitchFamily="49" charset="0"/>
+                <a:cs typeface="Courier New" panose="02070309020205020404" pitchFamily="49" charset="0"/>
+              </a:rPr>
+              <a:t>) {</a:t>
+            </a:r>
+            <a:br>
+              <a:rPr lang="de-DE" sz="1400" dirty="0">
+                <a:latin typeface="Courier New" panose="02070309020205020404" pitchFamily="49" charset="0"/>
+                <a:cs typeface="Courier New" panose="02070309020205020404" pitchFamily="49" charset="0"/>
+              </a:rPr>
+            </a:br>
+            <a:r>
+              <a:rPr lang="de-DE" sz="1400" dirty="0">
+                <a:latin typeface="Courier New" panose="02070309020205020404" pitchFamily="49" charset="0"/>
+                <a:cs typeface="Courier New" panose="02070309020205020404" pitchFamily="49" charset="0"/>
+              </a:rPr>
+              <a:t>                    </a:t>
+            </a:r>
+            <a:r>
+              <a:rPr lang="de-DE" sz="1400" dirty="0" err="1">
+                <a:latin typeface="Courier New" panose="02070309020205020404" pitchFamily="49" charset="0"/>
+                <a:cs typeface="Courier New" panose="02070309020205020404" pitchFamily="49" charset="0"/>
+              </a:rPr>
+              <a:t>response.</a:t>
+            </a:r>
+            <a:r>
+              <a:rPr lang="de-DE" sz="1400" dirty="0" err="1">
+                <a:solidFill>
+                  <a:srgbClr val="7A7A43"/>
+                </a:solidFill>
+                <a:latin typeface="Courier New" panose="02070309020205020404" pitchFamily="49" charset="0"/>
+                <a:cs typeface="Courier New" panose="02070309020205020404" pitchFamily="49" charset="0"/>
+              </a:rPr>
+              <a:t>end</a:t>
+            </a:r>
+            <a:r>
+              <a:rPr lang="de-DE" sz="1400" dirty="0">
+                <a:latin typeface="Courier New" panose="02070309020205020404" pitchFamily="49" charset="0"/>
+                <a:cs typeface="Courier New" panose="02070309020205020404" pitchFamily="49" charset="0"/>
+              </a:rPr>
+              <a:t>(</a:t>
+            </a:r>
+            <a:r>
+              <a:rPr lang="de-DE" sz="1400" dirty="0">
+                <a:solidFill>
+                  <a:srgbClr val="067D17"/>
+                </a:solidFill>
+                <a:latin typeface="Courier New" panose="02070309020205020404" pitchFamily="49" charset="0"/>
+                <a:cs typeface="Courier New" panose="02070309020205020404" pitchFamily="49" charset="0"/>
+              </a:rPr>
+              <a:t>'</a:t>
+            </a:r>
+            <a:r>
+              <a:rPr lang="de-DE" sz="1400" dirty="0" err="1">
+                <a:solidFill>
+                  <a:srgbClr val="067D17"/>
+                </a:solidFill>
+                <a:latin typeface="Courier New" panose="02070309020205020404" pitchFamily="49" charset="0"/>
+                <a:cs typeface="Courier New" panose="02070309020205020404" pitchFamily="49" charset="0"/>
+              </a:rPr>
+              <a:t>Done</a:t>
+            </a:r>
+            <a:r>
+              <a:rPr lang="de-DE" sz="1400" dirty="0">
+                <a:solidFill>
+                  <a:srgbClr val="067D17"/>
+                </a:solidFill>
+                <a:latin typeface="Courier New" panose="02070309020205020404" pitchFamily="49" charset="0"/>
+                <a:cs typeface="Courier New" panose="02070309020205020404" pitchFamily="49" charset="0"/>
+              </a:rPr>
+              <a:t>!'</a:t>
+            </a:r>
+            <a:r>
+              <a:rPr lang="de-DE" sz="1400" dirty="0">
+                <a:latin typeface="Courier New" panose="02070309020205020404" pitchFamily="49" charset="0"/>
+                <a:cs typeface="Courier New" panose="02070309020205020404" pitchFamily="49" charset="0"/>
+              </a:rPr>
+              <a:t>);</a:t>
+            </a:r>
+            <a:br>
+              <a:rPr lang="de-DE" sz="1400" dirty="0">
+                <a:latin typeface="Courier New" panose="02070309020205020404" pitchFamily="49" charset="0"/>
+                <a:cs typeface="Courier New" panose="02070309020205020404" pitchFamily="49" charset="0"/>
+              </a:rPr>
+            </a:br>
+            <a:r>
+              <a:rPr lang="de-DE" sz="1400" dirty="0">
+                <a:latin typeface="Courier New" panose="02070309020205020404" pitchFamily="49" charset="0"/>
+                <a:cs typeface="Courier New" panose="02070309020205020404" pitchFamily="49" charset="0"/>
+              </a:rPr>
+              <a:t>                } </a:t>
+            </a:r>
+            <a:r>
+              <a:rPr lang="de-DE" sz="1400" dirty="0" err="1">
+                <a:solidFill>
+                  <a:srgbClr val="0033B3"/>
+                </a:solidFill>
+                <a:latin typeface="Courier New" panose="02070309020205020404" pitchFamily="49" charset="0"/>
+                <a:cs typeface="Courier New" panose="02070309020205020404" pitchFamily="49" charset="0"/>
+              </a:rPr>
+              <a:t>else</a:t>
+            </a:r>
+            <a:r>
+              <a:rPr lang="de-DE" sz="1400" dirty="0">
+                <a:solidFill>
+                  <a:srgbClr val="0033B3"/>
+                </a:solidFill>
+                <a:latin typeface="Courier New" panose="02070309020205020404" pitchFamily="49" charset="0"/>
+                <a:cs typeface="Courier New" panose="02070309020205020404" pitchFamily="49" charset="0"/>
+              </a:rPr>
+              <a:t> </a:t>
+            </a:r>
+            <a:r>
+              <a:rPr lang="de-DE" sz="1400" dirty="0">
+                <a:latin typeface="Courier New" panose="02070309020205020404" pitchFamily="49" charset="0"/>
+                <a:cs typeface="Courier New" panose="02070309020205020404" pitchFamily="49" charset="0"/>
+              </a:rPr>
+              <a:t>{</a:t>
+            </a:r>
+            <a:br>
+              <a:rPr lang="de-DE" sz="1400" dirty="0">
+                <a:latin typeface="Courier New" panose="02070309020205020404" pitchFamily="49" charset="0"/>
+                <a:cs typeface="Courier New" panose="02070309020205020404" pitchFamily="49" charset="0"/>
+              </a:rPr>
+            </a:br>
+            <a:r>
+              <a:rPr lang="de-DE" sz="1400" dirty="0">
+                <a:latin typeface="Courier New" panose="02070309020205020404" pitchFamily="49" charset="0"/>
+                <a:cs typeface="Courier New" panose="02070309020205020404" pitchFamily="49" charset="0"/>
+              </a:rPr>
+              <a:t>                    </a:t>
+            </a:r>
+            <a:r>
+              <a:rPr lang="de-DE" sz="1400" dirty="0" err="1">
+                <a:latin typeface="Courier New" panose="02070309020205020404" pitchFamily="49" charset="0"/>
+                <a:cs typeface="Courier New" panose="02070309020205020404" pitchFamily="49" charset="0"/>
+              </a:rPr>
+              <a:t>response.</a:t>
+            </a:r>
+            <a:r>
+              <a:rPr lang="de-DE" sz="1400" dirty="0" err="1">
+                <a:solidFill>
+                  <a:srgbClr val="7A7A43"/>
+                </a:solidFill>
+                <a:latin typeface="Courier New" panose="02070309020205020404" pitchFamily="49" charset="0"/>
+                <a:cs typeface="Courier New" panose="02070309020205020404" pitchFamily="49" charset="0"/>
+              </a:rPr>
+              <a:t>write</a:t>
+            </a:r>
+            <a:r>
+              <a:rPr lang="de-DE" sz="1400" dirty="0">
+                <a:latin typeface="Courier New" panose="02070309020205020404" pitchFamily="49" charset="0"/>
+                <a:cs typeface="Courier New" panose="02070309020205020404" pitchFamily="49" charset="0"/>
+              </a:rPr>
+              <a:t>(</a:t>
+            </a:r>
+            <a:r>
+              <a:rPr lang="de-DE" sz="1400" dirty="0">
+                <a:solidFill>
+                  <a:srgbClr val="067D17"/>
+                </a:solidFill>
+                <a:latin typeface="Courier New" panose="02070309020205020404" pitchFamily="49" charset="0"/>
+                <a:cs typeface="Courier New" panose="02070309020205020404" pitchFamily="49" charset="0"/>
+              </a:rPr>
+              <a:t>"</a:t>
+            </a:r>
+            <a:r>
+              <a:rPr lang="de-DE" sz="1400" dirty="0">
+                <a:solidFill>
+                  <a:srgbClr val="0037A6"/>
+                </a:solidFill>
+                <a:latin typeface="Courier New" panose="02070309020205020404" pitchFamily="49" charset="0"/>
+                <a:cs typeface="Courier New" panose="02070309020205020404" pitchFamily="49" charset="0"/>
+              </a:rPr>
+              <a:t>\</a:t>
+            </a:r>
+            <a:r>
+              <a:rPr lang="de-DE" sz="1400" dirty="0" err="1">
+                <a:solidFill>
+                  <a:srgbClr val="0037A6"/>
+                </a:solidFill>
+                <a:latin typeface="Courier New" panose="02070309020205020404" pitchFamily="49" charset="0"/>
+                <a:cs typeface="Courier New" panose="02070309020205020404" pitchFamily="49" charset="0"/>
+              </a:rPr>
+              <a:t>n</a:t>
+            </a:r>
+            <a:r>
+              <a:rPr lang="de-DE" sz="1400" dirty="0">
+                <a:solidFill>
+                  <a:srgbClr val="067D17"/>
+                </a:solidFill>
+                <a:latin typeface="Courier New" panose="02070309020205020404" pitchFamily="49" charset="0"/>
+                <a:cs typeface="Courier New" panose="02070309020205020404" pitchFamily="49" charset="0"/>
+              </a:rPr>
+              <a:t>----</a:t>
+            </a:r>
+            <a:r>
+              <a:rPr lang="de-DE" sz="1400" dirty="0">
+                <a:solidFill>
+                  <a:srgbClr val="0037A6"/>
+                </a:solidFill>
+                <a:latin typeface="Courier New" panose="02070309020205020404" pitchFamily="49" charset="0"/>
+                <a:cs typeface="Courier New" panose="02070309020205020404" pitchFamily="49" charset="0"/>
+              </a:rPr>
+              <a:t>\</a:t>
+            </a:r>
+            <a:r>
+              <a:rPr lang="de-DE" sz="1400" dirty="0" err="1">
+                <a:solidFill>
+                  <a:srgbClr val="0037A6"/>
+                </a:solidFill>
+                <a:latin typeface="Courier New" panose="02070309020205020404" pitchFamily="49" charset="0"/>
+                <a:cs typeface="Courier New" panose="02070309020205020404" pitchFamily="49" charset="0"/>
+              </a:rPr>
+              <a:t>n</a:t>
+            </a:r>
+            <a:r>
+              <a:rPr lang="de-DE" sz="1400" dirty="0">
+                <a:solidFill>
+                  <a:srgbClr val="0037A6"/>
+                </a:solidFill>
+                <a:latin typeface="Courier New" panose="02070309020205020404" pitchFamily="49" charset="0"/>
+                <a:cs typeface="Courier New" panose="02070309020205020404" pitchFamily="49" charset="0"/>
+              </a:rPr>
+              <a:t>\</a:t>
+            </a:r>
+            <a:r>
+              <a:rPr lang="de-DE" sz="1400" dirty="0" err="1">
+                <a:solidFill>
+                  <a:srgbClr val="0037A6"/>
+                </a:solidFill>
+                <a:latin typeface="Courier New" panose="02070309020205020404" pitchFamily="49" charset="0"/>
+                <a:cs typeface="Courier New" panose="02070309020205020404" pitchFamily="49" charset="0"/>
+              </a:rPr>
+              <a:t>n</a:t>
+            </a:r>
+            <a:r>
+              <a:rPr lang="de-DE" sz="1400" dirty="0">
+                <a:solidFill>
+                  <a:srgbClr val="067D17"/>
+                </a:solidFill>
+                <a:latin typeface="Courier New" panose="02070309020205020404" pitchFamily="49" charset="0"/>
+                <a:cs typeface="Courier New" panose="02070309020205020404" pitchFamily="49" charset="0"/>
+              </a:rPr>
+              <a:t>"</a:t>
+            </a:r>
+            <a:r>
+              <a:rPr lang="de-DE" sz="1400" dirty="0">
+                <a:latin typeface="Courier New" panose="02070309020205020404" pitchFamily="49" charset="0"/>
+                <a:cs typeface="Courier New" panose="02070309020205020404" pitchFamily="49" charset="0"/>
+              </a:rPr>
+              <a:t>)</a:t>
+            </a:r>
+            <a:br>
+              <a:rPr lang="de-DE" sz="1400" dirty="0">
+                <a:latin typeface="Courier New" panose="02070309020205020404" pitchFamily="49" charset="0"/>
+                <a:cs typeface="Courier New" panose="02070309020205020404" pitchFamily="49" charset="0"/>
+              </a:rPr>
+            </a:br>
+            <a:r>
+              <a:rPr lang="de-DE" sz="1400" dirty="0">
+                <a:latin typeface="Courier New" panose="02070309020205020404" pitchFamily="49" charset="0"/>
+                <a:cs typeface="Courier New" panose="02070309020205020404" pitchFamily="49" charset="0"/>
+              </a:rPr>
+              <a:t>                }</a:t>
+            </a:r>
+            <a:br>
+              <a:rPr lang="de-DE" sz="1400" dirty="0">
+                <a:latin typeface="Courier New" panose="02070309020205020404" pitchFamily="49" charset="0"/>
+                <a:cs typeface="Courier New" panose="02070309020205020404" pitchFamily="49" charset="0"/>
+              </a:rPr>
+            </a:br>
+            <a:br>
+              <a:rPr lang="de-DE" sz="1400" dirty="0">
+                <a:latin typeface="Courier New" panose="02070309020205020404" pitchFamily="49" charset="0"/>
+                <a:cs typeface="Courier New" panose="02070309020205020404" pitchFamily="49" charset="0"/>
+              </a:rPr>
+            </a:br>
+            <a:r>
+              <a:rPr lang="de-DE" sz="1400" dirty="0">
+                <a:latin typeface="Courier New" panose="02070309020205020404" pitchFamily="49" charset="0"/>
+                <a:cs typeface="Courier New" panose="02070309020205020404" pitchFamily="49" charset="0"/>
+              </a:rPr>
+              <a:t>            });</a:t>
+            </a:r>
+            <a:br>
+              <a:rPr lang="de-DE" sz="1400" dirty="0">
+                <a:latin typeface="Courier New" panose="02070309020205020404" pitchFamily="49" charset="0"/>
+                <a:cs typeface="Courier New" panose="02070309020205020404" pitchFamily="49" charset="0"/>
+              </a:rPr>
+            </a:br>
+            <a:r>
+              <a:rPr lang="de-DE" sz="1400" dirty="0">
+                <a:latin typeface="Courier New" panose="02070309020205020404" pitchFamily="49" charset="0"/>
+                <a:cs typeface="Courier New" panose="02070309020205020404" pitchFamily="49" charset="0"/>
+              </a:rPr>
+              <a:t>        });</a:t>
+            </a:r>
+            <a:br>
+              <a:rPr lang="de-DE" sz="1400" dirty="0">
+                <a:latin typeface="Courier New" panose="02070309020205020404" pitchFamily="49" charset="0"/>
+                <a:cs typeface="Courier New" panose="02070309020205020404" pitchFamily="49" charset="0"/>
+              </a:rPr>
+            </a:br>
+            <a:r>
+              <a:rPr lang="de-DE" sz="1400" dirty="0">
+                <a:latin typeface="Courier New" panose="02070309020205020404" pitchFamily="49" charset="0"/>
+                <a:cs typeface="Courier New" panose="02070309020205020404" pitchFamily="49" charset="0"/>
+              </a:rPr>
+              <a:t>    });</a:t>
+            </a:r>
+            <a:br>
+              <a:rPr lang="de-DE" sz="1400" dirty="0">
+                <a:latin typeface="Courier New" panose="02070309020205020404" pitchFamily="49" charset="0"/>
+                <a:cs typeface="Courier New" panose="02070309020205020404" pitchFamily="49" charset="0"/>
+              </a:rPr>
+            </a:br>
+            <a:r>
+              <a:rPr lang="de-DE" sz="1400" dirty="0">
+                <a:latin typeface="Courier New" panose="02070309020205020404" pitchFamily="49" charset="0"/>
+                <a:cs typeface="Courier New" panose="02070309020205020404" pitchFamily="49" charset="0"/>
+              </a:rPr>
+              <a:t>}).</a:t>
+            </a:r>
+            <a:r>
+              <a:rPr lang="de-DE" sz="1400" dirty="0">
+                <a:solidFill>
+                  <a:srgbClr val="7A7A43"/>
+                </a:solidFill>
+                <a:latin typeface="Courier New" panose="02070309020205020404" pitchFamily="49" charset="0"/>
+                <a:cs typeface="Courier New" panose="02070309020205020404" pitchFamily="49" charset="0"/>
+              </a:rPr>
+              <a:t>listen</a:t>
+            </a:r>
+            <a:r>
+              <a:rPr lang="de-DE" sz="1400" dirty="0">
+                <a:latin typeface="Courier New" panose="02070309020205020404" pitchFamily="49" charset="0"/>
+                <a:cs typeface="Courier New" panose="02070309020205020404" pitchFamily="49" charset="0"/>
+              </a:rPr>
+              <a:t>(</a:t>
+            </a:r>
+            <a:r>
+              <a:rPr lang="de-DE" sz="1400" dirty="0">
+                <a:solidFill>
+                  <a:srgbClr val="1750EB"/>
+                </a:solidFill>
+                <a:latin typeface="Courier New" panose="02070309020205020404" pitchFamily="49" charset="0"/>
+                <a:cs typeface="Courier New" panose="02070309020205020404" pitchFamily="49" charset="0"/>
+              </a:rPr>
+              <a:t>8081</a:t>
+            </a:r>
+            <a:r>
+              <a:rPr lang="de-DE" sz="1400" dirty="0">
+                <a:latin typeface="Courier New" panose="02070309020205020404" pitchFamily="49" charset="0"/>
+                <a:cs typeface="Courier New" panose="02070309020205020404" pitchFamily="49" charset="0"/>
+              </a:rPr>
+              <a:t>);</a:t>
+            </a:r>
+          </a:p>
+        </p:txBody>
+      </p:sp>
+      <p:sp>
+        <p:nvSpPr>
+          <p:cNvPr id="13" name="Rechteck 12">
+            <a:extLst>
+              <a:ext uri="{FF2B5EF4-FFF2-40B4-BE49-F238E27FC236}">
+                <a16:creationId xmlns:a16="http://schemas.microsoft.com/office/drawing/2014/main" id="{BCB7402E-2741-E148-8E44-D4211FC517F1}"/>
+              </a:ext>
+            </a:extLst>
+          </p:cNvPr>
+          <p:cNvSpPr/>
+          <p:nvPr/>
+        </p:nvSpPr>
+        <p:spPr>
+          <a:xfrm>
+            <a:off x="2119374" y="2130798"/>
+            <a:ext cx="5981018" cy="218082"/>
+          </a:xfrm>
+          <a:prstGeom prst="rect">
+            <a:avLst/>
+          </a:prstGeom>
+          <a:solidFill>
+            <a:schemeClr val="bg1">
+              <a:alpha val="91000"/>
+            </a:schemeClr>
+          </a:solidFill>
+          <a:ln>
+            <a:noFill/>
+          </a:ln>
+        </p:spPr>
+        <p:style>
+          <a:lnRef idx="2">
+            <a:schemeClr val="accent1">
+              <a:shade val="50000"/>
+            </a:schemeClr>
+          </a:lnRef>
+          <a:fillRef idx="1">
+            <a:schemeClr val="accent1"/>
+          </a:fillRef>
+          <a:effectRef idx="0">
+            <a:schemeClr val="accent1"/>
+          </a:effectRef>
+          <a:fontRef idx="minor">
+            <a:schemeClr val="lt1"/>
+          </a:fontRef>
+        </p:style>
+        <p:txBody>
+          <a:bodyPr rtlCol="0" anchor="ctr"/>
+          <a:lstStyle/>
+          <a:p>
+            <a:pPr algn="ctr"/>
+            <a:endParaRPr lang="de-DE"/>
+          </a:p>
+        </p:txBody>
+      </p:sp>
+      <p:sp>
+        <p:nvSpPr>
+          <p:cNvPr id="14" name="Rechteck 13">
+            <a:extLst>
+              <a:ext uri="{FF2B5EF4-FFF2-40B4-BE49-F238E27FC236}">
+                <a16:creationId xmlns:a16="http://schemas.microsoft.com/office/drawing/2014/main" id="{98EC599C-FD27-2748-8D43-08808C092496}"/>
+              </a:ext>
+            </a:extLst>
+          </p:cNvPr>
+          <p:cNvSpPr/>
+          <p:nvPr/>
+        </p:nvSpPr>
+        <p:spPr>
+          <a:xfrm>
+            <a:off x="3368152" y="2966884"/>
+            <a:ext cx="5758713" cy="1464598"/>
+          </a:xfrm>
+          <a:prstGeom prst="rect">
+            <a:avLst/>
+          </a:prstGeom>
+          <a:solidFill>
+            <a:schemeClr val="bg1">
+              <a:alpha val="91000"/>
+            </a:schemeClr>
+          </a:solidFill>
+          <a:ln>
+            <a:noFill/>
+          </a:ln>
+        </p:spPr>
+        <p:style>
+          <a:lnRef idx="2">
+            <a:schemeClr val="accent1">
+              <a:shade val="50000"/>
+            </a:schemeClr>
+          </a:lnRef>
+          <a:fillRef idx="1">
+            <a:schemeClr val="accent1"/>
+          </a:fillRef>
+          <a:effectRef idx="0">
+            <a:schemeClr val="accent1"/>
+          </a:effectRef>
+          <a:fontRef idx="minor">
+            <a:schemeClr val="lt1"/>
+          </a:fontRef>
+        </p:style>
+        <p:txBody>
+          <a:bodyPr rtlCol="0" anchor="ctr"/>
+          <a:lstStyle/>
+          <a:p>
+            <a:pPr algn="ctr"/>
+            <a:endParaRPr lang="de-DE"/>
+          </a:p>
+        </p:txBody>
+      </p:sp>
+      <p:sp>
+        <p:nvSpPr>
+          <p:cNvPr id="15" name="Rechteck 14">
+            <a:extLst>
+              <a:ext uri="{FF2B5EF4-FFF2-40B4-BE49-F238E27FC236}">
+                <a16:creationId xmlns:a16="http://schemas.microsoft.com/office/drawing/2014/main" id="{7AB48EF3-0DA2-414C-A66E-BCFE71355630}"/>
+              </a:ext>
+            </a:extLst>
+          </p:cNvPr>
+          <p:cNvSpPr/>
+          <p:nvPr/>
+        </p:nvSpPr>
+        <p:spPr>
+          <a:xfrm>
+            <a:off x="1958841" y="5082032"/>
+            <a:ext cx="5981018" cy="218082"/>
+          </a:xfrm>
+          <a:prstGeom prst="rect">
+            <a:avLst/>
+          </a:prstGeom>
+          <a:solidFill>
+            <a:schemeClr val="bg1">
+              <a:alpha val="91000"/>
+            </a:schemeClr>
+          </a:solidFill>
+          <a:ln>
+            <a:noFill/>
+          </a:ln>
+        </p:spPr>
+        <p:style>
+          <a:lnRef idx="2">
+            <a:schemeClr val="accent1">
+              <a:shade val="50000"/>
+            </a:schemeClr>
+          </a:lnRef>
+          <a:fillRef idx="1">
+            <a:schemeClr val="accent1"/>
+          </a:fillRef>
+          <a:effectRef idx="0">
+            <a:schemeClr val="accent1"/>
+          </a:effectRef>
+          <a:fontRef idx="minor">
+            <a:schemeClr val="lt1"/>
+          </a:fontRef>
+        </p:style>
+        <p:txBody>
+          <a:bodyPr rtlCol="0" anchor="ctr"/>
+          <a:lstStyle/>
+          <a:p>
+            <a:pPr algn="ctr"/>
+            <a:endParaRPr lang="de-DE"/>
           </a:p>
         </p:txBody>
       </p:sp>
     </p:spTree>
     <p:extLst>
       <p:ext uri="{BB962C8B-B14F-4D97-AF65-F5344CB8AC3E}">
-        <p14:creationId xmlns:p14="http://schemas.microsoft.com/office/powerpoint/2010/main" val="1391542877"/>
+        <p14:creationId xmlns:p14="http://schemas.microsoft.com/office/powerpoint/2010/main" val="714103700"/>
       </p:ext>
     </p:extLst>
   </p:cSld>
   <p:clrMapOvr>
     <a:masterClrMapping/>
   </p:clrMapOvr>
+  <p:timing>
+    <p:tnLst>
+      <p:par>
+        <p:cTn id="1" dur="indefinite" restart="never" nodeType="tmRoot">
+          <p:childTnLst>
+            <p:seq concurrent="1" nextAc="seek">
+              <p:cTn id="2" dur="indefinite" nodeType="mainSeq">
+                <p:childTnLst>
+                  <p:par>
+                    <p:cTn id="3" fill="hold">
+                      <p:stCondLst>
+                        <p:cond delay="indefinite"/>
+                      </p:stCondLst>
+                      <p:childTnLst>
+                        <p:par>
+                          <p:cTn id="4" fill="hold">
+                            <p:stCondLst>
+                              <p:cond delay="0"/>
+                            </p:stCondLst>
+                            <p:childTnLst>
+                              <p:par>
+                                <p:cTn id="5" presetID="1" presetClass="entr" presetSubtype="0" fill="hold" nodeType="clickEffect">
+                                  <p:stCondLst>
+                                    <p:cond delay="0"/>
+                                  </p:stCondLst>
+                                  <p:childTnLst>
+                                    <p:set>
+                                      <p:cBhvr>
+                                        <p:cTn id="6" dur="1" fill="hold">
+                                          <p:stCondLst>
+                                            <p:cond delay="0"/>
+                                          </p:stCondLst>
+                                        </p:cTn>
+                                        <p:tgtEl>
+                                          <p:spTgt spid="12"/>
+                                        </p:tgtEl>
+                                        <p:attrNameLst>
+                                          <p:attrName>style.visibility</p:attrName>
+                                        </p:attrNameLst>
+                                      </p:cBhvr>
+                                      <p:to>
+                                        <p:strVal val="visible"/>
+                                      </p:to>
+                                    </p:set>
+                                  </p:childTnLst>
+                                </p:cTn>
+                              </p:par>
+                            </p:childTnLst>
+                          </p:cTn>
+                        </p:par>
+                      </p:childTnLst>
+                    </p:cTn>
+                  </p:par>
+                  <p:par>
+                    <p:cTn id="7" fill="hold">
+                      <p:stCondLst>
+                        <p:cond delay="indefinite"/>
+                      </p:stCondLst>
+                      <p:childTnLst>
+                        <p:par>
+                          <p:cTn id="8" fill="hold">
+                            <p:stCondLst>
+                              <p:cond delay="0"/>
+                            </p:stCondLst>
+                            <p:childTnLst>
+                              <p:par>
+                                <p:cTn id="9" presetID="1" presetClass="entr" presetSubtype="0" fill="hold" grpId="0" nodeType="clickEffect">
+                                  <p:stCondLst>
+                                    <p:cond delay="0"/>
+                                  </p:stCondLst>
+                                  <p:childTnLst>
+                                    <p:set>
+                                      <p:cBhvr>
+                                        <p:cTn id="10" dur="1" fill="hold">
+                                          <p:stCondLst>
+                                            <p:cond delay="0"/>
+                                          </p:stCondLst>
+                                        </p:cTn>
+                                        <p:tgtEl>
+                                          <p:spTgt spid="13"/>
+                                        </p:tgtEl>
+                                        <p:attrNameLst>
+                                          <p:attrName>style.visibility</p:attrName>
+                                        </p:attrNameLst>
+                                      </p:cBhvr>
+                                      <p:to>
+                                        <p:strVal val="visible"/>
+                                      </p:to>
+                                    </p:set>
+                                  </p:childTnLst>
+                                </p:cTn>
+                              </p:par>
+                              <p:par>
+                                <p:cTn id="11" presetID="1" presetClass="entr" presetSubtype="0" fill="hold" grpId="0" nodeType="withEffect">
+                                  <p:stCondLst>
+                                    <p:cond delay="0"/>
+                                  </p:stCondLst>
+                                  <p:childTnLst>
+                                    <p:set>
+                                      <p:cBhvr>
+                                        <p:cTn id="12" dur="1" fill="hold">
+                                          <p:stCondLst>
+                                            <p:cond delay="0"/>
+                                          </p:stCondLst>
+                                        </p:cTn>
+                                        <p:tgtEl>
+                                          <p:spTgt spid="14"/>
+                                        </p:tgtEl>
+                                        <p:attrNameLst>
+                                          <p:attrName>style.visibility</p:attrName>
+                                        </p:attrNameLst>
+                                      </p:cBhvr>
+                                      <p:to>
+                                        <p:strVal val="visible"/>
+                                      </p:to>
+                                    </p:set>
+                                  </p:childTnLst>
+                                </p:cTn>
+                              </p:par>
+                              <p:par>
+                                <p:cTn id="13" presetID="1" presetClass="entr" presetSubtype="0" fill="hold" grpId="0" nodeType="withEffect">
+                                  <p:stCondLst>
+                                    <p:cond delay="0"/>
+                                  </p:stCondLst>
+                                  <p:childTnLst>
+                                    <p:set>
+                                      <p:cBhvr>
+                                        <p:cTn id="14" dur="1" fill="hold">
+                                          <p:stCondLst>
+                                            <p:cond delay="0"/>
+                                          </p:stCondLst>
+                                        </p:cTn>
+                                        <p:tgtEl>
+                                          <p:spTgt spid="15"/>
+                                        </p:tgtEl>
+                                        <p:attrNameLst>
+                                          <p:attrName>style.visibility</p:attrName>
+                                        </p:attrNameLst>
+                                      </p:cBhvr>
+                                      <p:to>
+                                        <p:strVal val="visible"/>
+                                      </p:to>
+                                    </p:set>
+                                  </p:childTnLst>
+                                </p:cTn>
+                              </p:par>
+                            </p:childTnLst>
+                          </p:cTn>
+                        </p:par>
+                      </p:childTnLst>
+                    </p:cTn>
+                  </p:par>
+                </p:childTnLst>
+              </p:cTn>
+              <p:prevCondLst>
+                <p:cond evt="onPrev" delay="0">
+                  <p:tgtEl>
+                    <p:sldTgt/>
+                  </p:tgtEl>
+                </p:cond>
+              </p:prevCondLst>
+              <p:nextCondLst>
+                <p:cond evt="onNext" delay="0">
+                  <p:tgtEl>
+                    <p:sldTgt/>
+                  </p:tgtEl>
+                </p:cond>
+              </p:nextCondLst>
+            </p:seq>
+          </p:childTnLst>
+        </p:cTn>
+      </p:par>
+    </p:tnLst>
+    <p:bldLst>
+      <p:bldP spid="13" grpId="0" animBg="1"/>
+      <p:bldP spid="14" grpId="0" animBg="1"/>
+      <p:bldP spid="15" grpId="0" animBg="1"/>
+    </p:bldLst>
+  </p:timing>
 </p:sld>
 </file>
 
@@ -7376,18 +8834,18 @@
       </p:grpSpPr>
       <p:sp>
         <p:nvSpPr>
-          <p:cNvPr id="4" name="Datumsplatzhalter 3">
-            <a:extLst>
-              <a:ext uri="{FF2B5EF4-FFF2-40B4-BE49-F238E27FC236}">
-                <a16:creationId xmlns:a16="http://schemas.microsoft.com/office/drawing/2014/main" id="{7B4C219A-3DE8-C149-A636-2BA56F8C00ED}"/>
-              </a:ext>
-            </a:extLst>
-          </p:cNvPr>
-          <p:cNvSpPr>
-            <a:spLocks noGrp="1"/>
-          </p:cNvSpPr>
-          <p:nvPr>
-            <p:ph type="dt" sz="half" idx="2"/>
+          <p:cNvPr id="2" name="Titel 1">
+            <a:extLst>
+              <a:ext uri="{FF2B5EF4-FFF2-40B4-BE49-F238E27FC236}">
+                <a16:creationId xmlns:a16="http://schemas.microsoft.com/office/drawing/2014/main" id="{2C0691DB-0062-854D-AD9B-70096C88A58F}"/>
+              </a:ext>
+            </a:extLst>
+          </p:cNvPr>
+          <p:cNvSpPr>
+            <a:spLocks noGrp="1"/>
+          </p:cNvSpPr>
+          <p:nvPr>
+            <p:ph type="title"/>
           </p:nvPr>
         </p:nvSpPr>
         <p:spPr/>
@@ -7396,6 +8854,113 @@
           <a:lstStyle/>
           <a:p>
             <a:r>
+              <a:rPr lang="de-DE" dirty="0"/>
+              <a:t>Erklärung – </a:t>
+            </a:r>
+            <a:r>
+              <a:rPr lang="de-DE" dirty="0" err="1"/>
+              <a:t>hell.js</a:t>
+            </a:r>
+            <a:endParaRPr lang="de-DE" dirty="0"/>
+          </a:p>
+        </p:txBody>
+      </p:sp>
+      <p:sp>
+        <p:nvSpPr>
+          <p:cNvPr id="3" name="Inhaltsplatzhalter 2">
+            <a:extLst>
+              <a:ext uri="{FF2B5EF4-FFF2-40B4-BE49-F238E27FC236}">
+                <a16:creationId xmlns:a16="http://schemas.microsoft.com/office/drawing/2014/main" id="{73374881-28F0-614D-8E96-3D28661645F5}"/>
+              </a:ext>
+            </a:extLst>
+          </p:cNvPr>
+          <p:cNvSpPr>
+            <a:spLocks noGrp="1"/>
+          </p:cNvSpPr>
+          <p:nvPr>
+            <p:ph idx="1"/>
+          </p:nvPr>
+        </p:nvSpPr>
+        <p:spPr>
+          <a:xfrm>
+            <a:off x="457200" y="1700808"/>
+            <a:ext cx="8229600" cy="4511526"/>
+          </a:xfrm>
+        </p:spPr>
+        <p:txBody>
+          <a:bodyPr>
+            <a:normAutofit lnSpcReduction="10000"/>
+          </a:bodyPr>
+          <a:lstStyle/>
+          <a:p>
+            <a:r>
+              <a:rPr lang="de-DE" dirty="0"/>
+              <a:t>Diese Methode erstellt einen Server, dessen Verhalten durch die Übergabe einer Callback-Funktion realisiert wird.</a:t>
+            </a:r>
+          </a:p>
+          <a:p>
+            <a:pPr lvl="1"/>
+            <a:r>
+              <a:rPr lang="de-DE" dirty="0"/>
+              <a:t>Über die Parameter der Callback-Funktion können die hereinkommenden Request-Daten gelesen, sowie Daten in die ausgehende Antwort (</a:t>
+            </a:r>
+            <a:r>
+              <a:rPr lang="de-DE" dirty="0" err="1"/>
+              <a:t>response</a:t>
+            </a:r>
+            <a:r>
+              <a:rPr lang="de-DE" dirty="0"/>
+              <a:t>) geschrieben werden.</a:t>
+            </a:r>
+          </a:p>
+          <a:p>
+            <a:pPr lvl="1"/>
+            <a:endParaRPr lang="de-DE" dirty="0"/>
+          </a:p>
+          <a:p>
+            <a:r>
+              <a:rPr lang="de-DE" dirty="0"/>
+              <a:t>Die Callback-Funktion wird immer dann aufgerufen, wenn das Server-Objekt es für nötig hält.</a:t>
+            </a:r>
+          </a:p>
+          <a:p>
+            <a:pPr lvl="1"/>
+            <a:r>
+              <a:rPr lang="de-DE" dirty="0"/>
+              <a:t>Der Aufruf erfolgt also asynchron.</a:t>
+            </a:r>
+          </a:p>
+          <a:p>
+            <a:pPr lvl="1"/>
+            <a:r>
+              <a:rPr lang="de-DE" dirty="0"/>
+              <a:t>Der Server reagiert auf hereinkommende Anfragen.</a:t>
+            </a:r>
+          </a:p>
+        </p:txBody>
+      </p:sp>
+      <p:sp>
+        <p:nvSpPr>
+          <p:cNvPr id="4" name="Datumsplatzhalter 3">
+            <a:extLst>
+              <a:ext uri="{FF2B5EF4-FFF2-40B4-BE49-F238E27FC236}">
+                <a16:creationId xmlns:a16="http://schemas.microsoft.com/office/drawing/2014/main" id="{598F1EC9-863E-6E4D-B95A-8C1F2C6302D6}"/>
+              </a:ext>
+            </a:extLst>
+          </p:cNvPr>
+          <p:cNvSpPr>
+            <a:spLocks noGrp="1"/>
+          </p:cNvSpPr>
+          <p:nvPr>
+            <p:ph type="dt" sz="half" idx="2"/>
+          </p:nvPr>
+        </p:nvSpPr>
+        <p:spPr/>
+        <p:txBody>
+          <a:bodyPr/>
+          <a:lstStyle/>
+          <a:p>
+            <a:r>
               <a:rPr lang="de-DE"/>
               <a:t>C. Karow</a:t>
             </a:r>
@@ -7408,7 +8973,7 @@
           <p:cNvPr id="5" name="Fußzeilenplatzhalter 4">
             <a:extLst>
               <a:ext uri="{FF2B5EF4-FFF2-40B4-BE49-F238E27FC236}">
-                <a16:creationId xmlns:a16="http://schemas.microsoft.com/office/drawing/2014/main" id="{0618C075-7A8F-6E4E-83A6-9B5031BC4BD1}"/>
+                <a16:creationId xmlns:a16="http://schemas.microsoft.com/office/drawing/2014/main" id="{125853D7-CE6B-A642-9713-1CDA3BA0D6EC}"/>
               </a:ext>
             </a:extLst>
           </p:cNvPr>
@@ -7437,7 +9002,7 @@
           <p:cNvPr id="6" name="Foliennummernplatzhalter 5">
             <a:extLst>
               <a:ext uri="{FF2B5EF4-FFF2-40B4-BE49-F238E27FC236}">
-                <a16:creationId xmlns:a16="http://schemas.microsoft.com/office/drawing/2014/main" id="{AB2E35DD-6C04-7241-9549-1ABDD08892CE}"/>
+                <a16:creationId xmlns:a16="http://schemas.microsoft.com/office/drawing/2014/main" id="{E2A97B42-6B9D-9847-8061-9EB04CBF95EE}"/>
               </a:ext>
             </a:extLst>
           </p:cNvPr>
@@ -7464,10 +9029,2056 @@
       </p:sp>
       <p:sp>
         <p:nvSpPr>
-          <p:cNvPr id="7" name="Titel 9">
-            <a:extLst>
-              <a:ext uri="{FF2B5EF4-FFF2-40B4-BE49-F238E27FC236}">
-                <a16:creationId xmlns:a16="http://schemas.microsoft.com/office/drawing/2014/main" id="{4116BBF7-381B-6244-9CC3-D61A1F663079}"/>
+          <p:cNvPr id="7" name="Rechteck 6">
+            <a:extLst>
+              <a:ext uri="{FF2B5EF4-FFF2-40B4-BE49-F238E27FC236}">
+                <a16:creationId xmlns:a16="http://schemas.microsoft.com/office/drawing/2014/main" id="{5707EFB8-1315-6648-A62F-71083CB37DBB}"/>
+              </a:ext>
+            </a:extLst>
+          </p:cNvPr>
+          <p:cNvSpPr/>
+          <p:nvPr/>
+        </p:nvSpPr>
+        <p:spPr>
+          <a:xfrm>
+            <a:off x="483670" y="1141293"/>
+            <a:ext cx="8532440" cy="830997"/>
+          </a:xfrm>
+          <a:prstGeom prst="rect">
+            <a:avLst/>
+          </a:prstGeom>
+        </p:spPr>
+        <p:txBody>
+          <a:bodyPr wrap="square">
+            <a:spAutoFit/>
+          </a:bodyPr>
+          <a:lstStyle/>
+          <a:p>
+            <a:r>
+              <a:rPr lang="de-DE" dirty="0" err="1">
+                <a:solidFill>
+                  <a:srgbClr val="830091"/>
+                </a:solidFill>
+                <a:latin typeface="Courier New" panose="02070309020205020404" pitchFamily="49" charset="0"/>
+                <a:cs typeface="Courier New" panose="02070309020205020404" pitchFamily="49" charset="0"/>
+              </a:rPr>
+              <a:t>http</a:t>
+            </a:r>
+            <a:r>
+              <a:rPr lang="de-DE" dirty="0" err="1">
+                <a:latin typeface="Courier New" panose="02070309020205020404" pitchFamily="49" charset="0"/>
+                <a:cs typeface="Courier New" panose="02070309020205020404" pitchFamily="49" charset="0"/>
+              </a:rPr>
+              <a:t>.</a:t>
+            </a:r>
+            <a:r>
+              <a:rPr lang="de-DE" i="1" dirty="0" err="1">
+                <a:latin typeface="Courier New" panose="02070309020205020404" pitchFamily="49" charset="0"/>
+                <a:cs typeface="Courier New" panose="02070309020205020404" pitchFamily="49" charset="0"/>
+              </a:rPr>
+              <a:t>createServer</a:t>
+            </a:r>
+            <a:r>
+              <a:rPr lang="de-DE" dirty="0">
+                <a:latin typeface="Courier New" panose="02070309020205020404" pitchFamily="49" charset="0"/>
+                <a:cs typeface="Courier New" panose="02070309020205020404" pitchFamily="49" charset="0"/>
+              </a:rPr>
+              <a:t>((</a:t>
+            </a:r>
+            <a:r>
+              <a:rPr lang="de-DE" dirty="0" err="1">
+                <a:latin typeface="Courier New" panose="02070309020205020404" pitchFamily="49" charset="0"/>
+                <a:cs typeface="Courier New" panose="02070309020205020404" pitchFamily="49" charset="0"/>
+              </a:rPr>
+              <a:t>request</a:t>
+            </a:r>
+            <a:r>
+              <a:rPr lang="de-DE" dirty="0">
+                <a:latin typeface="Courier New" panose="02070309020205020404" pitchFamily="49" charset="0"/>
+                <a:cs typeface="Courier New" panose="02070309020205020404" pitchFamily="49" charset="0"/>
+              </a:rPr>
+              <a:t>, </a:t>
+            </a:r>
+            <a:r>
+              <a:rPr lang="de-DE" dirty="0" err="1">
+                <a:latin typeface="Courier New" panose="02070309020205020404" pitchFamily="49" charset="0"/>
+                <a:cs typeface="Courier New" panose="02070309020205020404" pitchFamily="49" charset="0"/>
+              </a:rPr>
+              <a:t>response</a:t>
+            </a:r>
+            <a:r>
+              <a:rPr lang="de-DE" dirty="0">
+                <a:latin typeface="Courier New" panose="02070309020205020404" pitchFamily="49" charset="0"/>
+                <a:cs typeface="Courier New" panose="02070309020205020404" pitchFamily="49" charset="0"/>
+              </a:rPr>
+              <a:t>) =&gt; {})</a:t>
+            </a:r>
+            <a:br>
+              <a:rPr lang="de-DE" dirty="0">
+                <a:latin typeface="Courier New" panose="02070309020205020404" pitchFamily="49" charset="0"/>
+                <a:cs typeface="Courier New" panose="02070309020205020404" pitchFamily="49" charset="0"/>
+              </a:rPr>
+            </a:br>
+            <a:endParaRPr lang="de-DE" dirty="0"/>
+          </a:p>
+        </p:txBody>
+      </p:sp>
+    </p:spTree>
+    <p:extLst>
+      <p:ext uri="{BB962C8B-B14F-4D97-AF65-F5344CB8AC3E}">
+        <p14:creationId xmlns:p14="http://schemas.microsoft.com/office/powerpoint/2010/main" val="553110621"/>
+      </p:ext>
+    </p:extLst>
+  </p:cSld>
+  <p:clrMapOvr>
+    <a:masterClrMapping/>
+  </p:clrMapOvr>
+</p:sld>
+</file>
+
+<file path=ppt/slides/slide14.xml><?xml version="1.0" encoding="utf-8"?>
+<p:sld xmlns:a="http://schemas.openxmlformats.org/drawingml/2006/main" xmlns:r="http://schemas.openxmlformats.org/officeDocument/2006/relationships" xmlns:p="http://schemas.openxmlformats.org/presentationml/2006/main">
+  <p:cSld>
+    <p:spTree>
+      <p:nvGrpSpPr>
+        <p:cNvPr id="1" name=""/>
+        <p:cNvGrpSpPr/>
+        <p:nvPr/>
+      </p:nvGrpSpPr>
+      <p:grpSpPr>
+        <a:xfrm>
+          <a:off x="0" y="0"/>
+          <a:ext cx="0" cy="0"/>
+          <a:chOff x="0" y="0"/>
+          <a:chExt cx="0" cy="0"/>
+        </a:xfrm>
+      </p:grpSpPr>
+      <p:sp>
+        <p:nvSpPr>
+          <p:cNvPr id="2" name="Titel 1">
+            <a:extLst>
+              <a:ext uri="{FF2B5EF4-FFF2-40B4-BE49-F238E27FC236}">
+                <a16:creationId xmlns:a16="http://schemas.microsoft.com/office/drawing/2014/main" id="{9449FDAD-823A-4E48-99E8-FEEAC256CA88}"/>
+              </a:ext>
+            </a:extLst>
+          </p:cNvPr>
+          <p:cNvSpPr>
+            <a:spLocks noGrp="1"/>
+          </p:cNvSpPr>
+          <p:nvPr>
+            <p:ph type="title"/>
+          </p:nvPr>
+        </p:nvSpPr>
+        <p:spPr/>
+        <p:txBody>
+          <a:bodyPr/>
+          <a:lstStyle/>
+          <a:p>
+            <a:r>
+              <a:rPr lang="de-DE" dirty="0"/>
+              <a:t>Erklärung – </a:t>
+            </a:r>
+            <a:r>
+              <a:rPr lang="de-DE" dirty="0" err="1"/>
+              <a:t>hell.js</a:t>
+            </a:r>
+            <a:endParaRPr lang="de-DE" dirty="0"/>
+          </a:p>
+        </p:txBody>
+      </p:sp>
+      <p:sp>
+        <p:nvSpPr>
+          <p:cNvPr id="3" name="Inhaltsplatzhalter 2">
+            <a:extLst>
+              <a:ext uri="{FF2B5EF4-FFF2-40B4-BE49-F238E27FC236}">
+                <a16:creationId xmlns:a16="http://schemas.microsoft.com/office/drawing/2014/main" id="{4083DE84-DF66-9041-B697-3382E5DC1165}"/>
+              </a:ext>
+            </a:extLst>
+          </p:cNvPr>
+          <p:cNvSpPr>
+            <a:spLocks noGrp="1"/>
+          </p:cNvSpPr>
+          <p:nvPr>
+            <p:ph idx="1"/>
+          </p:nvPr>
+        </p:nvSpPr>
+        <p:spPr>
+          <a:xfrm>
+            <a:off x="457200" y="1772816"/>
+            <a:ext cx="8229600" cy="4353347"/>
+          </a:xfrm>
+        </p:spPr>
+        <p:txBody>
+          <a:bodyPr>
+            <a:normAutofit fontScale="92500" lnSpcReduction="10000"/>
+          </a:bodyPr>
+          <a:lstStyle/>
+          <a:p>
+            <a:r>
+              <a:rPr lang="de-DE" dirty="0"/>
+              <a:t>Diese Funktion realisiert den Ordnerzugriff. Neben der Angabe des zu lesenden Ordners, verlangt auch diese Methode einen sogenannten Error-First-Callback.</a:t>
+            </a:r>
+          </a:p>
+          <a:p>
+            <a:pPr lvl="1"/>
+            <a:r>
+              <a:rPr lang="de-DE" dirty="0"/>
+              <a:t>Wird von der </a:t>
+            </a:r>
+            <a:r>
+              <a:rPr lang="de-DE" dirty="0" err="1"/>
+              <a:t>readdir</a:t>
+            </a:r>
+            <a:r>
+              <a:rPr lang="de-DE" dirty="0"/>
+              <a:t>-Funktion der erste Parameter gesetzt, signalisiert dies, dass beim Lesevorgang ein Fehler aufgetreten ist.</a:t>
+            </a:r>
+          </a:p>
+          <a:p>
+            <a:pPr lvl="1"/>
+            <a:r>
+              <a:rPr lang="de-DE" dirty="0"/>
+              <a:t>Der zweite Parameter enthält im Erfolgsfall die Liste mit Dateinamen innerhalb des Ordners.</a:t>
+            </a:r>
+          </a:p>
+          <a:p>
+            <a:r>
+              <a:rPr lang="de-DE" dirty="0"/>
+              <a:t>Der Callback wird erst aufgerufen, wenn die </a:t>
+            </a:r>
+            <a:r>
+              <a:rPr lang="de-DE" dirty="0" err="1"/>
+              <a:t>readdir</a:t>
+            </a:r>
+            <a:r>
+              <a:rPr lang="de-DE" dirty="0"/>
+              <a:t>-Operation beendet ist. Wann das der Fall ist, kann nicht gesagt werden. </a:t>
+            </a:r>
+          </a:p>
+          <a:p>
+            <a:endParaRPr lang="de-DE" dirty="0"/>
+          </a:p>
+        </p:txBody>
+      </p:sp>
+      <p:sp>
+        <p:nvSpPr>
+          <p:cNvPr id="4" name="Datumsplatzhalter 3">
+            <a:extLst>
+              <a:ext uri="{FF2B5EF4-FFF2-40B4-BE49-F238E27FC236}">
+                <a16:creationId xmlns:a16="http://schemas.microsoft.com/office/drawing/2014/main" id="{C0AE6F28-8283-2049-870E-3BAEE09B13C5}"/>
+              </a:ext>
+            </a:extLst>
+          </p:cNvPr>
+          <p:cNvSpPr>
+            <a:spLocks noGrp="1"/>
+          </p:cNvSpPr>
+          <p:nvPr>
+            <p:ph type="dt" sz="half" idx="2"/>
+          </p:nvPr>
+        </p:nvSpPr>
+        <p:spPr/>
+        <p:txBody>
+          <a:bodyPr/>
+          <a:lstStyle/>
+          <a:p>
+            <a:r>
+              <a:rPr lang="de-DE"/>
+              <a:t>C. Karow</a:t>
+            </a:r>
+            <a:endParaRPr lang="de-DE" dirty="0"/>
+          </a:p>
+        </p:txBody>
+      </p:sp>
+      <p:sp>
+        <p:nvSpPr>
+          <p:cNvPr id="5" name="Fußzeilenplatzhalter 4">
+            <a:extLst>
+              <a:ext uri="{FF2B5EF4-FFF2-40B4-BE49-F238E27FC236}">
+                <a16:creationId xmlns:a16="http://schemas.microsoft.com/office/drawing/2014/main" id="{198F44C0-DF34-AC4E-867C-427898DEB3C1}"/>
+              </a:ext>
+            </a:extLst>
+          </p:cNvPr>
+          <p:cNvSpPr>
+            <a:spLocks noGrp="1"/>
+          </p:cNvSpPr>
+          <p:nvPr>
+            <p:ph type="ftr" sz="quarter" idx="3"/>
+          </p:nvPr>
+        </p:nvSpPr>
+        <p:spPr/>
+        <p:txBody>
+          <a:bodyPr/>
+          <a:lstStyle/>
+          <a:p>
+            <a:r>
+              <a:rPr lang="de-DE"/>
+              <a:t>Callback Hell</a:t>
+            </a:r>
+            <a:endParaRPr lang="de-DE" dirty="0"/>
+          </a:p>
+        </p:txBody>
+      </p:sp>
+      <p:sp>
+        <p:nvSpPr>
+          <p:cNvPr id="6" name="Foliennummernplatzhalter 5">
+            <a:extLst>
+              <a:ext uri="{FF2B5EF4-FFF2-40B4-BE49-F238E27FC236}">
+                <a16:creationId xmlns:a16="http://schemas.microsoft.com/office/drawing/2014/main" id="{7213C22E-EB37-DD4D-AD50-29A709AEBD26}"/>
+              </a:ext>
+            </a:extLst>
+          </p:cNvPr>
+          <p:cNvSpPr>
+            <a:spLocks noGrp="1"/>
+          </p:cNvSpPr>
+          <p:nvPr>
+            <p:ph type="sldNum" sz="quarter" idx="4"/>
+          </p:nvPr>
+        </p:nvSpPr>
+        <p:spPr/>
+        <p:txBody>
+          <a:bodyPr/>
+          <a:lstStyle/>
+          <a:p>
+            <a:fld id="{7609310D-2199-4612-B943-B17CE1A9AFB2}" type="slidenum">
+              <a:rPr lang="de-DE" smtClean="0"/>
+              <a:pPr/>
+              <a:t>14</a:t>
+            </a:fld>
+            <a:endParaRPr lang="de-DE" dirty="0"/>
+          </a:p>
+        </p:txBody>
+      </p:sp>
+      <p:sp>
+        <p:nvSpPr>
+          <p:cNvPr id="7" name="Rechteck 6">
+            <a:extLst>
+              <a:ext uri="{FF2B5EF4-FFF2-40B4-BE49-F238E27FC236}">
+                <a16:creationId xmlns:a16="http://schemas.microsoft.com/office/drawing/2014/main" id="{5F1F9CC2-4C08-2B40-8C9B-DF7CCC40BC32}"/>
+              </a:ext>
+            </a:extLst>
+          </p:cNvPr>
+          <p:cNvSpPr/>
+          <p:nvPr/>
+        </p:nvSpPr>
+        <p:spPr>
+          <a:xfrm>
+            <a:off x="575556" y="1127130"/>
+            <a:ext cx="7992888" cy="830997"/>
+          </a:xfrm>
+          <a:prstGeom prst="rect">
+            <a:avLst/>
+          </a:prstGeom>
+        </p:spPr>
+        <p:txBody>
+          <a:bodyPr wrap="square">
+            <a:spAutoFit/>
+          </a:bodyPr>
+          <a:lstStyle/>
+          <a:p>
+            <a:r>
+              <a:rPr lang="de-DE" dirty="0" err="1">
+                <a:solidFill>
+                  <a:srgbClr val="830091"/>
+                </a:solidFill>
+                <a:latin typeface="Courier New" panose="02070309020205020404" pitchFamily="49" charset="0"/>
+                <a:cs typeface="Courier New" panose="02070309020205020404" pitchFamily="49" charset="0"/>
+              </a:rPr>
+              <a:t>fs</a:t>
+            </a:r>
+            <a:r>
+              <a:rPr lang="de-DE" dirty="0" err="1">
+                <a:latin typeface="Courier New" panose="02070309020205020404" pitchFamily="49" charset="0"/>
+                <a:cs typeface="Courier New" panose="02070309020205020404" pitchFamily="49" charset="0"/>
+              </a:rPr>
+              <a:t>.</a:t>
+            </a:r>
+            <a:r>
+              <a:rPr lang="de-DE" i="1" dirty="0" err="1">
+                <a:latin typeface="Courier New" panose="02070309020205020404" pitchFamily="49" charset="0"/>
+                <a:cs typeface="Courier New" panose="02070309020205020404" pitchFamily="49" charset="0"/>
+              </a:rPr>
+              <a:t>readdir</a:t>
+            </a:r>
+            <a:r>
+              <a:rPr lang="de-DE" dirty="0">
+                <a:latin typeface="Courier New" panose="02070309020205020404" pitchFamily="49" charset="0"/>
+                <a:cs typeface="Courier New" panose="02070309020205020404" pitchFamily="49" charset="0"/>
+              </a:rPr>
+              <a:t>(</a:t>
+            </a:r>
+            <a:r>
+              <a:rPr lang="de-DE" dirty="0" err="1">
+                <a:solidFill>
+                  <a:srgbClr val="248F8F"/>
+                </a:solidFill>
+                <a:latin typeface="Courier New" panose="02070309020205020404" pitchFamily="49" charset="0"/>
+                <a:cs typeface="Courier New" panose="02070309020205020404" pitchFamily="49" charset="0"/>
+              </a:rPr>
+              <a:t>folderName</a:t>
+            </a:r>
+            <a:r>
+              <a:rPr lang="de-DE" dirty="0">
+                <a:latin typeface="Courier New" panose="02070309020205020404" pitchFamily="49" charset="0"/>
+                <a:cs typeface="Courier New" panose="02070309020205020404" pitchFamily="49" charset="0"/>
+              </a:rPr>
+              <a:t>, (</a:t>
+            </a:r>
+            <a:r>
+              <a:rPr lang="de-DE" dirty="0" err="1">
+                <a:latin typeface="Courier New" panose="02070309020205020404" pitchFamily="49" charset="0"/>
+                <a:cs typeface="Courier New" panose="02070309020205020404" pitchFamily="49" charset="0"/>
+              </a:rPr>
+              <a:t>err</a:t>
+            </a:r>
+            <a:r>
+              <a:rPr lang="de-DE" dirty="0">
+                <a:latin typeface="Courier New" panose="02070309020205020404" pitchFamily="49" charset="0"/>
+                <a:cs typeface="Courier New" panose="02070309020205020404" pitchFamily="49" charset="0"/>
+              </a:rPr>
+              <a:t>, </a:t>
+            </a:r>
+            <a:r>
+              <a:rPr lang="de-DE" dirty="0" err="1">
+                <a:latin typeface="Courier New" panose="02070309020205020404" pitchFamily="49" charset="0"/>
+                <a:cs typeface="Courier New" panose="02070309020205020404" pitchFamily="49" charset="0"/>
+              </a:rPr>
+              <a:t>files</a:t>
+            </a:r>
+            <a:r>
+              <a:rPr lang="de-DE" dirty="0">
+                <a:latin typeface="Courier New" panose="02070309020205020404" pitchFamily="49" charset="0"/>
+                <a:cs typeface="Courier New" panose="02070309020205020404" pitchFamily="49" charset="0"/>
+              </a:rPr>
+              <a:t>) =&gt; {})</a:t>
+            </a:r>
+            <a:br>
+              <a:rPr lang="de-DE" dirty="0">
+                <a:latin typeface="Courier New" panose="02070309020205020404" pitchFamily="49" charset="0"/>
+                <a:cs typeface="Courier New" panose="02070309020205020404" pitchFamily="49" charset="0"/>
+              </a:rPr>
+            </a:br>
+            <a:endParaRPr lang="de-DE" dirty="0"/>
+          </a:p>
+        </p:txBody>
+      </p:sp>
+    </p:spTree>
+    <p:extLst>
+      <p:ext uri="{BB962C8B-B14F-4D97-AF65-F5344CB8AC3E}">
+        <p14:creationId xmlns:p14="http://schemas.microsoft.com/office/powerpoint/2010/main" val="3432248099"/>
+      </p:ext>
+    </p:extLst>
+  </p:cSld>
+  <p:clrMapOvr>
+    <a:masterClrMapping/>
+  </p:clrMapOvr>
+</p:sld>
+</file>
+
+<file path=ppt/slides/slide15.xml><?xml version="1.0" encoding="utf-8"?>
+<p:sld xmlns:a="http://schemas.openxmlformats.org/drawingml/2006/main" xmlns:r="http://schemas.openxmlformats.org/officeDocument/2006/relationships" xmlns:p="http://schemas.openxmlformats.org/presentationml/2006/main">
+  <p:cSld>
+    <p:spTree>
+      <p:nvGrpSpPr>
+        <p:cNvPr id="1" name=""/>
+        <p:cNvGrpSpPr/>
+        <p:nvPr/>
+      </p:nvGrpSpPr>
+      <p:grpSpPr>
+        <a:xfrm>
+          <a:off x="0" y="0"/>
+          <a:ext cx="0" cy="0"/>
+          <a:chOff x="0" y="0"/>
+          <a:chExt cx="0" cy="0"/>
+        </a:xfrm>
+      </p:grpSpPr>
+      <p:sp>
+        <p:nvSpPr>
+          <p:cNvPr id="2" name="Titel 1">
+            <a:extLst>
+              <a:ext uri="{FF2B5EF4-FFF2-40B4-BE49-F238E27FC236}">
+                <a16:creationId xmlns:a16="http://schemas.microsoft.com/office/drawing/2014/main" id="{F0F3BCCF-83B4-0845-A3D9-EE40059F2CBF}"/>
+              </a:ext>
+            </a:extLst>
+          </p:cNvPr>
+          <p:cNvSpPr>
+            <a:spLocks noGrp="1"/>
+          </p:cNvSpPr>
+          <p:nvPr>
+            <p:ph type="title"/>
+          </p:nvPr>
+        </p:nvSpPr>
+        <p:spPr/>
+        <p:txBody>
+          <a:bodyPr/>
+          <a:lstStyle/>
+          <a:p>
+            <a:r>
+              <a:rPr lang="de-DE" dirty="0"/>
+              <a:t>Exkurs – Error-First-</a:t>
+            </a:r>
+            <a:r>
+              <a:rPr lang="de-DE" dirty="0" err="1"/>
+              <a:t>Callbacks</a:t>
+            </a:r>
+            <a:endParaRPr lang="de-DE" dirty="0"/>
+          </a:p>
+        </p:txBody>
+      </p:sp>
+      <p:sp>
+        <p:nvSpPr>
+          <p:cNvPr id="3" name="Inhaltsplatzhalter 2">
+            <a:extLst>
+              <a:ext uri="{FF2B5EF4-FFF2-40B4-BE49-F238E27FC236}">
+                <a16:creationId xmlns:a16="http://schemas.microsoft.com/office/drawing/2014/main" id="{D0512040-1A51-0D4C-9661-1CD29770FDE9}"/>
+              </a:ext>
+            </a:extLst>
+          </p:cNvPr>
+          <p:cNvSpPr>
+            <a:spLocks noGrp="1"/>
+          </p:cNvSpPr>
+          <p:nvPr>
+            <p:ph idx="1"/>
+          </p:nvPr>
+        </p:nvSpPr>
+        <p:spPr>
+          <a:xfrm>
+            <a:off x="457200" y="1196752"/>
+            <a:ext cx="8435280" cy="3024335"/>
+          </a:xfrm>
+        </p:spPr>
+        <p:txBody>
+          <a:bodyPr>
+            <a:normAutofit/>
+          </a:bodyPr>
+          <a:lstStyle/>
+          <a:p>
+            <a:r>
+              <a:rPr lang="de-DE" dirty="0"/>
+              <a:t>Häufig verbreitetes Muster in JavaScript.</a:t>
+            </a:r>
+          </a:p>
+          <a:p>
+            <a:r>
+              <a:rPr lang="de-DE" dirty="0"/>
+              <a:t>Callback-Funktion mit zwei Parametern</a:t>
+            </a:r>
+          </a:p>
+          <a:p>
+            <a:pPr lvl="1"/>
+            <a:r>
+              <a:rPr lang="de-DE" dirty="0"/>
+              <a:t>erster Parameter enthält Fehler (sollte einer auftreten)</a:t>
+            </a:r>
+          </a:p>
+          <a:p>
+            <a:pPr lvl="1"/>
+            <a:r>
+              <a:rPr lang="de-DE" dirty="0"/>
+              <a:t>zweiter Parameter enthält Daten</a:t>
+            </a:r>
+          </a:p>
+          <a:p>
+            <a:r>
+              <a:rPr lang="de-DE" dirty="0"/>
+              <a:t>Fehlerbehandlung innerhalb des </a:t>
+            </a:r>
+            <a:r>
+              <a:rPr lang="de-DE" dirty="0" err="1"/>
+              <a:t>Callbacks</a:t>
+            </a:r>
+            <a:r>
+              <a:rPr lang="de-DE" dirty="0"/>
+              <a:t> findet mit </a:t>
+            </a:r>
+            <a:r>
+              <a:rPr lang="de-DE" dirty="0" err="1"/>
+              <a:t>if</a:t>
+            </a:r>
+            <a:r>
+              <a:rPr lang="de-DE" dirty="0"/>
+              <a:t>-Anweisung statt.</a:t>
+            </a:r>
+          </a:p>
+        </p:txBody>
+      </p:sp>
+      <p:sp>
+        <p:nvSpPr>
+          <p:cNvPr id="4" name="Datumsplatzhalter 3">
+            <a:extLst>
+              <a:ext uri="{FF2B5EF4-FFF2-40B4-BE49-F238E27FC236}">
+                <a16:creationId xmlns:a16="http://schemas.microsoft.com/office/drawing/2014/main" id="{3FEA7BAB-D0C2-5041-93A4-6161DC8264B1}"/>
+              </a:ext>
+            </a:extLst>
+          </p:cNvPr>
+          <p:cNvSpPr>
+            <a:spLocks noGrp="1"/>
+          </p:cNvSpPr>
+          <p:nvPr>
+            <p:ph type="dt" sz="half" idx="2"/>
+          </p:nvPr>
+        </p:nvSpPr>
+        <p:spPr/>
+        <p:txBody>
+          <a:bodyPr/>
+          <a:lstStyle/>
+          <a:p>
+            <a:r>
+              <a:rPr lang="de-DE"/>
+              <a:t>C. Karow</a:t>
+            </a:r>
+            <a:endParaRPr lang="de-DE" dirty="0"/>
+          </a:p>
+        </p:txBody>
+      </p:sp>
+      <p:sp>
+        <p:nvSpPr>
+          <p:cNvPr id="5" name="Fußzeilenplatzhalter 4">
+            <a:extLst>
+              <a:ext uri="{FF2B5EF4-FFF2-40B4-BE49-F238E27FC236}">
+                <a16:creationId xmlns:a16="http://schemas.microsoft.com/office/drawing/2014/main" id="{0C205098-A145-AC4D-9A97-9625035A6827}"/>
+              </a:ext>
+            </a:extLst>
+          </p:cNvPr>
+          <p:cNvSpPr>
+            <a:spLocks noGrp="1"/>
+          </p:cNvSpPr>
+          <p:nvPr>
+            <p:ph type="ftr" sz="quarter" idx="3"/>
+          </p:nvPr>
+        </p:nvSpPr>
+        <p:spPr/>
+        <p:txBody>
+          <a:bodyPr/>
+          <a:lstStyle/>
+          <a:p>
+            <a:r>
+              <a:rPr lang="de-DE"/>
+              <a:t>Callback Hell</a:t>
+            </a:r>
+            <a:endParaRPr lang="de-DE" dirty="0"/>
+          </a:p>
+        </p:txBody>
+      </p:sp>
+      <p:sp>
+        <p:nvSpPr>
+          <p:cNvPr id="6" name="Foliennummernplatzhalter 5">
+            <a:extLst>
+              <a:ext uri="{FF2B5EF4-FFF2-40B4-BE49-F238E27FC236}">
+                <a16:creationId xmlns:a16="http://schemas.microsoft.com/office/drawing/2014/main" id="{E721B246-376E-C64C-BC24-12E8F9AC0239}"/>
+              </a:ext>
+            </a:extLst>
+          </p:cNvPr>
+          <p:cNvSpPr>
+            <a:spLocks noGrp="1"/>
+          </p:cNvSpPr>
+          <p:nvPr>
+            <p:ph type="sldNum" sz="quarter" idx="4"/>
+          </p:nvPr>
+        </p:nvSpPr>
+        <p:spPr/>
+        <p:txBody>
+          <a:bodyPr/>
+          <a:lstStyle/>
+          <a:p>
+            <a:fld id="{7609310D-2199-4612-B943-B17CE1A9AFB2}" type="slidenum">
+              <a:rPr lang="de-DE" smtClean="0"/>
+              <a:pPr/>
+              <a:t>15</a:t>
+            </a:fld>
+            <a:endParaRPr lang="de-DE" dirty="0"/>
+          </a:p>
+        </p:txBody>
+      </p:sp>
+      <p:sp>
+        <p:nvSpPr>
+          <p:cNvPr id="7" name="Rechteck 6">
+            <a:extLst>
+              <a:ext uri="{FF2B5EF4-FFF2-40B4-BE49-F238E27FC236}">
+                <a16:creationId xmlns:a16="http://schemas.microsoft.com/office/drawing/2014/main" id="{64A84DE0-BF5B-7A45-A3E6-FD9EB3B18FE1}"/>
+              </a:ext>
+            </a:extLst>
+          </p:cNvPr>
+          <p:cNvSpPr/>
+          <p:nvPr/>
+        </p:nvSpPr>
+        <p:spPr>
+          <a:xfrm>
+            <a:off x="1524000" y="4221088"/>
+            <a:ext cx="6948264" cy="1754326"/>
+          </a:xfrm>
+          <a:prstGeom prst="rect">
+            <a:avLst/>
+          </a:prstGeom>
+        </p:spPr>
+        <p:txBody>
+          <a:bodyPr wrap="square">
+            <a:spAutoFit/>
+          </a:bodyPr>
+          <a:lstStyle/>
+          <a:p>
+            <a:r>
+              <a:rPr lang="de-DE" sz="1800" dirty="0">
+                <a:latin typeface="Courier New" panose="02070309020205020404" pitchFamily="49" charset="0"/>
+                <a:cs typeface="Courier New" panose="02070309020205020404" pitchFamily="49" charset="0"/>
+              </a:rPr>
+              <a:t>(</a:t>
+            </a:r>
+            <a:r>
+              <a:rPr lang="de-DE" sz="1800" dirty="0" err="1">
+                <a:latin typeface="Courier New" panose="02070309020205020404" pitchFamily="49" charset="0"/>
+                <a:cs typeface="Courier New" panose="02070309020205020404" pitchFamily="49" charset="0"/>
+              </a:rPr>
+              <a:t>err</a:t>
+            </a:r>
+            <a:r>
+              <a:rPr lang="de-DE" sz="1800" dirty="0">
+                <a:latin typeface="Courier New" panose="02070309020205020404" pitchFamily="49" charset="0"/>
+                <a:cs typeface="Courier New" panose="02070309020205020404" pitchFamily="49" charset="0"/>
+              </a:rPr>
+              <a:t>, </a:t>
+            </a:r>
+            <a:r>
+              <a:rPr lang="de-DE" sz="1800" dirty="0" err="1">
+                <a:latin typeface="Courier New" panose="02070309020205020404" pitchFamily="49" charset="0"/>
+                <a:cs typeface="Courier New" panose="02070309020205020404" pitchFamily="49" charset="0"/>
+              </a:rPr>
+              <a:t>data</a:t>
+            </a:r>
+            <a:r>
+              <a:rPr lang="de-DE" sz="1800" dirty="0">
+                <a:latin typeface="Courier New" panose="02070309020205020404" pitchFamily="49" charset="0"/>
+                <a:cs typeface="Courier New" panose="02070309020205020404" pitchFamily="49" charset="0"/>
+              </a:rPr>
+              <a:t>) =&gt; {</a:t>
+            </a:r>
+          </a:p>
+          <a:p>
+            <a:r>
+              <a:rPr lang="de-DE" sz="1800" dirty="0">
+                <a:latin typeface="Courier New" panose="02070309020205020404" pitchFamily="49" charset="0"/>
+                <a:cs typeface="Courier New" panose="02070309020205020404" pitchFamily="49" charset="0"/>
+              </a:rPr>
+              <a:t>  </a:t>
+            </a:r>
+            <a:r>
+              <a:rPr lang="de-DE" sz="1600" dirty="0" err="1">
+                <a:solidFill>
+                  <a:srgbClr val="0033B3"/>
+                </a:solidFill>
+                <a:latin typeface="Courier New" panose="02070309020205020404" pitchFamily="49" charset="0"/>
+                <a:cs typeface="Courier New" panose="02070309020205020404" pitchFamily="49" charset="0"/>
+              </a:rPr>
+              <a:t>if</a:t>
+            </a:r>
+            <a:r>
+              <a:rPr lang="de-DE" sz="1800" dirty="0">
+                <a:latin typeface="Courier New" panose="02070309020205020404" pitchFamily="49" charset="0"/>
+                <a:cs typeface="Courier New" panose="02070309020205020404" pitchFamily="49" charset="0"/>
+              </a:rPr>
+              <a:t> (</a:t>
+            </a:r>
+            <a:r>
+              <a:rPr lang="de-DE" sz="1800" dirty="0" err="1">
+                <a:latin typeface="Courier New" panose="02070309020205020404" pitchFamily="49" charset="0"/>
+                <a:cs typeface="Courier New" panose="02070309020205020404" pitchFamily="49" charset="0"/>
+              </a:rPr>
+              <a:t>err</a:t>
+            </a:r>
+            <a:r>
+              <a:rPr lang="de-DE" sz="1800" dirty="0">
+                <a:latin typeface="Courier New" panose="02070309020205020404" pitchFamily="49" charset="0"/>
+                <a:cs typeface="Courier New" panose="02070309020205020404" pitchFamily="49" charset="0"/>
+              </a:rPr>
+              <a:t>) {</a:t>
+            </a:r>
+          </a:p>
+          <a:p>
+            <a:r>
+              <a:rPr lang="de-DE" sz="1800" dirty="0">
+                <a:latin typeface="Courier New" panose="02070309020205020404" pitchFamily="49" charset="0"/>
+                <a:cs typeface="Courier New" panose="02070309020205020404" pitchFamily="49" charset="0"/>
+              </a:rPr>
+              <a:t>    </a:t>
+            </a:r>
+            <a:r>
+              <a:rPr lang="de-DE" sz="1600" dirty="0" err="1">
+                <a:solidFill>
+                  <a:srgbClr val="0033B3"/>
+                </a:solidFill>
+                <a:latin typeface="Courier New" panose="02070309020205020404" pitchFamily="49" charset="0"/>
+                <a:cs typeface="Courier New" panose="02070309020205020404" pitchFamily="49" charset="0"/>
+              </a:rPr>
+              <a:t>return</a:t>
+            </a:r>
+            <a:r>
+              <a:rPr lang="de-DE" sz="1800" dirty="0">
+                <a:latin typeface="Courier New" panose="02070309020205020404" pitchFamily="49" charset="0"/>
+                <a:cs typeface="Courier New" panose="02070309020205020404" pitchFamily="49" charset="0"/>
+              </a:rPr>
+              <a:t> </a:t>
+            </a:r>
+            <a:r>
+              <a:rPr lang="de-DE" sz="1600" dirty="0" err="1">
+                <a:solidFill>
+                  <a:srgbClr val="830091"/>
+                </a:solidFill>
+                <a:latin typeface="Courier New" panose="02070309020205020404" pitchFamily="49" charset="0"/>
+                <a:cs typeface="Courier New" panose="02070309020205020404" pitchFamily="49" charset="0"/>
+              </a:rPr>
+              <a:t>console</a:t>
+            </a:r>
+            <a:r>
+              <a:rPr lang="de-DE" sz="1800" dirty="0" err="1">
+                <a:latin typeface="Courier New" panose="02070309020205020404" pitchFamily="49" charset="0"/>
+                <a:cs typeface="Courier New" panose="02070309020205020404" pitchFamily="49" charset="0"/>
+              </a:rPr>
+              <a:t>.</a:t>
+            </a:r>
+            <a:r>
+              <a:rPr lang="de-DE" sz="1600" dirty="0" err="1">
+                <a:solidFill>
+                  <a:srgbClr val="7A7A43"/>
+                </a:solidFill>
+                <a:latin typeface="Courier New" panose="02070309020205020404" pitchFamily="49" charset="0"/>
+                <a:cs typeface="Courier New" panose="02070309020205020404" pitchFamily="49" charset="0"/>
+              </a:rPr>
+              <a:t>log</a:t>
+            </a:r>
+            <a:r>
+              <a:rPr lang="de-DE" sz="1800" dirty="0">
+                <a:latin typeface="Courier New" panose="02070309020205020404" pitchFamily="49" charset="0"/>
+                <a:cs typeface="Courier New" panose="02070309020205020404" pitchFamily="49" charset="0"/>
+              </a:rPr>
+              <a:t>(</a:t>
+            </a:r>
+            <a:r>
+              <a:rPr lang="de-DE" sz="1800" dirty="0" err="1">
+                <a:latin typeface="Courier New" panose="02070309020205020404" pitchFamily="49" charset="0"/>
+                <a:cs typeface="Courier New" panose="02070309020205020404" pitchFamily="49" charset="0"/>
+              </a:rPr>
+              <a:t>err</a:t>
+            </a:r>
+            <a:r>
+              <a:rPr lang="de-DE" sz="1800" dirty="0">
+                <a:latin typeface="Courier New" panose="02070309020205020404" pitchFamily="49" charset="0"/>
+                <a:cs typeface="Courier New" panose="02070309020205020404" pitchFamily="49" charset="0"/>
+              </a:rPr>
+              <a:t>);</a:t>
+            </a:r>
+          </a:p>
+          <a:p>
+            <a:r>
+              <a:rPr lang="de-DE" sz="1800" dirty="0">
+                <a:latin typeface="Courier New" panose="02070309020205020404" pitchFamily="49" charset="0"/>
+                <a:cs typeface="Courier New" panose="02070309020205020404" pitchFamily="49" charset="0"/>
+              </a:rPr>
+              <a:t>  }</a:t>
+            </a:r>
+          </a:p>
+          <a:p>
+            <a:r>
+              <a:rPr lang="de-DE" sz="1800" dirty="0">
+                <a:latin typeface="Courier New" panose="02070309020205020404" pitchFamily="49" charset="0"/>
+                <a:cs typeface="Courier New" panose="02070309020205020404" pitchFamily="49" charset="0"/>
+              </a:rPr>
+              <a:t>  </a:t>
+            </a:r>
+            <a:r>
+              <a:rPr lang="de-DE" sz="1600" dirty="0" err="1">
+                <a:solidFill>
+                  <a:srgbClr val="830091"/>
+                </a:solidFill>
+                <a:latin typeface="Courier New" panose="02070309020205020404" pitchFamily="49" charset="0"/>
+                <a:cs typeface="Courier New" panose="02070309020205020404" pitchFamily="49" charset="0"/>
+              </a:rPr>
+              <a:t>console</a:t>
+            </a:r>
+            <a:r>
+              <a:rPr lang="de-DE" sz="1800" dirty="0" err="1">
+                <a:latin typeface="Courier New" panose="02070309020205020404" pitchFamily="49" charset="0"/>
+                <a:cs typeface="Courier New" panose="02070309020205020404" pitchFamily="49" charset="0"/>
+              </a:rPr>
+              <a:t>.</a:t>
+            </a:r>
+            <a:r>
+              <a:rPr lang="de-DE" sz="1600" dirty="0" err="1">
+                <a:solidFill>
+                  <a:srgbClr val="7A7A43"/>
+                </a:solidFill>
+                <a:latin typeface="Courier New" panose="02070309020205020404" pitchFamily="49" charset="0"/>
+                <a:cs typeface="Courier New" panose="02070309020205020404" pitchFamily="49" charset="0"/>
+              </a:rPr>
+              <a:t>log</a:t>
+            </a:r>
+            <a:r>
+              <a:rPr lang="de-DE" sz="1800" dirty="0">
+                <a:latin typeface="Courier New" panose="02070309020205020404" pitchFamily="49" charset="0"/>
+                <a:cs typeface="Courier New" panose="02070309020205020404" pitchFamily="49" charset="0"/>
+              </a:rPr>
+              <a:t>(</a:t>
+            </a:r>
+            <a:r>
+              <a:rPr lang="de-DE" sz="1600" dirty="0">
+                <a:solidFill>
+                  <a:srgbClr val="067D17"/>
+                </a:solidFill>
+                <a:latin typeface="Courier New" panose="02070309020205020404" pitchFamily="49" charset="0"/>
+                <a:cs typeface="Courier New" panose="02070309020205020404" pitchFamily="49" charset="0"/>
+              </a:rPr>
+              <a:t>"</a:t>
+            </a:r>
+            <a:r>
+              <a:rPr lang="de-DE" sz="1600" dirty="0" err="1">
+                <a:solidFill>
+                  <a:srgbClr val="067D17"/>
+                </a:solidFill>
+                <a:latin typeface="Courier New" panose="02070309020205020404" pitchFamily="49" charset="0"/>
+                <a:cs typeface="Courier New" panose="02070309020205020404" pitchFamily="49" charset="0"/>
+              </a:rPr>
+              <a:t>Function</a:t>
+            </a:r>
+            <a:r>
+              <a:rPr lang="de-DE" sz="1600" dirty="0">
+                <a:solidFill>
+                  <a:srgbClr val="067D17"/>
+                </a:solidFill>
+                <a:latin typeface="Courier New" panose="02070309020205020404" pitchFamily="49" charset="0"/>
+                <a:cs typeface="Courier New" panose="02070309020205020404" pitchFamily="49" charset="0"/>
+              </a:rPr>
+              <a:t> </a:t>
+            </a:r>
+            <a:r>
+              <a:rPr lang="de-DE" sz="1600" dirty="0" err="1">
+                <a:solidFill>
+                  <a:srgbClr val="067D17"/>
+                </a:solidFill>
+                <a:latin typeface="Courier New" panose="02070309020205020404" pitchFamily="49" charset="0"/>
+                <a:cs typeface="Courier New" panose="02070309020205020404" pitchFamily="49" charset="0"/>
+              </a:rPr>
+              <a:t>successfully</a:t>
+            </a:r>
+            <a:r>
+              <a:rPr lang="de-DE" sz="1600" dirty="0">
+                <a:solidFill>
+                  <a:srgbClr val="067D17"/>
+                </a:solidFill>
+                <a:latin typeface="Courier New" panose="02070309020205020404" pitchFamily="49" charset="0"/>
+                <a:cs typeface="Courier New" panose="02070309020205020404" pitchFamily="49" charset="0"/>
+              </a:rPr>
+              <a:t> </a:t>
+            </a:r>
+            <a:r>
+              <a:rPr lang="de-DE" sz="1600" dirty="0" err="1">
+                <a:solidFill>
+                  <a:srgbClr val="067D17"/>
+                </a:solidFill>
+                <a:latin typeface="Courier New" panose="02070309020205020404" pitchFamily="49" charset="0"/>
+                <a:cs typeface="Courier New" panose="02070309020205020404" pitchFamily="49" charset="0"/>
+              </a:rPr>
+              <a:t>ececuted</a:t>
+            </a:r>
+            <a:r>
+              <a:rPr lang="de-DE" sz="1600" dirty="0">
+                <a:solidFill>
+                  <a:srgbClr val="067D17"/>
+                </a:solidFill>
+                <a:latin typeface="Courier New" panose="02070309020205020404" pitchFamily="49" charset="0"/>
+                <a:cs typeface="Courier New" panose="02070309020205020404" pitchFamily="49" charset="0"/>
+              </a:rPr>
+              <a:t>"</a:t>
+            </a:r>
+            <a:r>
+              <a:rPr lang="de-DE" sz="1800" dirty="0">
+                <a:latin typeface="Courier New" panose="02070309020205020404" pitchFamily="49" charset="0"/>
+                <a:cs typeface="Courier New" panose="02070309020205020404" pitchFamily="49" charset="0"/>
+              </a:rPr>
+              <a:t>);</a:t>
+            </a:r>
+          </a:p>
+          <a:p>
+            <a:r>
+              <a:rPr lang="de-DE" sz="1800" dirty="0">
+                <a:latin typeface="Courier New" panose="02070309020205020404" pitchFamily="49" charset="0"/>
+                <a:cs typeface="Courier New" panose="02070309020205020404" pitchFamily="49" charset="0"/>
+              </a:rPr>
+              <a:t>};</a:t>
+            </a:r>
+          </a:p>
+        </p:txBody>
+      </p:sp>
+    </p:spTree>
+    <p:extLst>
+      <p:ext uri="{BB962C8B-B14F-4D97-AF65-F5344CB8AC3E}">
+        <p14:creationId xmlns:p14="http://schemas.microsoft.com/office/powerpoint/2010/main" val="3807734670"/>
+      </p:ext>
+    </p:extLst>
+  </p:cSld>
+  <p:clrMapOvr>
+    <a:masterClrMapping/>
+  </p:clrMapOvr>
+</p:sld>
+</file>
+
+<file path=ppt/slides/slide16.xml><?xml version="1.0" encoding="utf-8"?>
+<p:sld xmlns:a="http://schemas.openxmlformats.org/drawingml/2006/main" xmlns:r="http://schemas.openxmlformats.org/officeDocument/2006/relationships" xmlns:p="http://schemas.openxmlformats.org/presentationml/2006/main">
+  <p:cSld>
+    <p:spTree>
+      <p:nvGrpSpPr>
+        <p:cNvPr id="1" name=""/>
+        <p:cNvGrpSpPr/>
+        <p:nvPr/>
+      </p:nvGrpSpPr>
+      <p:grpSpPr>
+        <a:xfrm>
+          <a:off x="0" y="0"/>
+          <a:ext cx="0" cy="0"/>
+          <a:chOff x="0" y="0"/>
+          <a:chExt cx="0" cy="0"/>
+        </a:xfrm>
+      </p:grpSpPr>
+      <p:sp>
+        <p:nvSpPr>
+          <p:cNvPr id="2" name="Titel 1">
+            <a:extLst>
+              <a:ext uri="{FF2B5EF4-FFF2-40B4-BE49-F238E27FC236}">
+                <a16:creationId xmlns:a16="http://schemas.microsoft.com/office/drawing/2014/main" id="{F5495020-2BFD-B349-9BC0-67EDC0540C42}"/>
+              </a:ext>
+            </a:extLst>
+          </p:cNvPr>
+          <p:cNvSpPr>
+            <a:spLocks noGrp="1"/>
+          </p:cNvSpPr>
+          <p:nvPr>
+            <p:ph type="title"/>
+          </p:nvPr>
+        </p:nvSpPr>
+        <p:spPr/>
+        <p:txBody>
+          <a:bodyPr/>
+          <a:lstStyle/>
+          <a:p>
+            <a:r>
+              <a:rPr lang="de-DE" dirty="0"/>
+              <a:t>Erklärung – </a:t>
+            </a:r>
+            <a:r>
+              <a:rPr lang="de-DE" dirty="0" err="1"/>
+              <a:t>hell.js</a:t>
+            </a:r>
+            <a:endParaRPr lang="de-DE" dirty="0"/>
+          </a:p>
+        </p:txBody>
+      </p:sp>
+      <p:sp>
+        <p:nvSpPr>
+          <p:cNvPr id="3" name="Inhaltsplatzhalter 2">
+            <a:extLst>
+              <a:ext uri="{FF2B5EF4-FFF2-40B4-BE49-F238E27FC236}">
+                <a16:creationId xmlns:a16="http://schemas.microsoft.com/office/drawing/2014/main" id="{1E4484AD-5AEA-8C47-A481-BAEE88690503}"/>
+              </a:ext>
+            </a:extLst>
+          </p:cNvPr>
+          <p:cNvSpPr>
+            <a:spLocks noGrp="1"/>
+          </p:cNvSpPr>
+          <p:nvPr>
+            <p:ph idx="1"/>
+          </p:nvPr>
+        </p:nvSpPr>
+        <p:spPr>
+          <a:xfrm>
+            <a:off x="457200" y="1844824"/>
+            <a:ext cx="8229600" cy="4281339"/>
+          </a:xfrm>
+        </p:spPr>
+        <p:txBody>
+          <a:bodyPr>
+            <a:normAutofit fontScale="85000" lnSpcReduction="10000"/>
+          </a:bodyPr>
+          <a:lstStyle/>
+          <a:p>
+            <a:r>
+              <a:rPr lang="de-DE" dirty="0"/>
+              <a:t>Führt das übergebene Callback für jedes Element innerhalb des Arrays aus, auf welchem </a:t>
+            </a:r>
+            <a:r>
+              <a:rPr lang="de-DE" dirty="0" err="1"/>
+              <a:t>forEach</a:t>
+            </a:r>
+            <a:r>
+              <a:rPr lang="de-DE" dirty="0"/>
+              <a:t> aufgerufen wurde.</a:t>
+            </a:r>
+          </a:p>
+          <a:p>
+            <a:pPr lvl="1"/>
+            <a:r>
+              <a:rPr lang="de-DE" dirty="0"/>
+              <a:t>Es gibt in JavaScript keine dedizierte </a:t>
+            </a:r>
+            <a:r>
+              <a:rPr lang="de-DE" dirty="0" err="1"/>
+              <a:t>ForEach</a:t>
+            </a:r>
+            <a:r>
+              <a:rPr lang="de-DE" dirty="0"/>
+              <a:t>-Schleife</a:t>
+            </a:r>
+          </a:p>
+          <a:p>
+            <a:pPr lvl="1"/>
+            <a:endParaRPr lang="de-DE" dirty="0"/>
+          </a:p>
+          <a:p>
+            <a:r>
+              <a:rPr lang="de-DE" dirty="0"/>
+              <a:t>Das erste Argument des </a:t>
+            </a:r>
+            <a:r>
+              <a:rPr lang="de-DE" dirty="0" err="1"/>
+              <a:t>Callbacks</a:t>
+            </a:r>
+            <a:r>
+              <a:rPr lang="de-DE" dirty="0"/>
+              <a:t> erhält das aktuelle Element, der optionale zweite Parameter erhält den aktuellen Index.</a:t>
+            </a:r>
+          </a:p>
+          <a:p>
+            <a:pPr lvl="1"/>
+            <a:r>
+              <a:rPr lang="de-DE" dirty="0"/>
+              <a:t>Durch sein nicht vorhandenes Typensystem, erlaubt JavaScript das man als Callback eine Funktion mit einem, zwei oder drei Parametern verwendet.</a:t>
+            </a:r>
+          </a:p>
+          <a:p>
+            <a:pPr lvl="1"/>
+            <a:endParaRPr lang="de-DE" dirty="0"/>
+          </a:p>
+          <a:p>
+            <a:r>
+              <a:rPr lang="de-DE" dirty="0"/>
+              <a:t>Diese Methode ist nicht asynchron, benutzt aber trotzdem einen Callback</a:t>
+            </a:r>
+          </a:p>
+        </p:txBody>
+      </p:sp>
+      <p:sp>
+        <p:nvSpPr>
+          <p:cNvPr id="4" name="Datumsplatzhalter 3">
+            <a:extLst>
+              <a:ext uri="{FF2B5EF4-FFF2-40B4-BE49-F238E27FC236}">
+                <a16:creationId xmlns:a16="http://schemas.microsoft.com/office/drawing/2014/main" id="{2EB16981-E2AB-8F4B-AEEC-1A2F230F6DB2}"/>
+              </a:ext>
+            </a:extLst>
+          </p:cNvPr>
+          <p:cNvSpPr>
+            <a:spLocks noGrp="1"/>
+          </p:cNvSpPr>
+          <p:nvPr>
+            <p:ph type="dt" sz="half" idx="2"/>
+          </p:nvPr>
+        </p:nvSpPr>
+        <p:spPr/>
+        <p:txBody>
+          <a:bodyPr/>
+          <a:lstStyle/>
+          <a:p>
+            <a:r>
+              <a:rPr lang="de-DE"/>
+              <a:t>C. Karow</a:t>
+            </a:r>
+            <a:endParaRPr lang="de-DE" dirty="0"/>
+          </a:p>
+        </p:txBody>
+      </p:sp>
+      <p:sp>
+        <p:nvSpPr>
+          <p:cNvPr id="5" name="Fußzeilenplatzhalter 4">
+            <a:extLst>
+              <a:ext uri="{FF2B5EF4-FFF2-40B4-BE49-F238E27FC236}">
+                <a16:creationId xmlns:a16="http://schemas.microsoft.com/office/drawing/2014/main" id="{4F17B210-68E5-C64F-860D-C2D34AF158A6}"/>
+              </a:ext>
+            </a:extLst>
+          </p:cNvPr>
+          <p:cNvSpPr>
+            <a:spLocks noGrp="1"/>
+          </p:cNvSpPr>
+          <p:nvPr>
+            <p:ph type="ftr" sz="quarter" idx="3"/>
+          </p:nvPr>
+        </p:nvSpPr>
+        <p:spPr/>
+        <p:txBody>
+          <a:bodyPr/>
+          <a:lstStyle/>
+          <a:p>
+            <a:r>
+              <a:rPr lang="de-DE"/>
+              <a:t>Callback Hell</a:t>
+            </a:r>
+            <a:endParaRPr lang="de-DE" dirty="0"/>
+          </a:p>
+        </p:txBody>
+      </p:sp>
+      <p:sp>
+        <p:nvSpPr>
+          <p:cNvPr id="6" name="Foliennummernplatzhalter 5">
+            <a:extLst>
+              <a:ext uri="{FF2B5EF4-FFF2-40B4-BE49-F238E27FC236}">
+                <a16:creationId xmlns:a16="http://schemas.microsoft.com/office/drawing/2014/main" id="{3FDB67D1-FD32-0C48-8C96-9F8DEC51E56B}"/>
+              </a:ext>
+            </a:extLst>
+          </p:cNvPr>
+          <p:cNvSpPr>
+            <a:spLocks noGrp="1"/>
+          </p:cNvSpPr>
+          <p:nvPr>
+            <p:ph type="sldNum" sz="quarter" idx="4"/>
+          </p:nvPr>
+        </p:nvSpPr>
+        <p:spPr/>
+        <p:txBody>
+          <a:bodyPr/>
+          <a:lstStyle/>
+          <a:p>
+            <a:fld id="{7609310D-2199-4612-B943-B17CE1A9AFB2}" type="slidenum">
+              <a:rPr lang="de-DE" smtClean="0"/>
+              <a:pPr/>
+              <a:t>16</a:t>
+            </a:fld>
+            <a:endParaRPr lang="de-DE" dirty="0"/>
+          </a:p>
+        </p:txBody>
+      </p:sp>
+      <p:sp>
+        <p:nvSpPr>
+          <p:cNvPr id="7" name="Rechteck 6">
+            <a:extLst>
+              <a:ext uri="{FF2B5EF4-FFF2-40B4-BE49-F238E27FC236}">
+                <a16:creationId xmlns:a16="http://schemas.microsoft.com/office/drawing/2014/main" id="{405F3C07-E499-6C4F-A41B-A76BA1C657C3}"/>
+              </a:ext>
+            </a:extLst>
+          </p:cNvPr>
+          <p:cNvSpPr/>
+          <p:nvPr/>
+        </p:nvSpPr>
+        <p:spPr>
+          <a:xfrm>
+            <a:off x="1403648" y="1199138"/>
+            <a:ext cx="6678488" cy="830997"/>
+          </a:xfrm>
+          <a:prstGeom prst="rect">
+            <a:avLst/>
+          </a:prstGeom>
+        </p:spPr>
+        <p:txBody>
+          <a:bodyPr wrap="square">
+            <a:spAutoFit/>
+          </a:bodyPr>
+          <a:lstStyle/>
+          <a:p>
+            <a:r>
+              <a:rPr lang="de-DE" dirty="0" err="1">
+                <a:latin typeface="Courier New" panose="02070309020205020404" pitchFamily="49" charset="0"/>
+                <a:cs typeface="Courier New" panose="02070309020205020404" pitchFamily="49" charset="0"/>
+              </a:rPr>
+              <a:t>files.</a:t>
+            </a:r>
+            <a:r>
+              <a:rPr lang="de-DE" dirty="0" err="1">
+                <a:solidFill>
+                  <a:srgbClr val="7A7A43"/>
+                </a:solidFill>
+                <a:latin typeface="Courier New" panose="02070309020205020404" pitchFamily="49" charset="0"/>
+                <a:cs typeface="Courier New" panose="02070309020205020404" pitchFamily="49" charset="0"/>
+              </a:rPr>
+              <a:t>forEach</a:t>
+            </a:r>
+            <a:r>
+              <a:rPr lang="de-DE" dirty="0">
+                <a:latin typeface="Courier New" panose="02070309020205020404" pitchFamily="49" charset="0"/>
+                <a:cs typeface="Courier New" panose="02070309020205020404" pitchFamily="49" charset="0"/>
+              </a:rPr>
+              <a:t>((</a:t>
+            </a:r>
+            <a:r>
+              <a:rPr lang="de-DE" dirty="0" err="1">
+                <a:latin typeface="Courier New" panose="02070309020205020404" pitchFamily="49" charset="0"/>
+                <a:cs typeface="Courier New" panose="02070309020205020404" pitchFamily="49" charset="0"/>
+              </a:rPr>
+              <a:t>file</a:t>
+            </a:r>
+            <a:r>
+              <a:rPr lang="de-DE" dirty="0">
+                <a:latin typeface="Courier New" panose="02070309020205020404" pitchFamily="49" charset="0"/>
+                <a:cs typeface="Courier New" panose="02070309020205020404" pitchFamily="49" charset="0"/>
+              </a:rPr>
+              <a:t>, i) =&gt; {})</a:t>
+            </a:r>
+            <a:br>
+              <a:rPr lang="de-DE" dirty="0">
+                <a:latin typeface="Courier New" panose="02070309020205020404" pitchFamily="49" charset="0"/>
+                <a:cs typeface="Courier New" panose="02070309020205020404" pitchFamily="49" charset="0"/>
+              </a:rPr>
+            </a:br>
+            <a:endParaRPr lang="de-DE" dirty="0"/>
+          </a:p>
+        </p:txBody>
+      </p:sp>
+    </p:spTree>
+    <p:extLst>
+      <p:ext uri="{BB962C8B-B14F-4D97-AF65-F5344CB8AC3E}">
+        <p14:creationId xmlns:p14="http://schemas.microsoft.com/office/powerpoint/2010/main" val="1091355319"/>
+      </p:ext>
+    </p:extLst>
+  </p:cSld>
+  <p:clrMapOvr>
+    <a:masterClrMapping/>
+  </p:clrMapOvr>
+</p:sld>
+</file>
+
+<file path=ppt/slides/slide17.xml><?xml version="1.0" encoding="utf-8"?>
+<p:sld xmlns:a="http://schemas.openxmlformats.org/drawingml/2006/main" xmlns:r="http://schemas.openxmlformats.org/officeDocument/2006/relationships" xmlns:p="http://schemas.openxmlformats.org/presentationml/2006/main">
+  <p:cSld>
+    <p:spTree>
+      <p:nvGrpSpPr>
+        <p:cNvPr id="1" name=""/>
+        <p:cNvGrpSpPr/>
+        <p:nvPr/>
+      </p:nvGrpSpPr>
+      <p:grpSpPr>
+        <a:xfrm>
+          <a:off x="0" y="0"/>
+          <a:ext cx="0" cy="0"/>
+          <a:chOff x="0" y="0"/>
+          <a:chExt cx="0" cy="0"/>
+        </a:xfrm>
+      </p:grpSpPr>
+      <p:sp>
+        <p:nvSpPr>
+          <p:cNvPr id="2" name="Titel 1">
+            <a:extLst>
+              <a:ext uri="{FF2B5EF4-FFF2-40B4-BE49-F238E27FC236}">
+                <a16:creationId xmlns:a16="http://schemas.microsoft.com/office/drawing/2014/main" id="{71022CE0-3E32-254A-977A-9EBAC0FA7E56}"/>
+              </a:ext>
+            </a:extLst>
+          </p:cNvPr>
+          <p:cNvSpPr>
+            <a:spLocks noGrp="1"/>
+          </p:cNvSpPr>
+          <p:nvPr>
+            <p:ph type="title"/>
+          </p:nvPr>
+        </p:nvSpPr>
+        <p:spPr/>
+        <p:txBody>
+          <a:bodyPr/>
+          <a:lstStyle/>
+          <a:p>
+            <a:r>
+              <a:rPr lang="de-DE" dirty="0"/>
+              <a:t>Erklärung – </a:t>
+            </a:r>
+            <a:r>
+              <a:rPr lang="de-DE" dirty="0" err="1"/>
+              <a:t>hell.js</a:t>
+            </a:r>
+            <a:endParaRPr lang="de-DE" dirty="0"/>
+          </a:p>
+        </p:txBody>
+      </p:sp>
+      <p:sp>
+        <p:nvSpPr>
+          <p:cNvPr id="3" name="Inhaltsplatzhalter 2">
+            <a:extLst>
+              <a:ext uri="{FF2B5EF4-FFF2-40B4-BE49-F238E27FC236}">
+                <a16:creationId xmlns:a16="http://schemas.microsoft.com/office/drawing/2014/main" id="{83D506F8-FB21-6D45-BE8E-133C95814295}"/>
+              </a:ext>
+            </a:extLst>
+          </p:cNvPr>
+          <p:cNvSpPr>
+            <a:spLocks noGrp="1"/>
+          </p:cNvSpPr>
+          <p:nvPr>
+            <p:ph idx="1"/>
+          </p:nvPr>
+        </p:nvSpPr>
+        <p:spPr>
+          <a:xfrm>
+            <a:off x="457200" y="1897896"/>
+            <a:ext cx="8229600" cy="4228267"/>
+          </a:xfrm>
+        </p:spPr>
+        <p:txBody>
+          <a:bodyPr/>
+          <a:lstStyle/>
+          <a:p>
+            <a:r>
+              <a:rPr lang="de-DE" dirty="0"/>
+              <a:t>Genau wie </a:t>
+            </a:r>
+            <a:r>
+              <a:rPr lang="de-DE" dirty="0" err="1"/>
+              <a:t>readdir</a:t>
+            </a:r>
+            <a:r>
+              <a:rPr lang="de-DE" dirty="0"/>
+              <a:t> auf Ordner, realisiert diese Funktion den Lesezugriff auf Dateien.</a:t>
+            </a:r>
+          </a:p>
+          <a:p>
+            <a:r>
+              <a:rPr lang="de-DE" dirty="0" err="1"/>
+              <a:t>Selbes</a:t>
+            </a:r>
+            <a:r>
+              <a:rPr lang="de-DE" dirty="0"/>
+              <a:t> Prinzip</a:t>
+            </a:r>
+          </a:p>
+        </p:txBody>
+      </p:sp>
+      <p:sp>
+        <p:nvSpPr>
+          <p:cNvPr id="4" name="Datumsplatzhalter 3">
+            <a:extLst>
+              <a:ext uri="{FF2B5EF4-FFF2-40B4-BE49-F238E27FC236}">
+                <a16:creationId xmlns:a16="http://schemas.microsoft.com/office/drawing/2014/main" id="{2960B331-2CBF-2843-9E10-33377EF63B53}"/>
+              </a:ext>
+            </a:extLst>
+          </p:cNvPr>
+          <p:cNvSpPr>
+            <a:spLocks noGrp="1"/>
+          </p:cNvSpPr>
+          <p:nvPr>
+            <p:ph type="dt" sz="half" idx="2"/>
+          </p:nvPr>
+        </p:nvSpPr>
+        <p:spPr/>
+        <p:txBody>
+          <a:bodyPr/>
+          <a:lstStyle/>
+          <a:p>
+            <a:r>
+              <a:rPr lang="de-DE"/>
+              <a:t>C. Karow</a:t>
+            </a:r>
+            <a:endParaRPr lang="de-DE" dirty="0"/>
+          </a:p>
+        </p:txBody>
+      </p:sp>
+      <p:sp>
+        <p:nvSpPr>
+          <p:cNvPr id="5" name="Fußzeilenplatzhalter 4">
+            <a:extLst>
+              <a:ext uri="{FF2B5EF4-FFF2-40B4-BE49-F238E27FC236}">
+                <a16:creationId xmlns:a16="http://schemas.microsoft.com/office/drawing/2014/main" id="{00159E4D-10CB-F145-B893-099C7C970268}"/>
+              </a:ext>
+            </a:extLst>
+          </p:cNvPr>
+          <p:cNvSpPr>
+            <a:spLocks noGrp="1"/>
+          </p:cNvSpPr>
+          <p:nvPr>
+            <p:ph type="ftr" sz="quarter" idx="3"/>
+          </p:nvPr>
+        </p:nvSpPr>
+        <p:spPr/>
+        <p:txBody>
+          <a:bodyPr/>
+          <a:lstStyle/>
+          <a:p>
+            <a:r>
+              <a:rPr lang="de-DE"/>
+              <a:t>Callback Hell</a:t>
+            </a:r>
+            <a:endParaRPr lang="de-DE" dirty="0"/>
+          </a:p>
+        </p:txBody>
+      </p:sp>
+      <p:sp>
+        <p:nvSpPr>
+          <p:cNvPr id="6" name="Foliennummernplatzhalter 5">
+            <a:extLst>
+              <a:ext uri="{FF2B5EF4-FFF2-40B4-BE49-F238E27FC236}">
+                <a16:creationId xmlns:a16="http://schemas.microsoft.com/office/drawing/2014/main" id="{EBEE2B00-CCCA-4246-8260-4300A47586B8}"/>
+              </a:ext>
+            </a:extLst>
+          </p:cNvPr>
+          <p:cNvSpPr>
+            <a:spLocks noGrp="1"/>
+          </p:cNvSpPr>
+          <p:nvPr>
+            <p:ph type="sldNum" sz="quarter" idx="4"/>
+          </p:nvPr>
+        </p:nvSpPr>
+        <p:spPr/>
+        <p:txBody>
+          <a:bodyPr/>
+          <a:lstStyle/>
+          <a:p>
+            <a:fld id="{7609310D-2199-4612-B943-B17CE1A9AFB2}" type="slidenum">
+              <a:rPr lang="de-DE" smtClean="0"/>
+              <a:pPr/>
+              <a:t>17</a:t>
+            </a:fld>
+            <a:endParaRPr lang="de-DE" dirty="0"/>
+          </a:p>
+        </p:txBody>
+      </p:sp>
+      <p:sp>
+        <p:nvSpPr>
+          <p:cNvPr id="7" name="Rechteck 6">
+            <a:extLst>
+              <a:ext uri="{FF2B5EF4-FFF2-40B4-BE49-F238E27FC236}">
+                <a16:creationId xmlns:a16="http://schemas.microsoft.com/office/drawing/2014/main" id="{F47FF42E-7BAB-BD4E-9CCF-7A015172D1A0}"/>
+              </a:ext>
+            </a:extLst>
+          </p:cNvPr>
+          <p:cNvSpPr/>
+          <p:nvPr/>
+        </p:nvSpPr>
+        <p:spPr>
+          <a:xfrm>
+            <a:off x="754664" y="1173035"/>
+            <a:ext cx="7830616" cy="830997"/>
+          </a:xfrm>
+          <a:prstGeom prst="rect">
+            <a:avLst/>
+          </a:prstGeom>
+        </p:spPr>
+        <p:txBody>
+          <a:bodyPr wrap="square">
+            <a:spAutoFit/>
+          </a:bodyPr>
+          <a:lstStyle/>
+          <a:p>
+            <a:r>
+              <a:rPr lang="de-DE" dirty="0" err="1">
+                <a:solidFill>
+                  <a:srgbClr val="830091"/>
+                </a:solidFill>
+                <a:latin typeface="Courier New" panose="02070309020205020404" pitchFamily="49" charset="0"/>
+                <a:cs typeface="Courier New" panose="02070309020205020404" pitchFamily="49" charset="0"/>
+              </a:rPr>
+              <a:t>fs</a:t>
+            </a:r>
+            <a:r>
+              <a:rPr lang="de-DE" dirty="0" err="1">
+                <a:latin typeface="Courier New" panose="02070309020205020404" pitchFamily="49" charset="0"/>
+                <a:cs typeface="Courier New" panose="02070309020205020404" pitchFamily="49" charset="0"/>
+              </a:rPr>
+              <a:t>.</a:t>
+            </a:r>
+            <a:r>
+              <a:rPr lang="de-DE" i="1" dirty="0" err="1">
+                <a:latin typeface="Courier New" panose="02070309020205020404" pitchFamily="49" charset="0"/>
+                <a:cs typeface="Courier New" panose="02070309020205020404" pitchFamily="49" charset="0"/>
+              </a:rPr>
+              <a:t>readFile</a:t>
+            </a:r>
+            <a:r>
+              <a:rPr lang="de-DE" dirty="0">
+                <a:latin typeface="Courier New" panose="02070309020205020404" pitchFamily="49" charset="0"/>
+                <a:cs typeface="Courier New" panose="02070309020205020404" pitchFamily="49" charset="0"/>
+              </a:rPr>
+              <a:t>(</a:t>
+            </a:r>
+            <a:r>
+              <a:rPr lang="de-DE" dirty="0" err="1">
+                <a:solidFill>
+                  <a:srgbClr val="248F8F"/>
+                </a:solidFill>
+                <a:latin typeface="Courier New" panose="02070309020205020404" pitchFamily="49" charset="0"/>
+                <a:cs typeface="Courier New" panose="02070309020205020404" pitchFamily="49" charset="0"/>
+              </a:rPr>
+              <a:t>fileName</a:t>
+            </a:r>
+            <a:r>
+              <a:rPr lang="de-DE" dirty="0">
+                <a:latin typeface="Courier New" panose="02070309020205020404" pitchFamily="49" charset="0"/>
+                <a:cs typeface="Courier New" panose="02070309020205020404" pitchFamily="49" charset="0"/>
+              </a:rPr>
+              <a:t>, (</a:t>
+            </a:r>
+            <a:r>
+              <a:rPr lang="de-DE" dirty="0" err="1">
+                <a:latin typeface="Courier New" panose="02070309020205020404" pitchFamily="49" charset="0"/>
+                <a:cs typeface="Courier New" panose="02070309020205020404" pitchFamily="49" charset="0"/>
+              </a:rPr>
+              <a:t>err</a:t>
+            </a:r>
+            <a:r>
+              <a:rPr lang="de-DE" dirty="0">
+                <a:latin typeface="Courier New" panose="02070309020205020404" pitchFamily="49" charset="0"/>
+                <a:cs typeface="Courier New" panose="02070309020205020404" pitchFamily="49" charset="0"/>
+              </a:rPr>
+              <a:t>, </a:t>
+            </a:r>
+            <a:r>
+              <a:rPr lang="de-DE" dirty="0" err="1">
+                <a:latin typeface="Courier New" panose="02070309020205020404" pitchFamily="49" charset="0"/>
+                <a:cs typeface="Courier New" panose="02070309020205020404" pitchFamily="49" charset="0"/>
+              </a:rPr>
+              <a:t>data</a:t>
+            </a:r>
+            <a:r>
+              <a:rPr lang="de-DE" dirty="0">
+                <a:latin typeface="Courier New" panose="02070309020205020404" pitchFamily="49" charset="0"/>
+                <a:cs typeface="Courier New" panose="02070309020205020404" pitchFamily="49" charset="0"/>
+              </a:rPr>
+              <a:t>) =&gt; {})</a:t>
+            </a:r>
+            <a:br>
+              <a:rPr lang="de-DE" dirty="0">
+                <a:latin typeface="Courier New" panose="02070309020205020404" pitchFamily="49" charset="0"/>
+                <a:cs typeface="Courier New" panose="02070309020205020404" pitchFamily="49" charset="0"/>
+              </a:rPr>
+            </a:br>
+            <a:endParaRPr lang="de-DE" dirty="0"/>
+          </a:p>
+        </p:txBody>
+      </p:sp>
+    </p:spTree>
+    <p:extLst>
+      <p:ext uri="{BB962C8B-B14F-4D97-AF65-F5344CB8AC3E}">
+        <p14:creationId xmlns:p14="http://schemas.microsoft.com/office/powerpoint/2010/main" val="1851707081"/>
+      </p:ext>
+    </p:extLst>
+  </p:cSld>
+  <p:clrMapOvr>
+    <a:masterClrMapping/>
+  </p:clrMapOvr>
+</p:sld>
+</file>
+
+<file path=ppt/slides/slide18.xml><?xml version="1.0" encoding="utf-8"?>
+<p:sld xmlns:a="http://schemas.openxmlformats.org/drawingml/2006/main" xmlns:r="http://schemas.openxmlformats.org/officeDocument/2006/relationships" xmlns:p="http://schemas.openxmlformats.org/presentationml/2006/main">
+  <p:cSld>
+    <p:spTree>
+      <p:nvGrpSpPr>
+        <p:cNvPr id="1" name=""/>
+        <p:cNvGrpSpPr/>
+        <p:nvPr/>
+      </p:nvGrpSpPr>
+      <p:grpSpPr>
+        <a:xfrm>
+          <a:off x="0" y="0"/>
+          <a:ext cx="0" cy="0"/>
+          <a:chOff x="0" y="0"/>
+          <a:chExt cx="0" cy="0"/>
+        </a:xfrm>
+      </p:grpSpPr>
+      <p:sp>
+        <p:nvSpPr>
+          <p:cNvPr id="2" name="Titel 1">
+            <a:extLst>
+              <a:ext uri="{FF2B5EF4-FFF2-40B4-BE49-F238E27FC236}">
+                <a16:creationId xmlns:a16="http://schemas.microsoft.com/office/drawing/2014/main" id="{E6D24944-41CE-CA4B-9B3E-305B1B68703B}"/>
+              </a:ext>
+            </a:extLst>
+          </p:cNvPr>
+          <p:cNvSpPr>
+            <a:spLocks noGrp="1"/>
+          </p:cNvSpPr>
+          <p:nvPr>
+            <p:ph type="title"/>
+          </p:nvPr>
+        </p:nvSpPr>
+        <p:spPr/>
+        <p:txBody>
+          <a:bodyPr/>
+          <a:lstStyle/>
+          <a:p>
+            <a:r>
+              <a:rPr lang="de-DE" dirty="0"/>
+              <a:t>Fazit Callback Hölle</a:t>
+            </a:r>
+          </a:p>
+        </p:txBody>
+      </p:sp>
+      <p:sp>
+        <p:nvSpPr>
+          <p:cNvPr id="3" name="Inhaltsplatzhalter 2">
+            <a:extLst>
+              <a:ext uri="{FF2B5EF4-FFF2-40B4-BE49-F238E27FC236}">
+                <a16:creationId xmlns:a16="http://schemas.microsoft.com/office/drawing/2014/main" id="{FCC1E066-D273-3A46-9EC3-16953B96D856}"/>
+              </a:ext>
+            </a:extLst>
+          </p:cNvPr>
+          <p:cNvSpPr>
+            <a:spLocks noGrp="1"/>
+          </p:cNvSpPr>
+          <p:nvPr>
+            <p:ph idx="1"/>
+          </p:nvPr>
+        </p:nvSpPr>
+        <p:spPr/>
+        <p:txBody>
+          <a:bodyPr>
+            <a:normAutofit/>
+          </a:bodyPr>
+          <a:lstStyle/>
+          <a:p>
+            <a:r>
+              <a:rPr lang="de-DE" dirty="0"/>
+              <a:t>Die Benutzung von </a:t>
+            </a:r>
+            <a:r>
+              <a:rPr lang="de-DE" dirty="0" err="1"/>
+              <a:t>Callbacks</a:t>
+            </a:r>
+            <a:r>
+              <a:rPr lang="de-DE" dirty="0"/>
+              <a:t> kann schnell zu sehr tiefen Verschachtelungen führen.</a:t>
+            </a:r>
+          </a:p>
+          <a:p>
+            <a:r>
+              <a:rPr lang="de-DE" dirty="0"/>
+              <a:t>Machen in großer Zahl den Code schwer lesbar und </a:t>
+            </a:r>
+            <a:r>
+              <a:rPr lang="de-DE" dirty="0" err="1"/>
+              <a:t>wartbar</a:t>
+            </a:r>
+            <a:r>
+              <a:rPr lang="de-DE" dirty="0"/>
+              <a:t>.</a:t>
+            </a:r>
+          </a:p>
+          <a:p>
+            <a:r>
+              <a:rPr lang="de-DE" dirty="0"/>
+              <a:t>Will man den Code verstehen, muss man von außen nach innen vorgehen und sich jede Callback-Ebene merken.</a:t>
+            </a:r>
+          </a:p>
+          <a:p>
+            <a:pPr lvl="1"/>
+            <a:r>
+              <a:rPr lang="de-DE" dirty="0"/>
+              <a:t>Problem wird verstärkt, wenn innere </a:t>
+            </a:r>
+            <a:r>
+              <a:rPr lang="de-DE" dirty="0" err="1"/>
+              <a:t>Callbacks</a:t>
+            </a:r>
+            <a:r>
+              <a:rPr lang="de-DE" dirty="0"/>
+              <a:t> auf Variablen von weit außen liegenden </a:t>
+            </a:r>
+            <a:r>
+              <a:rPr lang="de-DE" dirty="0" err="1"/>
+              <a:t>Callbacks</a:t>
+            </a:r>
+            <a:r>
+              <a:rPr lang="de-DE" dirty="0"/>
+              <a:t> zugreifen.</a:t>
+            </a:r>
+          </a:p>
+        </p:txBody>
+      </p:sp>
+      <p:sp>
+        <p:nvSpPr>
+          <p:cNvPr id="4" name="Datumsplatzhalter 3">
+            <a:extLst>
+              <a:ext uri="{FF2B5EF4-FFF2-40B4-BE49-F238E27FC236}">
+                <a16:creationId xmlns:a16="http://schemas.microsoft.com/office/drawing/2014/main" id="{188A79C0-EC75-F242-B0D9-ACF67937883D}"/>
+              </a:ext>
+            </a:extLst>
+          </p:cNvPr>
+          <p:cNvSpPr>
+            <a:spLocks noGrp="1"/>
+          </p:cNvSpPr>
+          <p:nvPr>
+            <p:ph type="dt" sz="half" idx="2"/>
+          </p:nvPr>
+        </p:nvSpPr>
+        <p:spPr/>
+        <p:txBody>
+          <a:bodyPr/>
+          <a:lstStyle/>
+          <a:p>
+            <a:r>
+              <a:rPr lang="de-DE"/>
+              <a:t>C. Karow</a:t>
+            </a:r>
+            <a:endParaRPr lang="de-DE" dirty="0"/>
+          </a:p>
+        </p:txBody>
+      </p:sp>
+      <p:sp>
+        <p:nvSpPr>
+          <p:cNvPr id="5" name="Fußzeilenplatzhalter 4">
+            <a:extLst>
+              <a:ext uri="{FF2B5EF4-FFF2-40B4-BE49-F238E27FC236}">
+                <a16:creationId xmlns:a16="http://schemas.microsoft.com/office/drawing/2014/main" id="{F3F5E1A5-44B9-C249-B4D0-941B70A32E77}"/>
+              </a:ext>
+            </a:extLst>
+          </p:cNvPr>
+          <p:cNvSpPr>
+            <a:spLocks noGrp="1"/>
+          </p:cNvSpPr>
+          <p:nvPr>
+            <p:ph type="ftr" sz="quarter" idx="3"/>
+          </p:nvPr>
+        </p:nvSpPr>
+        <p:spPr/>
+        <p:txBody>
+          <a:bodyPr/>
+          <a:lstStyle/>
+          <a:p>
+            <a:r>
+              <a:rPr lang="de-DE"/>
+              <a:t>Callback Hell</a:t>
+            </a:r>
+            <a:endParaRPr lang="de-DE" dirty="0"/>
+          </a:p>
+        </p:txBody>
+      </p:sp>
+      <p:sp>
+        <p:nvSpPr>
+          <p:cNvPr id="6" name="Foliennummernplatzhalter 5">
+            <a:extLst>
+              <a:ext uri="{FF2B5EF4-FFF2-40B4-BE49-F238E27FC236}">
+                <a16:creationId xmlns:a16="http://schemas.microsoft.com/office/drawing/2014/main" id="{5D9E489C-046E-CE4E-BF47-93703FFDE5DF}"/>
+              </a:ext>
+            </a:extLst>
+          </p:cNvPr>
+          <p:cNvSpPr>
+            <a:spLocks noGrp="1"/>
+          </p:cNvSpPr>
+          <p:nvPr>
+            <p:ph type="sldNum" sz="quarter" idx="4"/>
+          </p:nvPr>
+        </p:nvSpPr>
+        <p:spPr/>
+        <p:txBody>
+          <a:bodyPr/>
+          <a:lstStyle/>
+          <a:p>
+            <a:fld id="{7609310D-2199-4612-B943-B17CE1A9AFB2}" type="slidenum">
+              <a:rPr lang="de-DE" smtClean="0"/>
+              <a:pPr/>
+              <a:t>18</a:t>
+            </a:fld>
+            <a:endParaRPr lang="de-DE" dirty="0"/>
+          </a:p>
+        </p:txBody>
+      </p:sp>
+    </p:spTree>
+    <p:extLst>
+      <p:ext uri="{BB962C8B-B14F-4D97-AF65-F5344CB8AC3E}">
+        <p14:creationId xmlns:p14="http://schemas.microsoft.com/office/powerpoint/2010/main" val="2866351204"/>
+      </p:ext>
+    </p:extLst>
+  </p:cSld>
+  <p:clrMapOvr>
+    <a:masterClrMapping/>
+  </p:clrMapOvr>
+</p:sld>
+</file>
+
+<file path=ppt/slides/slide19.xml><?xml version="1.0" encoding="utf-8"?>
+<p:sld xmlns:a="http://schemas.openxmlformats.org/drawingml/2006/main" xmlns:r="http://schemas.openxmlformats.org/officeDocument/2006/relationships" xmlns:p="http://schemas.openxmlformats.org/presentationml/2006/main">
+  <p:cSld>
+    <p:spTree>
+      <p:nvGrpSpPr>
+        <p:cNvPr id="1" name=""/>
+        <p:cNvGrpSpPr/>
+        <p:nvPr/>
+      </p:nvGrpSpPr>
+      <p:grpSpPr>
+        <a:xfrm>
+          <a:off x="0" y="0"/>
+          <a:ext cx="0" cy="0"/>
+          <a:chOff x="0" y="0"/>
+          <a:chExt cx="0" cy="0"/>
+        </a:xfrm>
+      </p:grpSpPr>
+      <p:sp>
+        <p:nvSpPr>
+          <p:cNvPr id="4" name="Datumsplatzhalter 3">
+            <a:extLst>
+              <a:ext uri="{FF2B5EF4-FFF2-40B4-BE49-F238E27FC236}">
+                <a16:creationId xmlns:a16="http://schemas.microsoft.com/office/drawing/2014/main" id="{27995888-D59D-C64D-B59D-C22DD6FF9548}"/>
+              </a:ext>
+            </a:extLst>
+          </p:cNvPr>
+          <p:cNvSpPr>
+            <a:spLocks noGrp="1"/>
+          </p:cNvSpPr>
+          <p:nvPr>
+            <p:ph type="dt" sz="half" idx="2"/>
+          </p:nvPr>
+        </p:nvSpPr>
+        <p:spPr/>
+        <p:txBody>
+          <a:bodyPr/>
+          <a:lstStyle/>
+          <a:p>
+            <a:r>
+              <a:rPr lang="de-DE"/>
+              <a:t>C. Karow</a:t>
+            </a:r>
+            <a:endParaRPr lang="de-DE" dirty="0"/>
+          </a:p>
+        </p:txBody>
+      </p:sp>
+      <p:sp>
+        <p:nvSpPr>
+          <p:cNvPr id="5" name="Fußzeilenplatzhalter 4">
+            <a:extLst>
+              <a:ext uri="{FF2B5EF4-FFF2-40B4-BE49-F238E27FC236}">
+                <a16:creationId xmlns:a16="http://schemas.microsoft.com/office/drawing/2014/main" id="{8A4F1D3D-BD50-E54A-AEEC-728AD0E3AC1D}"/>
+              </a:ext>
+            </a:extLst>
+          </p:cNvPr>
+          <p:cNvSpPr>
+            <a:spLocks noGrp="1"/>
+          </p:cNvSpPr>
+          <p:nvPr>
+            <p:ph type="ftr" sz="quarter" idx="3"/>
+          </p:nvPr>
+        </p:nvSpPr>
+        <p:spPr/>
+        <p:txBody>
+          <a:bodyPr/>
+          <a:lstStyle/>
+          <a:p>
+            <a:r>
+              <a:rPr lang="de-DE"/>
+              <a:t>Callback Hell</a:t>
+            </a:r>
+            <a:endParaRPr lang="de-DE" dirty="0"/>
+          </a:p>
+        </p:txBody>
+      </p:sp>
+      <p:sp>
+        <p:nvSpPr>
+          <p:cNvPr id="6" name="Foliennummernplatzhalter 5">
+            <a:extLst>
+              <a:ext uri="{FF2B5EF4-FFF2-40B4-BE49-F238E27FC236}">
+                <a16:creationId xmlns:a16="http://schemas.microsoft.com/office/drawing/2014/main" id="{44D015F9-81FA-D441-8295-4873ED49719C}"/>
+              </a:ext>
+            </a:extLst>
+          </p:cNvPr>
+          <p:cNvSpPr>
+            <a:spLocks noGrp="1"/>
+          </p:cNvSpPr>
+          <p:nvPr>
+            <p:ph type="sldNum" sz="quarter" idx="4"/>
+          </p:nvPr>
+        </p:nvSpPr>
+        <p:spPr/>
+        <p:txBody>
+          <a:bodyPr/>
+          <a:lstStyle/>
+          <a:p>
+            <a:fld id="{7609310D-2199-4612-B943-B17CE1A9AFB2}" type="slidenum">
+              <a:rPr lang="de-DE" smtClean="0"/>
+              <a:pPr/>
+              <a:t>19</a:t>
+            </a:fld>
+            <a:endParaRPr lang="de-DE" dirty="0"/>
+          </a:p>
+        </p:txBody>
+      </p:sp>
+      <p:sp>
+        <p:nvSpPr>
+          <p:cNvPr id="8" name="Inhaltsplatzhalter 7">
+            <a:extLst>
+              <a:ext uri="{FF2B5EF4-FFF2-40B4-BE49-F238E27FC236}">
+                <a16:creationId xmlns:a16="http://schemas.microsoft.com/office/drawing/2014/main" id="{447DE7A3-111F-3344-940A-D56A938C7367}"/>
+              </a:ext>
+            </a:extLst>
+          </p:cNvPr>
+          <p:cNvSpPr>
+            <a:spLocks noGrp="1"/>
+          </p:cNvSpPr>
+          <p:nvPr>
+            <p:ph idx="1"/>
+          </p:nvPr>
+        </p:nvSpPr>
+        <p:spPr>
+          <a:xfrm>
+            <a:off x="457200" y="1124744"/>
+            <a:ext cx="8229600" cy="4713387"/>
+          </a:xfrm>
+        </p:spPr>
+        <p:txBody>
+          <a:bodyPr>
+            <a:normAutofit/>
+          </a:bodyPr>
+          <a:lstStyle/>
+          <a:p>
+            <a:r>
+              <a:rPr lang="de-DE" dirty="0" err="1"/>
+              <a:t>Javascript</a:t>
+            </a:r>
+            <a:r>
+              <a:rPr lang="de-DE" dirty="0"/>
+              <a:t> definiert das Konzept des „</a:t>
+            </a:r>
+            <a:r>
+              <a:rPr lang="de-DE" dirty="0" err="1"/>
+              <a:t>Promise</a:t>
+            </a:r>
+            <a:r>
+              <a:rPr lang="de-DE" dirty="0"/>
+              <a:t>“</a:t>
+            </a:r>
+          </a:p>
+          <a:p>
+            <a:r>
+              <a:rPr lang="de-DE" dirty="0"/>
+              <a:t>Versprechen eines Ergebnisses</a:t>
+            </a:r>
+          </a:p>
+          <a:p>
+            <a:pPr lvl="1"/>
+            <a:r>
+              <a:rPr lang="de-DE" dirty="0"/>
+              <a:t>Muss noch nicht unbedingt vorliegen (weil die Berechnung noch andauert)</a:t>
+            </a:r>
+          </a:p>
+          <a:p>
+            <a:r>
+              <a:rPr lang="de-DE" dirty="0"/>
+              <a:t>Zwei Fälle:</a:t>
+            </a:r>
+          </a:p>
+          <a:p>
+            <a:pPr lvl="1"/>
+            <a:r>
+              <a:rPr lang="de-DE" dirty="0" err="1"/>
+              <a:t>Resolve</a:t>
+            </a:r>
+            <a:r>
+              <a:rPr lang="de-DE" dirty="0"/>
+              <a:t>: Die asynchrone Operation war erfolgreich und das Ergebnis liegt vor.</a:t>
+            </a:r>
+          </a:p>
+          <a:p>
+            <a:pPr lvl="1"/>
+            <a:r>
+              <a:rPr lang="de-DE" dirty="0" err="1"/>
+              <a:t>Reject</a:t>
+            </a:r>
+            <a:r>
+              <a:rPr lang="de-DE" dirty="0"/>
+              <a:t>: Im Fehlerfall. Das Versprechen wird nicht gehalten.</a:t>
+            </a:r>
+          </a:p>
+        </p:txBody>
+      </p:sp>
+      <p:sp>
+        <p:nvSpPr>
+          <p:cNvPr id="10" name="Titel 9">
+            <a:extLst>
+              <a:ext uri="{FF2B5EF4-FFF2-40B4-BE49-F238E27FC236}">
+                <a16:creationId xmlns:a16="http://schemas.microsoft.com/office/drawing/2014/main" id="{8892CB34-F4F8-E840-9B4A-604EA645747F}"/>
               </a:ext>
             </a:extLst>
           </p:cNvPr>
@@ -7490,19 +11101,11 @@
           <a:p>
             <a:r>
               <a:rPr lang="de-DE" dirty="0"/>
-              <a:t>Wege aus der Callback-Hell (in JavaScript) – Reaktives </a:t>
+              <a:t>Wege aus der Callback-Hell (in JavaScript) - </a:t>
             </a:r>
             <a:r>
               <a:rPr lang="de-DE" dirty="0" err="1"/>
-              <a:t>Javascript</a:t>
-            </a:r>
-            <a:r>
-              <a:rPr lang="de-DE" dirty="0"/>
-              <a:t> mit </a:t>
-            </a:r>
-            <a:r>
-              <a:rPr lang="de-DE"/>
-              <a:t>rxJs</a:t>
+              <a:t>Promises</a:t>
             </a:r>
             <a:endParaRPr lang="de-DE" dirty="0"/>
           </a:p>
@@ -7511,7 +11114,7 @@
     </p:spTree>
     <p:extLst>
       <p:ext uri="{BB962C8B-B14F-4D97-AF65-F5344CB8AC3E}">
-        <p14:creationId xmlns:p14="http://schemas.microsoft.com/office/powerpoint/2010/main" val="1984387978"/>
+        <p14:creationId xmlns:p14="http://schemas.microsoft.com/office/powerpoint/2010/main" val="316752020"/>
       </p:ext>
     </p:extLst>
   </p:cSld>
@@ -7815,6 +11418,1267 @@
     <p:extLst>
       <p:ext uri="{BB962C8B-B14F-4D97-AF65-F5344CB8AC3E}">
         <p14:creationId xmlns:p14="http://schemas.microsoft.com/office/powerpoint/2010/main" val="1017802869"/>
+      </p:ext>
+    </p:extLst>
+  </p:cSld>
+  <p:clrMapOvr>
+    <a:masterClrMapping/>
+  </p:clrMapOvr>
+</p:sld>
+</file>
+
+<file path=ppt/slides/slide20.xml><?xml version="1.0" encoding="utf-8"?>
+<p:sld xmlns:a="http://schemas.openxmlformats.org/drawingml/2006/main" xmlns:r="http://schemas.openxmlformats.org/officeDocument/2006/relationships" xmlns:p="http://schemas.openxmlformats.org/presentationml/2006/main">
+  <p:cSld>
+    <p:spTree>
+      <p:nvGrpSpPr>
+        <p:cNvPr id="1" name=""/>
+        <p:cNvGrpSpPr/>
+        <p:nvPr/>
+      </p:nvGrpSpPr>
+      <p:grpSpPr>
+        <a:xfrm>
+          <a:off x="0" y="0"/>
+          <a:ext cx="0" cy="0"/>
+          <a:chOff x="0" y="0"/>
+          <a:chExt cx="0" cy="0"/>
+        </a:xfrm>
+      </p:grpSpPr>
+      <p:sp>
+        <p:nvSpPr>
+          <p:cNvPr id="3" name="Inhaltsplatzhalter 2">
+            <a:extLst>
+              <a:ext uri="{FF2B5EF4-FFF2-40B4-BE49-F238E27FC236}">
+                <a16:creationId xmlns:a16="http://schemas.microsoft.com/office/drawing/2014/main" id="{D6FF4A6C-A340-0147-9036-646DE00A3AA4}"/>
+              </a:ext>
+            </a:extLst>
+          </p:cNvPr>
+          <p:cNvSpPr>
+            <a:spLocks noGrp="1"/>
+          </p:cNvSpPr>
+          <p:nvPr>
+            <p:ph idx="1"/>
+          </p:nvPr>
+        </p:nvSpPr>
+        <p:spPr>
+          <a:xfrm>
+            <a:off x="457200" y="1232842"/>
+            <a:ext cx="8507288" cy="4860454"/>
+          </a:xfrm>
+        </p:spPr>
+        <p:txBody>
+          <a:bodyPr>
+            <a:normAutofit fontScale="92500" lnSpcReduction="20000"/>
+          </a:bodyPr>
+          <a:lstStyle/>
+          <a:p>
+            <a:pPr>
+              <a:spcBef>
+                <a:spcPts val="1000"/>
+              </a:spcBef>
+            </a:pPr>
+            <a:r>
+              <a:rPr lang="de-DE" dirty="0"/>
+              <a:t>Ermöglichen keine neue Funktionalität (im Vergleich zu </a:t>
+            </a:r>
+            <a:r>
+              <a:rPr lang="de-DE" dirty="0" err="1"/>
+              <a:t>Callbacks</a:t>
+            </a:r>
+            <a:r>
+              <a:rPr lang="de-DE" dirty="0"/>
+              <a:t>) aber sorgen dafür, dass der Code (unter bestimmten Bedingungen)  wieder linear von oben nach unten gelesen werden kann.</a:t>
+            </a:r>
+          </a:p>
+          <a:p>
+            <a:pPr>
+              <a:spcBef>
+                <a:spcPts val="1000"/>
+              </a:spcBef>
+            </a:pPr>
+            <a:r>
+              <a:rPr lang="de-DE" dirty="0" err="1"/>
+              <a:t>Promises</a:t>
+            </a:r>
+            <a:r>
+              <a:rPr lang="de-DE" dirty="0"/>
+              <a:t> werden selten selber erzeugt, sondern sind meistens Rückgabewerte von asynchronen Framework-Funktionen.</a:t>
+            </a:r>
+          </a:p>
+          <a:p>
+            <a:pPr>
+              <a:spcBef>
+                <a:spcPts val="1000"/>
+              </a:spcBef>
+            </a:pPr>
+            <a:r>
+              <a:rPr lang="de-DE" dirty="0"/>
+              <a:t>Wichtigste Methoden:</a:t>
+            </a:r>
+          </a:p>
+          <a:p>
+            <a:pPr lvl="1">
+              <a:spcBef>
+                <a:spcPts val="1000"/>
+              </a:spcBef>
+            </a:pPr>
+            <a:r>
+              <a:rPr lang="de-DE" sz="2400" dirty="0">
+                <a:latin typeface="Courier New" panose="02070309020205020404" pitchFamily="49" charset="0"/>
+                <a:cs typeface="Courier New" panose="02070309020205020404" pitchFamily="49" charset="0"/>
+              </a:rPr>
+              <a:t>.</a:t>
+            </a:r>
+            <a:r>
+              <a:rPr lang="de-DE" sz="2400" dirty="0" err="1">
+                <a:latin typeface="Courier New" panose="02070309020205020404" pitchFamily="49" charset="0"/>
+                <a:cs typeface="Courier New" panose="02070309020205020404" pitchFamily="49" charset="0"/>
+              </a:rPr>
+              <a:t>then</a:t>
+            </a:r>
+            <a:r>
+              <a:rPr lang="de-DE" sz="2400" dirty="0">
+                <a:latin typeface="Courier New" panose="02070309020205020404" pitchFamily="49" charset="0"/>
+                <a:cs typeface="Courier New" panose="02070309020205020404" pitchFamily="49" charset="0"/>
+              </a:rPr>
+              <a:t>(</a:t>
+            </a:r>
+            <a:r>
+              <a:rPr lang="de-DE" sz="2400" dirty="0" err="1">
+                <a:latin typeface="Courier New" panose="02070309020205020404" pitchFamily="49" charset="0"/>
+                <a:cs typeface="Courier New" panose="02070309020205020404" pitchFamily="49" charset="0"/>
+              </a:rPr>
+              <a:t>fn</a:t>
+            </a:r>
+            <a:r>
+              <a:rPr lang="de-DE" sz="2400" dirty="0">
+                <a:latin typeface="Courier New" panose="02070309020205020404" pitchFamily="49" charset="0"/>
+                <a:cs typeface="Courier New" panose="02070309020205020404" pitchFamily="49" charset="0"/>
+              </a:rPr>
+              <a:t>)</a:t>
+            </a:r>
+            <a:r>
+              <a:rPr lang="de-DE" dirty="0"/>
+              <a:t>: Verkettung von Verarbeitungsschritten</a:t>
+            </a:r>
+          </a:p>
+          <a:p>
+            <a:pPr lvl="1">
+              <a:spcBef>
+                <a:spcPts val="1000"/>
+              </a:spcBef>
+            </a:pPr>
+            <a:r>
+              <a:rPr lang="de-DE" sz="2400" dirty="0">
+                <a:latin typeface="Courier New" panose="02070309020205020404" pitchFamily="49" charset="0"/>
+                <a:cs typeface="Courier New" panose="02070309020205020404" pitchFamily="49" charset="0"/>
+              </a:rPr>
+              <a:t>.catch(</a:t>
+            </a:r>
+            <a:r>
+              <a:rPr lang="de-DE" sz="2400" dirty="0" err="1">
+                <a:latin typeface="Courier New" panose="02070309020205020404" pitchFamily="49" charset="0"/>
+                <a:cs typeface="Courier New" panose="02070309020205020404" pitchFamily="49" charset="0"/>
+              </a:rPr>
+              <a:t>fn</a:t>
+            </a:r>
+            <a:r>
+              <a:rPr lang="de-DE" sz="2400" dirty="0">
+                <a:latin typeface="Courier New" panose="02070309020205020404" pitchFamily="49" charset="0"/>
+                <a:cs typeface="Courier New" panose="02070309020205020404" pitchFamily="49" charset="0"/>
+              </a:rPr>
+              <a:t>): </a:t>
+            </a:r>
+            <a:r>
+              <a:rPr lang="de-DE" dirty="0"/>
+              <a:t>Fehlerbehandlung</a:t>
+            </a:r>
+          </a:p>
+          <a:p>
+            <a:pPr>
+              <a:spcBef>
+                <a:spcPts val="1000"/>
+              </a:spcBef>
+            </a:pPr>
+            <a:r>
+              <a:rPr lang="de-DE" dirty="0" err="1"/>
+              <a:t>Promises</a:t>
+            </a:r>
+            <a:r>
+              <a:rPr lang="de-DE" dirty="0"/>
+              <a:t> reduzieren die </a:t>
+            </a:r>
+            <a:r>
+              <a:rPr lang="de-DE" dirty="0" err="1"/>
+              <a:t>Callbacks</a:t>
+            </a:r>
+            <a:r>
+              <a:rPr lang="de-DE" dirty="0"/>
+              <a:t>, retten uns aber nicht komplett aus der Hölle.</a:t>
+            </a:r>
+          </a:p>
+        </p:txBody>
+      </p:sp>
+      <p:sp>
+        <p:nvSpPr>
+          <p:cNvPr id="4" name="Datumsplatzhalter 3">
+            <a:extLst>
+              <a:ext uri="{FF2B5EF4-FFF2-40B4-BE49-F238E27FC236}">
+                <a16:creationId xmlns:a16="http://schemas.microsoft.com/office/drawing/2014/main" id="{46EFFBB2-8217-304F-962C-89357C25D079}"/>
+              </a:ext>
+            </a:extLst>
+          </p:cNvPr>
+          <p:cNvSpPr>
+            <a:spLocks noGrp="1"/>
+          </p:cNvSpPr>
+          <p:nvPr>
+            <p:ph type="dt" sz="half" idx="2"/>
+          </p:nvPr>
+        </p:nvSpPr>
+        <p:spPr/>
+        <p:txBody>
+          <a:bodyPr/>
+          <a:lstStyle/>
+          <a:p>
+            <a:r>
+              <a:rPr lang="de-DE"/>
+              <a:t>C. Karow</a:t>
+            </a:r>
+            <a:endParaRPr lang="de-DE" dirty="0"/>
+          </a:p>
+        </p:txBody>
+      </p:sp>
+      <p:sp>
+        <p:nvSpPr>
+          <p:cNvPr id="5" name="Fußzeilenplatzhalter 4">
+            <a:extLst>
+              <a:ext uri="{FF2B5EF4-FFF2-40B4-BE49-F238E27FC236}">
+                <a16:creationId xmlns:a16="http://schemas.microsoft.com/office/drawing/2014/main" id="{99429560-B282-1C4F-8F3C-CF66C734E22E}"/>
+              </a:ext>
+            </a:extLst>
+          </p:cNvPr>
+          <p:cNvSpPr>
+            <a:spLocks noGrp="1"/>
+          </p:cNvSpPr>
+          <p:nvPr>
+            <p:ph type="ftr" sz="quarter" idx="3"/>
+          </p:nvPr>
+        </p:nvSpPr>
+        <p:spPr/>
+        <p:txBody>
+          <a:bodyPr/>
+          <a:lstStyle/>
+          <a:p>
+            <a:r>
+              <a:rPr lang="de-DE"/>
+              <a:t>Callback Hell</a:t>
+            </a:r>
+            <a:endParaRPr lang="de-DE" dirty="0"/>
+          </a:p>
+        </p:txBody>
+      </p:sp>
+      <p:sp>
+        <p:nvSpPr>
+          <p:cNvPr id="6" name="Foliennummernplatzhalter 5">
+            <a:extLst>
+              <a:ext uri="{FF2B5EF4-FFF2-40B4-BE49-F238E27FC236}">
+                <a16:creationId xmlns:a16="http://schemas.microsoft.com/office/drawing/2014/main" id="{B96931CC-3967-394E-867F-28D40F3F70EF}"/>
+              </a:ext>
+            </a:extLst>
+          </p:cNvPr>
+          <p:cNvSpPr>
+            <a:spLocks noGrp="1"/>
+          </p:cNvSpPr>
+          <p:nvPr>
+            <p:ph type="sldNum" sz="quarter" idx="4"/>
+          </p:nvPr>
+        </p:nvSpPr>
+        <p:spPr/>
+        <p:txBody>
+          <a:bodyPr/>
+          <a:lstStyle/>
+          <a:p>
+            <a:fld id="{7609310D-2199-4612-B943-B17CE1A9AFB2}" type="slidenum">
+              <a:rPr lang="de-DE" smtClean="0"/>
+              <a:pPr/>
+              <a:t>20</a:t>
+            </a:fld>
+            <a:endParaRPr lang="de-DE" dirty="0"/>
+          </a:p>
+        </p:txBody>
+      </p:sp>
+      <p:sp>
+        <p:nvSpPr>
+          <p:cNvPr id="11" name="Titel 9">
+            <a:extLst>
+              <a:ext uri="{FF2B5EF4-FFF2-40B4-BE49-F238E27FC236}">
+                <a16:creationId xmlns:a16="http://schemas.microsoft.com/office/drawing/2014/main" id="{7E712515-CB29-5E4D-8386-D6D53F4DA800}"/>
+              </a:ext>
+            </a:extLst>
+          </p:cNvPr>
+          <p:cNvSpPr>
+            <a:spLocks noGrp="1"/>
+          </p:cNvSpPr>
+          <p:nvPr>
+            <p:ph type="title"/>
+          </p:nvPr>
+        </p:nvSpPr>
+        <p:spPr>
+          <a:xfrm>
+            <a:off x="457200" y="44624"/>
+            <a:ext cx="6059016" cy="562074"/>
+          </a:xfrm>
+        </p:spPr>
+        <p:txBody>
+          <a:bodyPr/>
+          <a:lstStyle/>
+          <a:p>
+            <a:r>
+              <a:rPr lang="de-DE" dirty="0"/>
+              <a:t>Wege aus der Callback-Hell (in JavaScript) - </a:t>
+            </a:r>
+            <a:r>
+              <a:rPr lang="de-DE" dirty="0" err="1"/>
+              <a:t>Promises</a:t>
+            </a:r>
+            <a:endParaRPr lang="de-DE" dirty="0"/>
+          </a:p>
+        </p:txBody>
+      </p:sp>
+    </p:spTree>
+    <p:extLst>
+      <p:ext uri="{BB962C8B-B14F-4D97-AF65-F5344CB8AC3E}">
+        <p14:creationId xmlns:p14="http://schemas.microsoft.com/office/powerpoint/2010/main" val="2593199910"/>
+      </p:ext>
+    </p:extLst>
+  </p:cSld>
+  <p:clrMapOvr>
+    <a:masterClrMapping/>
+  </p:clrMapOvr>
+</p:sld>
+</file>
+
+<file path=ppt/slides/slide21.xml><?xml version="1.0" encoding="utf-8"?>
+<p:sld xmlns:a="http://schemas.openxmlformats.org/drawingml/2006/main" xmlns:r="http://schemas.openxmlformats.org/officeDocument/2006/relationships" xmlns:p="http://schemas.openxmlformats.org/presentationml/2006/main">
+  <p:cSld>
+    <p:spTree>
+      <p:nvGrpSpPr>
+        <p:cNvPr id="1" name=""/>
+        <p:cNvGrpSpPr/>
+        <p:nvPr/>
+      </p:nvGrpSpPr>
+      <p:grpSpPr>
+        <a:xfrm>
+          <a:off x="0" y="0"/>
+          <a:ext cx="0" cy="0"/>
+          <a:chOff x="0" y="0"/>
+          <a:chExt cx="0" cy="0"/>
+        </a:xfrm>
+      </p:grpSpPr>
+      <p:sp>
+        <p:nvSpPr>
+          <p:cNvPr id="2" name="Titel 1">
+            <a:extLst>
+              <a:ext uri="{FF2B5EF4-FFF2-40B4-BE49-F238E27FC236}">
+                <a16:creationId xmlns:a16="http://schemas.microsoft.com/office/drawing/2014/main" id="{02E4694F-A971-6E4A-AACF-FB8724A75CCD}"/>
+              </a:ext>
+            </a:extLst>
+          </p:cNvPr>
+          <p:cNvSpPr>
+            <a:spLocks noGrp="1"/>
+          </p:cNvSpPr>
+          <p:nvPr>
+            <p:ph type="title"/>
+          </p:nvPr>
+        </p:nvSpPr>
+        <p:spPr/>
+        <p:txBody>
+          <a:bodyPr/>
+          <a:lstStyle/>
+          <a:p>
+            <a:r>
+              <a:rPr lang="de-DE" dirty="0"/>
+              <a:t>Erklärung – </a:t>
+            </a:r>
+            <a:r>
+              <a:rPr lang="de-DE" dirty="0" err="1"/>
+              <a:t>hell_promise.js</a:t>
+            </a:r>
+            <a:endParaRPr lang="de-DE" dirty="0"/>
+          </a:p>
+        </p:txBody>
+      </p:sp>
+      <p:sp>
+        <p:nvSpPr>
+          <p:cNvPr id="3" name="Inhaltsplatzhalter 2">
+            <a:extLst>
+              <a:ext uri="{FF2B5EF4-FFF2-40B4-BE49-F238E27FC236}">
+                <a16:creationId xmlns:a16="http://schemas.microsoft.com/office/drawing/2014/main" id="{AF8FC3FB-F3E5-5647-9F91-5182CBFDB88E}"/>
+              </a:ext>
+            </a:extLst>
+          </p:cNvPr>
+          <p:cNvSpPr>
+            <a:spLocks noGrp="1"/>
+          </p:cNvSpPr>
+          <p:nvPr>
+            <p:ph idx="1"/>
+          </p:nvPr>
+        </p:nvSpPr>
+        <p:spPr/>
+        <p:txBody>
+          <a:bodyPr/>
+          <a:lstStyle/>
+          <a:p>
+            <a:r>
+              <a:rPr lang="de-DE" dirty="0"/>
+              <a:t>Guckt man sich den Code an, fällt sofort auf, dass das Programm wesentlich übersichtlicher ist und man die aufeinander folgenden Arbeitsschritte auch im Code hintereinander stehen.</a:t>
+            </a:r>
+          </a:p>
+          <a:p>
+            <a:r>
+              <a:rPr lang="de-DE" dirty="0"/>
+              <a:t>Obwohl das Programm dieselbe Antwort wie </a:t>
+            </a:r>
+            <a:r>
+              <a:rPr lang="de-DE" dirty="0" err="1"/>
+              <a:t>hell.js</a:t>
+            </a:r>
+            <a:r>
+              <a:rPr lang="de-DE" dirty="0"/>
+              <a:t> gibt, ist die Verarbeitung doch unterschiedlich. Was passiert hier anders im Vergleich zu </a:t>
+            </a:r>
+            <a:r>
+              <a:rPr lang="de-DE" dirty="0" err="1"/>
+              <a:t>hell.js</a:t>
+            </a:r>
+            <a:r>
+              <a:rPr lang="de-DE" dirty="0"/>
+              <a:t>?</a:t>
+            </a:r>
+          </a:p>
+        </p:txBody>
+      </p:sp>
+      <p:sp>
+        <p:nvSpPr>
+          <p:cNvPr id="4" name="Datumsplatzhalter 3">
+            <a:extLst>
+              <a:ext uri="{FF2B5EF4-FFF2-40B4-BE49-F238E27FC236}">
+                <a16:creationId xmlns:a16="http://schemas.microsoft.com/office/drawing/2014/main" id="{1F95B1F9-9BFF-0A43-B256-6C7ECA5BD275}"/>
+              </a:ext>
+            </a:extLst>
+          </p:cNvPr>
+          <p:cNvSpPr>
+            <a:spLocks noGrp="1"/>
+          </p:cNvSpPr>
+          <p:nvPr>
+            <p:ph type="dt" sz="half" idx="2"/>
+          </p:nvPr>
+        </p:nvSpPr>
+        <p:spPr/>
+        <p:txBody>
+          <a:bodyPr/>
+          <a:lstStyle/>
+          <a:p>
+            <a:r>
+              <a:rPr lang="de-DE"/>
+              <a:t>C. Karow</a:t>
+            </a:r>
+            <a:endParaRPr lang="de-DE" dirty="0"/>
+          </a:p>
+        </p:txBody>
+      </p:sp>
+      <p:sp>
+        <p:nvSpPr>
+          <p:cNvPr id="5" name="Fußzeilenplatzhalter 4">
+            <a:extLst>
+              <a:ext uri="{FF2B5EF4-FFF2-40B4-BE49-F238E27FC236}">
+                <a16:creationId xmlns:a16="http://schemas.microsoft.com/office/drawing/2014/main" id="{45C2435B-E8CF-264A-9A58-B0BA854E344A}"/>
+              </a:ext>
+            </a:extLst>
+          </p:cNvPr>
+          <p:cNvSpPr>
+            <a:spLocks noGrp="1"/>
+          </p:cNvSpPr>
+          <p:nvPr>
+            <p:ph type="ftr" sz="quarter" idx="3"/>
+          </p:nvPr>
+        </p:nvSpPr>
+        <p:spPr/>
+        <p:txBody>
+          <a:bodyPr/>
+          <a:lstStyle/>
+          <a:p>
+            <a:r>
+              <a:rPr lang="de-DE"/>
+              <a:t>Callback Hell</a:t>
+            </a:r>
+            <a:endParaRPr lang="de-DE" dirty="0"/>
+          </a:p>
+        </p:txBody>
+      </p:sp>
+      <p:sp>
+        <p:nvSpPr>
+          <p:cNvPr id="6" name="Foliennummernplatzhalter 5">
+            <a:extLst>
+              <a:ext uri="{FF2B5EF4-FFF2-40B4-BE49-F238E27FC236}">
+                <a16:creationId xmlns:a16="http://schemas.microsoft.com/office/drawing/2014/main" id="{4A66B84A-2AD6-9C4D-A3AE-B291129185D5}"/>
+              </a:ext>
+            </a:extLst>
+          </p:cNvPr>
+          <p:cNvSpPr>
+            <a:spLocks noGrp="1"/>
+          </p:cNvSpPr>
+          <p:nvPr>
+            <p:ph type="sldNum" sz="quarter" idx="4"/>
+          </p:nvPr>
+        </p:nvSpPr>
+        <p:spPr/>
+        <p:txBody>
+          <a:bodyPr/>
+          <a:lstStyle/>
+          <a:p>
+            <a:fld id="{7609310D-2199-4612-B943-B17CE1A9AFB2}" type="slidenum">
+              <a:rPr lang="de-DE" smtClean="0"/>
+              <a:pPr/>
+              <a:t>21</a:t>
+            </a:fld>
+            <a:endParaRPr lang="de-DE" dirty="0"/>
+          </a:p>
+        </p:txBody>
+      </p:sp>
+    </p:spTree>
+    <p:extLst>
+      <p:ext uri="{BB962C8B-B14F-4D97-AF65-F5344CB8AC3E}">
+        <p14:creationId xmlns:p14="http://schemas.microsoft.com/office/powerpoint/2010/main" val="1548624102"/>
+      </p:ext>
+    </p:extLst>
+  </p:cSld>
+  <p:clrMapOvr>
+    <a:masterClrMapping/>
+  </p:clrMapOvr>
+</p:sld>
+</file>
+
+<file path=ppt/slides/slide22.xml><?xml version="1.0" encoding="utf-8"?>
+<p:sld xmlns:a="http://schemas.openxmlformats.org/drawingml/2006/main" xmlns:r="http://schemas.openxmlformats.org/officeDocument/2006/relationships" xmlns:p="http://schemas.openxmlformats.org/presentationml/2006/main">
+  <p:cSld>
+    <p:spTree>
+      <p:nvGrpSpPr>
+        <p:cNvPr id="1" name=""/>
+        <p:cNvGrpSpPr/>
+        <p:nvPr/>
+      </p:nvGrpSpPr>
+      <p:grpSpPr>
+        <a:xfrm>
+          <a:off x="0" y="0"/>
+          <a:ext cx="0" cy="0"/>
+          <a:chOff x="0" y="0"/>
+          <a:chExt cx="0" cy="0"/>
+        </a:xfrm>
+      </p:grpSpPr>
+      <p:sp>
+        <p:nvSpPr>
+          <p:cNvPr id="2" name="Titel 1">
+            <a:extLst>
+              <a:ext uri="{FF2B5EF4-FFF2-40B4-BE49-F238E27FC236}">
+                <a16:creationId xmlns:a16="http://schemas.microsoft.com/office/drawing/2014/main" id="{BD30A107-BF78-8C44-AB8F-9CA1FC2E8B57}"/>
+              </a:ext>
+            </a:extLst>
+          </p:cNvPr>
+          <p:cNvSpPr>
+            <a:spLocks noGrp="1"/>
+          </p:cNvSpPr>
+          <p:nvPr>
+            <p:ph type="title"/>
+          </p:nvPr>
+        </p:nvSpPr>
+        <p:spPr/>
+        <p:txBody>
+          <a:bodyPr/>
+          <a:lstStyle/>
+          <a:p>
+            <a:r>
+              <a:rPr lang="de-DE" dirty="0" err="1"/>
+              <a:t>Promise.all</a:t>
+            </a:r>
+            <a:r>
+              <a:rPr lang="de-DE" dirty="0"/>
+              <a:t>()</a:t>
+            </a:r>
+          </a:p>
+        </p:txBody>
+      </p:sp>
+      <p:sp>
+        <p:nvSpPr>
+          <p:cNvPr id="3" name="Inhaltsplatzhalter 2">
+            <a:extLst>
+              <a:ext uri="{FF2B5EF4-FFF2-40B4-BE49-F238E27FC236}">
+                <a16:creationId xmlns:a16="http://schemas.microsoft.com/office/drawing/2014/main" id="{B50164A8-9836-9C49-A5F2-5B992AE224EF}"/>
+              </a:ext>
+            </a:extLst>
+          </p:cNvPr>
+          <p:cNvSpPr>
+            <a:spLocks noGrp="1"/>
+          </p:cNvSpPr>
+          <p:nvPr>
+            <p:ph idx="1"/>
+          </p:nvPr>
+        </p:nvSpPr>
+        <p:spPr>
+          <a:xfrm>
+            <a:off x="457200" y="1196752"/>
+            <a:ext cx="8229600" cy="4929411"/>
+          </a:xfrm>
+        </p:spPr>
+        <p:txBody>
+          <a:bodyPr>
+            <a:normAutofit fontScale="92500" lnSpcReduction="10000"/>
+          </a:bodyPr>
+          <a:lstStyle/>
+          <a:p>
+            <a:r>
+              <a:rPr lang="de-DE" dirty="0"/>
+              <a:t>Asynchrone/reaktive Programme haben ihre Stärke in Parallelität.</a:t>
+            </a:r>
+          </a:p>
+          <a:p>
+            <a:r>
+              <a:rPr lang="de-DE" dirty="0"/>
+              <a:t>Manchmal muss man aber auf die Beendigung mehrerer paralleler Verarbeitungen warten und möchte erst dann fortfahren, wenn alle vorherigen Aufgaben abgeschlossen sind.</a:t>
+            </a:r>
+          </a:p>
+          <a:p>
+            <a:r>
+              <a:rPr lang="de-DE" dirty="0"/>
+              <a:t>Dazu existiert </a:t>
+            </a:r>
+            <a:r>
+              <a:rPr lang="de-DE" dirty="0" err="1"/>
+              <a:t>Promise.all</a:t>
+            </a:r>
+            <a:r>
+              <a:rPr lang="de-DE" dirty="0"/>
+              <a:t>(). Diese Methode erwartet typischerweise ein Array aus </a:t>
+            </a:r>
+            <a:r>
+              <a:rPr lang="de-DE" dirty="0" err="1"/>
+              <a:t>Promises</a:t>
+            </a:r>
+            <a:r>
+              <a:rPr lang="de-DE" dirty="0"/>
+              <a:t> und wird erfüllt, wenn alle übergebenen </a:t>
+            </a:r>
+            <a:r>
+              <a:rPr lang="de-DE" dirty="0" err="1"/>
+              <a:t>Promises</a:t>
+            </a:r>
+            <a:r>
+              <a:rPr lang="de-DE" dirty="0"/>
+              <a:t> erfüllt sind. </a:t>
+            </a:r>
+          </a:p>
+          <a:p>
+            <a:pPr lvl="1"/>
+            <a:r>
+              <a:rPr lang="de-DE" dirty="0"/>
+              <a:t>Nachfolgende Arbeitsschritte erhalten ein Array mit den Ergebnissen.</a:t>
+            </a:r>
+          </a:p>
+          <a:p>
+            <a:pPr lvl="1"/>
+            <a:r>
+              <a:rPr lang="de-DE" dirty="0"/>
+              <a:t>Wird eins oder mehrere der enthaltenen </a:t>
+            </a:r>
+            <a:r>
+              <a:rPr lang="de-DE" dirty="0" err="1"/>
+              <a:t>Promises</a:t>
+            </a:r>
+            <a:r>
+              <a:rPr lang="de-DE" dirty="0"/>
+              <a:t> </a:t>
+            </a:r>
+            <a:r>
+              <a:rPr lang="de-DE" dirty="0" err="1"/>
+              <a:t>rejected</a:t>
+            </a:r>
+            <a:r>
+              <a:rPr lang="de-DE" dirty="0"/>
+              <a:t>, dann wird auch </a:t>
+            </a:r>
+            <a:r>
+              <a:rPr lang="de-DE" dirty="0" err="1"/>
+              <a:t>Promise.all</a:t>
+            </a:r>
+            <a:r>
+              <a:rPr lang="de-DE" dirty="0"/>
+              <a:t>() </a:t>
+            </a:r>
+            <a:r>
+              <a:rPr lang="de-DE" dirty="0" err="1"/>
+              <a:t>rejected</a:t>
+            </a:r>
+            <a:r>
+              <a:rPr lang="de-DE" dirty="0"/>
+              <a:t>.</a:t>
+            </a:r>
+          </a:p>
+        </p:txBody>
+      </p:sp>
+      <p:sp>
+        <p:nvSpPr>
+          <p:cNvPr id="4" name="Datumsplatzhalter 3">
+            <a:extLst>
+              <a:ext uri="{FF2B5EF4-FFF2-40B4-BE49-F238E27FC236}">
+                <a16:creationId xmlns:a16="http://schemas.microsoft.com/office/drawing/2014/main" id="{F89D00C6-7092-5044-9023-864B8AA05B24}"/>
+              </a:ext>
+            </a:extLst>
+          </p:cNvPr>
+          <p:cNvSpPr>
+            <a:spLocks noGrp="1"/>
+          </p:cNvSpPr>
+          <p:nvPr>
+            <p:ph type="dt" sz="half" idx="2"/>
+          </p:nvPr>
+        </p:nvSpPr>
+        <p:spPr/>
+        <p:txBody>
+          <a:bodyPr/>
+          <a:lstStyle/>
+          <a:p>
+            <a:r>
+              <a:rPr lang="de-DE"/>
+              <a:t>C. Karow</a:t>
+            </a:r>
+            <a:endParaRPr lang="de-DE" dirty="0"/>
+          </a:p>
+        </p:txBody>
+      </p:sp>
+      <p:sp>
+        <p:nvSpPr>
+          <p:cNvPr id="5" name="Fußzeilenplatzhalter 4">
+            <a:extLst>
+              <a:ext uri="{FF2B5EF4-FFF2-40B4-BE49-F238E27FC236}">
+                <a16:creationId xmlns:a16="http://schemas.microsoft.com/office/drawing/2014/main" id="{20D73C0C-6636-F445-AA4C-7E555A6864C9}"/>
+              </a:ext>
+            </a:extLst>
+          </p:cNvPr>
+          <p:cNvSpPr>
+            <a:spLocks noGrp="1"/>
+          </p:cNvSpPr>
+          <p:nvPr>
+            <p:ph type="ftr" sz="quarter" idx="3"/>
+          </p:nvPr>
+        </p:nvSpPr>
+        <p:spPr/>
+        <p:txBody>
+          <a:bodyPr/>
+          <a:lstStyle/>
+          <a:p>
+            <a:r>
+              <a:rPr lang="de-DE"/>
+              <a:t>Callback Hell</a:t>
+            </a:r>
+            <a:endParaRPr lang="de-DE" dirty="0"/>
+          </a:p>
+        </p:txBody>
+      </p:sp>
+      <p:sp>
+        <p:nvSpPr>
+          <p:cNvPr id="6" name="Foliennummernplatzhalter 5">
+            <a:extLst>
+              <a:ext uri="{FF2B5EF4-FFF2-40B4-BE49-F238E27FC236}">
+                <a16:creationId xmlns:a16="http://schemas.microsoft.com/office/drawing/2014/main" id="{C379DC7D-D2F4-224F-893B-AB7ADA1224D8}"/>
+              </a:ext>
+            </a:extLst>
+          </p:cNvPr>
+          <p:cNvSpPr>
+            <a:spLocks noGrp="1"/>
+          </p:cNvSpPr>
+          <p:nvPr>
+            <p:ph type="sldNum" sz="quarter" idx="4"/>
+          </p:nvPr>
+        </p:nvSpPr>
+        <p:spPr/>
+        <p:txBody>
+          <a:bodyPr/>
+          <a:lstStyle/>
+          <a:p>
+            <a:fld id="{7609310D-2199-4612-B943-B17CE1A9AFB2}" type="slidenum">
+              <a:rPr lang="de-DE" smtClean="0"/>
+              <a:pPr/>
+              <a:t>22</a:t>
+            </a:fld>
+            <a:endParaRPr lang="de-DE" dirty="0"/>
+          </a:p>
+        </p:txBody>
+      </p:sp>
+    </p:spTree>
+    <p:extLst>
+      <p:ext uri="{BB962C8B-B14F-4D97-AF65-F5344CB8AC3E}">
+        <p14:creationId xmlns:p14="http://schemas.microsoft.com/office/powerpoint/2010/main" val="679649196"/>
+      </p:ext>
+    </p:extLst>
+  </p:cSld>
+  <p:clrMapOvr>
+    <a:masterClrMapping/>
+  </p:clrMapOvr>
+</p:sld>
+</file>
+
+<file path=ppt/slides/slide23.xml><?xml version="1.0" encoding="utf-8"?>
+<p:sld xmlns:a="http://schemas.openxmlformats.org/drawingml/2006/main" xmlns:r="http://schemas.openxmlformats.org/officeDocument/2006/relationships" xmlns:p="http://schemas.openxmlformats.org/presentationml/2006/main">
+  <p:cSld>
+    <p:spTree>
+      <p:nvGrpSpPr>
+        <p:cNvPr id="1" name=""/>
+        <p:cNvGrpSpPr/>
+        <p:nvPr/>
+      </p:nvGrpSpPr>
+      <p:grpSpPr>
+        <a:xfrm>
+          <a:off x="0" y="0"/>
+          <a:ext cx="0" cy="0"/>
+          <a:chOff x="0" y="0"/>
+          <a:chExt cx="0" cy="0"/>
+        </a:xfrm>
+      </p:grpSpPr>
+      <p:sp>
+        <p:nvSpPr>
+          <p:cNvPr id="3" name="Inhaltsplatzhalter 2">
+            <a:extLst>
+              <a:ext uri="{FF2B5EF4-FFF2-40B4-BE49-F238E27FC236}">
+                <a16:creationId xmlns:a16="http://schemas.microsoft.com/office/drawing/2014/main" id="{BDEAD6F2-EF7A-4A42-A2F9-08C7844F2E54}"/>
+              </a:ext>
+            </a:extLst>
+          </p:cNvPr>
+          <p:cNvSpPr>
+            <a:spLocks noGrp="1"/>
+          </p:cNvSpPr>
+          <p:nvPr>
+            <p:ph idx="1"/>
+          </p:nvPr>
+        </p:nvSpPr>
+        <p:spPr/>
+        <p:txBody>
+          <a:bodyPr/>
+          <a:lstStyle/>
+          <a:p>
+            <a:r>
+              <a:rPr lang="de-DE" dirty="0"/>
+              <a:t>In JavaScript können Funktionen als </a:t>
+            </a:r>
+            <a:r>
+              <a:rPr lang="de-DE" dirty="0" err="1">
+                <a:latin typeface="Courier New" panose="02070309020205020404" pitchFamily="49" charset="0"/>
+                <a:cs typeface="Courier New" panose="02070309020205020404" pitchFamily="49" charset="0"/>
+              </a:rPr>
+              <a:t>async</a:t>
+            </a:r>
+            <a:r>
+              <a:rPr lang="de-DE" dirty="0"/>
+              <a:t> gekennzeichnet werden.</a:t>
+            </a:r>
+          </a:p>
+          <a:p>
+            <a:pPr lvl="1"/>
+            <a:r>
+              <a:rPr lang="de-DE" dirty="0"/>
+              <a:t>Gibt immer ein </a:t>
+            </a:r>
+            <a:r>
+              <a:rPr lang="de-DE" dirty="0" err="1"/>
+              <a:t>Promise</a:t>
+            </a:r>
+            <a:r>
+              <a:rPr lang="de-DE" dirty="0"/>
+              <a:t> zurück</a:t>
+            </a:r>
+          </a:p>
+          <a:p>
+            <a:pPr lvl="1"/>
+            <a:r>
+              <a:rPr lang="de-DE" dirty="0"/>
+              <a:t>Nicht-</a:t>
+            </a:r>
+            <a:r>
+              <a:rPr lang="de-DE" dirty="0" err="1"/>
+              <a:t>Promise</a:t>
+            </a:r>
+            <a:r>
+              <a:rPr lang="de-DE" dirty="0"/>
+              <a:t> Rückgabewerte werden automatisch in ein </a:t>
+            </a:r>
+            <a:r>
+              <a:rPr lang="de-DE" dirty="0" err="1"/>
+              <a:t>resolved</a:t>
+            </a:r>
+            <a:r>
+              <a:rPr lang="de-DE" dirty="0"/>
+              <a:t> </a:t>
+            </a:r>
+            <a:r>
+              <a:rPr lang="de-DE" dirty="0" err="1"/>
+              <a:t>Promise</a:t>
+            </a:r>
+            <a:r>
+              <a:rPr lang="de-DE" dirty="0"/>
+              <a:t> verpackt.</a:t>
+            </a:r>
+          </a:p>
+          <a:p>
+            <a:r>
+              <a:rPr lang="de-DE" dirty="0"/>
+              <a:t>Innerhalb von </a:t>
+            </a:r>
+            <a:r>
+              <a:rPr lang="de-DE" dirty="0" err="1">
+                <a:latin typeface="Courier New" panose="02070309020205020404" pitchFamily="49" charset="0"/>
+                <a:cs typeface="Courier New" panose="02070309020205020404" pitchFamily="49" charset="0"/>
+              </a:rPr>
+              <a:t>async</a:t>
+            </a:r>
+            <a:r>
+              <a:rPr lang="de-DE" dirty="0">
+                <a:latin typeface="Courier New" panose="02070309020205020404" pitchFamily="49" charset="0"/>
+                <a:cs typeface="Courier New" panose="02070309020205020404" pitchFamily="49" charset="0"/>
+              </a:rPr>
+              <a:t>-</a:t>
+            </a:r>
+            <a:r>
+              <a:rPr lang="de-DE" dirty="0"/>
+              <a:t>Funktionen kann mit </a:t>
+            </a:r>
+            <a:r>
+              <a:rPr lang="de-DE" dirty="0" err="1">
+                <a:latin typeface="Courier New" panose="02070309020205020404" pitchFamily="49" charset="0"/>
+                <a:cs typeface="Courier New" panose="02070309020205020404" pitchFamily="49" charset="0"/>
+              </a:rPr>
+              <a:t>await</a:t>
+            </a:r>
+            <a:r>
+              <a:rPr lang="de-DE" dirty="0"/>
+              <a:t> auf die Erfüllung</a:t>
+            </a:r>
+            <a:r>
+              <a:rPr lang="de-DE"/>
+              <a:t>/Rückweisung eines </a:t>
+            </a:r>
+            <a:r>
+              <a:rPr lang="de-DE" dirty="0" err="1"/>
+              <a:t>Promise</a:t>
+            </a:r>
+            <a:r>
+              <a:rPr lang="de-DE" dirty="0"/>
+              <a:t> gewartet werden.</a:t>
+            </a:r>
+          </a:p>
+          <a:p>
+            <a:pPr lvl="1"/>
+            <a:r>
+              <a:rPr lang="de-DE" dirty="0"/>
+              <a:t>Funktioniert nur in </a:t>
+            </a:r>
+            <a:r>
+              <a:rPr lang="de-DE" dirty="0" err="1"/>
+              <a:t>async</a:t>
+            </a:r>
+            <a:r>
+              <a:rPr lang="de-DE" dirty="0"/>
+              <a:t>-Funktionen</a:t>
+            </a:r>
+          </a:p>
+        </p:txBody>
+      </p:sp>
+      <p:sp>
+        <p:nvSpPr>
+          <p:cNvPr id="4" name="Datumsplatzhalter 3">
+            <a:extLst>
+              <a:ext uri="{FF2B5EF4-FFF2-40B4-BE49-F238E27FC236}">
+                <a16:creationId xmlns:a16="http://schemas.microsoft.com/office/drawing/2014/main" id="{64DB1961-DD99-7642-A5AC-2B9DB6CF0124}"/>
+              </a:ext>
+            </a:extLst>
+          </p:cNvPr>
+          <p:cNvSpPr>
+            <a:spLocks noGrp="1"/>
+          </p:cNvSpPr>
+          <p:nvPr>
+            <p:ph type="dt" sz="half" idx="2"/>
+          </p:nvPr>
+        </p:nvSpPr>
+        <p:spPr/>
+        <p:txBody>
+          <a:bodyPr/>
+          <a:lstStyle/>
+          <a:p>
+            <a:r>
+              <a:rPr lang="de-DE"/>
+              <a:t>C. Karow</a:t>
+            </a:r>
+            <a:endParaRPr lang="de-DE" dirty="0"/>
+          </a:p>
+        </p:txBody>
+      </p:sp>
+      <p:sp>
+        <p:nvSpPr>
+          <p:cNvPr id="5" name="Fußzeilenplatzhalter 4">
+            <a:extLst>
+              <a:ext uri="{FF2B5EF4-FFF2-40B4-BE49-F238E27FC236}">
+                <a16:creationId xmlns:a16="http://schemas.microsoft.com/office/drawing/2014/main" id="{E2C7FB0F-4666-BC4A-B274-BBA0CB08C07F}"/>
+              </a:ext>
+            </a:extLst>
+          </p:cNvPr>
+          <p:cNvSpPr>
+            <a:spLocks noGrp="1"/>
+          </p:cNvSpPr>
+          <p:nvPr>
+            <p:ph type="ftr" sz="quarter" idx="3"/>
+          </p:nvPr>
+        </p:nvSpPr>
+        <p:spPr/>
+        <p:txBody>
+          <a:bodyPr/>
+          <a:lstStyle/>
+          <a:p>
+            <a:r>
+              <a:rPr lang="de-DE"/>
+              <a:t>Callback Hell</a:t>
+            </a:r>
+            <a:endParaRPr lang="de-DE" dirty="0"/>
+          </a:p>
+        </p:txBody>
+      </p:sp>
+      <p:sp>
+        <p:nvSpPr>
+          <p:cNvPr id="6" name="Foliennummernplatzhalter 5">
+            <a:extLst>
+              <a:ext uri="{FF2B5EF4-FFF2-40B4-BE49-F238E27FC236}">
+                <a16:creationId xmlns:a16="http://schemas.microsoft.com/office/drawing/2014/main" id="{E8C78741-68EE-564A-BE12-B2DCA9F2C5DB}"/>
+              </a:ext>
+            </a:extLst>
+          </p:cNvPr>
+          <p:cNvSpPr>
+            <a:spLocks noGrp="1"/>
+          </p:cNvSpPr>
+          <p:nvPr>
+            <p:ph type="sldNum" sz="quarter" idx="4"/>
+          </p:nvPr>
+        </p:nvSpPr>
+        <p:spPr/>
+        <p:txBody>
+          <a:bodyPr/>
+          <a:lstStyle/>
+          <a:p>
+            <a:fld id="{7609310D-2199-4612-B943-B17CE1A9AFB2}" type="slidenum">
+              <a:rPr lang="de-DE" smtClean="0"/>
+              <a:pPr/>
+              <a:t>23</a:t>
+            </a:fld>
+            <a:endParaRPr lang="de-DE" dirty="0"/>
+          </a:p>
+        </p:txBody>
+      </p:sp>
+      <p:sp>
+        <p:nvSpPr>
+          <p:cNvPr id="10" name="Titel 9">
+            <a:extLst>
+              <a:ext uri="{FF2B5EF4-FFF2-40B4-BE49-F238E27FC236}">
+                <a16:creationId xmlns:a16="http://schemas.microsoft.com/office/drawing/2014/main" id="{CC31C895-9762-FF4E-B0F6-C43DAF3238AF}"/>
+              </a:ext>
+            </a:extLst>
+          </p:cNvPr>
+          <p:cNvSpPr>
+            <a:spLocks noGrp="1"/>
+          </p:cNvSpPr>
+          <p:nvPr>
+            <p:ph type="title"/>
+          </p:nvPr>
+        </p:nvSpPr>
+        <p:spPr>
+          <a:xfrm>
+            <a:off x="457200" y="44624"/>
+            <a:ext cx="6059016" cy="562074"/>
+          </a:xfrm>
+        </p:spPr>
+        <p:txBody>
+          <a:bodyPr/>
+          <a:lstStyle/>
+          <a:p>
+            <a:r>
+              <a:rPr lang="de-DE" dirty="0"/>
+              <a:t>Wege aus der Callback-Hell (in JavaScript) – </a:t>
+            </a:r>
+            <a:r>
+              <a:rPr lang="de-DE" dirty="0" err="1"/>
+              <a:t>Async</a:t>
+            </a:r>
+            <a:r>
+              <a:rPr lang="de-DE" dirty="0"/>
+              <a:t>/</a:t>
+            </a:r>
+            <a:r>
+              <a:rPr lang="de-DE" dirty="0" err="1"/>
+              <a:t>Await</a:t>
+            </a:r>
+            <a:endParaRPr lang="de-DE" dirty="0"/>
+          </a:p>
+        </p:txBody>
+      </p:sp>
+    </p:spTree>
+    <p:extLst>
+      <p:ext uri="{BB962C8B-B14F-4D97-AF65-F5344CB8AC3E}">
+        <p14:creationId xmlns:p14="http://schemas.microsoft.com/office/powerpoint/2010/main" val="1391542877"/>
+      </p:ext>
+    </p:extLst>
+  </p:cSld>
+  <p:clrMapOvr>
+    <a:masterClrMapping/>
+  </p:clrMapOvr>
+</p:sld>
+</file>
+
+<file path=ppt/slides/slide24.xml><?xml version="1.0" encoding="utf-8"?>
+<p:sld xmlns:a="http://schemas.openxmlformats.org/drawingml/2006/main" xmlns:r="http://schemas.openxmlformats.org/officeDocument/2006/relationships" xmlns:p="http://schemas.openxmlformats.org/presentationml/2006/main">
+  <p:cSld>
+    <p:spTree>
+      <p:nvGrpSpPr>
+        <p:cNvPr id="1" name=""/>
+        <p:cNvGrpSpPr/>
+        <p:nvPr/>
+      </p:nvGrpSpPr>
+      <p:grpSpPr>
+        <a:xfrm>
+          <a:off x="0" y="0"/>
+          <a:ext cx="0" cy="0"/>
+          <a:chOff x="0" y="0"/>
+          <a:chExt cx="0" cy="0"/>
+        </a:xfrm>
+      </p:grpSpPr>
+      <p:sp>
+        <p:nvSpPr>
+          <p:cNvPr id="2" name="Titel 1">
+            <a:extLst>
+              <a:ext uri="{FF2B5EF4-FFF2-40B4-BE49-F238E27FC236}">
+                <a16:creationId xmlns:a16="http://schemas.microsoft.com/office/drawing/2014/main" id="{0F1E3919-3688-2D4A-A0D3-D08F20F04CF7}"/>
+              </a:ext>
+            </a:extLst>
+          </p:cNvPr>
+          <p:cNvSpPr>
+            <a:spLocks noGrp="1"/>
+          </p:cNvSpPr>
+          <p:nvPr>
+            <p:ph type="ctrTitle"/>
+          </p:nvPr>
+        </p:nvSpPr>
+        <p:spPr>
+          <a:xfrm>
+            <a:off x="685800" y="3068960"/>
+            <a:ext cx="7772400" cy="1470025"/>
+          </a:xfrm>
+        </p:spPr>
+        <p:txBody>
+          <a:bodyPr/>
+          <a:lstStyle/>
+          <a:p>
+            <a:r>
+              <a:rPr lang="de-DE" dirty="0"/>
+              <a:t>Demo</a:t>
+            </a:r>
+          </a:p>
+        </p:txBody>
+      </p:sp>
+      <p:sp>
+        <p:nvSpPr>
+          <p:cNvPr id="4" name="Datumsplatzhalter 3">
+            <a:extLst>
+              <a:ext uri="{FF2B5EF4-FFF2-40B4-BE49-F238E27FC236}">
+                <a16:creationId xmlns:a16="http://schemas.microsoft.com/office/drawing/2014/main" id="{1D65672B-CE6C-6948-86A2-4B6402E6D4C2}"/>
+              </a:ext>
+            </a:extLst>
+          </p:cNvPr>
+          <p:cNvSpPr>
+            <a:spLocks noGrp="1"/>
+          </p:cNvSpPr>
+          <p:nvPr>
+            <p:ph type="dt" sz="half" idx="2"/>
+          </p:nvPr>
+        </p:nvSpPr>
+        <p:spPr/>
+        <p:txBody>
+          <a:bodyPr/>
+          <a:lstStyle/>
+          <a:p>
+            <a:r>
+              <a:rPr lang="de-DE"/>
+              <a:t>C. Karow</a:t>
+            </a:r>
+            <a:endParaRPr lang="de-DE" dirty="0"/>
+          </a:p>
+        </p:txBody>
+      </p:sp>
+      <p:sp>
+        <p:nvSpPr>
+          <p:cNvPr id="5" name="Fußzeilenplatzhalter 4">
+            <a:extLst>
+              <a:ext uri="{FF2B5EF4-FFF2-40B4-BE49-F238E27FC236}">
+                <a16:creationId xmlns:a16="http://schemas.microsoft.com/office/drawing/2014/main" id="{151C8382-7211-1140-96F3-32D87258FB5C}"/>
+              </a:ext>
+            </a:extLst>
+          </p:cNvPr>
+          <p:cNvSpPr>
+            <a:spLocks noGrp="1"/>
+          </p:cNvSpPr>
+          <p:nvPr>
+            <p:ph type="ftr" sz="quarter" idx="3"/>
+          </p:nvPr>
+        </p:nvSpPr>
+        <p:spPr/>
+        <p:txBody>
+          <a:bodyPr/>
+          <a:lstStyle/>
+          <a:p>
+            <a:r>
+              <a:rPr lang="de-DE"/>
+              <a:t>Callback Hell</a:t>
+            </a:r>
+            <a:endParaRPr lang="de-DE" dirty="0"/>
+          </a:p>
+        </p:txBody>
+      </p:sp>
+      <p:sp>
+        <p:nvSpPr>
+          <p:cNvPr id="6" name="Foliennummernplatzhalter 5">
+            <a:extLst>
+              <a:ext uri="{FF2B5EF4-FFF2-40B4-BE49-F238E27FC236}">
+                <a16:creationId xmlns:a16="http://schemas.microsoft.com/office/drawing/2014/main" id="{25A21FB2-AC39-9A40-9C5F-3961B261C13F}"/>
+              </a:ext>
+            </a:extLst>
+          </p:cNvPr>
+          <p:cNvSpPr>
+            <a:spLocks noGrp="1"/>
+          </p:cNvSpPr>
+          <p:nvPr>
+            <p:ph type="sldNum" sz="quarter" idx="4"/>
+          </p:nvPr>
+        </p:nvSpPr>
+        <p:spPr/>
+        <p:txBody>
+          <a:bodyPr/>
+          <a:lstStyle/>
+          <a:p>
+            <a:fld id="{7609310D-2199-4612-B943-B17CE1A9AFB2}" type="slidenum">
+              <a:rPr lang="de-DE" smtClean="0"/>
+              <a:pPr/>
+              <a:t>24</a:t>
+            </a:fld>
+            <a:endParaRPr lang="de-DE" dirty="0"/>
+          </a:p>
+        </p:txBody>
+      </p:sp>
+    </p:spTree>
+    <p:extLst>
+      <p:ext uri="{BB962C8B-B14F-4D97-AF65-F5344CB8AC3E}">
+        <p14:creationId xmlns:p14="http://schemas.microsoft.com/office/powerpoint/2010/main" val="2584101554"/>
       </p:ext>
     </p:extLst>
   </p:cSld>
@@ -8113,34 +12977,6 @@
       </p:grpSpPr>
       <p:sp>
         <p:nvSpPr>
-          <p:cNvPr id="2" name="Titel 1">
-            <a:extLst>
-              <a:ext uri="{FF2B5EF4-FFF2-40B4-BE49-F238E27FC236}">
-                <a16:creationId xmlns:a16="http://schemas.microsoft.com/office/drawing/2014/main" id="{E08D3039-0189-A741-906E-683ECB732494}"/>
-              </a:ext>
-            </a:extLst>
-          </p:cNvPr>
-          <p:cNvSpPr>
-            <a:spLocks noGrp="1"/>
-          </p:cNvSpPr>
-          <p:nvPr>
-            <p:ph type="title"/>
-          </p:nvPr>
-        </p:nvSpPr>
-        <p:spPr/>
-        <p:txBody>
-          <a:bodyPr/>
-          <a:lstStyle/>
-          <a:p>
-            <a:r>
-              <a:rPr lang="de-DE" dirty="0"/>
-              <a:t>JavaScript</a:t>
-            </a:r>
-          </a:p>
-        </p:txBody>
-      </p:sp>
-      <p:sp>
-        <p:nvSpPr>
           <p:cNvPr id="3" name="Inhaltsplatzhalter 2">
             <a:extLst>
               <a:ext uri="{FF2B5EF4-FFF2-40B4-BE49-F238E27FC236}">
@@ -8152,13 +12988,13 @@
             <a:spLocks noGrp="1"/>
           </p:cNvSpPr>
           <p:nvPr>
-            <p:ph idx="1"/>
+            <p:ph sz="half" idx="1"/>
           </p:nvPr>
         </p:nvSpPr>
         <p:spPr>
           <a:xfrm>
-            <a:off x="457200" y="1412777"/>
-            <a:ext cx="8229600" cy="2016224"/>
+            <a:off x="457200" y="1421478"/>
+            <a:ext cx="4038600" cy="4525963"/>
           </a:xfrm>
         </p:spPr>
         <p:txBody>
@@ -8198,6 +13034,40 @@
               <a:t>Nicht zu verwechseln mit Java!</a:t>
             </a:r>
           </a:p>
+          <a:p>
+            <a:r>
+              <a:rPr lang="de-DE" dirty="0"/>
+              <a:t>Standardisierung war bis vor einiger Zeit eine reine Katastrophe (siehe MS IE)!</a:t>
+            </a:r>
+          </a:p>
+        </p:txBody>
+      </p:sp>
+      <p:sp>
+        <p:nvSpPr>
+          <p:cNvPr id="2" name="Titel 1">
+            <a:extLst>
+              <a:ext uri="{FF2B5EF4-FFF2-40B4-BE49-F238E27FC236}">
+                <a16:creationId xmlns:a16="http://schemas.microsoft.com/office/drawing/2014/main" id="{E08D3039-0189-A741-906E-683ECB732494}"/>
+              </a:ext>
+            </a:extLst>
+          </p:cNvPr>
+          <p:cNvSpPr>
+            <a:spLocks noGrp="1"/>
+          </p:cNvSpPr>
+          <p:nvPr>
+            <p:ph type="title"/>
+          </p:nvPr>
+        </p:nvSpPr>
+        <p:spPr/>
+        <p:txBody>
+          <a:bodyPr/>
+          <a:lstStyle/>
+          <a:p>
+            <a:r>
+              <a:rPr lang="de-DE" dirty="0"/>
+              <a:t>JavaScript</a:t>
+            </a:r>
+          </a:p>
         </p:txBody>
       </p:sp>
       <p:sp>
@@ -8213,7 +13083,7 @@
             <a:spLocks noGrp="1"/>
           </p:cNvSpPr>
           <p:nvPr>
-            <p:ph type="dt" sz="half" idx="2"/>
+            <p:ph type="dt" sz="half" idx="10"/>
           </p:nvPr>
         </p:nvSpPr>
         <p:spPr/>
@@ -8302,8 +13172,8 @@
         </p:nvSpPr>
         <p:spPr>
           <a:xfrm>
-            <a:off x="2051720" y="4221088"/>
-            <a:ext cx="5161991" cy="461665"/>
+            <a:off x="4901392" y="5409547"/>
+            <a:ext cx="3906839" cy="369332"/>
           </a:xfrm>
           <a:prstGeom prst="rect">
             <a:avLst/>
@@ -8317,21 +13187,21 @@
           <a:lstStyle/>
           <a:p>
             <a:r>
-              <a:rPr lang="de-DE" dirty="0" err="1">
+              <a:rPr lang="de-DE" sz="1800" dirty="0" err="1">
                 <a:latin typeface="Courier New" panose="02070309020205020404" pitchFamily="49" charset="0"/>
                 <a:cs typeface="Courier New" panose="02070309020205020404" pitchFamily="49" charset="0"/>
               </a:rPr>
               <a:t>console.log</a:t>
             </a:r>
             <a:r>
-              <a:rPr lang="de-DE" dirty="0">
+              <a:rPr lang="de-DE" sz="1800" dirty="0">
                 <a:latin typeface="Courier New" panose="02070309020205020404" pitchFamily="49" charset="0"/>
                 <a:cs typeface="Courier New" panose="02070309020205020404" pitchFamily="49" charset="0"/>
               </a:rPr>
               <a:t>(</a:t>
             </a:r>
             <a:r>
-              <a:rPr lang="de-DE" dirty="0">
+              <a:rPr lang="de-DE" sz="1800" dirty="0">
                 <a:solidFill>
                   <a:srgbClr val="00B050"/>
                 </a:solidFill>
@@ -8341,7 +13211,7 @@
               <a:t>‘</a:t>
             </a:r>
             <a:r>
-              <a:rPr lang="de-DE" dirty="0" err="1">
+              <a:rPr lang="de-DE" sz="1800" dirty="0" err="1">
                 <a:solidFill>
                   <a:srgbClr val="00B050"/>
                 </a:solidFill>
@@ -8351,7 +13221,7 @@
               <a:t>Hello</a:t>
             </a:r>
             <a:r>
-              <a:rPr lang="de-DE" dirty="0">
+              <a:rPr lang="de-DE" sz="1800" dirty="0">
                 <a:solidFill>
                   <a:srgbClr val="00B050"/>
                 </a:solidFill>
@@ -8361,11 +13231,91 @@
               <a:t> World‘</a:t>
             </a:r>
             <a:r>
-              <a:rPr lang="de-DE" dirty="0">
+              <a:rPr lang="de-DE" sz="1800" dirty="0">
                 <a:latin typeface="Courier New" panose="02070309020205020404" pitchFamily="49" charset="0"/>
                 <a:cs typeface="Courier New" panose="02070309020205020404" pitchFamily="49" charset="0"/>
               </a:rPr>
               <a:t>);</a:t>
+            </a:r>
+          </a:p>
+        </p:txBody>
+      </p:sp>
+      <p:pic>
+        <p:nvPicPr>
+          <p:cNvPr id="8" name="Grafik 7">
+            <a:extLst>
+              <a:ext uri="{FF2B5EF4-FFF2-40B4-BE49-F238E27FC236}">
+                <a16:creationId xmlns:a16="http://schemas.microsoft.com/office/drawing/2014/main" id="{156DF065-93CD-F342-9876-D1FEE501256B}"/>
+              </a:ext>
+            </a:extLst>
+          </p:cNvPr>
+          <p:cNvPicPr>
+            <a:picLocks noChangeAspect="1"/>
+          </p:cNvPicPr>
+          <p:nvPr/>
+        </p:nvPicPr>
+        <p:blipFill>
+          <a:blip r:embed="rId2"/>
+          <a:stretch>
+            <a:fillRect/>
+          </a:stretch>
+        </p:blipFill>
+        <p:spPr>
+          <a:xfrm>
+            <a:off x="5289176" y="1700807"/>
+            <a:ext cx="3131269" cy="3131269"/>
+          </a:xfrm>
+          <a:prstGeom prst="rect">
+            <a:avLst/>
+          </a:prstGeom>
+        </p:spPr>
+      </p:pic>
+      <p:sp>
+        <p:nvSpPr>
+          <p:cNvPr id="10" name="Textfeld 9">
+            <a:extLst>
+              <a:ext uri="{FF2B5EF4-FFF2-40B4-BE49-F238E27FC236}">
+                <a16:creationId xmlns:a16="http://schemas.microsoft.com/office/drawing/2014/main" id="{DED43A8F-467B-A045-9B0C-A313311162CF}"/>
+              </a:ext>
+            </a:extLst>
+          </p:cNvPr>
+          <p:cNvSpPr txBox="1"/>
+          <p:nvPr/>
+        </p:nvSpPr>
+        <p:spPr>
+          <a:xfrm>
+            <a:off x="323528" y="5943118"/>
+            <a:ext cx="5315942" cy="276999"/>
+          </a:xfrm>
+          <a:prstGeom prst="rect">
+            <a:avLst/>
+          </a:prstGeom>
+          <a:noFill/>
+        </p:spPr>
+        <p:txBody>
+          <a:bodyPr wrap="none" rtlCol="0">
+            <a:spAutoFit/>
+          </a:bodyPr>
+          <a:lstStyle/>
+          <a:p>
+            <a:r>
+              <a:rPr lang="de-DE" sz="1200" b="0" dirty="0">
+                <a:latin typeface="+mn-lt"/>
+              </a:rPr>
+              <a:t>Mehr Informationen unter: </a:t>
+            </a:r>
+            <a:r>
+              <a:rPr lang="de-DE" sz="1200" b="0" dirty="0">
+                <a:latin typeface="+mn-lt"/>
+                <a:hlinkClick r:id="rId3"/>
+              </a:rPr>
+              <a:t>https://developer.mozilla.org/de/docs/Web/JavaScript</a:t>
+            </a:r>
+            <a:r>
+              <a:rPr lang="de-DE" sz="1200" b="0" dirty="0">
+                <a:latin typeface="+mn-lt"/>
+              </a:rPr>
+              <a:t> </a:t>
             </a:r>
           </a:p>
         </p:txBody>
@@ -8402,10 +13352,69 @@
       </p:grpSpPr>
       <p:sp>
         <p:nvSpPr>
+          <p:cNvPr id="3" name="Inhaltsplatzhalter 2">
+            <a:extLst>
+              <a:ext uri="{FF2B5EF4-FFF2-40B4-BE49-F238E27FC236}">
+                <a16:creationId xmlns:a16="http://schemas.microsoft.com/office/drawing/2014/main" id="{0868D2E0-1073-BB48-951F-F7F333436DE5}"/>
+              </a:ext>
+            </a:extLst>
+          </p:cNvPr>
+          <p:cNvSpPr>
+            <a:spLocks noGrp="1"/>
+          </p:cNvSpPr>
+          <p:nvPr>
+            <p:ph sz="half" idx="1"/>
+          </p:nvPr>
+        </p:nvSpPr>
+        <p:spPr>
+          <a:xfrm>
+            <a:off x="4788024" y="1330962"/>
+            <a:ext cx="4038600" cy="4525963"/>
+          </a:xfrm>
+        </p:spPr>
+        <p:txBody>
+          <a:bodyPr>
+            <a:normAutofit fontScale="92500" lnSpcReduction="20000"/>
+          </a:bodyPr>
+          <a:lstStyle/>
+          <a:p>
+            <a:r>
+              <a:rPr lang="de-DE" dirty="0" err="1"/>
+              <a:t>node.js</a:t>
+            </a:r>
+            <a:r>
+              <a:rPr lang="de-DE" dirty="0"/>
+              <a:t> ist eine JavaScript Laufzeitumgebung, die auf der JavaScript Engine von Google Chrome basiert.</a:t>
+            </a:r>
+          </a:p>
+          <a:p>
+            <a:r>
+              <a:rPr lang="de-DE" dirty="0"/>
+              <a:t>Ermöglicht, JavaScript auch ohne Browser auszuführen.</a:t>
+            </a:r>
+          </a:p>
+          <a:p>
+            <a:r>
+              <a:rPr lang="de-DE" dirty="0"/>
+              <a:t>Obwohl annähernd gleich, können zwischen </a:t>
+            </a:r>
+            <a:r>
+              <a:rPr lang="de-DE" dirty="0" err="1"/>
+              <a:t>node.js</a:t>
+            </a:r>
+            <a:r>
+              <a:rPr lang="de-DE" dirty="0"/>
+              <a:t> und Browsern Unterschiede in der Ausführung auftreten.</a:t>
+            </a:r>
+          </a:p>
+        </p:txBody>
+      </p:sp>
+      <p:sp>
+        <p:nvSpPr>
           <p:cNvPr id="2" name="Titel 1">
             <a:extLst>
               <a:ext uri="{FF2B5EF4-FFF2-40B4-BE49-F238E27FC236}">
-                <a16:creationId xmlns:a16="http://schemas.microsoft.com/office/drawing/2014/main" id="{23D7F541-92B8-CF42-A23F-3B0D68983CE1}"/>
+                <a16:creationId xmlns:a16="http://schemas.microsoft.com/office/drawing/2014/main" id="{F613EC61-3ED0-D140-9214-1DB3E8CE3622}"/>
               </a:ext>
             </a:extLst>
           </p:cNvPr>
@@ -8422,49 +13431,9 @@
           <a:lstStyle/>
           <a:p>
             <a:r>
-              <a:rPr lang="de-DE" dirty="0"/>
-              <a:t>Was ist die Callback Hölle? (1/3)</a:t>
-            </a:r>
-          </a:p>
-        </p:txBody>
-      </p:sp>
-      <p:sp>
-        <p:nvSpPr>
-          <p:cNvPr id="3" name="Inhaltsplatzhalter 2">
-            <a:extLst>
-              <a:ext uri="{FF2B5EF4-FFF2-40B4-BE49-F238E27FC236}">
-                <a16:creationId xmlns:a16="http://schemas.microsoft.com/office/drawing/2014/main" id="{3927E8D1-7BDB-EE4D-957E-E9CBDCE9DF2F}"/>
-              </a:ext>
-            </a:extLst>
-          </p:cNvPr>
-          <p:cNvSpPr>
-            <a:spLocks noGrp="1"/>
-          </p:cNvSpPr>
-          <p:nvPr>
-            <p:ph idx="1"/>
-          </p:nvPr>
-        </p:nvSpPr>
-        <p:spPr>
-          <a:xfrm>
-            <a:off x="457200" y="1171775"/>
-            <a:ext cx="8229600" cy="1753170"/>
-          </a:xfrm>
-        </p:spPr>
-        <p:txBody>
-          <a:bodyPr>
-            <a:normAutofit/>
-          </a:bodyPr>
-          <a:lstStyle/>
-          <a:p>
-            <a:r>
-              <a:rPr lang="de-DE" dirty="0"/>
-              <a:t>Asynchrone Funktionen erfordern oftmals einen Callback, der ausgeführt wird, wenn die Aufgabe ausgeführt wird.</a:t>
-            </a:r>
-          </a:p>
-          <a:p>
-            <a:pPr marL="0" indent="0">
-              <a:buNone/>
-            </a:pPr>
+              <a:rPr lang="de-DE" dirty="0" err="1"/>
+              <a:t>node.js</a:t>
+            </a:r>
             <a:endParaRPr lang="de-DE" dirty="0"/>
           </a:p>
         </p:txBody>
@@ -8474,15 +13443,15 @@
           <p:cNvPr id="4" name="Datumsplatzhalter 3">
             <a:extLst>
               <a:ext uri="{FF2B5EF4-FFF2-40B4-BE49-F238E27FC236}">
-                <a16:creationId xmlns:a16="http://schemas.microsoft.com/office/drawing/2014/main" id="{09DB02BF-DD07-3F42-81F8-D143E16B11AB}"/>
-              </a:ext>
-            </a:extLst>
-          </p:cNvPr>
-          <p:cNvSpPr>
-            <a:spLocks noGrp="1"/>
-          </p:cNvSpPr>
-          <p:nvPr>
-            <p:ph type="dt" sz="half" idx="2"/>
+                <a16:creationId xmlns:a16="http://schemas.microsoft.com/office/drawing/2014/main" id="{786697E4-8FDC-B74E-A6C2-37A75C04AB92}"/>
+              </a:ext>
+            </a:extLst>
+          </p:cNvPr>
+          <p:cNvSpPr>
+            <a:spLocks noGrp="1"/>
+          </p:cNvSpPr>
+          <p:nvPr>
+            <p:ph type="dt" sz="half" idx="10"/>
           </p:nvPr>
         </p:nvSpPr>
         <p:spPr/>
@@ -8503,7 +13472,7 @@
           <p:cNvPr id="5" name="Fußzeilenplatzhalter 4">
             <a:extLst>
               <a:ext uri="{FF2B5EF4-FFF2-40B4-BE49-F238E27FC236}">
-                <a16:creationId xmlns:a16="http://schemas.microsoft.com/office/drawing/2014/main" id="{26C3F996-DEDB-2549-AE9E-FC7495FE63FB}"/>
+                <a16:creationId xmlns:a16="http://schemas.microsoft.com/office/drawing/2014/main" id="{47098B3C-6382-3343-B45C-C224E86314D5}"/>
               </a:ext>
             </a:extLst>
           </p:cNvPr>
@@ -8532,7 +13501,7 @@
           <p:cNvPr id="6" name="Foliennummernplatzhalter 5">
             <a:extLst>
               <a:ext uri="{FF2B5EF4-FFF2-40B4-BE49-F238E27FC236}">
-                <a16:creationId xmlns:a16="http://schemas.microsoft.com/office/drawing/2014/main" id="{EADDAE97-62B8-2041-BC42-287E6174A2A5}"/>
+                <a16:creationId xmlns:a16="http://schemas.microsoft.com/office/drawing/2014/main" id="{EF38AD1D-B5D7-6049-A036-B744CC2D3943}"/>
               </a:ext>
             </a:extLst>
           </p:cNvPr>
@@ -8557,370 +13526,82 @@
           </a:p>
         </p:txBody>
       </p:sp>
-      <p:sp>
-        <p:nvSpPr>
-          <p:cNvPr id="7" name="Rechteck 6">
-            <a:extLst>
-              <a:ext uri="{FF2B5EF4-FFF2-40B4-BE49-F238E27FC236}">
-                <a16:creationId xmlns:a16="http://schemas.microsoft.com/office/drawing/2014/main" id="{04A88936-ABEA-D24E-9A36-34819B0276C5}"/>
-              </a:ext>
-            </a:extLst>
-          </p:cNvPr>
-          <p:cNvSpPr/>
+      <p:pic>
+        <p:nvPicPr>
+          <p:cNvPr id="8" name="Grafik 7">
+            <a:extLst>
+              <a:ext uri="{FF2B5EF4-FFF2-40B4-BE49-F238E27FC236}">
+                <a16:creationId xmlns:a16="http://schemas.microsoft.com/office/drawing/2014/main" id="{28EC7D8D-EFB3-A64D-912D-89047E822E2B}"/>
+              </a:ext>
+            </a:extLst>
+          </p:cNvPr>
+          <p:cNvPicPr>
+            <a:picLocks noChangeAspect="1"/>
+          </p:cNvPicPr>
           <p:nvPr/>
-        </p:nvSpPr>
+        </p:nvPicPr>
+        <p:blipFill>
+          <a:blip r:embed="rId2"/>
+          <a:stretch>
+            <a:fillRect/>
+          </a:stretch>
+        </p:blipFill>
         <p:spPr>
           <a:xfrm>
-            <a:off x="611560" y="3260008"/>
-            <a:ext cx="8280920" cy="2246769"/>
+            <a:off x="539552" y="2996952"/>
+            <a:ext cx="3840725" cy="1032195"/>
           </a:xfrm>
           <a:prstGeom prst="rect">
             <a:avLst/>
           </a:prstGeom>
         </p:spPr>
-        <p:txBody>
-          <a:bodyPr wrap="square">
+      </p:pic>
+      <p:sp>
+        <p:nvSpPr>
+          <p:cNvPr id="9" name="Textfeld 8">
+            <a:extLst>
+              <a:ext uri="{FF2B5EF4-FFF2-40B4-BE49-F238E27FC236}">
+                <a16:creationId xmlns:a16="http://schemas.microsoft.com/office/drawing/2014/main" id="{70FF7185-761C-7342-8D38-411E4524D67D}"/>
+              </a:ext>
+            </a:extLst>
+          </p:cNvPr>
+          <p:cNvSpPr txBox="1"/>
+          <p:nvPr/>
+        </p:nvSpPr>
+        <p:spPr>
+          <a:xfrm>
+            <a:off x="241101" y="5968138"/>
+            <a:ext cx="4437625" cy="276999"/>
+          </a:xfrm>
+          <a:prstGeom prst="rect">
+            <a:avLst/>
+          </a:prstGeom>
+          <a:noFill/>
+        </p:spPr>
+        <p:txBody>
+          <a:bodyPr wrap="none" rtlCol="0">
             <a:spAutoFit/>
           </a:bodyPr>
           <a:lstStyle/>
           <a:p>
             <a:r>
-              <a:rPr lang="de-DE" sz="2000" dirty="0" err="1">
-                <a:latin typeface="Courier New" panose="02070309020205020404" pitchFamily="49" charset="0"/>
-                <a:cs typeface="Courier New" panose="02070309020205020404" pitchFamily="49" charset="0"/>
-              </a:rPr>
-              <a:t>loadScript</a:t>
-            </a:r>
-            <a:r>
-              <a:rPr lang="de-DE" sz="2000" dirty="0">
-                <a:latin typeface="Courier New" panose="02070309020205020404" pitchFamily="49" charset="0"/>
-                <a:cs typeface="Courier New" panose="02070309020205020404" pitchFamily="49" charset="0"/>
-              </a:rPr>
-              <a:t>(</a:t>
-            </a:r>
-            <a:r>
-              <a:rPr lang="de-DE" sz="2000" dirty="0">
-                <a:solidFill>
-                  <a:srgbClr val="009C48"/>
-                </a:solidFill>
-                <a:latin typeface="Courier New" panose="02070309020205020404" pitchFamily="49" charset="0"/>
-                <a:cs typeface="Courier New" panose="02070309020205020404" pitchFamily="49" charset="0"/>
-              </a:rPr>
-              <a:t>'/</a:t>
-            </a:r>
-            <a:r>
-              <a:rPr lang="de-DE" sz="2000" dirty="0" err="1">
-                <a:solidFill>
-                  <a:srgbClr val="009C48"/>
-                </a:solidFill>
-                <a:latin typeface="Courier New" panose="02070309020205020404" pitchFamily="49" charset="0"/>
-                <a:cs typeface="Courier New" panose="02070309020205020404" pitchFamily="49" charset="0"/>
-              </a:rPr>
-              <a:t>my</a:t>
-            </a:r>
-            <a:r>
-              <a:rPr lang="de-DE" sz="2000" dirty="0">
-                <a:solidFill>
-                  <a:srgbClr val="009C48"/>
-                </a:solidFill>
-                <a:latin typeface="Courier New" panose="02070309020205020404" pitchFamily="49" charset="0"/>
-                <a:cs typeface="Courier New" panose="02070309020205020404" pitchFamily="49" charset="0"/>
-              </a:rPr>
-              <a:t>/</a:t>
-            </a:r>
-            <a:r>
-              <a:rPr lang="de-DE" sz="2000" dirty="0" err="1">
-                <a:solidFill>
-                  <a:srgbClr val="009C48"/>
-                </a:solidFill>
-                <a:latin typeface="Courier New" panose="02070309020205020404" pitchFamily="49" charset="0"/>
-                <a:cs typeface="Courier New" panose="02070309020205020404" pitchFamily="49" charset="0"/>
-              </a:rPr>
-              <a:t>script.js</a:t>
-            </a:r>
-            <a:r>
-              <a:rPr lang="de-DE" sz="2000" dirty="0">
-                <a:solidFill>
-                  <a:srgbClr val="009C48"/>
-                </a:solidFill>
-                <a:latin typeface="Courier New" panose="02070309020205020404" pitchFamily="49" charset="0"/>
-                <a:cs typeface="Courier New" panose="02070309020205020404" pitchFamily="49" charset="0"/>
-              </a:rPr>
-              <a:t>'</a:t>
-            </a:r>
-            <a:r>
-              <a:rPr lang="de-DE" sz="2000" dirty="0">
-                <a:latin typeface="Courier New" panose="02070309020205020404" pitchFamily="49" charset="0"/>
-                <a:cs typeface="Courier New" panose="02070309020205020404" pitchFamily="49" charset="0"/>
-              </a:rPr>
-              <a:t>, </a:t>
-            </a:r>
-            <a:r>
-              <a:rPr lang="de-DE" sz="2000" dirty="0" err="1">
-                <a:solidFill>
-                  <a:srgbClr val="0070C0"/>
-                </a:solidFill>
-                <a:latin typeface="Courier New" panose="02070309020205020404" pitchFamily="49" charset="0"/>
-                <a:cs typeface="Courier New" panose="02070309020205020404" pitchFamily="49" charset="0"/>
-              </a:rPr>
-              <a:t>function</a:t>
-            </a:r>
-            <a:r>
-              <a:rPr lang="de-DE" sz="2000" dirty="0">
-                <a:latin typeface="Courier New" panose="02070309020205020404" pitchFamily="49" charset="0"/>
-                <a:cs typeface="Courier New" panose="02070309020205020404" pitchFamily="49" charset="0"/>
-              </a:rPr>
-              <a:t>(</a:t>
-            </a:r>
-            <a:r>
-              <a:rPr lang="de-DE" sz="2000" dirty="0" err="1">
-                <a:latin typeface="Courier New" panose="02070309020205020404" pitchFamily="49" charset="0"/>
-                <a:cs typeface="Courier New" panose="02070309020205020404" pitchFamily="49" charset="0"/>
-              </a:rPr>
-              <a:t>error</a:t>
-            </a:r>
-            <a:r>
-              <a:rPr lang="de-DE" sz="2000" dirty="0">
-                <a:latin typeface="Courier New" panose="02070309020205020404" pitchFamily="49" charset="0"/>
-                <a:cs typeface="Courier New" panose="02070309020205020404" pitchFamily="49" charset="0"/>
-              </a:rPr>
-              <a:t>, </a:t>
-            </a:r>
-            <a:r>
-              <a:rPr lang="de-DE" sz="2000" dirty="0" err="1">
-                <a:latin typeface="Courier New" panose="02070309020205020404" pitchFamily="49" charset="0"/>
-                <a:cs typeface="Courier New" panose="02070309020205020404" pitchFamily="49" charset="0"/>
-              </a:rPr>
-              <a:t>script</a:t>
-            </a:r>
-            <a:r>
-              <a:rPr lang="de-DE" sz="2000" dirty="0">
-                <a:latin typeface="Courier New" panose="02070309020205020404" pitchFamily="49" charset="0"/>
-                <a:cs typeface="Courier New" panose="02070309020205020404" pitchFamily="49" charset="0"/>
-              </a:rPr>
-              <a:t>) {</a:t>
-            </a:r>
-          </a:p>
-          <a:p>
-            <a:r>
-              <a:rPr lang="de-DE" sz="2000" dirty="0">
-                <a:latin typeface="Courier New" panose="02070309020205020404" pitchFamily="49" charset="0"/>
-                <a:cs typeface="Courier New" panose="02070309020205020404" pitchFamily="49" charset="0"/>
-              </a:rPr>
-              <a:t>   </a:t>
-            </a:r>
-            <a:r>
-              <a:rPr lang="de-DE" sz="2000" dirty="0" err="1">
-                <a:solidFill>
-                  <a:srgbClr val="0070C0"/>
-                </a:solidFill>
-                <a:latin typeface="Courier New" panose="02070309020205020404" pitchFamily="49" charset="0"/>
-                <a:cs typeface="Courier New" panose="02070309020205020404" pitchFamily="49" charset="0"/>
-              </a:rPr>
-              <a:t>if</a:t>
-            </a:r>
-            <a:r>
-              <a:rPr lang="de-DE" sz="2000" dirty="0">
-                <a:latin typeface="Courier New" panose="02070309020205020404" pitchFamily="49" charset="0"/>
-                <a:cs typeface="Courier New" panose="02070309020205020404" pitchFamily="49" charset="0"/>
-              </a:rPr>
-              <a:t> (</a:t>
-            </a:r>
-            <a:r>
-              <a:rPr lang="de-DE" sz="2000" dirty="0" err="1">
-                <a:latin typeface="Courier New" panose="02070309020205020404" pitchFamily="49" charset="0"/>
-                <a:cs typeface="Courier New" panose="02070309020205020404" pitchFamily="49" charset="0"/>
-              </a:rPr>
-              <a:t>error</a:t>
-            </a:r>
-            <a:r>
-              <a:rPr lang="de-DE" sz="2000" dirty="0">
-                <a:latin typeface="Courier New" panose="02070309020205020404" pitchFamily="49" charset="0"/>
-                <a:cs typeface="Courier New" panose="02070309020205020404" pitchFamily="49" charset="0"/>
-              </a:rPr>
-              <a:t>) { </a:t>
-            </a:r>
-          </a:p>
-          <a:p>
-            <a:r>
-              <a:rPr lang="de-DE" sz="2000" dirty="0">
-                <a:latin typeface="Courier New" panose="02070309020205020404" pitchFamily="49" charset="0"/>
-                <a:cs typeface="Courier New" panose="02070309020205020404" pitchFamily="49" charset="0"/>
-              </a:rPr>
-              <a:t>      </a:t>
-            </a:r>
-            <a:r>
-              <a:rPr lang="de-DE" sz="2000" dirty="0">
-                <a:solidFill>
-                  <a:schemeClr val="bg1">
-                    <a:lumMod val="65000"/>
-                  </a:schemeClr>
-                </a:solidFill>
-                <a:latin typeface="Courier New" panose="02070309020205020404" pitchFamily="49" charset="0"/>
-                <a:cs typeface="Courier New" panose="02070309020205020404" pitchFamily="49" charset="0"/>
-              </a:rPr>
-              <a:t>// handle </a:t>
-            </a:r>
-            <a:r>
-              <a:rPr lang="de-DE" sz="2000" dirty="0" err="1">
-                <a:solidFill>
-                  <a:schemeClr val="bg1">
-                    <a:lumMod val="65000"/>
-                  </a:schemeClr>
-                </a:solidFill>
-                <a:latin typeface="Courier New" panose="02070309020205020404" pitchFamily="49" charset="0"/>
-                <a:cs typeface="Courier New" panose="02070309020205020404" pitchFamily="49" charset="0"/>
-              </a:rPr>
-              <a:t>error</a:t>
-            </a:r>
-            <a:r>
-              <a:rPr lang="de-DE" sz="2000" dirty="0">
-                <a:solidFill>
-                  <a:schemeClr val="bg1">
-                    <a:lumMod val="65000"/>
-                  </a:schemeClr>
-                </a:solidFill>
-                <a:latin typeface="Courier New" panose="02070309020205020404" pitchFamily="49" charset="0"/>
-                <a:cs typeface="Courier New" panose="02070309020205020404" pitchFamily="49" charset="0"/>
+              <a:rPr lang="de-DE" sz="1200" b="0" dirty="0">
+                <a:latin typeface="+mn-lt"/>
+              </a:rPr>
+              <a:t>Mehr Informationen und API-Referenz unter: </a:t>
+            </a:r>
+            <a:r>
+              <a:rPr lang="de-DE" sz="1200" b="0" dirty="0">
+                <a:latin typeface="+mn-lt"/>
+                <a:hlinkClick r:id="rId3"/>
+              </a:rPr>
+              <a:t>https://nodejs.org/en/</a:t>
+            </a:r>
+            <a:r>
+              <a:rPr lang="de-DE" sz="1200" b="0" dirty="0">
+                <a:latin typeface="+mn-lt"/>
               </a:rPr>
               <a:t> </a:t>
-            </a:r>
-          </a:p>
-          <a:p>
-            <a:r>
-              <a:rPr lang="de-DE" sz="2000" dirty="0">
-                <a:latin typeface="Courier New" panose="02070309020205020404" pitchFamily="49" charset="0"/>
-                <a:cs typeface="Courier New" panose="02070309020205020404" pitchFamily="49" charset="0"/>
-              </a:rPr>
-              <a:t>   } </a:t>
-            </a:r>
-            <a:r>
-              <a:rPr lang="de-DE" sz="2000" dirty="0" err="1">
-                <a:solidFill>
-                  <a:srgbClr val="0070C0"/>
-                </a:solidFill>
-                <a:latin typeface="Courier New" panose="02070309020205020404" pitchFamily="49" charset="0"/>
-                <a:cs typeface="Courier New" panose="02070309020205020404" pitchFamily="49" charset="0"/>
-              </a:rPr>
-              <a:t>else</a:t>
-            </a:r>
-            <a:r>
-              <a:rPr lang="de-DE" sz="2000" dirty="0">
-                <a:latin typeface="Courier New" panose="02070309020205020404" pitchFamily="49" charset="0"/>
-                <a:cs typeface="Courier New" panose="02070309020205020404" pitchFamily="49" charset="0"/>
-              </a:rPr>
-              <a:t> { </a:t>
-            </a:r>
-          </a:p>
-          <a:p>
-            <a:r>
-              <a:rPr lang="de-DE" sz="2000" dirty="0">
-                <a:latin typeface="Courier New" panose="02070309020205020404" pitchFamily="49" charset="0"/>
-                <a:cs typeface="Courier New" panose="02070309020205020404" pitchFamily="49" charset="0"/>
-              </a:rPr>
-              <a:t>      </a:t>
-            </a:r>
-            <a:r>
-              <a:rPr lang="de-DE" sz="2000" dirty="0">
-                <a:solidFill>
-                  <a:schemeClr val="bg1">
-                    <a:lumMod val="65000"/>
-                  </a:schemeClr>
-                </a:solidFill>
-                <a:latin typeface="Courier New" panose="02070309020205020404" pitchFamily="49" charset="0"/>
-                <a:cs typeface="Courier New" panose="02070309020205020404" pitchFamily="49" charset="0"/>
-              </a:rPr>
-              <a:t>// </a:t>
-            </a:r>
-            <a:r>
-              <a:rPr lang="de-DE" sz="2000" dirty="0" err="1">
-                <a:solidFill>
-                  <a:schemeClr val="bg1">
-                    <a:lumMod val="65000"/>
-                  </a:schemeClr>
-                </a:solidFill>
-                <a:latin typeface="Courier New" panose="02070309020205020404" pitchFamily="49" charset="0"/>
-                <a:cs typeface="Courier New" panose="02070309020205020404" pitchFamily="49" charset="0"/>
-              </a:rPr>
-              <a:t>script</a:t>
-            </a:r>
-            <a:r>
-              <a:rPr lang="de-DE" sz="2000" dirty="0">
-                <a:solidFill>
-                  <a:schemeClr val="bg1">
-                    <a:lumMod val="65000"/>
-                  </a:schemeClr>
-                </a:solidFill>
-                <a:latin typeface="Courier New" panose="02070309020205020404" pitchFamily="49" charset="0"/>
-                <a:cs typeface="Courier New" panose="02070309020205020404" pitchFamily="49" charset="0"/>
-              </a:rPr>
-              <a:t> </a:t>
-            </a:r>
-            <a:r>
-              <a:rPr lang="de-DE" sz="2000" dirty="0" err="1">
-                <a:solidFill>
-                  <a:schemeClr val="bg1">
-                    <a:lumMod val="65000"/>
-                  </a:schemeClr>
-                </a:solidFill>
-                <a:latin typeface="Courier New" panose="02070309020205020404" pitchFamily="49" charset="0"/>
-                <a:cs typeface="Courier New" panose="02070309020205020404" pitchFamily="49" charset="0"/>
-              </a:rPr>
-              <a:t>loaded</a:t>
-            </a:r>
-            <a:r>
-              <a:rPr lang="de-DE" sz="2000" dirty="0">
-                <a:solidFill>
-                  <a:schemeClr val="bg1">
-                    <a:lumMod val="65000"/>
-                  </a:schemeClr>
-                </a:solidFill>
-                <a:latin typeface="Courier New" panose="02070309020205020404" pitchFamily="49" charset="0"/>
-                <a:cs typeface="Courier New" panose="02070309020205020404" pitchFamily="49" charset="0"/>
-              </a:rPr>
-              <a:t> </a:t>
-            </a:r>
-            <a:r>
-              <a:rPr lang="de-DE" sz="2000" dirty="0" err="1">
-                <a:solidFill>
-                  <a:schemeClr val="bg1">
-                    <a:lumMod val="65000"/>
-                  </a:schemeClr>
-                </a:solidFill>
-                <a:latin typeface="Courier New" panose="02070309020205020404" pitchFamily="49" charset="0"/>
-                <a:cs typeface="Courier New" panose="02070309020205020404" pitchFamily="49" charset="0"/>
-              </a:rPr>
-              <a:t>successfully</a:t>
-            </a:r>
-            <a:r>
-              <a:rPr lang="de-DE" sz="2000" dirty="0">
-                <a:solidFill>
-                  <a:schemeClr val="bg1">
-                    <a:lumMod val="65000"/>
-                  </a:schemeClr>
-                </a:solidFill>
-                <a:latin typeface="Courier New" panose="02070309020205020404" pitchFamily="49" charset="0"/>
-                <a:cs typeface="Courier New" panose="02070309020205020404" pitchFamily="49" charset="0"/>
-              </a:rPr>
-              <a:t> </a:t>
-            </a:r>
-          </a:p>
-          <a:p>
-            <a:r>
-              <a:rPr lang="de-DE" sz="2000" dirty="0">
-                <a:latin typeface="Courier New" panose="02070309020205020404" pitchFamily="49" charset="0"/>
-                <a:cs typeface="Courier New" panose="02070309020205020404" pitchFamily="49" charset="0"/>
-              </a:rPr>
-              <a:t>   } </a:t>
-            </a:r>
-          </a:p>
-          <a:p>
-            <a:r>
-              <a:rPr lang="de-DE" sz="2000" dirty="0">
-                <a:latin typeface="Courier New" panose="02070309020205020404" pitchFamily="49" charset="0"/>
-                <a:cs typeface="Courier New" panose="02070309020205020404" pitchFamily="49" charset="0"/>
-              </a:rPr>
-              <a:t>});</a:t>
             </a:r>
           </a:p>
         </p:txBody>
@@ -8928,7 +13609,7 @@
     </p:spTree>
     <p:extLst>
       <p:ext uri="{BB962C8B-B14F-4D97-AF65-F5344CB8AC3E}">
-        <p14:creationId xmlns:p14="http://schemas.microsoft.com/office/powerpoint/2010/main" val="4173893321"/>
+        <p14:creationId xmlns:p14="http://schemas.microsoft.com/office/powerpoint/2010/main" val="811567895"/>
       </p:ext>
     </p:extLst>
   </p:cSld>
@@ -8960,7 +13641,7 @@
           <p:cNvPr id="2" name="Titel 1">
             <a:extLst>
               <a:ext uri="{FF2B5EF4-FFF2-40B4-BE49-F238E27FC236}">
-                <a16:creationId xmlns:a16="http://schemas.microsoft.com/office/drawing/2014/main" id="{9B58F574-F6F0-604F-8F8D-6F0B970EE89A}"/>
+                <a16:creationId xmlns:a16="http://schemas.microsoft.com/office/drawing/2014/main" id="{23D7F541-92B8-CF42-A23F-3B0D68983CE1}"/>
               </a:ext>
             </a:extLst>
           </p:cNvPr>
@@ -8978,8 +13659,49 @@
           <a:p>
             <a:r>
               <a:rPr lang="de-DE" dirty="0"/>
-              <a:t>Was ist die Callback Hölle? (2/3)</a:t>
-            </a:r>
+              <a:t>Was ist die Callback Hölle? (1/3)</a:t>
+            </a:r>
+          </a:p>
+        </p:txBody>
+      </p:sp>
+      <p:sp>
+        <p:nvSpPr>
+          <p:cNvPr id="3" name="Inhaltsplatzhalter 2">
+            <a:extLst>
+              <a:ext uri="{FF2B5EF4-FFF2-40B4-BE49-F238E27FC236}">
+                <a16:creationId xmlns:a16="http://schemas.microsoft.com/office/drawing/2014/main" id="{3927E8D1-7BDB-EE4D-957E-E9CBDCE9DF2F}"/>
+              </a:ext>
+            </a:extLst>
+          </p:cNvPr>
+          <p:cNvSpPr>
+            <a:spLocks noGrp="1"/>
+          </p:cNvSpPr>
+          <p:nvPr>
+            <p:ph idx="1"/>
+          </p:nvPr>
+        </p:nvSpPr>
+        <p:spPr>
+          <a:xfrm>
+            <a:off x="457200" y="1171775"/>
+            <a:ext cx="8229600" cy="1753170"/>
+          </a:xfrm>
+        </p:spPr>
+        <p:txBody>
+          <a:bodyPr>
+            <a:normAutofit/>
+          </a:bodyPr>
+          <a:lstStyle/>
+          <a:p>
+            <a:r>
+              <a:rPr lang="de-DE" dirty="0"/>
+              <a:t>Asynchrone Funktionen erfordern oftmals einen Callback, der ausgeführt wird, wenn die Aufgabe ausgeführt wird.</a:t>
+            </a:r>
+          </a:p>
+          <a:p>
+            <a:pPr marL="0" indent="0">
+              <a:buNone/>
+            </a:pPr>
+            <a:endParaRPr lang="de-DE" dirty="0"/>
           </a:p>
         </p:txBody>
       </p:sp>
@@ -8988,7 +13710,7 @@
           <p:cNvPr id="4" name="Datumsplatzhalter 3">
             <a:extLst>
               <a:ext uri="{FF2B5EF4-FFF2-40B4-BE49-F238E27FC236}">
-                <a16:creationId xmlns:a16="http://schemas.microsoft.com/office/drawing/2014/main" id="{09B01103-5E85-4E44-B144-36CF1C97C80C}"/>
+                <a16:creationId xmlns:a16="http://schemas.microsoft.com/office/drawing/2014/main" id="{09DB02BF-DD07-3F42-81F8-D143E16B11AB}"/>
               </a:ext>
             </a:extLst>
           </p:cNvPr>
@@ -9017,7 +13739,7 @@
           <p:cNvPr id="5" name="Fußzeilenplatzhalter 4">
             <a:extLst>
               <a:ext uri="{FF2B5EF4-FFF2-40B4-BE49-F238E27FC236}">
-                <a16:creationId xmlns:a16="http://schemas.microsoft.com/office/drawing/2014/main" id="{247FCAAD-A919-9B40-AFA9-0BF009B88DDA}"/>
+                <a16:creationId xmlns:a16="http://schemas.microsoft.com/office/drawing/2014/main" id="{26C3F996-DEDB-2549-AE9E-FC7495FE63FB}"/>
               </a:ext>
             </a:extLst>
           </p:cNvPr>
@@ -9046,7 +13768,7 @@
           <p:cNvPr id="6" name="Foliennummernplatzhalter 5">
             <a:extLst>
               <a:ext uri="{FF2B5EF4-FFF2-40B4-BE49-F238E27FC236}">
-                <a16:creationId xmlns:a16="http://schemas.microsoft.com/office/drawing/2014/main" id="{DC52F746-C01E-C347-AD70-6AA5C08F19A0}"/>
+                <a16:creationId xmlns:a16="http://schemas.microsoft.com/office/drawing/2014/main" id="{EADDAE97-62B8-2041-BC42-287E6174A2A5}"/>
               </a:ext>
             </a:extLst>
           </p:cNvPr>
@@ -9076,7 +13798,7 @@
           <p:cNvPr id="7" name="Rechteck 6">
             <a:extLst>
               <a:ext uri="{FF2B5EF4-FFF2-40B4-BE49-F238E27FC236}">
-                <a16:creationId xmlns:a16="http://schemas.microsoft.com/office/drawing/2014/main" id="{44D4B3A7-DDF4-C240-987C-9EE1AD90A158}"/>
+                <a16:creationId xmlns:a16="http://schemas.microsoft.com/office/drawing/2014/main" id="{04A88936-ABEA-D24E-9A36-34819B0276C5}"/>
               </a:ext>
             </a:extLst>
           </p:cNvPr>
@@ -9085,8 +13807,8 @@
         </p:nvSpPr>
         <p:spPr>
           <a:xfrm>
-            <a:off x="323528" y="1351508"/>
-            <a:ext cx="8363272" cy="4093428"/>
+            <a:off x="611560" y="3260008"/>
+            <a:ext cx="8280920" cy="2246769"/>
           </a:xfrm>
           <a:prstGeom prst="rect">
             <a:avLst/>
@@ -9120,10 +13842,50 @@
                 <a:latin typeface="Courier New" panose="02070309020205020404" pitchFamily="49" charset="0"/>
                 <a:cs typeface="Courier New" panose="02070309020205020404" pitchFamily="49" charset="0"/>
               </a:rPr>
-              <a:t>'1.js'</a:t>
+              <a:t>'/</a:t>
+            </a:r>
+            <a:r>
+              <a:rPr lang="de-DE" sz="2000" dirty="0" err="1">
+                <a:solidFill>
+                  <a:srgbClr val="009C48"/>
+                </a:solidFill>
+                <a:latin typeface="Courier New" panose="02070309020205020404" pitchFamily="49" charset="0"/>
+                <a:cs typeface="Courier New" panose="02070309020205020404" pitchFamily="49" charset="0"/>
+              </a:rPr>
+              <a:t>my</a:t>
             </a:r>
             <a:r>
               <a:rPr lang="de-DE" sz="2000" dirty="0">
+                <a:solidFill>
+                  <a:srgbClr val="009C48"/>
+                </a:solidFill>
+                <a:latin typeface="Courier New" panose="02070309020205020404" pitchFamily="49" charset="0"/>
+                <a:cs typeface="Courier New" panose="02070309020205020404" pitchFamily="49" charset="0"/>
+              </a:rPr>
+              <a:t>/</a:t>
+            </a:r>
+            <a:r>
+              <a:rPr lang="de-DE" sz="2000" dirty="0" err="1">
+                <a:solidFill>
+                  <a:srgbClr val="009C48"/>
+                </a:solidFill>
+                <a:latin typeface="Courier New" panose="02070309020205020404" pitchFamily="49" charset="0"/>
+                <a:cs typeface="Courier New" panose="02070309020205020404" pitchFamily="49" charset="0"/>
+              </a:rPr>
+              <a:t>script.js</a:t>
+            </a:r>
+            <a:r>
+              <a:rPr lang="de-DE" sz="2000" dirty="0">
+                <a:solidFill>
+                  <a:srgbClr val="009C48"/>
+                </a:solidFill>
+                <a:latin typeface="Courier New" panose="02070309020205020404" pitchFamily="49" charset="0"/>
+                <a:cs typeface="Courier New" panose="02070309020205020404" pitchFamily="49" charset="0"/>
+              </a:rPr>
+              <a:t>'</a:t>
+            </a:r>
+            <a:r>
+              <a:rPr lang="de-DE" sz="2000" dirty="0">
                 <a:latin typeface="Courier New" panose="02070309020205020404" pitchFamily="49" charset="0"/>
                 <a:cs typeface="Courier New" panose="02070309020205020404" pitchFamily="49" charset="0"/>
               </a:rPr>
@@ -9172,6 +13934,46 @@
                 <a:latin typeface="Courier New" panose="02070309020205020404" pitchFamily="49" charset="0"/>
                 <a:cs typeface="Courier New" panose="02070309020205020404" pitchFamily="49" charset="0"/>
               </a:rPr>
+              <a:t>) {</a:t>
+            </a:r>
+          </a:p>
+          <a:p>
+            <a:r>
+              <a:rPr lang="de-DE" sz="2000" dirty="0">
+                <a:latin typeface="Courier New" panose="02070309020205020404" pitchFamily="49" charset="0"/>
+                <a:cs typeface="Courier New" panose="02070309020205020404" pitchFamily="49" charset="0"/>
+              </a:rPr>
+              <a:t>   </a:t>
+            </a:r>
+            <a:r>
+              <a:rPr lang="de-DE" sz="2000" dirty="0" err="1">
+                <a:solidFill>
+                  <a:srgbClr val="0070C0"/>
+                </a:solidFill>
+                <a:latin typeface="Courier New" panose="02070309020205020404" pitchFamily="49" charset="0"/>
+                <a:cs typeface="Courier New" panose="02070309020205020404" pitchFamily="49" charset="0"/>
+              </a:rPr>
+              <a:t>if</a:t>
+            </a:r>
+            <a:r>
+              <a:rPr lang="de-DE" sz="2000" dirty="0">
+                <a:latin typeface="Courier New" panose="02070309020205020404" pitchFamily="49" charset="0"/>
+                <a:cs typeface="Courier New" panose="02070309020205020404" pitchFamily="49" charset="0"/>
+              </a:rPr>
+              <a:t> (</a:t>
+            </a:r>
+            <a:r>
+              <a:rPr lang="de-DE" sz="2000" dirty="0" err="1">
+                <a:latin typeface="Courier New" panose="02070309020205020404" pitchFamily="49" charset="0"/>
+                <a:cs typeface="Courier New" panose="02070309020205020404" pitchFamily="49" charset="0"/>
+              </a:rPr>
+              <a:t>error</a:t>
+            </a:r>
+            <a:r>
+              <a:rPr lang="de-DE" sz="2000" dirty="0">
+                <a:latin typeface="Courier New" panose="02070309020205020404" pitchFamily="49" charset="0"/>
+                <a:cs typeface="Courier New" panose="02070309020205020404" pitchFamily="49" charset="0"/>
+              </a:rPr>
               <a:t>) { </a:t>
             </a:r>
           </a:p>
@@ -9181,365 +13983,171 @@
                 <a:latin typeface="Courier New" panose="02070309020205020404" pitchFamily="49" charset="0"/>
                 <a:cs typeface="Courier New" panose="02070309020205020404" pitchFamily="49" charset="0"/>
               </a:rPr>
-              <a:t>   </a:t>
+              <a:t>      </a:t>
+            </a:r>
+            <a:r>
+              <a:rPr lang="de-DE" sz="2000" dirty="0">
+                <a:solidFill>
+                  <a:schemeClr val="bg1">
+                    <a:lumMod val="65000"/>
+                  </a:schemeClr>
+                </a:solidFill>
+                <a:latin typeface="Courier New" panose="02070309020205020404" pitchFamily="49" charset="0"/>
+                <a:cs typeface="Courier New" panose="02070309020205020404" pitchFamily="49" charset="0"/>
+              </a:rPr>
+              <a:t>// handle </a:t>
             </a:r>
             <a:r>
               <a:rPr lang="de-DE" sz="2000" dirty="0" err="1">
                 <a:solidFill>
+                  <a:schemeClr val="bg1">
+                    <a:lumMod val="65000"/>
+                  </a:schemeClr>
+                </a:solidFill>
+                <a:latin typeface="Courier New" panose="02070309020205020404" pitchFamily="49" charset="0"/>
+                <a:cs typeface="Courier New" panose="02070309020205020404" pitchFamily="49" charset="0"/>
+              </a:rPr>
+              <a:t>error</a:t>
+            </a:r>
+            <a:r>
+              <a:rPr lang="de-DE" sz="2000" dirty="0">
+                <a:solidFill>
+                  <a:schemeClr val="bg1">
+                    <a:lumMod val="65000"/>
+                  </a:schemeClr>
+                </a:solidFill>
+                <a:latin typeface="Courier New" panose="02070309020205020404" pitchFamily="49" charset="0"/>
+                <a:cs typeface="Courier New" panose="02070309020205020404" pitchFamily="49" charset="0"/>
+              </a:rPr>
+              <a:t> </a:t>
+            </a:r>
+          </a:p>
+          <a:p>
+            <a:r>
+              <a:rPr lang="de-DE" sz="2000" dirty="0">
+                <a:latin typeface="Courier New" panose="02070309020205020404" pitchFamily="49" charset="0"/>
+                <a:cs typeface="Courier New" panose="02070309020205020404" pitchFamily="49" charset="0"/>
+              </a:rPr>
+              <a:t>   } </a:t>
+            </a:r>
+            <a:r>
+              <a:rPr lang="de-DE" sz="2000" dirty="0" err="1">
+                <a:solidFill>
                   <a:srgbClr val="0070C0"/>
                 </a:solidFill>
                 <a:latin typeface="Courier New" panose="02070309020205020404" pitchFamily="49" charset="0"/>
                 <a:cs typeface="Courier New" panose="02070309020205020404" pitchFamily="49" charset="0"/>
               </a:rPr>
-              <a:t>if</a:t>
+              <a:t>else</a:t>
             </a:r>
             <a:r>
               <a:rPr lang="de-DE" sz="2000" dirty="0">
                 <a:latin typeface="Courier New" panose="02070309020205020404" pitchFamily="49" charset="0"/>
                 <a:cs typeface="Courier New" panose="02070309020205020404" pitchFamily="49" charset="0"/>
               </a:rPr>
-              <a:t> (</a:t>
+              <a:t> { </a:t>
+            </a:r>
+          </a:p>
+          <a:p>
+            <a:r>
+              <a:rPr lang="de-DE" sz="2000" dirty="0">
+                <a:latin typeface="Courier New" panose="02070309020205020404" pitchFamily="49" charset="0"/>
+                <a:cs typeface="Courier New" panose="02070309020205020404" pitchFamily="49" charset="0"/>
+              </a:rPr>
+              <a:t>      </a:t>
+            </a:r>
+            <a:r>
+              <a:rPr lang="de-DE" sz="2000" dirty="0">
+                <a:solidFill>
+                  <a:schemeClr val="bg1">
+                    <a:lumMod val="65000"/>
+                  </a:schemeClr>
+                </a:solidFill>
+                <a:latin typeface="Courier New" panose="02070309020205020404" pitchFamily="49" charset="0"/>
+                <a:cs typeface="Courier New" panose="02070309020205020404" pitchFamily="49" charset="0"/>
+              </a:rPr>
+              <a:t>// </a:t>
             </a:r>
             <a:r>
               <a:rPr lang="de-DE" sz="2000" dirty="0" err="1">
-                <a:latin typeface="Courier New" panose="02070309020205020404" pitchFamily="49" charset="0"/>
-                <a:cs typeface="Courier New" panose="02070309020205020404" pitchFamily="49" charset="0"/>
-              </a:rPr>
-              <a:t>error</a:t>
+                <a:solidFill>
+                  <a:schemeClr val="bg1">
+                    <a:lumMod val="65000"/>
+                  </a:schemeClr>
+                </a:solidFill>
+                <a:latin typeface="Courier New" panose="02070309020205020404" pitchFamily="49" charset="0"/>
+                <a:cs typeface="Courier New" panose="02070309020205020404" pitchFamily="49" charset="0"/>
+              </a:rPr>
+              <a:t>script</a:t>
             </a:r>
             <a:r>
               <a:rPr lang="de-DE" sz="2000" dirty="0">
-                <a:latin typeface="Courier New" panose="02070309020205020404" pitchFamily="49" charset="0"/>
-                <a:cs typeface="Courier New" panose="02070309020205020404" pitchFamily="49" charset="0"/>
-              </a:rPr>
-              <a:t>) { </a:t>
-            </a:r>
-          </a:p>
-          <a:p>
+                <a:solidFill>
+                  <a:schemeClr val="bg1">
+                    <a:lumMod val="65000"/>
+                  </a:schemeClr>
+                </a:solidFill>
+                <a:latin typeface="Courier New" panose="02070309020205020404" pitchFamily="49" charset="0"/>
+                <a:cs typeface="Courier New" panose="02070309020205020404" pitchFamily="49" charset="0"/>
+              </a:rPr>
+              <a:t> </a:t>
+            </a:r>
+            <a:r>
+              <a:rPr lang="de-DE" sz="2000" dirty="0" err="1">
+                <a:solidFill>
+                  <a:schemeClr val="bg1">
+                    <a:lumMod val="65000"/>
+                  </a:schemeClr>
+                </a:solidFill>
+                <a:latin typeface="Courier New" panose="02070309020205020404" pitchFamily="49" charset="0"/>
+                <a:cs typeface="Courier New" panose="02070309020205020404" pitchFamily="49" charset="0"/>
+              </a:rPr>
+              <a:t>loaded</a:t>
+            </a:r>
             <a:r>
               <a:rPr lang="de-DE" sz="2000" dirty="0">
-                <a:latin typeface="Courier New" panose="02070309020205020404" pitchFamily="49" charset="0"/>
-                <a:cs typeface="Courier New" panose="02070309020205020404" pitchFamily="49" charset="0"/>
-              </a:rPr>
-              <a:t>      </a:t>
+                <a:solidFill>
+                  <a:schemeClr val="bg1">
+                    <a:lumMod val="65000"/>
+                  </a:schemeClr>
+                </a:solidFill>
+                <a:latin typeface="Courier New" panose="02070309020205020404" pitchFamily="49" charset="0"/>
+                <a:cs typeface="Courier New" panose="02070309020205020404" pitchFamily="49" charset="0"/>
+              </a:rPr>
+              <a:t> </a:t>
             </a:r>
             <a:r>
               <a:rPr lang="de-DE" sz="2000" dirty="0" err="1">
-                <a:latin typeface="Courier New" panose="02070309020205020404" pitchFamily="49" charset="0"/>
-                <a:cs typeface="Courier New" panose="02070309020205020404" pitchFamily="49" charset="0"/>
-              </a:rPr>
-              <a:t>handleError</a:t>
+                <a:solidFill>
+                  <a:schemeClr val="bg1">
+                    <a:lumMod val="65000"/>
+                  </a:schemeClr>
+                </a:solidFill>
+                <a:latin typeface="Courier New" panose="02070309020205020404" pitchFamily="49" charset="0"/>
+                <a:cs typeface="Courier New" panose="02070309020205020404" pitchFamily="49" charset="0"/>
+              </a:rPr>
+              <a:t>successfully</a:t>
             </a:r>
             <a:r>
               <a:rPr lang="de-DE" sz="2000" dirty="0">
-                <a:latin typeface="Courier New" panose="02070309020205020404" pitchFamily="49" charset="0"/>
-                <a:cs typeface="Courier New" panose="02070309020205020404" pitchFamily="49" charset="0"/>
-              </a:rPr>
-              <a:t>(</a:t>
-            </a:r>
-            <a:r>
-              <a:rPr lang="de-DE" sz="2000" dirty="0" err="1">
-                <a:latin typeface="Courier New" panose="02070309020205020404" pitchFamily="49" charset="0"/>
-                <a:cs typeface="Courier New" panose="02070309020205020404" pitchFamily="49" charset="0"/>
-              </a:rPr>
-              <a:t>error</a:t>
-            </a:r>
+                <a:solidFill>
+                  <a:schemeClr val="bg1">
+                    <a:lumMod val="65000"/>
+                  </a:schemeClr>
+                </a:solidFill>
+                <a:latin typeface="Courier New" panose="02070309020205020404" pitchFamily="49" charset="0"/>
+                <a:cs typeface="Courier New" panose="02070309020205020404" pitchFamily="49" charset="0"/>
+              </a:rPr>
+              <a:t> </a:t>
+            </a:r>
+          </a:p>
+          <a:p>
             <a:r>
               <a:rPr lang="de-DE" sz="2000" dirty="0">
                 <a:latin typeface="Courier New" panose="02070309020205020404" pitchFamily="49" charset="0"/>
                 <a:cs typeface="Courier New" panose="02070309020205020404" pitchFamily="49" charset="0"/>
               </a:rPr>
-              <a:t>); </a:t>
-            </a:r>
-          </a:p>
-          <a:p>
-            <a:r>
-              <a:rPr lang="de-DE" sz="2000" dirty="0">
-                <a:latin typeface="Courier New" panose="02070309020205020404" pitchFamily="49" charset="0"/>
-                <a:cs typeface="Courier New" panose="02070309020205020404" pitchFamily="49" charset="0"/>
-              </a:rPr>
               <a:t>   } </a:t>
-            </a:r>
-            <a:r>
-              <a:rPr lang="de-DE" sz="2000" dirty="0" err="1">
-                <a:solidFill>
-                  <a:srgbClr val="0070C0"/>
-                </a:solidFill>
-                <a:latin typeface="Courier New" panose="02070309020205020404" pitchFamily="49" charset="0"/>
-                <a:cs typeface="Courier New" panose="02070309020205020404" pitchFamily="49" charset="0"/>
-              </a:rPr>
-              <a:t>else</a:t>
-            </a:r>
-            <a:r>
-              <a:rPr lang="de-DE" sz="2000" dirty="0">
-                <a:latin typeface="Courier New" panose="02070309020205020404" pitchFamily="49" charset="0"/>
-                <a:cs typeface="Courier New" panose="02070309020205020404" pitchFamily="49" charset="0"/>
-              </a:rPr>
-              <a:t> { </a:t>
-            </a:r>
-          </a:p>
-          <a:p>
-            <a:r>
-              <a:rPr lang="de-DE" sz="2000" dirty="0">
-                <a:latin typeface="Courier New" panose="02070309020205020404" pitchFamily="49" charset="0"/>
-                <a:cs typeface="Courier New" panose="02070309020205020404" pitchFamily="49" charset="0"/>
-              </a:rPr>
-              <a:t>      </a:t>
-            </a:r>
-            <a:r>
-              <a:rPr lang="de-DE" sz="2000" dirty="0" err="1">
-                <a:latin typeface="Courier New" panose="02070309020205020404" pitchFamily="49" charset="0"/>
-                <a:cs typeface="Courier New" panose="02070309020205020404" pitchFamily="49" charset="0"/>
-              </a:rPr>
-              <a:t>loadScript</a:t>
-            </a:r>
-            <a:r>
-              <a:rPr lang="de-DE" sz="2000" dirty="0">
-                <a:latin typeface="Courier New" panose="02070309020205020404" pitchFamily="49" charset="0"/>
-                <a:cs typeface="Courier New" panose="02070309020205020404" pitchFamily="49" charset="0"/>
-              </a:rPr>
-              <a:t>(</a:t>
-            </a:r>
-            <a:r>
-              <a:rPr lang="de-DE" sz="2000" dirty="0">
-                <a:solidFill>
-                  <a:srgbClr val="009C48"/>
-                </a:solidFill>
-                <a:latin typeface="Courier New" panose="02070309020205020404" pitchFamily="49" charset="0"/>
-                <a:cs typeface="Courier New" panose="02070309020205020404" pitchFamily="49" charset="0"/>
-              </a:rPr>
-              <a:t>'2.js'</a:t>
-            </a:r>
-            <a:r>
-              <a:rPr lang="de-DE" sz="2000" dirty="0">
-                <a:latin typeface="Courier New" panose="02070309020205020404" pitchFamily="49" charset="0"/>
-                <a:cs typeface="Courier New" panose="02070309020205020404" pitchFamily="49" charset="0"/>
-              </a:rPr>
-              <a:t>, </a:t>
-            </a:r>
-            <a:r>
-              <a:rPr lang="de-DE" sz="2000" dirty="0" err="1">
-                <a:solidFill>
-                  <a:srgbClr val="0070C0"/>
-                </a:solidFill>
-                <a:latin typeface="Courier New" panose="02070309020205020404" pitchFamily="49" charset="0"/>
-                <a:cs typeface="Courier New" panose="02070309020205020404" pitchFamily="49" charset="0"/>
-              </a:rPr>
-              <a:t>function</a:t>
-            </a:r>
-            <a:r>
-              <a:rPr lang="de-DE" sz="2000" dirty="0">
-                <a:latin typeface="Courier New" panose="02070309020205020404" pitchFamily="49" charset="0"/>
-                <a:cs typeface="Courier New" panose="02070309020205020404" pitchFamily="49" charset="0"/>
-              </a:rPr>
-              <a:t>(</a:t>
-            </a:r>
-            <a:r>
-              <a:rPr lang="de-DE" sz="2000" dirty="0" err="1">
-                <a:latin typeface="Courier New" panose="02070309020205020404" pitchFamily="49" charset="0"/>
-                <a:cs typeface="Courier New" panose="02070309020205020404" pitchFamily="49" charset="0"/>
-              </a:rPr>
-              <a:t>error</a:t>
-            </a:r>
-            <a:r>
-              <a:rPr lang="de-DE" sz="2000" dirty="0">
-                <a:latin typeface="Courier New" panose="02070309020205020404" pitchFamily="49" charset="0"/>
-                <a:cs typeface="Courier New" panose="02070309020205020404" pitchFamily="49" charset="0"/>
-              </a:rPr>
-              <a:t>, </a:t>
-            </a:r>
-            <a:r>
-              <a:rPr lang="de-DE" sz="2000" dirty="0" err="1">
-                <a:latin typeface="Courier New" panose="02070309020205020404" pitchFamily="49" charset="0"/>
-                <a:cs typeface="Courier New" panose="02070309020205020404" pitchFamily="49" charset="0"/>
-              </a:rPr>
-              <a:t>script</a:t>
-            </a:r>
-            <a:r>
-              <a:rPr lang="de-DE" sz="2000" dirty="0">
-                <a:latin typeface="Courier New" panose="02070309020205020404" pitchFamily="49" charset="0"/>
-                <a:cs typeface="Courier New" panose="02070309020205020404" pitchFamily="49" charset="0"/>
-              </a:rPr>
-              <a:t>) { </a:t>
-            </a:r>
-          </a:p>
-          <a:p>
-            <a:r>
-              <a:rPr lang="de-DE" sz="2000" dirty="0">
-                <a:latin typeface="Courier New" panose="02070309020205020404" pitchFamily="49" charset="0"/>
-                <a:cs typeface="Courier New" panose="02070309020205020404" pitchFamily="49" charset="0"/>
-              </a:rPr>
-              <a:t>         </a:t>
-            </a:r>
-            <a:r>
-              <a:rPr lang="de-DE" sz="2000" dirty="0" err="1">
-                <a:solidFill>
-                  <a:srgbClr val="0070C0"/>
-                </a:solidFill>
-                <a:latin typeface="Courier New" panose="02070309020205020404" pitchFamily="49" charset="0"/>
-                <a:cs typeface="Courier New" panose="02070309020205020404" pitchFamily="49" charset="0"/>
-              </a:rPr>
-              <a:t>if</a:t>
-            </a:r>
-            <a:r>
-              <a:rPr lang="de-DE" sz="2000" dirty="0">
-                <a:latin typeface="Courier New" panose="02070309020205020404" pitchFamily="49" charset="0"/>
-                <a:cs typeface="Courier New" panose="02070309020205020404" pitchFamily="49" charset="0"/>
-              </a:rPr>
-              <a:t> (</a:t>
-            </a:r>
-            <a:r>
-              <a:rPr lang="de-DE" sz="2000" dirty="0" err="1">
-                <a:latin typeface="Courier New" panose="02070309020205020404" pitchFamily="49" charset="0"/>
-                <a:cs typeface="Courier New" panose="02070309020205020404" pitchFamily="49" charset="0"/>
-              </a:rPr>
-              <a:t>error</a:t>
-            </a:r>
-            <a:r>
-              <a:rPr lang="de-DE" sz="2000" dirty="0">
-                <a:latin typeface="Courier New" panose="02070309020205020404" pitchFamily="49" charset="0"/>
-                <a:cs typeface="Courier New" panose="02070309020205020404" pitchFamily="49" charset="0"/>
-              </a:rPr>
-              <a:t>) { </a:t>
-            </a:r>
-          </a:p>
-          <a:p>
-            <a:r>
-              <a:rPr lang="de-DE" sz="2000" dirty="0">
-                <a:latin typeface="Courier New" panose="02070309020205020404" pitchFamily="49" charset="0"/>
-                <a:cs typeface="Courier New" panose="02070309020205020404" pitchFamily="49" charset="0"/>
-              </a:rPr>
-              <a:t>            </a:t>
-            </a:r>
-            <a:r>
-              <a:rPr lang="de-DE" sz="2000" dirty="0" err="1">
-                <a:latin typeface="Courier New" panose="02070309020205020404" pitchFamily="49" charset="0"/>
-                <a:cs typeface="Courier New" panose="02070309020205020404" pitchFamily="49" charset="0"/>
-              </a:rPr>
-              <a:t>handleError</a:t>
-            </a:r>
-            <a:r>
-              <a:rPr lang="de-DE" sz="2000" dirty="0">
-                <a:latin typeface="Courier New" panose="02070309020205020404" pitchFamily="49" charset="0"/>
-                <a:cs typeface="Courier New" panose="02070309020205020404" pitchFamily="49" charset="0"/>
-              </a:rPr>
-              <a:t>(</a:t>
-            </a:r>
-            <a:r>
-              <a:rPr lang="de-DE" sz="2000" dirty="0" err="1">
-                <a:latin typeface="Courier New" panose="02070309020205020404" pitchFamily="49" charset="0"/>
-                <a:cs typeface="Courier New" panose="02070309020205020404" pitchFamily="49" charset="0"/>
-              </a:rPr>
-              <a:t>error</a:t>
-            </a:r>
-            <a:r>
-              <a:rPr lang="de-DE" sz="2000" dirty="0">
-                <a:latin typeface="Courier New" panose="02070309020205020404" pitchFamily="49" charset="0"/>
-                <a:cs typeface="Courier New" panose="02070309020205020404" pitchFamily="49" charset="0"/>
-              </a:rPr>
-              <a:t>); </a:t>
-            </a:r>
-          </a:p>
-          <a:p>
-            <a:r>
-              <a:rPr lang="de-DE" sz="2000" dirty="0">
-                <a:latin typeface="Courier New" panose="02070309020205020404" pitchFamily="49" charset="0"/>
-                <a:cs typeface="Courier New" panose="02070309020205020404" pitchFamily="49" charset="0"/>
-              </a:rPr>
-              <a:t>         } </a:t>
-            </a:r>
-            <a:r>
-              <a:rPr lang="de-DE" sz="2000" dirty="0" err="1">
-                <a:solidFill>
-                  <a:srgbClr val="0070C0"/>
-                </a:solidFill>
-                <a:latin typeface="Courier New" panose="02070309020205020404" pitchFamily="49" charset="0"/>
-                <a:cs typeface="Courier New" panose="02070309020205020404" pitchFamily="49" charset="0"/>
-              </a:rPr>
-              <a:t>else</a:t>
-            </a:r>
-            <a:r>
-              <a:rPr lang="de-DE" sz="2000" dirty="0">
-                <a:latin typeface="Courier New" panose="02070309020205020404" pitchFamily="49" charset="0"/>
-                <a:cs typeface="Courier New" panose="02070309020205020404" pitchFamily="49" charset="0"/>
-              </a:rPr>
-              <a:t> { </a:t>
-            </a:r>
-          </a:p>
-          <a:p>
-            <a:r>
-              <a:rPr lang="de-DE" sz="2000" dirty="0">
-                <a:latin typeface="Courier New" panose="02070309020205020404" pitchFamily="49" charset="0"/>
-                <a:cs typeface="Courier New" panose="02070309020205020404" pitchFamily="49" charset="0"/>
-              </a:rPr>
-              <a:t>            </a:t>
-            </a:r>
-            <a:r>
-              <a:rPr lang="de-DE" sz="2000" dirty="0">
-                <a:solidFill>
-                  <a:schemeClr val="bg1">
-                    <a:lumMod val="75000"/>
-                  </a:schemeClr>
-                </a:solidFill>
-                <a:latin typeface="Courier New" panose="02070309020205020404" pitchFamily="49" charset="0"/>
-                <a:cs typeface="Courier New" panose="02070309020205020404" pitchFamily="49" charset="0"/>
-              </a:rPr>
-              <a:t>// ...</a:t>
-            </a:r>
-          </a:p>
-          <a:p>
-            <a:r>
-              <a:rPr lang="de-DE" sz="2000" dirty="0">
-                <a:solidFill>
-                  <a:schemeClr val="bg1">
-                    <a:lumMod val="75000"/>
-                  </a:schemeClr>
-                </a:solidFill>
-                <a:latin typeface="Courier New" panose="02070309020205020404" pitchFamily="49" charset="0"/>
-                <a:cs typeface="Courier New" panose="02070309020205020404" pitchFamily="49" charset="0"/>
-              </a:rPr>
-              <a:t>         </a:t>
-            </a:r>
-            <a:r>
-              <a:rPr lang="de-DE" sz="2000" dirty="0">
-                <a:latin typeface="Courier New" panose="02070309020205020404" pitchFamily="49" charset="0"/>
-                <a:cs typeface="Courier New" panose="02070309020205020404" pitchFamily="49" charset="0"/>
-              </a:rPr>
-              <a:t>}</a:t>
-            </a:r>
-            <a:r>
-              <a:rPr lang="de-DE" sz="2000" dirty="0">
-                <a:solidFill>
-                  <a:schemeClr val="bg1">
-                    <a:lumMod val="75000"/>
-                  </a:schemeClr>
-                </a:solidFill>
-                <a:latin typeface="Courier New" panose="02070309020205020404" pitchFamily="49" charset="0"/>
-                <a:cs typeface="Courier New" panose="02070309020205020404" pitchFamily="49" charset="0"/>
-              </a:rPr>
-              <a:t> </a:t>
-            </a:r>
-            <a:endParaRPr lang="de-DE" sz="2000" dirty="0">
-              <a:latin typeface="Courier New" panose="02070309020205020404" pitchFamily="49" charset="0"/>
-              <a:cs typeface="Courier New" panose="02070309020205020404" pitchFamily="49" charset="0"/>
-            </a:endParaRPr>
-          </a:p>
-          <a:p>
-            <a:r>
-              <a:rPr lang="de-DE" sz="2000" dirty="0">
-                <a:latin typeface="Courier New" panose="02070309020205020404" pitchFamily="49" charset="0"/>
-                <a:cs typeface="Courier New" panose="02070309020205020404" pitchFamily="49" charset="0"/>
-              </a:rPr>
-              <a:t>      });</a:t>
-            </a:r>
-          </a:p>
-          <a:p>
-            <a:r>
-              <a:rPr lang="de-DE" sz="2000" dirty="0">
-                <a:latin typeface="Courier New" panose="02070309020205020404" pitchFamily="49" charset="0"/>
-                <a:cs typeface="Courier New" panose="02070309020205020404" pitchFamily="49" charset="0"/>
-              </a:rPr>
-              <a:t>   }</a:t>
             </a:r>
           </a:p>
           <a:p>
@@ -9556,7 +14164,7 @@
     </p:spTree>
     <p:extLst>
       <p:ext uri="{BB962C8B-B14F-4D97-AF65-F5344CB8AC3E}">
-        <p14:creationId xmlns:p14="http://schemas.microsoft.com/office/powerpoint/2010/main" val="1395676247"/>
+        <p14:creationId xmlns:p14="http://schemas.microsoft.com/office/powerpoint/2010/main" val="4173893321"/>
       </p:ext>
     </p:extLst>
   </p:cSld>
@@ -9588,7 +14196,7 @@
           <p:cNvPr id="2" name="Titel 1">
             <a:extLst>
               <a:ext uri="{FF2B5EF4-FFF2-40B4-BE49-F238E27FC236}">
-                <a16:creationId xmlns:a16="http://schemas.microsoft.com/office/drawing/2014/main" id="{8B2B8D31-45F6-124F-A8C3-09350CC015F2}"/>
+                <a16:creationId xmlns:a16="http://schemas.microsoft.com/office/drawing/2014/main" id="{9B58F574-F6F0-604F-8F8D-6F0B970EE89A}"/>
               </a:ext>
             </a:extLst>
           </p:cNvPr>
@@ -9606,7 +14214,7 @@
           <a:p>
             <a:r>
               <a:rPr lang="de-DE" dirty="0"/>
-              <a:t>Was ist die Callback Hölle? (3/3)</a:t>
+              <a:t>Was ist die Callback Hölle? (2/3)</a:t>
             </a:r>
           </a:p>
         </p:txBody>
@@ -9616,7 +14224,7 @@
           <p:cNvPr id="4" name="Datumsplatzhalter 3">
             <a:extLst>
               <a:ext uri="{FF2B5EF4-FFF2-40B4-BE49-F238E27FC236}">
-                <a16:creationId xmlns:a16="http://schemas.microsoft.com/office/drawing/2014/main" id="{ED0B0DF8-4454-164D-BB76-C103D2B7F551}"/>
+                <a16:creationId xmlns:a16="http://schemas.microsoft.com/office/drawing/2014/main" id="{09B01103-5E85-4E44-B144-36CF1C97C80C}"/>
               </a:ext>
             </a:extLst>
           </p:cNvPr>
@@ -9645,7 +14253,7 @@
           <p:cNvPr id="5" name="Fußzeilenplatzhalter 4">
             <a:extLst>
               <a:ext uri="{FF2B5EF4-FFF2-40B4-BE49-F238E27FC236}">
-                <a16:creationId xmlns:a16="http://schemas.microsoft.com/office/drawing/2014/main" id="{04CE8D11-856F-ED43-AF0F-327A215E5DB9}"/>
+                <a16:creationId xmlns:a16="http://schemas.microsoft.com/office/drawing/2014/main" id="{247FCAAD-A919-9B40-AFA9-0BF009B88DDA}"/>
               </a:ext>
             </a:extLst>
           </p:cNvPr>
@@ -9674,7 +14282,7 @@
           <p:cNvPr id="6" name="Foliennummernplatzhalter 5">
             <a:extLst>
               <a:ext uri="{FF2B5EF4-FFF2-40B4-BE49-F238E27FC236}">
-                <a16:creationId xmlns:a16="http://schemas.microsoft.com/office/drawing/2014/main" id="{7D4A7309-E2F2-7D4E-B919-F76193117526}"/>
+                <a16:creationId xmlns:a16="http://schemas.microsoft.com/office/drawing/2014/main" id="{DC52F746-C01E-C347-AD70-6AA5C08F19A0}"/>
               </a:ext>
             </a:extLst>
           </p:cNvPr>
@@ -9704,7 +14312,7 @@
           <p:cNvPr id="7" name="Rechteck 6">
             <a:extLst>
               <a:ext uri="{FF2B5EF4-FFF2-40B4-BE49-F238E27FC236}">
-                <a16:creationId xmlns:a16="http://schemas.microsoft.com/office/drawing/2014/main" id="{3C17D49F-7A56-DA4C-8C9A-A68482ABDF9E}"/>
+                <a16:creationId xmlns:a16="http://schemas.microsoft.com/office/drawing/2014/main" id="{44D4B3A7-DDF4-C240-987C-9EE1AD90A158}"/>
               </a:ext>
             </a:extLst>
           </p:cNvPr>
@@ -9713,8 +14321,8 @@
         </p:nvSpPr>
         <p:spPr>
           <a:xfrm>
-            <a:off x="107504" y="980728"/>
-            <a:ext cx="9145016" cy="5355312"/>
+            <a:off x="323528" y="1351508"/>
+            <a:ext cx="8363272" cy="4093428"/>
           </a:xfrm>
           <a:prstGeom prst="rect">
             <a:avLst/>
@@ -9727,23 +14335,23 @@
           <a:lstStyle/>
           <a:p>
             <a:r>
-              <a:rPr lang="de-DE" sz="1800" dirty="0" err="1">
+              <a:rPr lang="de-DE" sz="2000" dirty="0" err="1">
                 <a:latin typeface="Courier New" panose="02070309020205020404" pitchFamily="49" charset="0"/>
                 <a:cs typeface="Courier New" panose="02070309020205020404" pitchFamily="49" charset="0"/>
               </a:rPr>
               <a:t>loadScript</a:t>
             </a:r>
             <a:r>
-              <a:rPr lang="de-DE" sz="1800" dirty="0">
+              <a:rPr lang="de-DE" sz="2000" dirty="0">
                 <a:latin typeface="Courier New" panose="02070309020205020404" pitchFamily="49" charset="0"/>
                 <a:cs typeface="Courier New" panose="02070309020205020404" pitchFamily="49" charset="0"/>
               </a:rPr>
               <a:t>(</a:t>
             </a:r>
             <a:r>
-              <a:rPr lang="de-DE" sz="1800" dirty="0">
-                <a:solidFill>
-                  <a:srgbClr val="00B050"/>
+              <a:rPr lang="de-DE" sz="2000" dirty="0">
+                <a:solidFill>
+                  <a:srgbClr val="009C48"/>
                 </a:solidFill>
                 <a:latin typeface="Courier New" panose="02070309020205020404" pitchFamily="49" charset="0"/>
                 <a:cs typeface="Courier New" panose="02070309020205020404" pitchFamily="49" charset="0"/>
@@ -9751,14 +14359,14 @@
               <a:t>'1.js'</a:t>
             </a:r>
             <a:r>
-              <a:rPr lang="de-DE" sz="1800" dirty="0">
+              <a:rPr lang="de-DE" sz="2000" dirty="0">
                 <a:latin typeface="Courier New" panose="02070309020205020404" pitchFamily="49" charset="0"/>
                 <a:cs typeface="Courier New" panose="02070309020205020404" pitchFamily="49" charset="0"/>
               </a:rPr>
               <a:t>, </a:t>
             </a:r>
             <a:r>
-              <a:rPr lang="de-DE" sz="1800" dirty="0" err="1">
+              <a:rPr lang="de-DE" sz="2000" dirty="0" err="1">
                 <a:solidFill>
                   <a:srgbClr val="0070C0"/>
                 </a:solidFill>
@@ -9768,35 +14376,35 @@
               <a:t>function</a:t>
             </a:r>
             <a:r>
-              <a:rPr lang="de-DE" sz="1800" dirty="0">
+              <a:rPr lang="de-DE" sz="2000" dirty="0">
                 <a:latin typeface="Courier New" panose="02070309020205020404" pitchFamily="49" charset="0"/>
                 <a:cs typeface="Courier New" panose="02070309020205020404" pitchFamily="49" charset="0"/>
               </a:rPr>
               <a:t>(</a:t>
             </a:r>
             <a:r>
-              <a:rPr lang="de-DE" sz="1800" dirty="0" err="1">
+              <a:rPr lang="de-DE" sz="2000" dirty="0" err="1">
                 <a:latin typeface="Courier New" panose="02070309020205020404" pitchFamily="49" charset="0"/>
                 <a:cs typeface="Courier New" panose="02070309020205020404" pitchFamily="49" charset="0"/>
               </a:rPr>
               <a:t>error</a:t>
             </a:r>
             <a:r>
-              <a:rPr lang="de-DE" sz="1800" dirty="0">
+              <a:rPr lang="de-DE" sz="2000" dirty="0">
                 <a:latin typeface="Courier New" panose="02070309020205020404" pitchFamily="49" charset="0"/>
                 <a:cs typeface="Courier New" panose="02070309020205020404" pitchFamily="49" charset="0"/>
               </a:rPr>
               <a:t>, </a:t>
             </a:r>
             <a:r>
-              <a:rPr lang="de-DE" sz="1800" dirty="0" err="1">
+              <a:rPr lang="de-DE" sz="2000" dirty="0" err="1">
                 <a:latin typeface="Courier New" panose="02070309020205020404" pitchFamily="49" charset="0"/>
                 <a:cs typeface="Courier New" panose="02070309020205020404" pitchFamily="49" charset="0"/>
               </a:rPr>
               <a:t>script</a:t>
             </a:r>
             <a:r>
-              <a:rPr lang="de-DE" sz="1800" dirty="0">
+              <a:rPr lang="de-DE" sz="2000" dirty="0">
                 <a:latin typeface="Courier New" panose="02070309020205020404" pitchFamily="49" charset="0"/>
                 <a:cs typeface="Courier New" panose="02070309020205020404" pitchFamily="49" charset="0"/>
               </a:rPr>
@@ -9805,14 +14413,14 @@
           </a:p>
           <a:p>
             <a:r>
-              <a:rPr lang="de-DE" sz="1800" dirty="0">
+              <a:rPr lang="de-DE" sz="2000" dirty="0">
                 <a:latin typeface="Courier New" panose="02070309020205020404" pitchFamily="49" charset="0"/>
                 <a:cs typeface="Courier New" panose="02070309020205020404" pitchFamily="49" charset="0"/>
               </a:rPr>
               <a:t>   </a:t>
             </a:r>
             <a:r>
-              <a:rPr lang="de-DE" sz="1800" dirty="0" err="1">
+              <a:rPr lang="de-DE" sz="2000" dirty="0" err="1">
                 <a:solidFill>
                   <a:srgbClr val="0070C0"/>
                 </a:solidFill>
@@ -9822,21 +14430,21 @@
               <a:t>if</a:t>
             </a:r>
             <a:r>
-              <a:rPr lang="de-DE" sz="1800" dirty="0">
+              <a:rPr lang="de-DE" sz="2000" dirty="0">
                 <a:latin typeface="Courier New" panose="02070309020205020404" pitchFamily="49" charset="0"/>
                 <a:cs typeface="Courier New" panose="02070309020205020404" pitchFamily="49" charset="0"/>
               </a:rPr>
               <a:t> (</a:t>
             </a:r>
             <a:r>
-              <a:rPr lang="de-DE" sz="1800" dirty="0" err="1">
+              <a:rPr lang="de-DE" sz="2000" dirty="0" err="1">
                 <a:latin typeface="Courier New" panose="02070309020205020404" pitchFamily="49" charset="0"/>
                 <a:cs typeface="Courier New" panose="02070309020205020404" pitchFamily="49" charset="0"/>
               </a:rPr>
               <a:t>error</a:t>
             </a:r>
             <a:r>
-              <a:rPr lang="de-DE" sz="1800" dirty="0">
+              <a:rPr lang="de-DE" sz="2000" dirty="0">
                 <a:latin typeface="Courier New" panose="02070309020205020404" pitchFamily="49" charset="0"/>
                 <a:cs typeface="Courier New" panose="02070309020205020404" pitchFamily="49" charset="0"/>
               </a:rPr>
@@ -9845,35 +14453,35 @@
           </a:p>
           <a:p>
             <a:r>
-              <a:rPr lang="de-DE" sz="1800" dirty="0">
+              <a:rPr lang="de-DE" sz="2000" dirty="0">
                 <a:latin typeface="Courier New" panose="02070309020205020404" pitchFamily="49" charset="0"/>
                 <a:cs typeface="Courier New" panose="02070309020205020404" pitchFamily="49" charset="0"/>
               </a:rPr>
               <a:t>      </a:t>
             </a:r>
             <a:r>
-              <a:rPr lang="de-DE" sz="1800" dirty="0" err="1">
+              <a:rPr lang="de-DE" sz="2000" dirty="0" err="1">
                 <a:latin typeface="Courier New" panose="02070309020205020404" pitchFamily="49" charset="0"/>
                 <a:cs typeface="Courier New" panose="02070309020205020404" pitchFamily="49" charset="0"/>
               </a:rPr>
               <a:t>handleError</a:t>
             </a:r>
             <a:r>
-              <a:rPr lang="de-DE" sz="1800" dirty="0">
+              <a:rPr lang="de-DE" sz="2000" dirty="0">
                 <a:latin typeface="Courier New" panose="02070309020205020404" pitchFamily="49" charset="0"/>
                 <a:cs typeface="Courier New" panose="02070309020205020404" pitchFamily="49" charset="0"/>
               </a:rPr>
               <a:t>(</a:t>
             </a:r>
             <a:r>
-              <a:rPr lang="de-DE" sz="1800" dirty="0" err="1">
+              <a:rPr lang="de-DE" sz="2000" dirty="0" err="1">
                 <a:latin typeface="Courier New" panose="02070309020205020404" pitchFamily="49" charset="0"/>
                 <a:cs typeface="Courier New" panose="02070309020205020404" pitchFamily="49" charset="0"/>
               </a:rPr>
               <a:t>error</a:t>
             </a:r>
             <a:r>
-              <a:rPr lang="de-DE" sz="1800" dirty="0">
+              <a:rPr lang="de-DE" sz="2000" dirty="0">
                 <a:latin typeface="Courier New" panose="02070309020205020404" pitchFamily="49" charset="0"/>
                 <a:cs typeface="Courier New" panose="02070309020205020404" pitchFamily="49" charset="0"/>
               </a:rPr>
@@ -9882,14 +14490,14 @@
           </a:p>
           <a:p>
             <a:r>
-              <a:rPr lang="de-DE" sz="1800" dirty="0">
+              <a:rPr lang="de-DE" sz="2000" dirty="0">
                 <a:latin typeface="Courier New" panose="02070309020205020404" pitchFamily="49" charset="0"/>
                 <a:cs typeface="Courier New" panose="02070309020205020404" pitchFamily="49" charset="0"/>
               </a:rPr>
               <a:t>   } </a:t>
             </a:r>
             <a:r>
-              <a:rPr lang="de-DE" sz="1800" dirty="0" err="1">
+              <a:rPr lang="de-DE" sz="2000" dirty="0" err="1">
                 <a:solidFill>
                   <a:srgbClr val="0070C0"/>
                 </a:solidFill>
@@ -9899,7 +14507,7 @@
               <a:t>else</a:t>
             </a:r>
             <a:r>
-              <a:rPr lang="de-DE" sz="1800" dirty="0">
+              <a:rPr lang="de-DE" sz="2000" dirty="0">
                 <a:latin typeface="Courier New" panose="02070309020205020404" pitchFamily="49" charset="0"/>
                 <a:cs typeface="Courier New" panose="02070309020205020404" pitchFamily="49" charset="0"/>
               </a:rPr>
@@ -9908,30 +14516,30 @@
           </a:p>
           <a:p>
             <a:r>
-              <a:rPr lang="de-DE" sz="1800" dirty="0">
+              <a:rPr lang="de-DE" sz="2000" dirty="0">
                 <a:latin typeface="Courier New" panose="02070309020205020404" pitchFamily="49" charset="0"/>
                 <a:cs typeface="Courier New" panose="02070309020205020404" pitchFamily="49" charset="0"/>
               </a:rPr>
               <a:t>      </a:t>
             </a:r>
             <a:r>
-              <a:rPr lang="de-DE" sz="1800" dirty="0" err="1">
+              <a:rPr lang="de-DE" sz="2000" dirty="0" err="1">
                 <a:latin typeface="Courier New" panose="02070309020205020404" pitchFamily="49" charset="0"/>
                 <a:cs typeface="Courier New" panose="02070309020205020404" pitchFamily="49" charset="0"/>
               </a:rPr>
               <a:t>loadScript</a:t>
             </a:r>
             <a:r>
-              <a:rPr lang="de-DE" sz="1800" dirty="0">
+              <a:rPr lang="de-DE" sz="2000" dirty="0">
                 <a:latin typeface="Courier New" panose="02070309020205020404" pitchFamily="49" charset="0"/>
                 <a:cs typeface="Courier New" panose="02070309020205020404" pitchFamily="49" charset="0"/>
               </a:rPr>
               <a:t>(</a:t>
             </a:r>
             <a:r>
-              <a:rPr lang="de-DE" sz="1800" dirty="0">
-                <a:solidFill>
-                  <a:srgbClr val="00B050"/>
+              <a:rPr lang="de-DE" sz="2000" dirty="0">
+                <a:solidFill>
+                  <a:srgbClr val="009C48"/>
                 </a:solidFill>
                 <a:latin typeface="Courier New" panose="02070309020205020404" pitchFamily="49" charset="0"/>
                 <a:cs typeface="Courier New" panose="02070309020205020404" pitchFamily="49" charset="0"/>
@@ -9939,14 +14547,14 @@
               <a:t>'2.js'</a:t>
             </a:r>
             <a:r>
-              <a:rPr lang="de-DE" sz="1800" dirty="0">
+              <a:rPr lang="de-DE" sz="2000" dirty="0">
                 <a:latin typeface="Courier New" panose="02070309020205020404" pitchFamily="49" charset="0"/>
                 <a:cs typeface="Courier New" panose="02070309020205020404" pitchFamily="49" charset="0"/>
               </a:rPr>
               <a:t>, </a:t>
             </a:r>
             <a:r>
-              <a:rPr lang="de-DE" sz="1800" dirty="0" err="1">
+              <a:rPr lang="de-DE" sz="2000" dirty="0" err="1">
                 <a:solidFill>
                   <a:srgbClr val="0070C0"/>
                 </a:solidFill>
@@ -9956,35 +14564,35 @@
               <a:t>function</a:t>
             </a:r>
             <a:r>
-              <a:rPr lang="de-DE" sz="1800" dirty="0">
+              <a:rPr lang="de-DE" sz="2000" dirty="0">
                 <a:latin typeface="Courier New" panose="02070309020205020404" pitchFamily="49" charset="0"/>
                 <a:cs typeface="Courier New" panose="02070309020205020404" pitchFamily="49" charset="0"/>
               </a:rPr>
               <a:t>(</a:t>
             </a:r>
             <a:r>
-              <a:rPr lang="de-DE" sz="1800" dirty="0" err="1">
+              <a:rPr lang="de-DE" sz="2000" dirty="0" err="1">
                 <a:latin typeface="Courier New" panose="02070309020205020404" pitchFamily="49" charset="0"/>
                 <a:cs typeface="Courier New" panose="02070309020205020404" pitchFamily="49" charset="0"/>
               </a:rPr>
               <a:t>error</a:t>
             </a:r>
             <a:r>
-              <a:rPr lang="de-DE" sz="1800" dirty="0">
+              <a:rPr lang="de-DE" sz="2000" dirty="0">
                 <a:latin typeface="Courier New" panose="02070309020205020404" pitchFamily="49" charset="0"/>
                 <a:cs typeface="Courier New" panose="02070309020205020404" pitchFamily="49" charset="0"/>
               </a:rPr>
               <a:t>, </a:t>
             </a:r>
             <a:r>
-              <a:rPr lang="de-DE" sz="1800" dirty="0" err="1">
+              <a:rPr lang="de-DE" sz="2000" dirty="0" err="1">
                 <a:latin typeface="Courier New" panose="02070309020205020404" pitchFamily="49" charset="0"/>
                 <a:cs typeface="Courier New" panose="02070309020205020404" pitchFamily="49" charset="0"/>
               </a:rPr>
               <a:t>script</a:t>
             </a:r>
             <a:r>
-              <a:rPr lang="de-DE" sz="1800" dirty="0">
+              <a:rPr lang="de-DE" sz="2000" dirty="0">
                 <a:latin typeface="Courier New" panose="02070309020205020404" pitchFamily="49" charset="0"/>
                 <a:cs typeface="Courier New" panose="02070309020205020404" pitchFamily="49" charset="0"/>
               </a:rPr>
@@ -9993,14 +14601,14 @@
           </a:p>
           <a:p>
             <a:r>
-              <a:rPr lang="de-DE" sz="1800" dirty="0">
+              <a:rPr lang="de-DE" sz="2000" dirty="0">
                 <a:latin typeface="Courier New" panose="02070309020205020404" pitchFamily="49" charset="0"/>
                 <a:cs typeface="Courier New" panose="02070309020205020404" pitchFamily="49" charset="0"/>
               </a:rPr>
               <a:t>         </a:t>
             </a:r>
             <a:r>
-              <a:rPr lang="de-DE" sz="1800" dirty="0" err="1">
+              <a:rPr lang="de-DE" sz="2000" dirty="0" err="1">
                 <a:solidFill>
                   <a:srgbClr val="0070C0"/>
                 </a:solidFill>
@@ -10010,21 +14618,21 @@
               <a:t>if</a:t>
             </a:r>
             <a:r>
-              <a:rPr lang="de-DE" sz="1800" dirty="0">
+              <a:rPr lang="de-DE" sz="2000" dirty="0">
                 <a:latin typeface="Courier New" panose="02070309020205020404" pitchFamily="49" charset="0"/>
                 <a:cs typeface="Courier New" panose="02070309020205020404" pitchFamily="49" charset="0"/>
               </a:rPr>
               <a:t> (</a:t>
             </a:r>
             <a:r>
-              <a:rPr lang="de-DE" sz="1800" dirty="0" err="1">
+              <a:rPr lang="de-DE" sz="2000" dirty="0" err="1">
                 <a:latin typeface="Courier New" panose="02070309020205020404" pitchFamily="49" charset="0"/>
                 <a:cs typeface="Courier New" panose="02070309020205020404" pitchFamily="49" charset="0"/>
               </a:rPr>
               <a:t>error</a:t>
             </a:r>
             <a:r>
-              <a:rPr lang="de-DE" sz="1800" dirty="0">
+              <a:rPr lang="de-DE" sz="2000" dirty="0">
                 <a:latin typeface="Courier New" panose="02070309020205020404" pitchFamily="49" charset="0"/>
                 <a:cs typeface="Courier New" panose="02070309020205020404" pitchFamily="49" charset="0"/>
               </a:rPr>
@@ -10033,35 +14641,35 @@
           </a:p>
           <a:p>
             <a:r>
-              <a:rPr lang="de-DE" sz="1800" dirty="0">
+              <a:rPr lang="de-DE" sz="2000" dirty="0">
                 <a:latin typeface="Courier New" panose="02070309020205020404" pitchFamily="49" charset="0"/>
                 <a:cs typeface="Courier New" panose="02070309020205020404" pitchFamily="49" charset="0"/>
               </a:rPr>
               <a:t>            </a:t>
             </a:r>
             <a:r>
-              <a:rPr lang="de-DE" sz="1800" dirty="0" err="1">
+              <a:rPr lang="de-DE" sz="2000" dirty="0" err="1">
                 <a:latin typeface="Courier New" panose="02070309020205020404" pitchFamily="49" charset="0"/>
                 <a:cs typeface="Courier New" panose="02070309020205020404" pitchFamily="49" charset="0"/>
               </a:rPr>
               <a:t>handleError</a:t>
             </a:r>
             <a:r>
-              <a:rPr lang="de-DE" sz="1800" dirty="0">
+              <a:rPr lang="de-DE" sz="2000" dirty="0">
                 <a:latin typeface="Courier New" panose="02070309020205020404" pitchFamily="49" charset="0"/>
                 <a:cs typeface="Courier New" panose="02070309020205020404" pitchFamily="49" charset="0"/>
               </a:rPr>
               <a:t>(</a:t>
             </a:r>
             <a:r>
-              <a:rPr lang="de-DE" sz="1800" dirty="0" err="1">
+              <a:rPr lang="de-DE" sz="2000" dirty="0" err="1">
                 <a:latin typeface="Courier New" panose="02070309020205020404" pitchFamily="49" charset="0"/>
                 <a:cs typeface="Courier New" panose="02070309020205020404" pitchFamily="49" charset="0"/>
               </a:rPr>
               <a:t>error</a:t>
             </a:r>
             <a:r>
-              <a:rPr lang="de-DE" sz="1800" dirty="0">
+              <a:rPr lang="de-DE" sz="2000" dirty="0">
                 <a:latin typeface="Courier New" panose="02070309020205020404" pitchFamily="49" charset="0"/>
                 <a:cs typeface="Courier New" panose="02070309020205020404" pitchFamily="49" charset="0"/>
               </a:rPr>
@@ -10070,14 +14678,14 @@
           </a:p>
           <a:p>
             <a:r>
-              <a:rPr lang="de-DE" sz="1800" dirty="0">
+              <a:rPr lang="de-DE" sz="2000" dirty="0">
                 <a:latin typeface="Courier New" panose="02070309020205020404" pitchFamily="49" charset="0"/>
                 <a:cs typeface="Courier New" panose="02070309020205020404" pitchFamily="49" charset="0"/>
               </a:rPr>
               <a:t>         } </a:t>
             </a:r>
             <a:r>
-              <a:rPr lang="de-DE" sz="1800" dirty="0" err="1">
+              <a:rPr lang="de-DE" sz="2000" dirty="0" err="1">
                 <a:solidFill>
                   <a:srgbClr val="0070C0"/>
                 </a:solidFill>
@@ -10087,7 +14695,7 @@
               <a:t>else</a:t>
             </a:r>
             <a:r>
-              <a:rPr lang="de-DE" sz="1800" dirty="0">
+              <a:rPr lang="de-DE" sz="2000" dirty="0">
                 <a:latin typeface="Courier New" panose="02070309020205020404" pitchFamily="49" charset="0"/>
                 <a:cs typeface="Courier New" panose="02070309020205020404" pitchFamily="49" charset="0"/>
               </a:rPr>
@@ -10096,202 +14704,14 @@
           </a:p>
           <a:p>
             <a:r>
-              <a:rPr lang="de-DE" sz="1800" dirty="0">
+              <a:rPr lang="de-DE" sz="2000" dirty="0">
                 <a:latin typeface="Courier New" panose="02070309020205020404" pitchFamily="49" charset="0"/>
                 <a:cs typeface="Courier New" panose="02070309020205020404" pitchFamily="49" charset="0"/>
               </a:rPr>
               <a:t>            </a:t>
             </a:r>
             <a:r>
-              <a:rPr lang="de-DE" sz="1800" dirty="0" err="1">
-                <a:latin typeface="Courier New" panose="02070309020205020404" pitchFamily="49" charset="0"/>
-                <a:cs typeface="Courier New" panose="02070309020205020404" pitchFamily="49" charset="0"/>
-              </a:rPr>
-              <a:t>loadScript</a:t>
-            </a:r>
-            <a:r>
-              <a:rPr lang="de-DE" sz="1800" dirty="0">
-                <a:latin typeface="Courier New" panose="02070309020205020404" pitchFamily="49" charset="0"/>
-                <a:cs typeface="Courier New" panose="02070309020205020404" pitchFamily="49" charset="0"/>
-              </a:rPr>
-              <a:t>(</a:t>
-            </a:r>
-            <a:r>
-              <a:rPr lang="de-DE" sz="1800" dirty="0">
-                <a:solidFill>
-                  <a:srgbClr val="00B050"/>
-                </a:solidFill>
-                <a:latin typeface="Courier New" panose="02070309020205020404" pitchFamily="49" charset="0"/>
-                <a:cs typeface="Courier New" panose="02070309020205020404" pitchFamily="49" charset="0"/>
-              </a:rPr>
-              <a:t>'3.js'</a:t>
-            </a:r>
-            <a:r>
-              <a:rPr lang="de-DE" sz="1800" dirty="0">
-                <a:latin typeface="Courier New" panose="02070309020205020404" pitchFamily="49" charset="0"/>
-                <a:cs typeface="Courier New" panose="02070309020205020404" pitchFamily="49" charset="0"/>
-              </a:rPr>
-              <a:t>, </a:t>
-            </a:r>
-            <a:r>
-              <a:rPr lang="de-DE" sz="1800" dirty="0" err="1">
-                <a:solidFill>
-                  <a:srgbClr val="0070C0"/>
-                </a:solidFill>
-                <a:latin typeface="Courier New" panose="02070309020205020404" pitchFamily="49" charset="0"/>
-                <a:cs typeface="Courier New" panose="02070309020205020404" pitchFamily="49" charset="0"/>
-              </a:rPr>
-              <a:t>function</a:t>
-            </a:r>
-            <a:r>
-              <a:rPr lang="de-DE" sz="1800" dirty="0">
-                <a:latin typeface="Courier New" panose="02070309020205020404" pitchFamily="49" charset="0"/>
-                <a:cs typeface="Courier New" panose="02070309020205020404" pitchFamily="49" charset="0"/>
-              </a:rPr>
-              <a:t>(</a:t>
-            </a:r>
-            <a:r>
-              <a:rPr lang="de-DE" sz="1800" dirty="0" err="1">
-                <a:latin typeface="Courier New" panose="02070309020205020404" pitchFamily="49" charset="0"/>
-                <a:cs typeface="Courier New" panose="02070309020205020404" pitchFamily="49" charset="0"/>
-              </a:rPr>
-              <a:t>error</a:t>
-            </a:r>
-            <a:r>
-              <a:rPr lang="de-DE" sz="1800" dirty="0">
-                <a:latin typeface="Courier New" panose="02070309020205020404" pitchFamily="49" charset="0"/>
-                <a:cs typeface="Courier New" panose="02070309020205020404" pitchFamily="49" charset="0"/>
-              </a:rPr>
-              <a:t>, </a:t>
-            </a:r>
-            <a:r>
-              <a:rPr lang="de-DE" sz="1800" dirty="0" err="1">
-                <a:latin typeface="Courier New" panose="02070309020205020404" pitchFamily="49" charset="0"/>
-                <a:cs typeface="Courier New" panose="02070309020205020404" pitchFamily="49" charset="0"/>
-              </a:rPr>
-              <a:t>script</a:t>
-            </a:r>
-            <a:r>
-              <a:rPr lang="de-DE" sz="1800" dirty="0">
-                <a:latin typeface="Courier New" panose="02070309020205020404" pitchFamily="49" charset="0"/>
-                <a:cs typeface="Courier New" panose="02070309020205020404" pitchFamily="49" charset="0"/>
-              </a:rPr>
-              <a:t>) {   </a:t>
-            </a:r>
-          </a:p>
-          <a:p>
-            <a:r>
-              <a:rPr lang="de-DE" sz="1800" dirty="0">
-                <a:latin typeface="Courier New" panose="02070309020205020404" pitchFamily="49" charset="0"/>
-                <a:cs typeface="Courier New" panose="02070309020205020404" pitchFamily="49" charset="0"/>
-              </a:rPr>
-              <a:t>               </a:t>
-            </a:r>
-            <a:r>
-              <a:rPr lang="de-DE" sz="1800" dirty="0" err="1">
-                <a:solidFill>
-                  <a:srgbClr val="0070C0"/>
-                </a:solidFill>
-                <a:latin typeface="Courier New" panose="02070309020205020404" pitchFamily="49" charset="0"/>
-                <a:cs typeface="Courier New" panose="02070309020205020404" pitchFamily="49" charset="0"/>
-              </a:rPr>
-              <a:t>if</a:t>
-            </a:r>
-            <a:r>
-              <a:rPr lang="de-DE" sz="1800" dirty="0">
-                <a:latin typeface="Courier New" panose="02070309020205020404" pitchFamily="49" charset="0"/>
-                <a:cs typeface="Courier New" panose="02070309020205020404" pitchFamily="49" charset="0"/>
-              </a:rPr>
-              <a:t> (</a:t>
-            </a:r>
-            <a:r>
-              <a:rPr lang="de-DE" sz="1800" dirty="0" err="1">
-                <a:latin typeface="Courier New" panose="02070309020205020404" pitchFamily="49" charset="0"/>
-                <a:cs typeface="Courier New" panose="02070309020205020404" pitchFamily="49" charset="0"/>
-              </a:rPr>
-              <a:t>error</a:t>
-            </a:r>
-            <a:r>
-              <a:rPr lang="de-DE" sz="1800" dirty="0">
-                <a:latin typeface="Courier New" panose="02070309020205020404" pitchFamily="49" charset="0"/>
-                <a:cs typeface="Courier New" panose="02070309020205020404" pitchFamily="49" charset="0"/>
-              </a:rPr>
-              <a:t>) { </a:t>
-            </a:r>
-          </a:p>
-          <a:p>
-            <a:r>
-              <a:rPr lang="de-DE" sz="1800" dirty="0">
-                <a:latin typeface="Courier New" panose="02070309020205020404" pitchFamily="49" charset="0"/>
-                <a:cs typeface="Courier New" panose="02070309020205020404" pitchFamily="49" charset="0"/>
-              </a:rPr>
-              <a:t>                  </a:t>
-            </a:r>
-            <a:r>
-              <a:rPr lang="de-DE" sz="1800" dirty="0" err="1">
-                <a:latin typeface="Courier New" panose="02070309020205020404" pitchFamily="49" charset="0"/>
-                <a:cs typeface="Courier New" panose="02070309020205020404" pitchFamily="49" charset="0"/>
-              </a:rPr>
-              <a:t>handleError</a:t>
-            </a:r>
-            <a:r>
-              <a:rPr lang="de-DE" sz="1800" dirty="0">
-                <a:latin typeface="Courier New" panose="02070309020205020404" pitchFamily="49" charset="0"/>
-                <a:cs typeface="Courier New" panose="02070309020205020404" pitchFamily="49" charset="0"/>
-              </a:rPr>
-              <a:t>(</a:t>
-            </a:r>
-            <a:r>
-              <a:rPr lang="de-DE" sz="1800" dirty="0" err="1">
-                <a:latin typeface="Courier New" panose="02070309020205020404" pitchFamily="49" charset="0"/>
-                <a:cs typeface="Courier New" panose="02070309020205020404" pitchFamily="49" charset="0"/>
-              </a:rPr>
-              <a:t>error</a:t>
-            </a:r>
-            <a:r>
-              <a:rPr lang="de-DE" sz="1800" dirty="0">
-                <a:latin typeface="Courier New" panose="02070309020205020404" pitchFamily="49" charset="0"/>
-                <a:cs typeface="Courier New" panose="02070309020205020404" pitchFamily="49" charset="0"/>
-              </a:rPr>
-              <a:t>); </a:t>
-            </a:r>
-          </a:p>
-          <a:p>
-            <a:r>
-              <a:rPr lang="de-DE" sz="1800" dirty="0">
-                <a:latin typeface="Courier New" panose="02070309020205020404" pitchFamily="49" charset="0"/>
-                <a:cs typeface="Courier New" panose="02070309020205020404" pitchFamily="49" charset="0"/>
-              </a:rPr>
-              <a:t>               } </a:t>
-            </a:r>
-            <a:r>
-              <a:rPr lang="de-DE" sz="1800" dirty="0" err="1">
-                <a:solidFill>
-                  <a:srgbClr val="0070C0"/>
-                </a:solidFill>
-                <a:latin typeface="Courier New" panose="02070309020205020404" pitchFamily="49" charset="0"/>
-                <a:cs typeface="Courier New" panose="02070309020205020404" pitchFamily="49" charset="0"/>
-              </a:rPr>
-              <a:t>else</a:t>
-            </a:r>
-            <a:r>
-              <a:rPr lang="de-DE" sz="1800" dirty="0">
-                <a:latin typeface="Courier New" panose="02070309020205020404" pitchFamily="49" charset="0"/>
-                <a:cs typeface="Courier New" panose="02070309020205020404" pitchFamily="49" charset="0"/>
-              </a:rPr>
-              <a:t> { </a:t>
-            </a:r>
-          </a:p>
-          <a:p>
-            <a:r>
-              <a:rPr lang="de-DE" sz="1800" i="1" dirty="0">
-                <a:latin typeface="Courier New" panose="02070309020205020404" pitchFamily="49" charset="0"/>
-                <a:cs typeface="Courier New" panose="02070309020205020404" pitchFamily="49" charset="0"/>
-              </a:rPr>
-              <a:t>                  </a:t>
-            </a:r>
-            <a:r>
-              <a:rPr lang="de-DE" sz="1800" i="1" dirty="0">
+              <a:rPr lang="de-DE" sz="2000" dirty="0">
                 <a:solidFill>
                   <a:schemeClr val="bg1">
                     <a:lumMod val="75000"/>
@@ -10302,8 +14722,10 @@
               </a:rPr>
               <a:t>// ...</a:t>
             </a:r>
-            <a:r>
-              <a:rPr lang="de-DE" sz="1800" i="1" dirty="0" err="1">
+          </a:p>
+          <a:p>
+            <a:r>
+              <a:rPr lang="de-DE" sz="2000" dirty="0">
                 <a:solidFill>
                   <a:schemeClr val="bg1">
                     <a:lumMod val="75000"/>
@@ -10312,10 +14734,17 @@
                 <a:latin typeface="Courier New" panose="02070309020205020404" pitchFamily="49" charset="0"/>
                 <a:cs typeface="Courier New" panose="02070309020205020404" pitchFamily="49" charset="0"/>
               </a:rPr>
-              <a:t>continue</a:t>
-            </a:r>
-            <a:r>
-              <a:rPr lang="de-DE" sz="1800" i="1" dirty="0">
+              <a:t>         </a:t>
+            </a:r>
+            <a:r>
+              <a:rPr lang="de-DE" sz="2000" dirty="0">
+                <a:latin typeface="Courier New" panose="02070309020205020404" pitchFamily="49" charset="0"/>
+                <a:cs typeface="Courier New" panose="02070309020205020404" pitchFamily="49" charset="0"/>
+              </a:rPr>
+              <a:t>}</a:t>
+            </a:r>
+            <a:r>
+              <a:rPr lang="de-DE" sz="2000" dirty="0">
                 <a:solidFill>
                   <a:schemeClr val="bg1">
                     <a:lumMod val="75000"/>
@@ -10324,141 +14753,34 @@
                 <a:latin typeface="Courier New" panose="02070309020205020404" pitchFamily="49" charset="0"/>
                 <a:cs typeface="Courier New" panose="02070309020205020404" pitchFamily="49" charset="0"/>
               </a:rPr>
-              <a:t> after all </a:t>
-            </a:r>
-            <a:r>
-              <a:rPr lang="de-DE" sz="1800" i="1" dirty="0" err="1">
-                <a:solidFill>
-                  <a:schemeClr val="bg1">
-                    <a:lumMod val="75000"/>
-                  </a:schemeClr>
-                </a:solidFill>
-                <a:latin typeface="Courier New" panose="02070309020205020404" pitchFamily="49" charset="0"/>
-                <a:cs typeface="Courier New" panose="02070309020205020404" pitchFamily="49" charset="0"/>
-              </a:rPr>
-              <a:t>scripts</a:t>
-            </a:r>
-            <a:r>
-              <a:rPr lang="de-DE" sz="1800" i="1" dirty="0">
-                <a:solidFill>
-                  <a:schemeClr val="bg1">
-                    <a:lumMod val="75000"/>
-                  </a:schemeClr>
-                </a:solidFill>
-                <a:latin typeface="Courier New" panose="02070309020205020404" pitchFamily="49" charset="0"/>
-                <a:cs typeface="Courier New" panose="02070309020205020404" pitchFamily="49" charset="0"/>
-              </a:rPr>
               <a:t> </a:t>
             </a:r>
-            <a:r>
-              <a:rPr lang="de-DE" sz="1800" i="1" dirty="0" err="1">
-                <a:solidFill>
-                  <a:schemeClr val="bg1">
-                    <a:lumMod val="75000"/>
-                  </a:schemeClr>
-                </a:solidFill>
-                <a:latin typeface="Courier New" panose="02070309020205020404" pitchFamily="49" charset="0"/>
-                <a:cs typeface="Courier New" panose="02070309020205020404" pitchFamily="49" charset="0"/>
-              </a:rPr>
-              <a:t>are</a:t>
-            </a:r>
-            <a:r>
-              <a:rPr lang="de-DE" sz="1800" i="1" dirty="0">
-                <a:solidFill>
-                  <a:schemeClr val="bg1">
-                    <a:lumMod val="75000"/>
-                  </a:schemeClr>
-                </a:solidFill>
-                <a:latin typeface="Courier New" panose="02070309020205020404" pitchFamily="49" charset="0"/>
-                <a:cs typeface="Courier New" panose="02070309020205020404" pitchFamily="49" charset="0"/>
-              </a:rPr>
-              <a:t> </a:t>
-            </a:r>
-            <a:r>
-              <a:rPr lang="de-DE" sz="1800" i="1" dirty="0" err="1">
-                <a:solidFill>
-                  <a:schemeClr val="bg1">
-                    <a:lumMod val="75000"/>
-                  </a:schemeClr>
-                </a:solidFill>
-                <a:latin typeface="Courier New" panose="02070309020205020404" pitchFamily="49" charset="0"/>
-                <a:cs typeface="Courier New" panose="02070309020205020404" pitchFamily="49" charset="0"/>
-              </a:rPr>
-              <a:t>loaded</a:t>
-            </a:r>
-            <a:r>
-              <a:rPr lang="de-DE" sz="1800" i="1" dirty="0">
-                <a:solidFill>
-                  <a:schemeClr val="bg1">
-                    <a:lumMod val="75000"/>
-                  </a:schemeClr>
-                </a:solidFill>
-                <a:latin typeface="Courier New" panose="02070309020205020404" pitchFamily="49" charset="0"/>
-                <a:cs typeface="Courier New" panose="02070309020205020404" pitchFamily="49" charset="0"/>
-              </a:rPr>
-              <a:t> (*)</a:t>
-            </a:r>
-            <a:r>
-              <a:rPr lang="de-DE" sz="1800" dirty="0">
-                <a:solidFill>
-                  <a:schemeClr val="bg1">
-                    <a:lumMod val="75000"/>
-                  </a:schemeClr>
-                </a:solidFill>
-                <a:latin typeface="Courier New" panose="02070309020205020404" pitchFamily="49" charset="0"/>
-                <a:cs typeface="Courier New" panose="02070309020205020404" pitchFamily="49" charset="0"/>
-              </a:rPr>
-              <a:t>    </a:t>
-            </a:r>
-          </a:p>
-          <a:p>
-            <a:r>
-              <a:rPr lang="de-DE" sz="1800" dirty="0">
-                <a:latin typeface="Courier New" panose="02070309020205020404" pitchFamily="49" charset="0"/>
-                <a:cs typeface="Courier New" panose="02070309020205020404" pitchFamily="49" charset="0"/>
-              </a:rPr>
-              <a:t>               } </a:t>
-            </a:r>
-          </a:p>
-          <a:p>
-            <a:r>
-              <a:rPr lang="de-DE" sz="1800" dirty="0">
-                <a:latin typeface="Courier New" panose="02070309020205020404" pitchFamily="49" charset="0"/>
-                <a:cs typeface="Courier New" panose="02070309020205020404" pitchFamily="49" charset="0"/>
-              </a:rPr>
-              <a:t>            }); </a:t>
-            </a:r>
-          </a:p>
-          <a:p>
-            <a:r>
-              <a:rPr lang="de-DE" sz="1800" dirty="0">
-                <a:latin typeface="Courier New" panose="02070309020205020404" pitchFamily="49" charset="0"/>
-                <a:cs typeface="Courier New" panose="02070309020205020404" pitchFamily="49" charset="0"/>
-              </a:rPr>
-              <a:t>         } </a:t>
-            </a:r>
-          </a:p>
-          <a:p>
-            <a:r>
-              <a:rPr lang="de-DE" sz="1800" dirty="0">
-                <a:latin typeface="Courier New" panose="02070309020205020404" pitchFamily="49" charset="0"/>
-                <a:cs typeface="Courier New" panose="02070309020205020404" pitchFamily="49" charset="0"/>
-              </a:rPr>
-              <a:t>      }); </a:t>
-            </a:r>
-          </a:p>
-          <a:p>
-            <a:r>
-              <a:rPr lang="de-DE" sz="1800" dirty="0">
-                <a:latin typeface="Courier New" panose="02070309020205020404" pitchFamily="49" charset="0"/>
-                <a:cs typeface="Courier New" panose="02070309020205020404" pitchFamily="49" charset="0"/>
-              </a:rPr>
-              <a:t>   } </a:t>
-            </a:r>
-          </a:p>
-          <a:p>
-            <a:r>
-              <a:rPr lang="de-DE" sz="1800" dirty="0">
+            <a:endParaRPr lang="de-DE" sz="2000" dirty="0">
+              <a:latin typeface="Courier New" panose="02070309020205020404" pitchFamily="49" charset="0"/>
+              <a:cs typeface="Courier New" panose="02070309020205020404" pitchFamily="49" charset="0"/>
+            </a:endParaRPr>
+          </a:p>
+          <a:p>
+            <a:r>
+              <a:rPr lang="de-DE" sz="2000" dirty="0">
+                <a:latin typeface="Courier New" panose="02070309020205020404" pitchFamily="49" charset="0"/>
+                <a:cs typeface="Courier New" panose="02070309020205020404" pitchFamily="49" charset="0"/>
+              </a:rPr>
+              <a:t>      });</a:t>
+            </a:r>
+          </a:p>
+          <a:p>
+            <a:r>
+              <a:rPr lang="de-DE" sz="2000" dirty="0">
+                <a:latin typeface="Courier New" panose="02070309020205020404" pitchFamily="49" charset="0"/>
+                <a:cs typeface="Courier New" panose="02070309020205020404" pitchFamily="49" charset="0"/>
+              </a:rPr>
+              <a:t>   }</a:t>
+            </a:r>
+          </a:p>
+          <a:p>
+            <a:r>
+              <a:rPr lang="de-DE" sz="2000" dirty="0">
                 <a:latin typeface="Courier New" panose="02070309020205020404" pitchFamily="49" charset="0"/>
                 <a:cs typeface="Courier New" panose="02070309020205020404" pitchFamily="49" charset="0"/>
               </a:rPr>
@@ -10470,7 +14792,7 @@
     </p:spTree>
     <p:extLst>
       <p:ext uri="{BB962C8B-B14F-4D97-AF65-F5344CB8AC3E}">
-        <p14:creationId xmlns:p14="http://schemas.microsoft.com/office/powerpoint/2010/main" val="2569994942"/>
+        <p14:creationId xmlns:p14="http://schemas.microsoft.com/office/powerpoint/2010/main" val="1395676247"/>
       </p:ext>
     </p:extLst>
   </p:cSld>
@@ -10502,7 +14824,7 @@
           <p:cNvPr id="2" name="Titel 1">
             <a:extLst>
               <a:ext uri="{FF2B5EF4-FFF2-40B4-BE49-F238E27FC236}">
-                <a16:creationId xmlns:a16="http://schemas.microsoft.com/office/drawing/2014/main" id="{B13B3468-5B26-F44D-B0C0-2646F213FB7C}"/>
+                <a16:creationId xmlns:a16="http://schemas.microsoft.com/office/drawing/2014/main" id="{8B2B8D31-45F6-124F-A8C3-09350CC015F2}"/>
               </a:ext>
             </a:extLst>
           </p:cNvPr>
@@ -10519,26 +14841,9 @@
           <a:lstStyle/>
           <a:p>
             <a:r>
-              <a:rPr lang="de-DE" dirty="0" err="1"/>
-              <a:t>Pyramid</a:t>
-            </a:r>
-            <a:r>
               <a:rPr lang="de-DE" dirty="0"/>
-              <a:t> </a:t>
-            </a:r>
-            <a:r>
-              <a:rPr lang="de-DE" dirty="0" err="1"/>
-              <a:t>of</a:t>
-            </a:r>
-            <a:r>
-              <a:rPr lang="de-DE" dirty="0"/>
-              <a:t> </a:t>
-            </a:r>
-            <a:r>
-              <a:rPr lang="de-DE" dirty="0" err="1"/>
-              <a:t>Doom</a:t>
-            </a:r>
-            <a:endParaRPr lang="de-DE" dirty="0"/>
+              <a:t>Was ist die Callback Hölle? (3/3)</a:t>
+            </a:r>
           </a:p>
         </p:txBody>
       </p:sp>
@@ -10547,7 +14852,7 @@
           <p:cNvPr id="4" name="Datumsplatzhalter 3">
             <a:extLst>
               <a:ext uri="{FF2B5EF4-FFF2-40B4-BE49-F238E27FC236}">
-                <a16:creationId xmlns:a16="http://schemas.microsoft.com/office/drawing/2014/main" id="{AB06369D-9FED-2F46-A5F4-4FD905A7AB60}"/>
+                <a16:creationId xmlns:a16="http://schemas.microsoft.com/office/drawing/2014/main" id="{ED0B0DF8-4454-164D-BB76-C103D2B7F551}"/>
               </a:ext>
             </a:extLst>
           </p:cNvPr>
@@ -10576,7 +14881,7 @@
           <p:cNvPr id="5" name="Fußzeilenplatzhalter 4">
             <a:extLst>
               <a:ext uri="{FF2B5EF4-FFF2-40B4-BE49-F238E27FC236}">
-                <a16:creationId xmlns:a16="http://schemas.microsoft.com/office/drawing/2014/main" id="{AC978C5B-F4A8-4447-B5C6-FF43FAD61BD5}"/>
+                <a16:creationId xmlns:a16="http://schemas.microsoft.com/office/drawing/2014/main" id="{04CE8D11-856F-ED43-AF0F-327A215E5DB9}"/>
               </a:ext>
             </a:extLst>
           </p:cNvPr>
@@ -10605,7 +14910,7 @@
           <p:cNvPr id="6" name="Foliennummernplatzhalter 5">
             <a:extLst>
               <a:ext uri="{FF2B5EF4-FFF2-40B4-BE49-F238E27FC236}">
-                <a16:creationId xmlns:a16="http://schemas.microsoft.com/office/drawing/2014/main" id="{7DE10BD4-75C9-0D49-A8F4-6152CEBDD73D}"/>
+                <a16:creationId xmlns:a16="http://schemas.microsoft.com/office/drawing/2014/main" id="{7D4A7309-E2F2-7D4E-B919-F76193117526}"/>
               </a:ext>
             </a:extLst>
           </p:cNvPr>
@@ -10630,46 +14935,778 @@
           </a:p>
         </p:txBody>
       </p:sp>
-      <p:pic>
-        <p:nvPicPr>
-          <p:cNvPr id="8" name="Grafik 7">
-            <a:extLst>
-              <a:ext uri="{FF2B5EF4-FFF2-40B4-BE49-F238E27FC236}">
-                <a16:creationId xmlns:a16="http://schemas.microsoft.com/office/drawing/2014/main" id="{BE899D29-6A50-9946-B483-98B6F8B04B6F}"/>
-              </a:ext>
-            </a:extLst>
-          </p:cNvPr>
-          <p:cNvPicPr>
-            <a:picLocks noChangeAspect="1"/>
-          </p:cNvPicPr>
+      <p:sp>
+        <p:nvSpPr>
+          <p:cNvPr id="7" name="Rechteck 6">
+            <a:extLst>
+              <a:ext uri="{FF2B5EF4-FFF2-40B4-BE49-F238E27FC236}">
+                <a16:creationId xmlns:a16="http://schemas.microsoft.com/office/drawing/2014/main" id="{3C17D49F-7A56-DA4C-8C9A-A68482ABDF9E}"/>
+              </a:ext>
+            </a:extLst>
+          </p:cNvPr>
+          <p:cNvSpPr/>
           <p:nvPr/>
-        </p:nvPicPr>
-        <p:blipFill>
-          <a:blip r:embed="rId2">
-            <a:extLst>
-              <a:ext uri="{28A0092B-C50C-407E-A947-70E740481C1C}">
-                <a14:useLocalDpi xmlns:a14="http://schemas.microsoft.com/office/drawing/2010/main" val="0"/>
-              </a:ext>
-            </a:extLst>
-          </a:blip>
-          <a:stretch>
-            <a:fillRect/>
-          </a:stretch>
-        </p:blipFill>
+        </p:nvSpPr>
         <p:spPr>
           <a:xfrm>
-            <a:off x="692150" y="1248558"/>
-            <a:ext cx="7759700" cy="4749800"/>
+            <a:off x="107504" y="980728"/>
+            <a:ext cx="9145016" cy="5355312"/>
           </a:xfrm>
           <a:prstGeom prst="rect">
             <a:avLst/>
           </a:prstGeom>
         </p:spPr>
-      </p:pic>
+        <p:txBody>
+          <a:bodyPr wrap="square">
+            <a:spAutoFit/>
+          </a:bodyPr>
+          <a:lstStyle/>
+          <a:p>
+            <a:r>
+              <a:rPr lang="de-DE" sz="1800" dirty="0" err="1">
+                <a:latin typeface="Courier New" panose="02070309020205020404" pitchFamily="49" charset="0"/>
+                <a:cs typeface="Courier New" panose="02070309020205020404" pitchFamily="49" charset="0"/>
+              </a:rPr>
+              <a:t>loadScript</a:t>
+            </a:r>
+            <a:r>
+              <a:rPr lang="de-DE" sz="1800" dirty="0">
+                <a:latin typeface="Courier New" panose="02070309020205020404" pitchFamily="49" charset="0"/>
+                <a:cs typeface="Courier New" panose="02070309020205020404" pitchFamily="49" charset="0"/>
+              </a:rPr>
+              <a:t>(</a:t>
+            </a:r>
+            <a:r>
+              <a:rPr lang="de-DE" sz="1800" dirty="0">
+                <a:solidFill>
+                  <a:srgbClr val="00B050"/>
+                </a:solidFill>
+                <a:latin typeface="Courier New" panose="02070309020205020404" pitchFamily="49" charset="0"/>
+                <a:cs typeface="Courier New" panose="02070309020205020404" pitchFamily="49" charset="0"/>
+              </a:rPr>
+              <a:t>'1.js'</a:t>
+            </a:r>
+            <a:r>
+              <a:rPr lang="de-DE" sz="1800" dirty="0">
+                <a:latin typeface="Courier New" panose="02070309020205020404" pitchFamily="49" charset="0"/>
+                <a:cs typeface="Courier New" panose="02070309020205020404" pitchFamily="49" charset="0"/>
+              </a:rPr>
+              <a:t>, </a:t>
+            </a:r>
+            <a:r>
+              <a:rPr lang="de-DE" sz="1800" dirty="0" err="1">
+                <a:solidFill>
+                  <a:srgbClr val="0070C0"/>
+                </a:solidFill>
+                <a:latin typeface="Courier New" panose="02070309020205020404" pitchFamily="49" charset="0"/>
+                <a:cs typeface="Courier New" panose="02070309020205020404" pitchFamily="49" charset="0"/>
+              </a:rPr>
+              <a:t>function</a:t>
+            </a:r>
+            <a:r>
+              <a:rPr lang="de-DE" sz="1800" dirty="0">
+                <a:latin typeface="Courier New" panose="02070309020205020404" pitchFamily="49" charset="0"/>
+                <a:cs typeface="Courier New" panose="02070309020205020404" pitchFamily="49" charset="0"/>
+              </a:rPr>
+              <a:t>(</a:t>
+            </a:r>
+            <a:r>
+              <a:rPr lang="de-DE" sz="1800" dirty="0" err="1">
+                <a:latin typeface="Courier New" panose="02070309020205020404" pitchFamily="49" charset="0"/>
+                <a:cs typeface="Courier New" panose="02070309020205020404" pitchFamily="49" charset="0"/>
+              </a:rPr>
+              <a:t>error</a:t>
+            </a:r>
+            <a:r>
+              <a:rPr lang="de-DE" sz="1800" dirty="0">
+                <a:latin typeface="Courier New" panose="02070309020205020404" pitchFamily="49" charset="0"/>
+                <a:cs typeface="Courier New" panose="02070309020205020404" pitchFamily="49" charset="0"/>
+              </a:rPr>
+              <a:t>, </a:t>
+            </a:r>
+            <a:r>
+              <a:rPr lang="de-DE" sz="1800" dirty="0" err="1">
+                <a:latin typeface="Courier New" panose="02070309020205020404" pitchFamily="49" charset="0"/>
+                <a:cs typeface="Courier New" panose="02070309020205020404" pitchFamily="49" charset="0"/>
+              </a:rPr>
+              <a:t>script</a:t>
+            </a:r>
+            <a:r>
+              <a:rPr lang="de-DE" sz="1800" dirty="0">
+                <a:latin typeface="Courier New" panose="02070309020205020404" pitchFamily="49" charset="0"/>
+                <a:cs typeface="Courier New" panose="02070309020205020404" pitchFamily="49" charset="0"/>
+              </a:rPr>
+              <a:t>) { </a:t>
+            </a:r>
+          </a:p>
+          <a:p>
+            <a:r>
+              <a:rPr lang="de-DE" sz="1800" dirty="0">
+                <a:latin typeface="Courier New" panose="02070309020205020404" pitchFamily="49" charset="0"/>
+                <a:cs typeface="Courier New" panose="02070309020205020404" pitchFamily="49" charset="0"/>
+              </a:rPr>
+              <a:t>   </a:t>
+            </a:r>
+            <a:r>
+              <a:rPr lang="de-DE" sz="1800" dirty="0" err="1">
+                <a:solidFill>
+                  <a:srgbClr val="0070C0"/>
+                </a:solidFill>
+                <a:latin typeface="Courier New" panose="02070309020205020404" pitchFamily="49" charset="0"/>
+                <a:cs typeface="Courier New" panose="02070309020205020404" pitchFamily="49" charset="0"/>
+              </a:rPr>
+              <a:t>if</a:t>
+            </a:r>
+            <a:r>
+              <a:rPr lang="de-DE" sz="1800" dirty="0">
+                <a:latin typeface="Courier New" panose="02070309020205020404" pitchFamily="49" charset="0"/>
+                <a:cs typeface="Courier New" panose="02070309020205020404" pitchFamily="49" charset="0"/>
+              </a:rPr>
+              <a:t> (</a:t>
+            </a:r>
+            <a:r>
+              <a:rPr lang="de-DE" sz="1800" dirty="0" err="1">
+                <a:latin typeface="Courier New" panose="02070309020205020404" pitchFamily="49" charset="0"/>
+                <a:cs typeface="Courier New" panose="02070309020205020404" pitchFamily="49" charset="0"/>
+              </a:rPr>
+              <a:t>error</a:t>
+            </a:r>
+            <a:r>
+              <a:rPr lang="de-DE" sz="1800" dirty="0">
+                <a:latin typeface="Courier New" panose="02070309020205020404" pitchFamily="49" charset="0"/>
+                <a:cs typeface="Courier New" panose="02070309020205020404" pitchFamily="49" charset="0"/>
+              </a:rPr>
+              <a:t>) { </a:t>
+            </a:r>
+          </a:p>
+          <a:p>
+            <a:r>
+              <a:rPr lang="de-DE" sz="1800" dirty="0">
+                <a:latin typeface="Courier New" panose="02070309020205020404" pitchFamily="49" charset="0"/>
+                <a:cs typeface="Courier New" panose="02070309020205020404" pitchFamily="49" charset="0"/>
+              </a:rPr>
+              <a:t>      </a:t>
+            </a:r>
+            <a:r>
+              <a:rPr lang="de-DE" sz="1800" dirty="0" err="1">
+                <a:latin typeface="Courier New" panose="02070309020205020404" pitchFamily="49" charset="0"/>
+                <a:cs typeface="Courier New" panose="02070309020205020404" pitchFamily="49" charset="0"/>
+              </a:rPr>
+              <a:t>handleError</a:t>
+            </a:r>
+            <a:r>
+              <a:rPr lang="de-DE" sz="1800" dirty="0">
+                <a:latin typeface="Courier New" panose="02070309020205020404" pitchFamily="49" charset="0"/>
+                <a:cs typeface="Courier New" panose="02070309020205020404" pitchFamily="49" charset="0"/>
+              </a:rPr>
+              <a:t>(</a:t>
+            </a:r>
+            <a:r>
+              <a:rPr lang="de-DE" sz="1800" dirty="0" err="1">
+                <a:latin typeface="Courier New" panose="02070309020205020404" pitchFamily="49" charset="0"/>
+                <a:cs typeface="Courier New" panose="02070309020205020404" pitchFamily="49" charset="0"/>
+              </a:rPr>
+              <a:t>error</a:t>
+            </a:r>
+            <a:r>
+              <a:rPr lang="de-DE" sz="1800" dirty="0">
+                <a:latin typeface="Courier New" panose="02070309020205020404" pitchFamily="49" charset="0"/>
+                <a:cs typeface="Courier New" panose="02070309020205020404" pitchFamily="49" charset="0"/>
+              </a:rPr>
+              <a:t>); </a:t>
+            </a:r>
+          </a:p>
+          <a:p>
+            <a:r>
+              <a:rPr lang="de-DE" sz="1800" dirty="0">
+                <a:latin typeface="Courier New" panose="02070309020205020404" pitchFamily="49" charset="0"/>
+                <a:cs typeface="Courier New" panose="02070309020205020404" pitchFamily="49" charset="0"/>
+              </a:rPr>
+              <a:t>   } </a:t>
+            </a:r>
+            <a:r>
+              <a:rPr lang="de-DE" sz="1800" dirty="0" err="1">
+                <a:solidFill>
+                  <a:srgbClr val="0070C0"/>
+                </a:solidFill>
+                <a:latin typeface="Courier New" panose="02070309020205020404" pitchFamily="49" charset="0"/>
+                <a:cs typeface="Courier New" panose="02070309020205020404" pitchFamily="49" charset="0"/>
+              </a:rPr>
+              <a:t>else</a:t>
+            </a:r>
+            <a:r>
+              <a:rPr lang="de-DE" sz="1800" dirty="0">
+                <a:latin typeface="Courier New" panose="02070309020205020404" pitchFamily="49" charset="0"/>
+                <a:cs typeface="Courier New" panose="02070309020205020404" pitchFamily="49" charset="0"/>
+              </a:rPr>
+              <a:t> { </a:t>
+            </a:r>
+          </a:p>
+          <a:p>
+            <a:r>
+              <a:rPr lang="de-DE" sz="1800" dirty="0">
+                <a:latin typeface="Courier New" panose="02070309020205020404" pitchFamily="49" charset="0"/>
+                <a:cs typeface="Courier New" panose="02070309020205020404" pitchFamily="49" charset="0"/>
+              </a:rPr>
+              <a:t>      </a:t>
+            </a:r>
+            <a:r>
+              <a:rPr lang="de-DE" sz="1800" dirty="0" err="1">
+                <a:latin typeface="Courier New" panose="02070309020205020404" pitchFamily="49" charset="0"/>
+                <a:cs typeface="Courier New" panose="02070309020205020404" pitchFamily="49" charset="0"/>
+              </a:rPr>
+              <a:t>loadScript</a:t>
+            </a:r>
+            <a:r>
+              <a:rPr lang="de-DE" sz="1800" dirty="0">
+                <a:latin typeface="Courier New" panose="02070309020205020404" pitchFamily="49" charset="0"/>
+                <a:cs typeface="Courier New" panose="02070309020205020404" pitchFamily="49" charset="0"/>
+              </a:rPr>
+              <a:t>(</a:t>
+            </a:r>
+            <a:r>
+              <a:rPr lang="de-DE" sz="1800" dirty="0">
+                <a:solidFill>
+                  <a:srgbClr val="00B050"/>
+                </a:solidFill>
+                <a:latin typeface="Courier New" panose="02070309020205020404" pitchFamily="49" charset="0"/>
+                <a:cs typeface="Courier New" panose="02070309020205020404" pitchFamily="49" charset="0"/>
+              </a:rPr>
+              <a:t>'2.js'</a:t>
+            </a:r>
+            <a:r>
+              <a:rPr lang="de-DE" sz="1800" dirty="0">
+                <a:latin typeface="Courier New" panose="02070309020205020404" pitchFamily="49" charset="0"/>
+                <a:cs typeface="Courier New" panose="02070309020205020404" pitchFamily="49" charset="0"/>
+              </a:rPr>
+              <a:t>, </a:t>
+            </a:r>
+            <a:r>
+              <a:rPr lang="de-DE" sz="1800" dirty="0" err="1">
+                <a:solidFill>
+                  <a:srgbClr val="0070C0"/>
+                </a:solidFill>
+                <a:latin typeface="Courier New" panose="02070309020205020404" pitchFamily="49" charset="0"/>
+                <a:cs typeface="Courier New" panose="02070309020205020404" pitchFamily="49" charset="0"/>
+              </a:rPr>
+              <a:t>function</a:t>
+            </a:r>
+            <a:r>
+              <a:rPr lang="de-DE" sz="1800" dirty="0">
+                <a:latin typeface="Courier New" panose="02070309020205020404" pitchFamily="49" charset="0"/>
+                <a:cs typeface="Courier New" panose="02070309020205020404" pitchFamily="49" charset="0"/>
+              </a:rPr>
+              <a:t>(</a:t>
+            </a:r>
+            <a:r>
+              <a:rPr lang="de-DE" sz="1800" dirty="0" err="1">
+                <a:latin typeface="Courier New" panose="02070309020205020404" pitchFamily="49" charset="0"/>
+                <a:cs typeface="Courier New" panose="02070309020205020404" pitchFamily="49" charset="0"/>
+              </a:rPr>
+              <a:t>error</a:t>
+            </a:r>
+            <a:r>
+              <a:rPr lang="de-DE" sz="1800" dirty="0">
+                <a:latin typeface="Courier New" panose="02070309020205020404" pitchFamily="49" charset="0"/>
+                <a:cs typeface="Courier New" panose="02070309020205020404" pitchFamily="49" charset="0"/>
+              </a:rPr>
+              <a:t>, </a:t>
+            </a:r>
+            <a:r>
+              <a:rPr lang="de-DE" sz="1800" dirty="0" err="1">
+                <a:latin typeface="Courier New" panose="02070309020205020404" pitchFamily="49" charset="0"/>
+                <a:cs typeface="Courier New" panose="02070309020205020404" pitchFamily="49" charset="0"/>
+              </a:rPr>
+              <a:t>script</a:t>
+            </a:r>
+            <a:r>
+              <a:rPr lang="de-DE" sz="1800" dirty="0">
+                <a:latin typeface="Courier New" panose="02070309020205020404" pitchFamily="49" charset="0"/>
+                <a:cs typeface="Courier New" panose="02070309020205020404" pitchFamily="49" charset="0"/>
+              </a:rPr>
+              <a:t>) { </a:t>
+            </a:r>
+          </a:p>
+          <a:p>
+            <a:r>
+              <a:rPr lang="de-DE" sz="1800" dirty="0">
+                <a:latin typeface="Courier New" panose="02070309020205020404" pitchFamily="49" charset="0"/>
+                <a:cs typeface="Courier New" panose="02070309020205020404" pitchFamily="49" charset="0"/>
+              </a:rPr>
+              <a:t>         </a:t>
+            </a:r>
+            <a:r>
+              <a:rPr lang="de-DE" sz="1800" dirty="0" err="1">
+                <a:solidFill>
+                  <a:srgbClr val="0070C0"/>
+                </a:solidFill>
+                <a:latin typeface="Courier New" panose="02070309020205020404" pitchFamily="49" charset="0"/>
+                <a:cs typeface="Courier New" panose="02070309020205020404" pitchFamily="49" charset="0"/>
+              </a:rPr>
+              <a:t>if</a:t>
+            </a:r>
+            <a:r>
+              <a:rPr lang="de-DE" sz="1800" dirty="0">
+                <a:latin typeface="Courier New" panose="02070309020205020404" pitchFamily="49" charset="0"/>
+                <a:cs typeface="Courier New" panose="02070309020205020404" pitchFamily="49" charset="0"/>
+              </a:rPr>
+              <a:t> (</a:t>
+            </a:r>
+            <a:r>
+              <a:rPr lang="de-DE" sz="1800" dirty="0" err="1">
+                <a:latin typeface="Courier New" panose="02070309020205020404" pitchFamily="49" charset="0"/>
+                <a:cs typeface="Courier New" panose="02070309020205020404" pitchFamily="49" charset="0"/>
+              </a:rPr>
+              <a:t>error</a:t>
+            </a:r>
+            <a:r>
+              <a:rPr lang="de-DE" sz="1800" dirty="0">
+                <a:latin typeface="Courier New" panose="02070309020205020404" pitchFamily="49" charset="0"/>
+                <a:cs typeface="Courier New" panose="02070309020205020404" pitchFamily="49" charset="0"/>
+              </a:rPr>
+              <a:t>) { </a:t>
+            </a:r>
+          </a:p>
+          <a:p>
+            <a:r>
+              <a:rPr lang="de-DE" sz="1800" dirty="0">
+                <a:latin typeface="Courier New" panose="02070309020205020404" pitchFamily="49" charset="0"/>
+                <a:cs typeface="Courier New" panose="02070309020205020404" pitchFamily="49" charset="0"/>
+              </a:rPr>
+              <a:t>            </a:t>
+            </a:r>
+            <a:r>
+              <a:rPr lang="de-DE" sz="1800" dirty="0" err="1">
+                <a:latin typeface="Courier New" panose="02070309020205020404" pitchFamily="49" charset="0"/>
+                <a:cs typeface="Courier New" panose="02070309020205020404" pitchFamily="49" charset="0"/>
+              </a:rPr>
+              <a:t>handleError</a:t>
+            </a:r>
+            <a:r>
+              <a:rPr lang="de-DE" sz="1800" dirty="0">
+                <a:latin typeface="Courier New" panose="02070309020205020404" pitchFamily="49" charset="0"/>
+                <a:cs typeface="Courier New" panose="02070309020205020404" pitchFamily="49" charset="0"/>
+              </a:rPr>
+              <a:t>(</a:t>
+            </a:r>
+            <a:r>
+              <a:rPr lang="de-DE" sz="1800" dirty="0" err="1">
+                <a:latin typeface="Courier New" panose="02070309020205020404" pitchFamily="49" charset="0"/>
+                <a:cs typeface="Courier New" panose="02070309020205020404" pitchFamily="49" charset="0"/>
+              </a:rPr>
+              <a:t>error</a:t>
+            </a:r>
+            <a:r>
+              <a:rPr lang="de-DE" sz="1800" dirty="0">
+                <a:latin typeface="Courier New" panose="02070309020205020404" pitchFamily="49" charset="0"/>
+                <a:cs typeface="Courier New" panose="02070309020205020404" pitchFamily="49" charset="0"/>
+              </a:rPr>
+              <a:t>); </a:t>
+            </a:r>
+          </a:p>
+          <a:p>
+            <a:r>
+              <a:rPr lang="de-DE" sz="1800" dirty="0">
+                <a:latin typeface="Courier New" panose="02070309020205020404" pitchFamily="49" charset="0"/>
+                <a:cs typeface="Courier New" panose="02070309020205020404" pitchFamily="49" charset="0"/>
+              </a:rPr>
+              <a:t>         } </a:t>
+            </a:r>
+            <a:r>
+              <a:rPr lang="de-DE" sz="1800" dirty="0" err="1">
+                <a:solidFill>
+                  <a:srgbClr val="0070C0"/>
+                </a:solidFill>
+                <a:latin typeface="Courier New" panose="02070309020205020404" pitchFamily="49" charset="0"/>
+                <a:cs typeface="Courier New" panose="02070309020205020404" pitchFamily="49" charset="0"/>
+              </a:rPr>
+              <a:t>else</a:t>
+            </a:r>
+            <a:r>
+              <a:rPr lang="de-DE" sz="1800" dirty="0">
+                <a:latin typeface="Courier New" panose="02070309020205020404" pitchFamily="49" charset="0"/>
+                <a:cs typeface="Courier New" panose="02070309020205020404" pitchFamily="49" charset="0"/>
+              </a:rPr>
+              <a:t> { </a:t>
+            </a:r>
+          </a:p>
+          <a:p>
+            <a:r>
+              <a:rPr lang="de-DE" sz="1800" dirty="0">
+                <a:latin typeface="Courier New" panose="02070309020205020404" pitchFamily="49" charset="0"/>
+                <a:cs typeface="Courier New" panose="02070309020205020404" pitchFamily="49" charset="0"/>
+              </a:rPr>
+              <a:t>            </a:t>
+            </a:r>
+            <a:r>
+              <a:rPr lang="de-DE" sz="1800" dirty="0" err="1">
+                <a:latin typeface="Courier New" panose="02070309020205020404" pitchFamily="49" charset="0"/>
+                <a:cs typeface="Courier New" panose="02070309020205020404" pitchFamily="49" charset="0"/>
+              </a:rPr>
+              <a:t>loadScript</a:t>
+            </a:r>
+            <a:r>
+              <a:rPr lang="de-DE" sz="1800" dirty="0">
+                <a:latin typeface="Courier New" panose="02070309020205020404" pitchFamily="49" charset="0"/>
+                <a:cs typeface="Courier New" panose="02070309020205020404" pitchFamily="49" charset="0"/>
+              </a:rPr>
+              <a:t>(</a:t>
+            </a:r>
+            <a:r>
+              <a:rPr lang="de-DE" sz="1800" dirty="0">
+                <a:solidFill>
+                  <a:srgbClr val="00B050"/>
+                </a:solidFill>
+                <a:latin typeface="Courier New" panose="02070309020205020404" pitchFamily="49" charset="0"/>
+                <a:cs typeface="Courier New" panose="02070309020205020404" pitchFamily="49" charset="0"/>
+              </a:rPr>
+              <a:t>'3.js'</a:t>
+            </a:r>
+            <a:r>
+              <a:rPr lang="de-DE" sz="1800" dirty="0">
+                <a:latin typeface="Courier New" panose="02070309020205020404" pitchFamily="49" charset="0"/>
+                <a:cs typeface="Courier New" panose="02070309020205020404" pitchFamily="49" charset="0"/>
+              </a:rPr>
+              <a:t>, </a:t>
+            </a:r>
+            <a:r>
+              <a:rPr lang="de-DE" sz="1800" dirty="0" err="1">
+                <a:solidFill>
+                  <a:srgbClr val="0070C0"/>
+                </a:solidFill>
+                <a:latin typeface="Courier New" panose="02070309020205020404" pitchFamily="49" charset="0"/>
+                <a:cs typeface="Courier New" panose="02070309020205020404" pitchFamily="49" charset="0"/>
+              </a:rPr>
+              <a:t>function</a:t>
+            </a:r>
+            <a:r>
+              <a:rPr lang="de-DE" sz="1800" dirty="0">
+                <a:latin typeface="Courier New" panose="02070309020205020404" pitchFamily="49" charset="0"/>
+                <a:cs typeface="Courier New" panose="02070309020205020404" pitchFamily="49" charset="0"/>
+              </a:rPr>
+              <a:t>(</a:t>
+            </a:r>
+            <a:r>
+              <a:rPr lang="de-DE" sz="1800" dirty="0" err="1">
+                <a:latin typeface="Courier New" panose="02070309020205020404" pitchFamily="49" charset="0"/>
+                <a:cs typeface="Courier New" panose="02070309020205020404" pitchFamily="49" charset="0"/>
+              </a:rPr>
+              <a:t>error</a:t>
+            </a:r>
+            <a:r>
+              <a:rPr lang="de-DE" sz="1800" dirty="0">
+                <a:latin typeface="Courier New" panose="02070309020205020404" pitchFamily="49" charset="0"/>
+                <a:cs typeface="Courier New" panose="02070309020205020404" pitchFamily="49" charset="0"/>
+              </a:rPr>
+              <a:t>, </a:t>
+            </a:r>
+            <a:r>
+              <a:rPr lang="de-DE" sz="1800" dirty="0" err="1">
+                <a:latin typeface="Courier New" panose="02070309020205020404" pitchFamily="49" charset="0"/>
+                <a:cs typeface="Courier New" panose="02070309020205020404" pitchFamily="49" charset="0"/>
+              </a:rPr>
+              <a:t>script</a:t>
+            </a:r>
+            <a:r>
+              <a:rPr lang="de-DE" sz="1800" dirty="0">
+                <a:latin typeface="Courier New" panose="02070309020205020404" pitchFamily="49" charset="0"/>
+                <a:cs typeface="Courier New" panose="02070309020205020404" pitchFamily="49" charset="0"/>
+              </a:rPr>
+              <a:t>) {   </a:t>
+            </a:r>
+          </a:p>
+          <a:p>
+            <a:r>
+              <a:rPr lang="de-DE" sz="1800" dirty="0">
+                <a:latin typeface="Courier New" panose="02070309020205020404" pitchFamily="49" charset="0"/>
+                <a:cs typeface="Courier New" panose="02070309020205020404" pitchFamily="49" charset="0"/>
+              </a:rPr>
+              <a:t>               </a:t>
+            </a:r>
+            <a:r>
+              <a:rPr lang="de-DE" sz="1800" dirty="0" err="1">
+                <a:solidFill>
+                  <a:srgbClr val="0070C0"/>
+                </a:solidFill>
+                <a:latin typeface="Courier New" panose="02070309020205020404" pitchFamily="49" charset="0"/>
+                <a:cs typeface="Courier New" panose="02070309020205020404" pitchFamily="49" charset="0"/>
+              </a:rPr>
+              <a:t>if</a:t>
+            </a:r>
+            <a:r>
+              <a:rPr lang="de-DE" sz="1800" dirty="0">
+                <a:latin typeface="Courier New" panose="02070309020205020404" pitchFamily="49" charset="0"/>
+                <a:cs typeface="Courier New" panose="02070309020205020404" pitchFamily="49" charset="0"/>
+              </a:rPr>
+              <a:t> (</a:t>
+            </a:r>
+            <a:r>
+              <a:rPr lang="de-DE" sz="1800" dirty="0" err="1">
+                <a:latin typeface="Courier New" panose="02070309020205020404" pitchFamily="49" charset="0"/>
+                <a:cs typeface="Courier New" panose="02070309020205020404" pitchFamily="49" charset="0"/>
+              </a:rPr>
+              <a:t>error</a:t>
+            </a:r>
+            <a:r>
+              <a:rPr lang="de-DE" sz="1800" dirty="0">
+                <a:latin typeface="Courier New" panose="02070309020205020404" pitchFamily="49" charset="0"/>
+                <a:cs typeface="Courier New" panose="02070309020205020404" pitchFamily="49" charset="0"/>
+              </a:rPr>
+              <a:t>) { </a:t>
+            </a:r>
+          </a:p>
+          <a:p>
+            <a:r>
+              <a:rPr lang="de-DE" sz="1800" dirty="0">
+                <a:latin typeface="Courier New" panose="02070309020205020404" pitchFamily="49" charset="0"/>
+                <a:cs typeface="Courier New" panose="02070309020205020404" pitchFamily="49" charset="0"/>
+              </a:rPr>
+              <a:t>                  </a:t>
+            </a:r>
+            <a:r>
+              <a:rPr lang="de-DE" sz="1800" dirty="0" err="1">
+                <a:latin typeface="Courier New" panose="02070309020205020404" pitchFamily="49" charset="0"/>
+                <a:cs typeface="Courier New" panose="02070309020205020404" pitchFamily="49" charset="0"/>
+              </a:rPr>
+              <a:t>handleError</a:t>
+            </a:r>
+            <a:r>
+              <a:rPr lang="de-DE" sz="1800" dirty="0">
+                <a:latin typeface="Courier New" panose="02070309020205020404" pitchFamily="49" charset="0"/>
+                <a:cs typeface="Courier New" panose="02070309020205020404" pitchFamily="49" charset="0"/>
+              </a:rPr>
+              <a:t>(</a:t>
+            </a:r>
+            <a:r>
+              <a:rPr lang="de-DE" sz="1800" dirty="0" err="1">
+                <a:latin typeface="Courier New" panose="02070309020205020404" pitchFamily="49" charset="0"/>
+                <a:cs typeface="Courier New" panose="02070309020205020404" pitchFamily="49" charset="0"/>
+              </a:rPr>
+              <a:t>error</a:t>
+            </a:r>
+            <a:r>
+              <a:rPr lang="de-DE" sz="1800" dirty="0">
+                <a:latin typeface="Courier New" panose="02070309020205020404" pitchFamily="49" charset="0"/>
+                <a:cs typeface="Courier New" panose="02070309020205020404" pitchFamily="49" charset="0"/>
+              </a:rPr>
+              <a:t>); </a:t>
+            </a:r>
+          </a:p>
+          <a:p>
+            <a:r>
+              <a:rPr lang="de-DE" sz="1800" dirty="0">
+                <a:latin typeface="Courier New" panose="02070309020205020404" pitchFamily="49" charset="0"/>
+                <a:cs typeface="Courier New" panose="02070309020205020404" pitchFamily="49" charset="0"/>
+              </a:rPr>
+              <a:t>               } </a:t>
+            </a:r>
+            <a:r>
+              <a:rPr lang="de-DE" sz="1800" dirty="0" err="1">
+                <a:solidFill>
+                  <a:srgbClr val="0070C0"/>
+                </a:solidFill>
+                <a:latin typeface="Courier New" panose="02070309020205020404" pitchFamily="49" charset="0"/>
+                <a:cs typeface="Courier New" panose="02070309020205020404" pitchFamily="49" charset="0"/>
+              </a:rPr>
+              <a:t>else</a:t>
+            </a:r>
+            <a:r>
+              <a:rPr lang="de-DE" sz="1800" dirty="0">
+                <a:latin typeface="Courier New" panose="02070309020205020404" pitchFamily="49" charset="0"/>
+                <a:cs typeface="Courier New" panose="02070309020205020404" pitchFamily="49" charset="0"/>
+              </a:rPr>
+              <a:t> { </a:t>
+            </a:r>
+          </a:p>
+          <a:p>
+            <a:r>
+              <a:rPr lang="de-DE" sz="1800" i="1" dirty="0">
+                <a:latin typeface="Courier New" panose="02070309020205020404" pitchFamily="49" charset="0"/>
+                <a:cs typeface="Courier New" panose="02070309020205020404" pitchFamily="49" charset="0"/>
+              </a:rPr>
+              <a:t>                  </a:t>
+            </a:r>
+            <a:r>
+              <a:rPr lang="de-DE" sz="1800" i="1" dirty="0">
+                <a:solidFill>
+                  <a:schemeClr val="bg1">
+                    <a:lumMod val="75000"/>
+                  </a:schemeClr>
+                </a:solidFill>
+                <a:latin typeface="Courier New" panose="02070309020205020404" pitchFamily="49" charset="0"/>
+                <a:cs typeface="Courier New" panose="02070309020205020404" pitchFamily="49" charset="0"/>
+              </a:rPr>
+              <a:t>// ...</a:t>
+            </a:r>
+            <a:r>
+              <a:rPr lang="de-DE" sz="1800" i="1" dirty="0" err="1">
+                <a:solidFill>
+                  <a:schemeClr val="bg1">
+                    <a:lumMod val="75000"/>
+                  </a:schemeClr>
+                </a:solidFill>
+                <a:latin typeface="Courier New" panose="02070309020205020404" pitchFamily="49" charset="0"/>
+                <a:cs typeface="Courier New" panose="02070309020205020404" pitchFamily="49" charset="0"/>
+              </a:rPr>
+              <a:t>continue</a:t>
+            </a:r>
+            <a:r>
+              <a:rPr lang="de-DE" sz="1800" i="1" dirty="0">
+                <a:solidFill>
+                  <a:schemeClr val="bg1">
+                    <a:lumMod val="75000"/>
+                  </a:schemeClr>
+                </a:solidFill>
+                <a:latin typeface="Courier New" panose="02070309020205020404" pitchFamily="49" charset="0"/>
+                <a:cs typeface="Courier New" panose="02070309020205020404" pitchFamily="49" charset="0"/>
+              </a:rPr>
+              <a:t> after all </a:t>
+            </a:r>
+            <a:r>
+              <a:rPr lang="de-DE" sz="1800" i="1" dirty="0" err="1">
+                <a:solidFill>
+                  <a:schemeClr val="bg1">
+                    <a:lumMod val="75000"/>
+                  </a:schemeClr>
+                </a:solidFill>
+                <a:latin typeface="Courier New" panose="02070309020205020404" pitchFamily="49" charset="0"/>
+                <a:cs typeface="Courier New" panose="02070309020205020404" pitchFamily="49" charset="0"/>
+              </a:rPr>
+              <a:t>scripts</a:t>
+            </a:r>
+            <a:r>
+              <a:rPr lang="de-DE" sz="1800" i="1" dirty="0">
+                <a:solidFill>
+                  <a:schemeClr val="bg1">
+                    <a:lumMod val="75000"/>
+                  </a:schemeClr>
+                </a:solidFill>
+                <a:latin typeface="Courier New" panose="02070309020205020404" pitchFamily="49" charset="0"/>
+                <a:cs typeface="Courier New" panose="02070309020205020404" pitchFamily="49" charset="0"/>
+              </a:rPr>
+              <a:t> </a:t>
+            </a:r>
+            <a:r>
+              <a:rPr lang="de-DE" sz="1800" i="1" dirty="0" err="1">
+                <a:solidFill>
+                  <a:schemeClr val="bg1">
+                    <a:lumMod val="75000"/>
+                  </a:schemeClr>
+                </a:solidFill>
+                <a:latin typeface="Courier New" panose="02070309020205020404" pitchFamily="49" charset="0"/>
+                <a:cs typeface="Courier New" panose="02070309020205020404" pitchFamily="49" charset="0"/>
+              </a:rPr>
+              <a:t>are</a:t>
+            </a:r>
+            <a:r>
+              <a:rPr lang="de-DE" sz="1800" i="1" dirty="0">
+                <a:solidFill>
+                  <a:schemeClr val="bg1">
+                    <a:lumMod val="75000"/>
+                  </a:schemeClr>
+                </a:solidFill>
+                <a:latin typeface="Courier New" panose="02070309020205020404" pitchFamily="49" charset="0"/>
+                <a:cs typeface="Courier New" panose="02070309020205020404" pitchFamily="49" charset="0"/>
+              </a:rPr>
+              <a:t> </a:t>
+            </a:r>
+            <a:r>
+              <a:rPr lang="de-DE" sz="1800" i="1" dirty="0" err="1">
+                <a:solidFill>
+                  <a:schemeClr val="bg1">
+                    <a:lumMod val="75000"/>
+                  </a:schemeClr>
+                </a:solidFill>
+                <a:latin typeface="Courier New" panose="02070309020205020404" pitchFamily="49" charset="0"/>
+                <a:cs typeface="Courier New" panose="02070309020205020404" pitchFamily="49" charset="0"/>
+              </a:rPr>
+              <a:t>loaded</a:t>
+            </a:r>
+            <a:r>
+              <a:rPr lang="de-DE" sz="1800" i="1" dirty="0">
+                <a:solidFill>
+                  <a:schemeClr val="bg1">
+                    <a:lumMod val="75000"/>
+                  </a:schemeClr>
+                </a:solidFill>
+                <a:latin typeface="Courier New" panose="02070309020205020404" pitchFamily="49" charset="0"/>
+                <a:cs typeface="Courier New" panose="02070309020205020404" pitchFamily="49" charset="0"/>
+              </a:rPr>
+              <a:t> (*)</a:t>
+            </a:r>
+            <a:r>
+              <a:rPr lang="de-DE" sz="1800" dirty="0">
+                <a:solidFill>
+                  <a:schemeClr val="bg1">
+                    <a:lumMod val="75000"/>
+                  </a:schemeClr>
+                </a:solidFill>
+                <a:latin typeface="Courier New" panose="02070309020205020404" pitchFamily="49" charset="0"/>
+                <a:cs typeface="Courier New" panose="02070309020205020404" pitchFamily="49" charset="0"/>
+              </a:rPr>
+              <a:t>    </a:t>
+            </a:r>
+          </a:p>
+          <a:p>
+            <a:r>
+              <a:rPr lang="de-DE" sz="1800" dirty="0">
+                <a:latin typeface="Courier New" panose="02070309020205020404" pitchFamily="49" charset="0"/>
+                <a:cs typeface="Courier New" panose="02070309020205020404" pitchFamily="49" charset="0"/>
+              </a:rPr>
+              <a:t>               } </a:t>
+            </a:r>
+          </a:p>
+          <a:p>
+            <a:r>
+              <a:rPr lang="de-DE" sz="1800" dirty="0">
+                <a:latin typeface="Courier New" panose="02070309020205020404" pitchFamily="49" charset="0"/>
+                <a:cs typeface="Courier New" panose="02070309020205020404" pitchFamily="49" charset="0"/>
+              </a:rPr>
+              <a:t>            }); </a:t>
+            </a:r>
+          </a:p>
+          <a:p>
+            <a:r>
+              <a:rPr lang="de-DE" sz="1800" dirty="0">
+                <a:latin typeface="Courier New" panose="02070309020205020404" pitchFamily="49" charset="0"/>
+                <a:cs typeface="Courier New" panose="02070309020205020404" pitchFamily="49" charset="0"/>
+              </a:rPr>
+              <a:t>         } </a:t>
+            </a:r>
+          </a:p>
+          <a:p>
+            <a:r>
+              <a:rPr lang="de-DE" sz="1800" dirty="0">
+                <a:latin typeface="Courier New" panose="02070309020205020404" pitchFamily="49" charset="0"/>
+                <a:cs typeface="Courier New" panose="02070309020205020404" pitchFamily="49" charset="0"/>
+              </a:rPr>
+              <a:t>      }); </a:t>
+            </a:r>
+          </a:p>
+          <a:p>
+            <a:r>
+              <a:rPr lang="de-DE" sz="1800" dirty="0">
+                <a:latin typeface="Courier New" panose="02070309020205020404" pitchFamily="49" charset="0"/>
+                <a:cs typeface="Courier New" panose="02070309020205020404" pitchFamily="49" charset="0"/>
+              </a:rPr>
+              <a:t>   } </a:t>
+            </a:r>
+          </a:p>
+          <a:p>
+            <a:r>
+              <a:rPr lang="de-DE" sz="1800" dirty="0">
+                <a:latin typeface="Courier New" panose="02070309020205020404" pitchFamily="49" charset="0"/>
+                <a:cs typeface="Courier New" panose="02070309020205020404" pitchFamily="49" charset="0"/>
+              </a:rPr>
+              <a:t>});</a:t>
+            </a:r>
+          </a:p>
+        </p:txBody>
+      </p:sp>
     </p:spTree>
     <p:extLst>
       <p:ext uri="{BB962C8B-B14F-4D97-AF65-F5344CB8AC3E}">
-        <p14:creationId xmlns:p14="http://schemas.microsoft.com/office/powerpoint/2010/main" val="2811281751"/>
+        <p14:creationId xmlns:p14="http://schemas.microsoft.com/office/powerpoint/2010/main" val="2569994942"/>
       </p:ext>
     </p:extLst>
   </p:cSld>
@@ -10701,7 +15738,7 @@
           <p:cNvPr id="2" name="Titel 1">
             <a:extLst>
               <a:ext uri="{FF2B5EF4-FFF2-40B4-BE49-F238E27FC236}">
-                <a16:creationId xmlns:a16="http://schemas.microsoft.com/office/drawing/2014/main" id="{A5006126-2756-904E-A8BF-32DC95AF23D3}"/>
+                <a16:creationId xmlns:a16="http://schemas.microsoft.com/office/drawing/2014/main" id="{B13B3468-5B26-F44D-B0C0-2646F213FB7C}"/>
               </a:ext>
             </a:extLst>
           </p:cNvPr>
@@ -10719,12 +15756,25 @@
           <a:p>
             <a:r>
               <a:rPr lang="de-DE" dirty="0" err="1"/>
-              <a:t>Hadouken</a:t>
+              <a:t>Pyramid</a:t>
             </a:r>
             <a:r>
               <a:rPr lang="de-DE" dirty="0"/>
-              <a:t> Code</a:t>
-            </a:r>
+              <a:t> </a:t>
+            </a:r>
+            <a:r>
+              <a:rPr lang="de-DE" dirty="0" err="1"/>
+              <a:t>of</a:t>
+            </a:r>
+            <a:r>
+              <a:rPr lang="de-DE" dirty="0"/>
+              <a:t> </a:t>
+            </a:r>
+            <a:r>
+              <a:rPr lang="de-DE" dirty="0" err="1"/>
+              <a:t>Doom</a:t>
+            </a:r>
+            <a:endParaRPr lang="de-DE" dirty="0"/>
           </a:p>
         </p:txBody>
       </p:sp>
@@ -10733,7 +15783,7 @@
           <p:cNvPr id="4" name="Datumsplatzhalter 3">
             <a:extLst>
               <a:ext uri="{FF2B5EF4-FFF2-40B4-BE49-F238E27FC236}">
-                <a16:creationId xmlns:a16="http://schemas.microsoft.com/office/drawing/2014/main" id="{5543B59C-0E8B-DB43-9254-51CCB22F2AD5}"/>
+                <a16:creationId xmlns:a16="http://schemas.microsoft.com/office/drawing/2014/main" id="{AB06369D-9FED-2F46-A5F4-4FD905A7AB60}"/>
               </a:ext>
             </a:extLst>
           </p:cNvPr>
@@ -10762,7 +15812,7 @@
           <p:cNvPr id="5" name="Fußzeilenplatzhalter 4">
             <a:extLst>
               <a:ext uri="{FF2B5EF4-FFF2-40B4-BE49-F238E27FC236}">
-                <a16:creationId xmlns:a16="http://schemas.microsoft.com/office/drawing/2014/main" id="{6D3BBFED-83E0-9C42-A194-AC8E4DE7194B}"/>
+                <a16:creationId xmlns:a16="http://schemas.microsoft.com/office/drawing/2014/main" id="{AC978C5B-F4A8-4447-B5C6-FF43FAD61BD5}"/>
               </a:ext>
             </a:extLst>
           </p:cNvPr>
@@ -10791,7 +15841,7 @@
           <p:cNvPr id="6" name="Foliennummernplatzhalter 5">
             <a:extLst>
               <a:ext uri="{FF2B5EF4-FFF2-40B4-BE49-F238E27FC236}">
-                <a16:creationId xmlns:a16="http://schemas.microsoft.com/office/drawing/2014/main" id="{046089E6-30D2-4349-AAF6-9E2E2E74C7E5}"/>
+                <a16:creationId xmlns:a16="http://schemas.microsoft.com/office/drawing/2014/main" id="{7DE10BD4-75C9-0D49-A8F4-6152CEBDD73D}"/>
               </a:ext>
             </a:extLst>
           </p:cNvPr>
@@ -10818,10 +15868,10 @@
       </p:sp>
       <p:pic>
         <p:nvPicPr>
-          <p:cNvPr id="7" name="Grafik 6">
-            <a:extLst>
-              <a:ext uri="{FF2B5EF4-FFF2-40B4-BE49-F238E27FC236}">
-                <a16:creationId xmlns:a16="http://schemas.microsoft.com/office/drawing/2014/main" id="{CC8B1CC7-58A1-194F-9D78-86443AAC106A}"/>
+          <p:cNvPr id="8" name="Grafik 7">
+            <a:extLst>
+              <a:ext uri="{FF2B5EF4-FFF2-40B4-BE49-F238E27FC236}">
+                <a16:creationId xmlns:a16="http://schemas.microsoft.com/office/drawing/2014/main" id="{BE899D29-6A50-9946-B483-98B6F8B04B6F}"/>
               </a:ext>
             </a:extLst>
           </p:cNvPr>
@@ -10831,15 +15881,21 @@
           <p:nvPr/>
         </p:nvPicPr>
         <p:blipFill>
-          <a:blip r:embed="rId2"/>
+          <a:blip r:embed="rId2">
+            <a:extLst>
+              <a:ext uri="{28A0092B-C50C-407E-A947-70E740481C1C}">
+                <a14:useLocalDpi xmlns:a14="http://schemas.microsoft.com/office/drawing/2010/main" val="0"/>
+              </a:ext>
+            </a:extLst>
+          </a:blip>
           <a:stretch>
             <a:fillRect/>
           </a:stretch>
         </p:blipFill>
         <p:spPr>
           <a:xfrm>
-            <a:off x="1475656" y="1340768"/>
-            <a:ext cx="6264696" cy="4437493"/>
+            <a:off x="692150" y="1248558"/>
+            <a:ext cx="7759700" cy="4749800"/>
           </a:xfrm>
           <a:prstGeom prst="rect">
             <a:avLst/>
@@ -10849,7 +15905,7 @@
     </p:spTree>
     <p:extLst>
       <p:ext uri="{BB962C8B-B14F-4D97-AF65-F5344CB8AC3E}">
-        <p14:creationId xmlns:p14="http://schemas.microsoft.com/office/powerpoint/2010/main" val="1417060397"/>
+        <p14:creationId xmlns:p14="http://schemas.microsoft.com/office/powerpoint/2010/main" val="2811281751"/>
       </p:ext>
     </p:extLst>
   </p:cSld>
